--- a/ComputerVision/Lecture 05 - Feature Extraction/Lecture 05 - Feature Extraction.pptx
+++ b/ComputerVision/Lecture 05 - Feature Extraction/Lecture 05 - Feature Extraction.pptx
@@ -6,7 +6,7 @@
     <p:sldMasterId id="2147483661" r:id="rId2"/>
   </p:sldMasterIdLst>
   <p:notesMasterIdLst>
-    <p:notesMasterId r:id="rId17"/>
+    <p:notesMasterId r:id="rId18"/>
   </p:notesMasterIdLst>
   <p:sldIdLst>
     <p:sldId id="256" r:id="rId3"/>
@@ -23,6 +23,7 @@
     <p:sldId id="300" r:id="rId14"/>
     <p:sldId id="301" r:id="rId15"/>
     <p:sldId id="302" r:id="rId16"/>
+    <p:sldId id="303" r:id="rId17"/>
   </p:sldIdLst>
   <p:sldSz cx="10080625" cy="7559675"/>
   <p:notesSz cx="7559675" cy="10691813"/>
@@ -2542,6 +2543,140 @@
 </p:notes>
 </file>
 
+<file path=ppt/notesSlides/notesSlide15.xml><?xml version="1.0" encoding="utf-8"?>
+<p:notes xmlns:a="http://schemas.openxmlformats.org/drawingml/2006/main" xmlns:r="http://schemas.openxmlformats.org/officeDocument/2006/relationships" xmlns:p="http://schemas.openxmlformats.org/presentationml/2006/main">
+  <p:cSld>
+    <p:spTree>
+      <p:nvGrpSpPr>
+        <p:cNvPr id="1" name=""/>
+        <p:cNvGrpSpPr/>
+        <p:nvPr/>
+      </p:nvGrpSpPr>
+      <p:grpSpPr>
+        <a:xfrm>
+          <a:off x="0" y="0"/>
+          <a:ext cx="0" cy="0"/>
+          <a:chOff x="0" y="0"/>
+          <a:chExt cx="0" cy="0"/>
+        </a:xfrm>
+      </p:grpSpPr>
+      <p:sp>
+        <p:nvSpPr>
+          <p:cNvPr id="168" name="PlaceHolder 1"/>
+          <p:cNvSpPr>
+            <a:spLocks noGrp="1" noRot="1" noChangeAspect="1"/>
+          </p:cNvSpPr>
+          <p:nvPr>
+            <p:ph type="sldImg"/>
+          </p:nvPr>
+        </p:nvSpPr>
+        <p:spPr>
+          <a:xfrm>
+            <a:off x="1376363" y="1336675"/>
+            <a:ext cx="4803775" cy="3603625"/>
+          </a:xfrm>
+          <a:prstGeom prst="rect">
+            <a:avLst/>
+          </a:prstGeom>
+        </p:spPr>
+      </p:sp>
+      <p:sp>
+        <p:nvSpPr>
+          <p:cNvPr id="169" name="PlaceHolder 2"/>
+          <p:cNvSpPr>
+            <a:spLocks noGrp="1"/>
+          </p:cNvSpPr>
+          <p:nvPr>
+            <p:ph type="body"/>
+          </p:nvPr>
+        </p:nvSpPr>
+        <p:spPr>
+          <a:xfrm>
+            <a:off x="756000" y="5145120"/>
+            <a:ext cx="6044040" cy="4206240"/>
+          </a:xfrm>
+          <a:prstGeom prst="rect">
+            <a:avLst/>
+          </a:prstGeom>
+        </p:spPr>
+        <p:txBody>
+          <a:bodyPr lIns="0" tIns="0" rIns="0" bIns="0"/>
+          <a:lstStyle/>
+          <a:p>
+            <a:endParaRPr lang="pt-BR" sz="2000" b="0" strike="noStrike" spc="-1">
+              <a:latin typeface="Arial"/>
+            </a:endParaRPr>
+          </a:p>
+        </p:txBody>
+      </p:sp>
+      <p:sp>
+        <p:nvSpPr>
+          <p:cNvPr id="170" name="CustomShape 3"/>
+          <p:cNvSpPr/>
+          <p:nvPr/>
+        </p:nvSpPr>
+        <p:spPr>
+          <a:xfrm>
+            <a:off x="0" y="10155240"/>
+            <a:ext cx="3272400" cy="532800"/>
+          </a:xfrm>
+          <a:prstGeom prst="rect">
+            <a:avLst/>
+          </a:prstGeom>
+          <a:noFill/>
+          <a:ln>
+            <a:noFill/>
+          </a:ln>
+        </p:spPr>
+        <p:style>
+          <a:lnRef idx="0">
+            <a:scrgbClr r="0" g="0" b="0"/>
+          </a:lnRef>
+          <a:fillRef idx="0">
+            <a:scrgbClr r="0" g="0" b="0"/>
+          </a:fillRef>
+          <a:effectRef idx="0">
+            <a:scrgbClr r="0" g="0" b="0"/>
+          </a:effectRef>
+          <a:fontRef idx="minor"/>
+        </p:style>
+        <p:txBody>
+          <a:bodyPr lIns="90000" tIns="45000" rIns="90000" bIns="45000" anchor="b"/>
+          <a:lstStyle/>
+          <a:p>
+            <a:pPr>
+              <a:lnSpc>
+                <a:spcPct val="100000"/>
+              </a:lnSpc>
+            </a:pPr>
+            <a:r>
+              <a:rPr lang="pt-BR" sz="1200" b="0" strike="noStrike" spc="-1">
+                <a:solidFill>
+                  <a:srgbClr val="000000"/>
+                </a:solidFill>
+                <a:latin typeface="Times New Roman"/>
+              </a:rPr>
+              <a:t>Prof. André Hochuli</a:t>
+            </a:r>
+            <a:endParaRPr lang="pt-BR" sz="1200" b="0" strike="noStrike" spc="-1">
+              <a:latin typeface="Arial"/>
+            </a:endParaRPr>
+          </a:p>
+        </p:txBody>
+      </p:sp>
+    </p:spTree>
+    <p:extLst>
+      <p:ext uri="{BB962C8B-B14F-4D97-AF65-F5344CB8AC3E}">
+        <p14:creationId xmlns:p14="http://schemas.microsoft.com/office/powerpoint/2010/main" val="1195988184"/>
+      </p:ext>
+    </p:extLst>
+  </p:cSld>
+  <p:clrMapOvr>
+    <a:masterClrMapping/>
+  </p:clrMapOvr>
+</p:notes>
+</file>
+
 <file path=ppt/notesSlides/notesSlide2.xml><?xml version="1.0" encoding="utf-8"?>
 <p:notes xmlns:a="http://schemas.openxmlformats.org/drawingml/2006/main" xmlns:r="http://schemas.openxmlformats.org/officeDocument/2006/relationships" xmlns:p="http://schemas.openxmlformats.org/presentationml/2006/main">
   <p:cSld>
@@ -10737,6 +10872,500 @@
     <p:extLst>
       <p:ext uri="{BB962C8B-B14F-4D97-AF65-F5344CB8AC3E}">
         <p14:creationId xmlns:p14="http://schemas.microsoft.com/office/powerpoint/2010/main" val="2388642052"/>
+      </p:ext>
+    </p:extLst>
+  </p:cSld>
+  <p:clrMapOvr>
+    <a:masterClrMapping/>
+  </p:clrMapOvr>
+  <p:timing>
+    <p:tnLst>
+      <p:par>
+        <p:cTn id="1" dur="indefinite" restart="never" nodeType="tmRoot">
+          <p:childTnLst>
+            <p:seq>
+              <p:cTn id="2" dur="indefinite" nodeType="mainSeq"/>
+              <p:prevCondLst>
+                <p:cond evt="onPrev" delay="0">
+                  <p:tgtEl>
+                    <p:sldTgt/>
+                  </p:tgtEl>
+                </p:cond>
+              </p:prevCondLst>
+              <p:nextCondLst>
+                <p:cond evt="onNext" delay="0">
+                  <p:tgtEl>
+                    <p:sldTgt/>
+                  </p:tgtEl>
+                </p:cond>
+              </p:nextCondLst>
+            </p:seq>
+          </p:childTnLst>
+        </p:cTn>
+      </p:par>
+    </p:tnLst>
+  </p:timing>
+</p:sld>
+</file>
+
+<file path=ppt/slides/slide15.xml><?xml version="1.0" encoding="utf-8"?>
+<p:sld xmlns:a="http://schemas.openxmlformats.org/drawingml/2006/main" xmlns:r="http://schemas.openxmlformats.org/officeDocument/2006/relationships" xmlns:p="http://schemas.openxmlformats.org/presentationml/2006/main">
+  <p:cSld>
+    <p:spTree>
+      <p:nvGrpSpPr>
+        <p:cNvPr id="1" name=""/>
+        <p:cNvGrpSpPr/>
+        <p:nvPr/>
+      </p:nvGrpSpPr>
+      <p:grpSpPr>
+        <a:xfrm>
+          <a:off x="0" y="0"/>
+          <a:ext cx="0" cy="0"/>
+          <a:chOff x="0" y="0"/>
+          <a:chExt cx="0" cy="0"/>
+        </a:xfrm>
+      </p:grpSpPr>
+      <p:sp>
+        <p:nvSpPr>
+          <p:cNvPr id="99" name="CustomShape 1"/>
+          <p:cNvSpPr/>
+          <p:nvPr/>
+        </p:nvSpPr>
+        <p:spPr>
+          <a:xfrm>
+            <a:off x="360000" y="360000"/>
+            <a:ext cx="9356400" cy="896400"/>
+          </a:xfrm>
+          <a:prstGeom prst="rect">
+            <a:avLst/>
+          </a:prstGeom>
+          <a:noFill/>
+          <a:ln>
+            <a:noFill/>
+          </a:ln>
+        </p:spPr>
+        <p:style>
+          <a:lnRef idx="0">
+            <a:scrgbClr r="0" g="0" b="0"/>
+          </a:lnRef>
+          <a:fillRef idx="0">
+            <a:scrgbClr r="0" g="0" b="0"/>
+          </a:fillRef>
+          <a:effectRef idx="0">
+            <a:scrgbClr r="0" g="0" b="0"/>
+          </a:effectRef>
+          <a:fontRef idx="minor"/>
+        </p:style>
+        <p:txBody>
+          <a:bodyPr lIns="0" tIns="0" rIns="0" bIns="0" anchor="b"/>
+          <a:lstStyle/>
+          <a:p>
+            <a:r>
+              <a:rPr lang="en-US" sz="3200" b="1" spc="-1" dirty="0">
+                <a:solidFill>
+                  <a:srgbClr val="FFFFFF"/>
+                </a:solidFill>
+                <a:latin typeface="Latin Modern Sans"/>
+              </a:rPr>
+              <a:t>Didactic Quality Questionnaire</a:t>
+            </a:r>
+            <a:endParaRPr lang="en-US" sz="3200" b="0" strike="noStrike" spc="-1" dirty="0">
+              <a:latin typeface="Arial"/>
+            </a:endParaRPr>
+          </a:p>
+        </p:txBody>
+      </p:sp>
+      <p:sp>
+        <p:nvSpPr>
+          <p:cNvPr id="9" name="CustomShape 2">
+            <a:extLst>
+              <a:ext uri="{FF2B5EF4-FFF2-40B4-BE49-F238E27FC236}">
+                <a16:creationId xmlns:a16="http://schemas.microsoft.com/office/drawing/2014/main" id="{7D27D924-BAD9-59EB-0956-442C5E618C62}"/>
+              </a:ext>
+            </a:extLst>
+          </p:cNvPr>
+          <p:cNvSpPr/>
+          <p:nvPr/>
+        </p:nvSpPr>
+        <p:spPr>
+          <a:xfrm>
+            <a:off x="897120" y="6886080"/>
+            <a:ext cx="6443640" cy="361440"/>
+          </a:xfrm>
+          <a:prstGeom prst="rect">
+            <a:avLst/>
+          </a:prstGeom>
+          <a:noFill/>
+          <a:ln>
+            <a:noFill/>
+          </a:ln>
+        </p:spPr>
+        <p:style>
+          <a:lnRef idx="0">
+            <a:scrgbClr r="0" g="0" b="0"/>
+          </a:lnRef>
+          <a:fillRef idx="0">
+            <a:scrgbClr r="0" g="0" b="0"/>
+          </a:fillRef>
+          <a:effectRef idx="0">
+            <a:scrgbClr r="0" g="0" b="0"/>
+          </a:effectRef>
+          <a:fontRef idx="minor"/>
+        </p:style>
+        <p:txBody>
+          <a:bodyPr lIns="90000" tIns="45000" rIns="90000" bIns="45000"/>
+          <a:lstStyle/>
+          <a:p>
+            <a:pPr>
+              <a:lnSpc>
+                <a:spcPct val="100000"/>
+              </a:lnSpc>
+            </a:pPr>
+            <a:r>
+              <a:rPr lang="pt-BR" sz="1800" b="0" strike="noStrike" spc="-1" dirty="0">
+                <a:solidFill>
+                  <a:srgbClr val="000000"/>
+                </a:solidFill>
+                <a:latin typeface="Arial"/>
+                <a:ea typeface="DejaVu Sans"/>
+              </a:rPr>
+              <a:t>Computer Vision - Prof. André Hochuli</a:t>
+            </a:r>
+            <a:endParaRPr lang="pt-BR" sz="1800" b="0" strike="noStrike" spc="-1" dirty="0">
+              <a:latin typeface="Arial"/>
+            </a:endParaRPr>
+          </a:p>
+        </p:txBody>
+      </p:sp>
+      <p:sp>
+        <p:nvSpPr>
+          <p:cNvPr id="10" name="CustomShape 3">
+            <a:extLst>
+              <a:ext uri="{FF2B5EF4-FFF2-40B4-BE49-F238E27FC236}">
+                <a16:creationId xmlns:a16="http://schemas.microsoft.com/office/drawing/2014/main" id="{78C456B9-B5EA-AE0A-55ED-2B32CE41C07D}"/>
+              </a:ext>
+            </a:extLst>
+          </p:cNvPr>
+          <p:cNvSpPr/>
+          <p:nvPr/>
+        </p:nvSpPr>
+        <p:spPr>
+          <a:xfrm>
+            <a:off x="7608600" y="6886080"/>
+            <a:ext cx="2281680" cy="361440"/>
+          </a:xfrm>
+          <a:prstGeom prst="rect">
+            <a:avLst/>
+          </a:prstGeom>
+          <a:noFill/>
+          <a:ln>
+            <a:noFill/>
+          </a:ln>
+        </p:spPr>
+        <p:style>
+          <a:lnRef idx="0">
+            <a:scrgbClr r="0" g="0" b="0"/>
+          </a:lnRef>
+          <a:fillRef idx="0">
+            <a:scrgbClr r="0" g="0" b="0"/>
+          </a:fillRef>
+          <a:effectRef idx="0">
+            <a:scrgbClr r="0" g="0" b="0"/>
+          </a:effectRef>
+          <a:fontRef idx="minor"/>
+        </p:style>
+        <p:txBody>
+          <a:bodyPr lIns="90000" tIns="45000" rIns="90000" bIns="45000"/>
+          <a:lstStyle/>
+          <a:p>
+            <a:pPr>
+              <a:lnSpc>
+                <a:spcPct val="100000"/>
+              </a:lnSpc>
+            </a:pPr>
+            <a:r>
+              <a:rPr lang="en-US" sz="1800" b="0" strike="noStrike" spc="-1" dirty="0">
+                <a:solidFill>
+                  <a:srgbClr val="000000"/>
+                </a:solidFill>
+                <a:latin typeface="Arial"/>
+                <a:ea typeface="DejaVu Sans"/>
+              </a:rPr>
+              <a:t>Lecture</a:t>
+            </a:r>
+            <a:r>
+              <a:rPr lang="pt-BR" sz="1800" b="0" strike="noStrike" spc="-1" dirty="0">
+                <a:solidFill>
+                  <a:srgbClr val="000000"/>
+                </a:solidFill>
+                <a:latin typeface="Arial"/>
+                <a:ea typeface="DejaVu Sans"/>
+              </a:rPr>
+              <a:t> </a:t>
+            </a:r>
+            <a:r>
+              <a:rPr lang="pt-BR" spc="-1" dirty="0">
+                <a:solidFill>
+                  <a:srgbClr val="000000"/>
+                </a:solidFill>
+                <a:latin typeface="Arial"/>
+                <a:ea typeface="DejaVu Sans"/>
+              </a:rPr>
+              <a:t>05</a:t>
+            </a:r>
+            <a:endParaRPr lang="pt-BR" sz="1800" b="0" strike="noStrike" spc="-1" dirty="0">
+              <a:latin typeface="Arial"/>
+            </a:endParaRPr>
+          </a:p>
+        </p:txBody>
+      </p:sp>
+      <p:sp>
+        <p:nvSpPr>
+          <p:cNvPr id="2" name="CaixaDeTexto 1">
+            <a:extLst>
+              <a:ext uri="{FF2B5EF4-FFF2-40B4-BE49-F238E27FC236}">
+                <a16:creationId xmlns:a16="http://schemas.microsoft.com/office/drawing/2014/main" id="{D744B707-1B4A-5A5F-CC17-5C9D8382FBD9}"/>
+              </a:ext>
+            </a:extLst>
+          </p:cNvPr>
+          <p:cNvSpPr txBox="1"/>
+          <p:nvPr/>
+        </p:nvSpPr>
+        <p:spPr>
+          <a:xfrm>
+            <a:off x="200025" y="1673771"/>
+            <a:ext cx="9516375" cy="1477328"/>
+          </a:xfrm>
+          <a:prstGeom prst="rect">
+            <a:avLst/>
+          </a:prstGeom>
+          <a:noFill/>
+        </p:spPr>
+        <p:txBody>
+          <a:bodyPr wrap="square" rtlCol="0">
+            <a:spAutoFit/>
+          </a:bodyPr>
+          <a:lstStyle/>
+          <a:p>
+            <a:pPr marL="285750" indent="-285750">
+              <a:buFont typeface="Arial" panose="020B0604020202020204" pitchFamily="34" charset="0"/>
+              <a:buChar char="•"/>
+            </a:pPr>
+            <a:r>
+              <a:rPr lang="en-US" dirty="0">
+                <a:latin typeface="Calibri" panose="020F0502020204030204" pitchFamily="34" charset="0"/>
+                <a:cs typeface="Calibri" panose="020F0502020204030204" pitchFamily="34" charset="0"/>
+              </a:rPr>
+              <a:t>Let me know your thoughts about</a:t>
+            </a:r>
+          </a:p>
+          <a:p>
+            <a:pPr marL="742950" lvl="1" indent="-285750">
+              <a:buFont typeface="Arial" panose="020B0604020202020204" pitchFamily="34" charset="0"/>
+              <a:buChar char="•"/>
+            </a:pPr>
+            <a:r>
+              <a:rPr lang="en-US" dirty="0">
+                <a:latin typeface="Calibri" panose="020F0502020204030204" pitchFamily="34" charset="0"/>
+                <a:cs typeface="Calibri" panose="020F0502020204030204" pitchFamily="34" charset="0"/>
+              </a:rPr>
+              <a:t>Lectures, Didactic, Materials and Professor</a:t>
+            </a:r>
+          </a:p>
+          <a:p>
+            <a:pPr lvl="1"/>
+            <a:endParaRPr lang="en-US" dirty="0">
+              <a:latin typeface="Calibri" panose="020F0502020204030204" pitchFamily="34" charset="0"/>
+              <a:cs typeface="Calibri" panose="020F0502020204030204" pitchFamily="34" charset="0"/>
+            </a:endParaRPr>
+          </a:p>
+          <a:p>
+            <a:endParaRPr lang="en-US" dirty="0">
+              <a:latin typeface="Calibri" panose="020F0502020204030204" pitchFamily="34" charset="0"/>
+              <a:cs typeface="Calibri" panose="020F0502020204030204" pitchFamily="34" charset="0"/>
+            </a:endParaRPr>
+          </a:p>
+          <a:p>
+            <a:pPr marL="285750" indent="-285750">
+              <a:buFont typeface="Arial" panose="020B0604020202020204" pitchFamily="34" charset="0"/>
+              <a:buChar char="•"/>
+            </a:pPr>
+            <a:endParaRPr lang="en-US" dirty="0">
+              <a:latin typeface="Calibri" panose="020F0502020204030204" pitchFamily="34" charset="0"/>
+              <a:cs typeface="Calibri" panose="020F0502020204030204" pitchFamily="34" charset="0"/>
+            </a:endParaRPr>
+          </a:p>
+        </p:txBody>
+      </p:sp>
+      <p:sp>
+        <p:nvSpPr>
+          <p:cNvPr id="5" name="AutoShape 12" descr="Horizontal and vertical projection of histogram for normalized sample image">
+            <a:extLst>
+              <a:ext uri="{FF2B5EF4-FFF2-40B4-BE49-F238E27FC236}">
+                <a16:creationId xmlns:a16="http://schemas.microsoft.com/office/drawing/2014/main" id="{DD6D3762-E0BF-CCFE-0AB5-9A9B3D3BE2F6}"/>
+              </a:ext>
+            </a:extLst>
+          </p:cNvPr>
+          <p:cNvSpPr>
+            <a:spLocks noChangeAspect="1" noChangeArrowheads="1"/>
+          </p:cNvSpPr>
+          <p:nvPr/>
+        </p:nvSpPr>
+        <p:spPr bwMode="auto">
+          <a:xfrm>
+            <a:off x="4887913" y="3627438"/>
+            <a:ext cx="304800" cy="304800"/>
+          </a:xfrm>
+          <a:prstGeom prst="rect">
+            <a:avLst/>
+          </a:prstGeom>
+          <a:noFill/>
+          <a:extLst>
+            <a:ext uri="{909E8E84-426E-40DD-AFC4-6F175D3DCCD1}">
+              <a14:hiddenFill xmlns:a14="http://schemas.microsoft.com/office/drawing/2010/main">
+                <a:solidFill>
+                  <a:srgbClr val="FFFFFF"/>
+                </a:solidFill>
+              </a14:hiddenFill>
+            </a:ext>
+          </a:extLst>
+        </p:spPr>
+        <p:txBody>
+          <a:bodyPr vert="horz" wrap="square" lIns="91440" tIns="45720" rIns="91440" bIns="45720" numCol="1" anchor="t" anchorCtr="0" compatLnSpc="1">
+            <a:prstTxWarp prst="textNoShape">
+              <a:avLst/>
+            </a:prstTxWarp>
+          </a:bodyPr>
+          <a:lstStyle/>
+          <a:p>
+            <a:endParaRPr lang="pt-BR"/>
+          </a:p>
+        </p:txBody>
+      </p:sp>
+      <p:sp>
+        <p:nvSpPr>
+          <p:cNvPr id="14" name="CaixaDeTexto 13">
+            <a:extLst>
+              <a:ext uri="{FF2B5EF4-FFF2-40B4-BE49-F238E27FC236}">
+                <a16:creationId xmlns:a16="http://schemas.microsoft.com/office/drawing/2014/main" id="{9B84B9A1-71A5-3019-786D-22F15EEAE6D6}"/>
+              </a:ext>
+            </a:extLst>
+          </p:cNvPr>
+          <p:cNvSpPr txBox="1"/>
+          <p:nvPr/>
+        </p:nvSpPr>
+        <p:spPr>
+          <a:xfrm>
+            <a:off x="1026160" y="4714240"/>
+            <a:ext cx="184731" cy="369332"/>
+          </a:xfrm>
+          <a:prstGeom prst="rect">
+            <a:avLst/>
+          </a:prstGeom>
+          <a:noFill/>
+        </p:spPr>
+        <p:txBody>
+          <a:bodyPr wrap="none" rtlCol="0">
+            <a:spAutoFit/>
+          </a:bodyPr>
+          <a:lstStyle/>
+          <a:p>
+            <a:endParaRPr lang="pt-BR" dirty="0"/>
+          </a:p>
+        </p:txBody>
+      </p:sp>
+      <p:pic>
+        <p:nvPicPr>
+          <p:cNvPr id="1026" name="Picture 2" descr="QRCode para Avaliação Disciplina / Professor&#10;Visão Computacional">
+            <a:extLst>
+              <a:ext uri="{FF2B5EF4-FFF2-40B4-BE49-F238E27FC236}">
+                <a16:creationId xmlns:a16="http://schemas.microsoft.com/office/drawing/2014/main" id="{42BEB1E4-C007-E3D3-A6DF-F7848B3FC830}"/>
+              </a:ext>
+            </a:extLst>
+          </p:cNvPr>
+          <p:cNvPicPr>
+            <a:picLocks noChangeAspect="1" noChangeArrowheads="1"/>
+          </p:cNvPicPr>
+          <p:nvPr/>
+        </p:nvPicPr>
+        <p:blipFill>
+          <a:blip r:embed="rId3">
+            <a:extLst>
+              <a:ext uri="{28A0092B-C50C-407E-A947-70E740481C1C}">
+                <a14:useLocalDpi xmlns:a14="http://schemas.microsoft.com/office/drawing/2010/main" val="0"/>
+              </a:ext>
+            </a:extLst>
+          </a:blip>
+          <a:srcRect/>
+          <a:stretch>
+            <a:fillRect/>
+          </a:stretch>
+        </p:blipFill>
+        <p:spPr bwMode="auto">
+          <a:xfrm>
+            <a:off x="3118149" y="2530120"/>
+            <a:ext cx="3750011" cy="3750011"/>
+          </a:xfrm>
+          <a:prstGeom prst="rect">
+            <a:avLst/>
+          </a:prstGeom>
+          <a:noFill/>
+          <a:extLst>
+            <a:ext uri="{909E8E84-426E-40DD-AFC4-6F175D3DCCD1}">
+              <a14:hiddenFill xmlns:a14="http://schemas.microsoft.com/office/drawing/2010/main">
+                <a:solidFill>
+                  <a:srgbClr val="FFFFFF"/>
+                </a:solidFill>
+              </a14:hiddenFill>
+            </a:ext>
+          </a:extLst>
+        </p:spPr>
+      </p:pic>
+      <p:sp>
+        <p:nvSpPr>
+          <p:cNvPr id="11" name="CaixaDeTexto 10">
+            <a:extLst>
+              <a:ext uri="{FF2B5EF4-FFF2-40B4-BE49-F238E27FC236}">
+                <a16:creationId xmlns:a16="http://schemas.microsoft.com/office/drawing/2014/main" id="{78AB3737-95AD-1ED0-7C51-001A4F09C53F}"/>
+              </a:ext>
+            </a:extLst>
+          </p:cNvPr>
+          <p:cNvSpPr txBox="1"/>
+          <p:nvPr/>
+        </p:nvSpPr>
+        <p:spPr>
+          <a:xfrm>
+            <a:off x="3012921" y="6344870"/>
+            <a:ext cx="4286567" cy="646331"/>
+          </a:xfrm>
+          <a:prstGeom prst="rect">
+            <a:avLst/>
+          </a:prstGeom>
+          <a:noFill/>
+        </p:spPr>
+        <p:txBody>
+          <a:bodyPr wrap="square">
+            <a:spAutoFit/>
+          </a:bodyPr>
+          <a:lstStyle/>
+          <a:p>
+            <a:r>
+              <a:rPr lang="pt-BR" dirty="0">
+                <a:hlinkClick r:id="rId4"/>
+              </a:rPr>
+              <a:t>https://forms.office.com/r/4ewHS74yrK</a:t>
+            </a:r>
+            <a:endParaRPr lang="pt-BR" dirty="0"/>
+          </a:p>
+          <a:p>
+            <a:endParaRPr lang="pt-BR" dirty="0"/>
+          </a:p>
+        </p:txBody>
+      </p:sp>
+    </p:spTree>
+    <p:extLst>
+      <p:ext uri="{BB962C8B-B14F-4D97-AF65-F5344CB8AC3E}">
+        <p14:creationId xmlns:p14="http://schemas.microsoft.com/office/powerpoint/2010/main" val="3159755741"/>
       </p:ext>
     </p:extLst>
   </p:cSld>

--- a/ComputerVision/Lecture 05 - Feature Extraction/Lecture 05 - Feature Extraction.pptx
+++ b/ComputerVision/Lecture 05 - Feature Extraction/Lecture 05 - Feature Extraction.pptx
@@ -75,19 +75,16 @@
             <a:noAutofit/>
           </a:bodyPr>
           <a:p>
+            <a:pPr algn="ctr">
+              <a:buNone/>
+            </a:pPr>
             <a:r>
-              <a:rPr b="0" lang="pt-BR" sz="1800" spc="-1" strike="noStrike">
-                <a:solidFill>
-                  <a:srgbClr val="000000"/>
-                </a:solidFill>
+              <a:rPr b="0" lang="pt-BR" sz="4400" spc="-1" strike="noStrike">
                 <a:latin typeface="Arial"/>
               </a:rPr>
               <a:t>Click to move the slide</a:t>
             </a:r>
-            <a:endParaRPr b="0" lang="pt-BR" sz="1800" spc="-1" strike="noStrike">
-              <a:solidFill>
-                <a:srgbClr val="000000"/>
-              </a:solidFill>
+            <a:endParaRPr b="0" lang="pt-BR" sz="4400" spc="-1" strike="noStrike">
               <a:latin typeface="Arial"/>
             </a:endParaRPr>
           </a:p>
@@ -310,7 +307,7 @@
             <a:pPr algn="r">
               <a:buNone/>
             </a:pPr>
-            <a:fld id="{1ACC5B8F-8D35-4676-8915-86C86007EAEC}" type="slidenum">
+            <a:fld id="{F340128A-6C24-4354-BAD3-5E47CCBAFDD9}" type="slidenum">
               <a:rPr b="0" lang="pt-BR" sz="1400" spc="-1" strike="noStrike">
                 <a:latin typeface="Times New Roman"/>
               </a:rPr>
@@ -358,7 +355,7 @@
         <p:spPr>
           <a:xfrm>
             <a:off x="1376280" y="1336680"/>
-            <a:ext cx="4803480" cy="3603240"/>
+            <a:ext cx="4803120" cy="3602880"/>
           </a:xfrm>
           <a:prstGeom prst="rect">
             <a:avLst/>
@@ -381,7 +378,7 @@
         <p:spPr>
           <a:xfrm>
             <a:off x="756000" y="5145120"/>
-            <a:ext cx="6043680" cy="4205880"/>
+            <a:ext cx="6043320" cy="4205520"/>
           </a:xfrm>
           <a:prstGeom prst="rect">
             <a:avLst/>
@@ -411,7 +408,7 @@
         <p:spPr>
           <a:xfrm>
             <a:off x="0" y="10155240"/>
-            <a:ext cx="3272040" cy="532440"/>
+            <a:ext cx="3271680" cy="532080"/>
           </a:xfrm>
           <a:prstGeom prst="rect">
             <a:avLst/>
@@ -489,7 +486,7 @@
         <p:spPr>
           <a:xfrm>
             <a:off x="1376280" y="1336680"/>
-            <a:ext cx="4803480" cy="3603240"/>
+            <a:ext cx="4803120" cy="3602880"/>
           </a:xfrm>
           <a:prstGeom prst="rect">
             <a:avLst/>
@@ -512,7 +509,7 @@
         <p:spPr>
           <a:xfrm>
             <a:off x="756000" y="5145120"/>
-            <a:ext cx="6043680" cy="4205880"/>
+            <a:ext cx="6043320" cy="4205520"/>
           </a:xfrm>
           <a:prstGeom prst="rect">
             <a:avLst/>
@@ -542,7 +539,7 @@
         <p:spPr>
           <a:xfrm>
             <a:off x="0" y="10155240"/>
-            <a:ext cx="3272040" cy="532440"/>
+            <a:ext cx="3271680" cy="532080"/>
           </a:xfrm>
           <a:prstGeom prst="rect">
             <a:avLst/>
@@ -620,7 +617,7 @@
         <p:spPr>
           <a:xfrm>
             <a:off x="1376280" y="1336680"/>
-            <a:ext cx="4803480" cy="3603240"/>
+            <a:ext cx="4803120" cy="3602880"/>
           </a:xfrm>
           <a:prstGeom prst="rect">
             <a:avLst/>
@@ -643,7 +640,7 @@
         <p:spPr>
           <a:xfrm>
             <a:off x="756000" y="5145120"/>
-            <a:ext cx="6043680" cy="4205880"/>
+            <a:ext cx="6043320" cy="4205520"/>
           </a:xfrm>
           <a:prstGeom prst="rect">
             <a:avLst/>
@@ -673,7 +670,7 @@
         <p:spPr>
           <a:xfrm>
             <a:off x="0" y="10155240"/>
-            <a:ext cx="3272040" cy="532440"/>
+            <a:ext cx="3271680" cy="532080"/>
           </a:xfrm>
           <a:prstGeom prst="rect">
             <a:avLst/>
@@ -751,7 +748,7 @@
         <p:spPr>
           <a:xfrm>
             <a:off x="1376280" y="1336680"/>
-            <a:ext cx="4803480" cy="3603240"/>
+            <a:ext cx="4803120" cy="3602880"/>
           </a:xfrm>
           <a:prstGeom prst="rect">
             <a:avLst/>
@@ -774,7 +771,7 @@
         <p:spPr>
           <a:xfrm>
             <a:off x="756000" y="5145120"/>
-            <a:ext cx="6043680" cy="4205880"/>
+            <a:ext cx="6043320" cy="4205520"/>
           </a:xfrm>
           <a:prstGeom prst="rect">
             <a:avLst/>
@@ -804,7 +801,7 @@
         <p:spPr>
           <a:xfrm>
             <a:off x="0" y="10155240"/>
-            <a:ext cx="3272040" cy="532440"/>
+            <a:ext cx="3271680" cy="532080"/>
           </a:xfrm>
           <a:prstGeom prst="rect">
             <a:avLst/>
@@ -882,7 +879,7 @@
         <p:spPr>
           <a:xfrm>
             <a:off x="1376280" y="1336680"/>
-            <a:ext cx="4803480" cy="3603240"/>
+            <a:ext cx="4803120" cy="3602880"/>
           </a:xfrm>
           <a:prstGeom prst="rect">
             <a:avLst/>
@@ -905,7 +902,7 @@
         <p:spPr>
           <a:xfrm>
             <a:off x="756000" y="5145120"/>
-            <a:ext cx="6043680" cy="4205880"/>
+            <a:ext cx="6043320" cy="4205520"/>
           </a:xfrm>
           <a:prstGeom prst="rect">
             <a:avLst/>
@@ -935,7 +932,7 @@
         <p:spPr>
           <a:xfrm>
             <a:off x="0" y="10155240"/>
-            <a:ext cx="3272040" cy="532440"/>
+            <a:ext cx="3271680" cy="532080"/>
           </a:xfrm>
           <a:prstGeom prst="rect">
             <a:avLst/>
@@ -1013,7 +1010,7 @@
         <p:spPr>
           <a:xfrm>
             <a:off x="1376280" y="1336680"/>
-            <a:ext cx="4803480" cy="3603240"/>
+            <a:ext cx="4803120" cy="3602880"/>
           </a:xfrm>
           <a:prstGeom prst="rect">
             <a:avLst/>
@@ -1036,7 +1033,7 @@
         <p:spPr>
           <a:xfrm>
             <a:off x="756000" y="5145120"/>
-            <a:ext cx="6043680" cy="4205880"/>
+            <a:ext cx="6043320" cy="4205520"/>
           </a:xfrm>
           <a:prstGeom prst="rect">
             <a:avLst/>
@@ -1066,7 +1063,7 @@
         <p:spPr>
           <a:xfrm>
             <a:off x="0" y="10155240"/>
-            <a:ext cx="3272040" cy="532440"/>
+            <a:ext cx="3271680" cy="532080"/>
           </a:xfrm>
           <a:prstGeom prst="rect">
             <a:avLst/>
@@ -1144,7 +1141,7 @@
         <p:spPr>
           <a:xfrm>
             <a:off x="1376280" y="1336680"/>
-            <a:ext cx="4803480" cy="3603240"/>
+            <a:ext cx="4803120" cy="3602880"/>
           </a:xfrm>
           <a:prstGeom prst="rect">
             <a:avLst/>
@@ -1167,7 +1164,7 @@
         <p:spPr>
           <a:xfrm>
             <a:off x="756000" y="5145120"/>
-            <a:ext cx="6043680" cy="4205880"/>
+            <a:ext cx="6043320" cy="4205520"/>
           </a:xfrm>
           <a:prstGeom prst="rect">
             <a:avLst/>
@@ -1197,7 +1194,7 @@
         <p:spPr>
           <a:xfrm>
             <a:off x="0" y="10155240"/>
-            <a:ext cx="3272040" cy="532440"/>
+            <a:ext cx="3271680" cy="532080"/>
           </a:xfrm>
           <a:prstGeom prst="rect">
             <a:avLst/>
@@ -1275,7 +1272,7 @@
         <p:spPr>
           <a:xfrm>
             <a:off x="1376280" y="1336680"/>
-            <a:ext cx="4803480" cy="3603240"/>
+            <a:ext cx="4803120" cy="3602880"/>
           </a:xfrm>
           <a:prstGeom prst="rect">
             <a:avLst/>
@@ -1298,7 +1295,7 @@
         <p:spPr>
           <a:xfrm>
             <a:off x="756000" y="5145120"/>
-            <a:ext cx="6043680" cy="4205880"/>
+            <a:ext cx="6043320" cy="4205520"/>
           </a:xfrm>
           <a:prstGeom prst="rect">
             <a:avLst/>
@@ -1328,7 +1325,7 @@
         <p:spPr>
           <a:xfrm>
             <a:off x="0" y="10155240"/>
-            <a:ext cx="3272040" cy="532440"/>
+            <a:ext cx="3271680" cy="532080"/>
           </a:xfrm>
           <a:prstGeom prst="rect">
             <a:avLst/>
@@ -1406,7 +1403,7 @@
         <p:spPr>
           <a:xfrm>
             <a:off x="1376280" y="1336680"/>
-            <a:ext cx="4803480" cy="3603240"/>
+            <a:ext cx="4803120" cy="3602880"/>
           </a:xfrm>
           <a:prstGeom prst="rect">
             <a:avLst/>
@@ -1429,7 +1426,7 @@
         <p:spPr>
           <a:xfrm>
             <a:off x="756000" y="5145120"/>
-            <a:ext cx="6043680" cy="4205880"/>
+            <a:ext cx="6043320" cy="4205520"/>
           </a:xfrm>
           <a:prstGeom prst="rect">
             <a:avLst/>
@@ -1459,7 +1456,7 @@
         <p:spPr>
           <a:xfrm>
             <a:off x="0" y="10155240"/>
-            <a:ext cx="3272040" cy="532440"/>
+            <a:ext cx="3271680" cy="532080"/>
           </a:xfrm>
           <a:prstGeom prst="rect">
             <a:avLst/>
@@ -1537,7 +1534,7 @@
         <p:spPr>
           <a:xfrm>
             <a:off x="1376280" y="1336680"/>
-            <a:ext cx="4803480" cy="3603240"/>
+            <a:ext cx="4803120" cy="3602880"/>
           </a:xfrm>
           <a:prstGeom prst="rect">
             <a:avLst/>
@@ -1560,7 +1557,7 @@
         <p:spPr>
           <a:xfrm>
             <a:off x="756000" y="5145120"/>
-            <a:ext cx="6043680" cy="4205880"/>
+            <a:ext cx="6043320" cy="4205520"/>
           </a:xfrm>
           <a:prstGeom prst="rect">
             <a:avLst/>
@@ -1590,7 +1587,7 @@
         <p:spPr>
           <a:xfrm>
             <a:off x="0" y="10155240"/>
-            <a:ext cx="3272040" cy="532440"/>
+            <a:ext cx="3271680" cy="532080"/>
           </a:xfrm>
           <a:prstGeom prst="rect">
             <a:avLst/>
@@ -1668,7 +1665,7 @@
         <p:spPr>
           <a:xfrm>
             <a:off x="1376280" y="1336680"/>
-            <a:ext cx="4803480" cy="3603240"/>
+            <a:ext cx="4803120" cy="3602880"/>
           </a:xfrm>
           <a:prstGeom prst="rect">
             <a:avLst/>
@@ -1691,7 +1688,7 @@
         <p:spPr>
           <a:xfrm>
             <a:off x="756000" y="5145120"/>
-            <a:ext cx="6043680" cy="4205880"/>
+            <a:ext cx="6043320" cy="4205520"/>
           </a:xfrm>
           <a:prstGeom prst="rect">
             <a:avLst/>
@@ -1721,7 +1718,7 @@
         <p:spPr>
           <a:xfrm>
             <a:off x="0" y="10155240"/>
-            <a:ext cx="3272040" cy="532440"/>
+            <a:ext cx="3271680" cy="532080"/>
           </a:xfrm>
           <a:prstGeom prst="rect">
             <a:avLst/>
@@ -1799,7 +1796,7 @@
         <p:spPr>
           <a:xfrm>
             <a:off x="1376280" y="1336680"/>
-            <a:ext cx="4803480" cy="3603240"/>
+            <a:ext cx="4803120" cy="3602880"/>
           </a:xfrm>
           <a:prstGeom prst="rect">
             <a:avLst/>
@@ -1822,7 +1819,7 @@
         <p:spPr>
           <a:xfrm>
             <a:off x="756000" y="5145120"/>
-            <a:ext cx="6043680" cy="4205880"/>
+            <a:ext cx="6043320" cy="4205520"/>
           </a:xfrm>
           <a:prstGeom prst="rect">
             <a:avLst/>
@@ -1852,7 +1849,7 @@
         <p:spPr>
           <a:xfrm>
             <a:off x="0" y="10155240"/>
-            <a:ext cx="3272040" cy="532440"/>
+            <a:ext cx="3271680" cy="532080"/>
           </a:xfrm>
           <a:prstGeom prst="rect">
             <a:avLst/>
@@ -1930,7 +1927,7 @@
         <p:spPr>
           <a:xfrm>
             <a:off x="1376280" y="1336680"/>
-            <a:ext cx="4803480" cy="3603240"/>
+            <a:ext cx="4803120" cy="3602880"/>
           </a:xfrm>
           <a:prstGeom prst="rect">
             <a:avLst/>
@@ -1953,7 +1950,7 @@
         <p:spPr>
           <a:xfrm>
             <a:off x="756000" y="5145120"/>
-            <a:ext cx="6043680" cy="4205880"/>
+            <a:ext cx="6043320" cy="4205520"/>
           </a:xfrm>
           <a:prstGeom prst="rect">
             <a:avLst/>
@@ -1983,7 +1980,7 @@
         <p:spPr>
           <a:xfrm>
             <a:off x="0" y="10155240"/>
-            <a:ext cx="3272040" cy="532440"/>
+            <a:ext cx="3271680" cy="532080"/>
           </a:xfrm>
           <a:prstGeom prst="rect">
             <a:avLst/>
@@ -2061,7 +2058,7 @@
         <p:spPr>
           <a:xfrm>
             <a:off x="1376280" y="1336680"/>
-            <a:ext cx="4803480" cy="3603240"/>
+            <a:ext cx="4803120" cy="3602880"/>
           </a:xfrm>
           <a:prstGeom prst="rect">
             <a:avLst/>
@@ -2084,7 +2081,7 @@
         <p:spPr>
           <a:xfrm>
             <a:off x="756000" y="5145120"/>
-            <a:ext cx="6043680" cy="4205880"/>
+            <a:ext cx="6043320" cy="4205520"/>
           </a:xfrm>
           <a:prstGeom prst="rect">
             <a:avLst/>
@@ -2114,7 +2111,7 @@
         <p:spPr>
           <a:xfrm>
             <a:off x="0" y="10155240"/>
-            <a:ext cx="3272040" cy="532440"/>
+            <a:ext cx="3271680" cy="532080"/>
           </a:xfrm>
           <a:prstGeom prst="rect">
             <a:avLst/>
@@ -2192,7 +2189,7 @@
         <p:spPr>
           <a:xfrm>
             <a:off x="1376280" y="1336680"/>
-            <a:ext cx="4803480" cy="3603240"/>
+            <a:ext cx="4803120" cy="3602880"/>
           </a:xfrm>
           <a:prstGeom prst="rect">
             <a:avLst/>
@@ -2215,7 +2212,7 @@
         <p:spPr>
           <a:xfrm>
             <a:off x="756000" y="5145120"/>
-            <a:ext cx="6043680" cy="4205880"/>
+            <a:ext cx="6043320" cy="4205520"/>
           </a:xfrm>
           <a:prstGeom prst="rect">
             <a:avLst/>
@@ -2245,7 +2242,7 @@
         <p:spPr>
           <a:xfrm>
             <a:off x="0" y="10155240"/>
-            <a:ext cx="3272040" cy="532440"/>
+            <a:ext cx="3271680" cy="532080"/>
           </a:xfrm>
           <a:prstGeom prst="rect">
             <a:avLst/>
@@ -2360,10 +2357,10 @@
             <a:noAutofit/>
           </a:bodyPr>
           <a:p>
-            <a:endParaRPr b="0" lang="pt-BR" sz="1800" spc="-1" strike="noStrike">
-              <a:solidFill>
-                <a:srgbClr val="000000"/>
-              </a:solidFill>
+            <a:pPr algn="ctr">
+              <a:buNone/>
+            </a:pPr>
+            <a:endParaRPr b="0" lang="pt-BR" sz="4400" spc="-1" strike="noStrike">
               <a:latin typeface="Arial"/>
             </a:endParaRPr>
           </a:p>
@@ -2397,19 +2394,7 @@
             <a:normAutofit/>
           </a:bodyPr>
           <a:p>
-            <a:pPr>
-              <a:lnSpc>
-                <a:spcPct val="90000"/>
-              </a:lnSpc>
-              <a:spcBef>
-                <a:spcPts val="1417"/>
-              </a:spcBef>
-              <a:buNone/>
-            </a:pPr>
-            <a:endParaRPr b="0" lang="pt-BR" sz="2800" spc="-1" strike="noStrike">
-              <a:solidFill>
-                <a:srgbClr val="000000"/>
-              </a:solidFill>
+            <a:endParaRPr b="0" lang="pt-BR" sz="3200" spc="-1" strike="noStrike">
               <a:latin typeface="Arial"/>
             </a:endParaRPr>
           </a:p>
@@ -2443,19 +2428,7 @@
             <a:normAutofit/>
           </a:bodyPr>
           <a:p>
-            <a:pPr>
-              <a:lnSpc>
-                <a:spcPct val="90000"/>
-              </a:lnSpc>
-              <a:spcBef>
-                <a:spcPts val="1417"/>
-              </a:spcBef>
-              <a:buNone/>
-            </a:pPr>
-            <a:endParaRPr b="0" lang="pt-BR" sz="2800" spc="-1" strike="noStrike">
-              <a:solidFill>
-                <a:srgbClr val="000000"/>
-              </a:solidFill>
+            <a:endParaRPr b="0" lang="pt-BR" sz="3200" spc="-1" strike="noStrike">
               <a:latin typeface="Arial"/>
             </a:endParaRPr>
           </a:p>
@@ -2511,10 +2484,10 @@
             <a:noAutofit/>
           </a:bodyPr>
           <a:p>
-            <a:endParaRPr b="0" lang="pt-BR" sz="1800" spc="-1" strike="noStrike">
-              <a:solidFill>
-                <a:srgbClr val="000000"/>
-              </a:solidFill>
+            <a:pPr algn="ctr">
+              <a:buNone/>
+            </a:pPr>
+            <a:endParaRPr b="0" lang="pt-BR" sz="4400" spc="-1" strike="noStrike">
               <a:latin typeface="Arial"/>
             </a:endParaRPr>
           </a:p>
@@ -2548,19 +2521,7 @@
             <a:normAutofit/>
           </a:bodyPr>
           <a:p>
-            <a:pPr>
-              <a:lnSpc>
-                <a:spcPct val="90000"/>
-              </a:lnSpc>
-              <a:spcBef>
-                <a:spcPts val="1417"/>
-              </a:spcBef>
-              <a:buNone/>
-            </a:pPr>
-            <a:endParaRPr b="0" lang="pt-BR" sz="2800" spc="-1" strike="noStrike">
-              <a:solidFill>
-                <a:srgbClr val="000000"/>
-              </a:solidFill>
+            <a:endParaRPr b="0" lang="pt-BR" sz="3200" spc="-1" strike="noStrike">
               <a:latin typeface="Arial"/>
             </a:endParaRPr>
           </a:p>
@@ -2594,19 +2555,7 @@
             <a:normAutofit/>
           </a:bodyPr>
           <a:p>
-            <a:pPr>
-              <a:lnSpc>
-                <a:spcPct val="90000"/>
-              </a:lnSpc>
-              <a:spcBef>
-                <a:spcPts val="1417"/>
-              </a:spcBef>
-              <a:buNone/>
-            </a:pPr>
-            <a:endParaRPr b="0" lang="pt-BR" sz="2800" spc="-1" strike="noStrike">
-              <a:solidFill>
-                <a:srgbClr val="000000"/>
-              </a:solidFill>
+            <a:endParaRPr b="0" lang="pt-BR" sz="3200" spc="-1" strike="noStrike">
               <a:latin typeface="Arial"/>
             </a:endParaRPr>
           </a:p>
@@ -2640,19 +2589,7 @@
             <a:normAutofit/>
           </a:bodyPr>
           <a:p>
-            <a:pPr>
-              <a:lnSpc>
-                <a:spcPct val="90000"/>
-              </a:lnSpc>
-              <a:spcBef>
-                <a:spcPts val="1417"/>
-              </a:spcBef>
-              <a:buNone/>
-            </a:pPr>
-            <a:endParaRPr b="0" lang="pt-BR" sz="2800" spc="-1" strike="noStrike">
-              <a:solidFill>
-                <a:srgbClr val="000000"/>
-              </a:solidFill>
+            <a:endParaRPr b="0" lang="pt-BR" sz="3200" spc="-1" strike="noStrike">
               <a:latin typeface="Arial"/>
             </a:endParaRPr>
           </a:p>
@@ -2686,19 +2623,7 @@
             <a:normAutofit/>
           </a:bodyPr>
           <a:p>
-            <a:pPr>
-              <a:lnSpc>
-                <a:spcPct val="90000"/>
-              </a:lnSpc>
-              <a:spcBef>
-                <a:spcPts val="1417"/>
-              </a:spcBef>
-              <a:buNone/>
-            </a:pPr>
-            <a:endParaRPr b="0" lang="pt-BR" sz="2800" spc="-1" strike="noStrike">
-              <a:solidFill>
-                <a:srgbClr val="000000"/>
-              </a:solidFill>
+            <a:endParaRPr b="0" lang="pt-BR" sz="3200" spc="-1" strike="noStrike">
               <a:latin typeface="Arial"/>
             </a:endParaRPr>
           </a:p>
@@ -2754,10 +2679,10 @@
             <a:noAutofit/>
           </a:bodyPr>
           <a:p>
-            <a:endParaRPr b="0" lang="pt-BR" sz="1800" spc="-1" strike="noStrike">
-              <a:solidFill>
-                <a:srgbClr val="000000"/>
-              </a:solidFill>
+            <a:pPr algn="ctr">
+              <a:buNone/>
+            </a:pPr>
+            <a:endParaRPr b="0" lang="pt-BR" sz="4400" spc="-1" strike="noStrike">
               <a:latin typeface="Arial"/>
             </a:endParaRPr>
           </a:p>
@@ -2791,19 +2716,7 @@
             <a:normAutofit/>
           </a:bodyPr>
           <a:p>
-            <a:pPr>
-              <a:lnSpc>
-                <a:spcPct val="90000"/>
-              </a:lnSpc>
-              <a:spcBef>
-                <a:spcPts val="1417"/>
-              </a:spcBef>
-              <a:buNone/>
-            </a:pPr>
-            <a:endParaRPr b="0" lang="pt-BR" sz="2800" spc="-1" strike="noStrike">
-              <a:solidFill>
-                <a:srgbClr val="000000"/>
-              </a:solidFill>
+            <a:endParaRPr b="0" lang="pt-BR" sz="3200" spc="-1" strike="noStrike">
               <a:latin typeface="Arial"/>
             </a:endParaRPr>
           </a:p>
@@ -2837,19 +2750,7 @@
             <a:normAutofit/>
           </a:bodyPr>
           <a:p>
-            <a:pPr>
-              <a:lnSpc>
-                <a:spcPct val="90000"/>
-              </a:lnSpc>
-              <a:spcBef>
-                <a:spcPts val="1417"/>
-              </a:spcBef>
-              <a:buNone/>
-            </a:pPr>
-            <a:endParaRPr b="0" lang="pt-BR" sz="2800" spc="-1" strike="noStrike">
-              <a:solidFill>
-                <a:srgbClr val="000000"/>
-              </a:solidFill>
+            <a:endParaRPr b="0" lang="pt-BR" sz="3200" spc="-1" strike="noStrike">
               <a:latin typeface="Arial"/>
             </a:endParaRPr>
           </a:p>
@@ -2883,19 +2784,7 @@
             <a:normAutofit/>
           </a:bodyPr>
           <a:p>
-            <a:pPr>
-              <a:lnSpc>
-                <a:spcPct val="90000"/>
-              </a:lnSpc>
-              <a:spcBef>
-                <a:spcPts val="1417"/>
-              </a:spcBef>
-              <a:buNone/>
-            </a:pPr>
-            <a:endParaRPr b="0" lang="pt-BR" sz="2800" spc="-1" strike="noStrike">
-              <a:solidFill>
-                <a:srgbClr val="000000"/>
-              </a:solidFill>
+            <a:endParaRPr b="0" lang="pt-BR" sz="3200" spc="-1" strike="noStrike">
               <a:latin typeface="Arial"/>
             </a:endParaRPr>
           </a:p>
@@ -2929,19 +2818,7 @@
             <a:normAutofit/>
           </a:bodyPr>
           <a:p>
-            <a:pPr>
-              <a:lnSpc>
-                <a:spcPct val="90000"/>
-              </a:lnSpc>
-              <a:spcBef>
-                <a:spcPts val="1417"/>
-              </a:spcBef>
-              <a:buNone/>
-            </a:pPr>
-            <a:endParaRPr b="0" lang="pt-BR" sz="2800" spc="-1" strike="noStrike">
-              <a:solidFill>
-                <a:srgbClr val="000000"/>
-              </a:solidFill>
+            <a:endParaRPr b="0" lang="pt-BR" sz="3200" spc="-1" strike="noStrike">
               <a:latin typeface="Arial"/>
             </a:endParaRPr>
           </a:p>
@@ -2975,19 +2852,7 @@
             <a:normAutofit/>
           </a:bodyPr>
           <a:p>
-            <a:pPr>
-              <a:lnSpc>
-                <a:spcPct val="90000"/>
-              </a:lnSpc>
-              <a:spcBef>
-                <a:spcPts val="1417"/>
-              </a:spcBef>
-              <a:buNone/>
-            </a:pPr>
-            <a:endParaRPr b="0" lang="pt-BR" sz="2800" spc="-1" strike="noStrike">
-              <a:solidFill>
-                <a:srgbClr val="000000"/>
-              </a:solidFill>
+            <a:endParaRPr b="0" lang="pt-BR" sz="3200" spc="-1" strike="noStrike">
               <a:latin typeface="Arial"/>
             </a:endParaRPr>
           </a:p>
@@ -3021,19 +2886,7 @@
             <a:normAutofit/>
           </a:bodyPr>
           <a:p>
-            <a:pPr>
-              <a:lnSpc>
-                <a:spcPct val="90000"/>
-              </a:lnSpc>
-              <a:spcBef>
-                <a:spcPts val="1417"/>
-              </a:spcBef>
-              <a:buNone/>
-            </a:pPr>
-            <a:endParaRPr b="0" lang="pt-BR" sz="2800" spc="-1" strike="noStrike">
-              <a:solidFill>
-                <a:srgbClr val="000000"/>
-              </a:solidFill>
+            <a:endParaRPr b="0" lang="pt-BR" sz="3200" spc="-1" strike="noStrike">
               <a:latin typeface="Arial"/>
             </a:endParaRPr>
           </a:p>
@@ -3111,10 +2964,10 @@
             <a:noAutofit/>
           </a:bodyPr>
           <a:p>
-            <a:endParaRPr b="0" lang="pt-BR" sz="1800" spc="-1" strike="noStrike">
-              <a:solidFill>
-                <a:srgbClr val="000000"/>
-              </a:solidFill>
+            <a:pPr algn="ctr">
+              <a:buNone/>
+            </a:pPr>
+            <a:endParaRPr b="0" lang="pt-BR" sz="4400" spc="-1" strike="noStrike">
               <a:latin typeface="Arial"/>
             </a:endParaRPr>
           </a:p>
@@ -3207,10 +3060,10 @@
             <a:noAutofit/>
           </a:bodyPr>
           <a:p>
-            <a:endParaRPr b="0" lang="pt-BR" sz="1800" spc="-1" strike="noStrike">
-              <a:solidFill>
-                <a:srgbClr val="000000"/>
-              </a:solidFill>
+            <a:pPr algn="ctr">
+              <a:buNone/>
+            </a:pPr>
+            <a:endParaRPr b="0" lang="pt-BR" sz="4400" spc="-1" strike="noStrike">
               <a:latin typeface="Arial"/>
             </a:endParaRPr>
           </a:p>
@@ -3244,19 +3097,7 @@
             <a:normAutofit/>
           </a:bodyPr>
           <a:p>
-            <a:pPr>
-              <a:lnSpc>
-                <a:spcPct val="90000"/>
-              </a:lnSpc>
-              <a:spcBef>
-                <a:spcPts val="1417"/>
-              </a:spcBef>
-              <a:buNone/>
-            </a:pPr>
-            <a:endParaRPr b="0" lang="pt-BR" sz="2800" spc="-1" strike="noStrike">
-              <a:solidFill>
-                <a:srgbClr val="000000"/>
-              </a:solidFill>
+            <a:endParaRPr b="0" lang="pt-BR" sz="3200" spc="-1" strike="noStrike">
               <a:latin typeface="Arial"/>
             </a:endParaRPr>
           </a:p>
@@ -3312,10 +3153,10 @@
             <a:noAutofit/>
           </a:bodyPr>
           <a:p>
-            <a:endParaRPr b="0" lang="pt-BR" sz="1800" spc="-1" strike="noStrike">
-              <a:solidFill>
-                <a:srgbClr val="000000"/>
-              </a:solidFill>
+            <a:pPr algn="ctr">
+              <a:buNone/>
+            </a:pPr>
+            <a:endParaRPr b="0" lang="pt-BR" sz="4400" spc="-1" strike="noStrike">
               <a:latin typeface="Arial"/>
             </a:endParaRPr>
           </a:p>
@@ -3349,19 +3190,7 @@
             <a:normAutofit/>
           </a:bodyPr>
           <a:p>
-            <a:pPr>
-              <a:lnSpc>
-                <a:spcPct val="90000"/>
-              </a:lnSpc>
-              <a:spcBef>
-                <a:spcPts val="1417"/>
-              </a:spcBef>
-              <a:buNone/>
-            </a:pPr>
-            <a:endParaRPr b="0" lang="pt-BR" sz="2800" spc="-1" strike="noStrike">
-              <a:solidFill>
-                <a:srgbClr val="000000"/>
-              </a:solidFill>
+            <a:endParaRPr b="0" lang="pt-BR" sz="3200" spc="-1" strike="noStrike">
               <a:latin typeface="Arial"/>
             </a:endParaRPr>
           </a:p>
@@ -3395,19 +3224,7 @@
             <a:normAutofit/>
           </a:bodyPr>
           <a:p>
-            <a:pPr>
-              <a:lnSpc>
-                <a:spcPct val="90000"/>
-              </a:lnSpc>
-              <a:spcBef>
-                <a:spcPts val="1417"/>
-              </a:spcBef>
-              <a:buNone/>
-            </a:pPr>
-            <a:endParaRPr b="0" lang="pt-BR" sz="2800" spc="-1" strike="noStrike">
-              <a:solidFill>
-                <a:srgbClr val="000000"/>
-              </a:solidFill>
+            <a:endParaRPr b="0" lang="pt-BR" sz="3200" spc="-1" strike="noStrike">
               <a:latin typeface="Arial"/>
             </a:endParaRPr>
           </a:p>
@@ -3463,10 +3280,10 @@
             <a:noAutofit/>
           </a:bodyPr>
           <a:p>
-            <a:endParaRPr b="0" lang="pt-BR" sz="1800" spc="-1" strike="noStrike">
-              <a:solidFill>
-                <a:srgbClr val="000000"/>
-              </a:solidFill>
+            <a:pPr algn="ctr">
+              <a:buNone/>
+            </a:pPr>
+            <a:endParaRPr b="0" lang="pt-BR" sz="4400" spc="-1" strike="noStrike">
               <a:latin typeface="Arial"/>
             </a:endParaRPr>
           </a:p>
@@ -3581,10 +3398,10 @@
             <a:noAutofit/>
           </a:bodyPr>
           <a:p>
-            <a:endParaRPr b="0" lang="pt-BR" sz="1800" spc="-1" strike="noStrike">
-              <a:solidFill>
-                <a:srgbClr val="000000"/>
-              </a:solidFill>
+            <a:pPr algn="ctr">
+              <a:buNone/>
+            </a:pPr>
+            <a:endParaRPr b="0" lang="pt-BR" sz="4400" spc="-1" strike="noStrike">
               <a:latin typeface="Arial"/>
             </a:endParaRPr>
           </a:p>
@@ -3618,19 +3435,7 @@
             <a:normAutofit/>
           </a:bodyPr>
           <a:p>
-            <a:pPr>
-              <a:lnSpc>
-                <a:spcPct val="90000"/>
-              </a:lnSpc>
-              <a:spcBef>
-                <a:spcPts val="1417"/>
-              </a:spcBef>
-              <a:buNone/>
-            </a:pPr>
-            <a:endParaRPr b="0" lang="pt-BR" sz="2800" spc="-1" strike="noStrike">
-              <a:solidFill>
-                <a:srgbClr val="000000"/>
-              </a:solidFill>
+            <a:endParaRPr b="0" lang="pt-BR" sz="3200" spc="-1" strike="noStrike">
               <a:latin typeface="Arial"/>
             </a:endParaRPr>
           </a:p>
@@ -3664,19 +3469,7 @@
             <a:normAutofit/>
           </a:bodyPr>
           <a:p>
-            <a:pPr>
-              <a:lnSpc>
-                <a:spcPct val="90000"/>
-              </a:lnSpc>
-              <a:spcBef>
-                <a:spcPts val="1417"/>
-              </a:spcBef>
-              <a:buNone/>
-            </a:pPr>
-            <a:endParaRPr b="0" lang="pt-BR" sz="2800" spc="-1" strike="noStrike">
-              <a:solidFill>
-                <a:srgbClr val="000000"/>
-              </a:solidFill>
+            <a:endParaRPr b="0" lang="pt-BR" sz="3200" spc="-1" strike="noStrike">
               <a:latin typeface="Arial"/>
             </a:endParaRPr>
           </a:p>
@@ -3710,19 +3503,7 @@
             <a:normAutofit/>
           </a:bodyPr>
           <a:p>
-            <a:pPr>
-              <a:lnSpc>
-                <a:spcPct val="90000"/>
-              </a:lnSpc>
-              <a:spcBef>
-                <a:spcPts val="1417"/>
-              </a:spcBef>
-              <a:buNone/>
-            </a:pPr>
-            <a:endParaRPr b="0" lang="pt-BR" sz="2800" spc="-1" strike="noStrike">
-              <a:solidFill>
-                <a:srgbClr val="000000"/>
-              </a:solidFill>
+            <a:endParaRPr b="0" lang="pt-BR" sz="3200" spc="-1" strike="noStrike">
               <a:latin typeface="Arial"/>
             </a:endParaRPr>
           </a:p>
@@ -3778,10 +3559,10 @@
             <a:noAutofit/>
           </a:bodyPr>
           <a:p>
-            <a:endParaRPr b="0" lang="pt-BR" sz="1800" spc="-1" strike="noStrike">
-              <a:solidFill>
-                <a:srgbClr val="000000"/>
-              </a:solidFill>
+            <a:pPr algn="ctr">
+              <a:buNone/>
+            </a:pPr>
+            <a:endParaRPr b="0" lang="pt-BR" sz="4400" spc="-1" strike="noStrike">
               <a:latin typeface="Arial"/>
             </a:endParaRPr>
           </a:p>
@@ -3874,10 +3655,10 @@
             <a:noAutofit/>
           </a:bodyPr>
           <a:p>
-            <a:endParaRPr b="0" lang="pt-BR" sz="1800" spc="-1" strike="noStrike">
-              <a:solidFill>
-                <a:srgbClr val="000000"/>
-              </a:solidFill>
+            <a:pPr algn="ctr">
+              <a:buNone/>
+            </a:pPr>
+            <a:endParaRPr b="0" lang="pt-BR" sz="4400" spc="-1" strike="noStrike">
               <a:latin typeface="Arial"/>
             </a:endParaRPr>
           </a:p>
@@ -3911,19 +3692,7 @@
             <a:normAutofit/>
           </a:bodyPr>
           <a:p>
-            <a:pPr>
-              <a:lnSpc>
-                <a:spcPct val="90000"/>
-              </a:lnSpc>
-              <a:spcBef>
-                <a:spcPts val="1417"/>
-              </a:spcBef>
-              <a:buNone/>
-            </a:pPr>
-            <a:endParaRPr b="0" lang="pt-BR" sz="2800" spc="-1" strike="noStrike">
-              <a:solidFill>
-                <a:srgbClr val="000000"/>
-              </a:solidFill>
+            <a:endParaRPr b="0" lang="pt-BR" sz="3200" spc="-1" strike="noStrike">
               <a:latin typeface="Arial"/>
             </a:endParaRPr>
           </a:p>
@@ -3957,19 +3726,7 @@
             <a:normAutofit/>
           </a:bodyPr>
           <a:p>
-            <a:pPr>
-              <a:lnSpc>
-                <a:spcPct val="90000"/>
-              </a:lnSpc>
-              <a:spcBef>
-                <a:spcPts val="1417"/>
-              </a:spcBef>
-              <a:buNone/>
-            </a:pPr>
-            <a:endParaRPr b="0" lang="pt-BR" sz="2800" spc="-1" strike="noStrike">
-              <a:solidFill>
-                <a:srgbClr val="000000"/>
-              </a:solidFill>
+            <a:endParaRPr b="0" lang="pt-BR" sz="3200" spc="-1" strike="noStrike">
               <a:latin typeface="Arial"/>
             </a:endParaRPr>
           </a:p>
@@ -4003,19 +3760,7 @@
             <a:normAutofit/>
           </a:bodyPr>
           <a:p>
-            <a:pPr>
-              <a:lnSpc>
-                <a:spcPct val="90000"/>
-              </a:lnSpc>
-              <a:spcBef>
-                <a:spcPts val="1417"/>
-              </a:spcBef>
-              <a:buNone/>
-            </a:pPr>
-            <a:endParaRPr b="0" lang="pt-BR" sz="2800" spc="-1" strike="noStrike">
-              <a:solidFill>
-                <a:srgbClr val="000000"/>
-              </a:solidFill>
+            <a:endParaRPr b="0" lang="pt-BR" sz="3200" spc="-1" strike="noStrike">
               <a:latin typeface="Arial"/>
             </a:endParaRPr>
           </a:p>
@@ -4071,10 +3816,10 @@
             <a:noAutofit/>
           </a:bodyPr>
           <a:p>
-            <a:endParaRPr b="0" lang="pt-BR" sz="1800" spc="-1" strike="noStrike">
-              <a:solidFill>
-                <a:srgbClr val="000000"/>
-              </a:solidFill>
+            <a:pPr algn="ctr">
+              <a:buNone/>
+            </a:pPr>
+            <a:endParaRPr b="0" lang="pt-BR" sz="4400" spc="-1" strike="noStrike">
               <a:latin typeface="Arial"/>
             </a:endParaRPr>
           </a:p>
@@ -4108,19 +3853,7 @@
             <a:normAutofit/>
           </a:bodyPr>
           <a:p>
-            <a:pPr>
-              <a:lnSpc>
-                <a:spcPct val="90000"/>
-              </a:lnSpc>
-              <a:spcBef>
-                <a:spcPts val="1417"/>
-              </a:spcBef>
-              <a:buNone/>
-            </a:pPr>
-            <a:endParaRPr b="0" lang="pt-BR" sz="2800" spc="-1" strike="noStrike">
-              <a:solidFill>
-                <a:srgbClr val="000000"/>
-              </a:solidFill>
+            <a:endParaRPr b="0" lang="pt-BR" sz="3200" spc="-1" strike="noStrike">
               <a:latin typeface="Arial"/>
             </a:endParaRPr>
           </a:p>
@@ -4154,19 +3887,7 @@
             <a:normAutofit/>
           </a:bodyPr>
           <a:p>
-            <a:pPr>
-              <a:lnSpc>
-                <a:spcPct val="90000"/>
-              </a:lnSpc>
-              <a:spcBef>
-                <a:spcPts val="1417"/>
-              </a:spcBef>
-              <a:buNone/>
-            </a:pPr>
-            <a:endParaRPr b="0" lang="pt-BR" sz="2800" spc="-1" strike="noStrike">
-              <a:solidFill>
-                <a:srgbClr val="000000"/>
-              </a:solidFill>
+            <a:endParaRPr b="0" lang="pt-BR" sz="3200" spc="-1" strike="noStrike">
               <a:latin typeface="Arial"/>
             </a:endParaRPr>
           </a:p>
@@ -4200,19 +3921,7 @@
             <a:normAutofit/>
           </a:bodyPr>
           <a:p>
-            <a:pPr>
-              <a:lnSpc>
-                <a:spcPct val="90000"/>
-              </a:lnSpc>
-              <a:spcBef>
-                <a:spcPts val="1417"/>
-              </a:spcBef>
-              <a:buNone/>
-            </a:pPr>
-            <a:endParaRPr b="0" lang="pt-BR" sz="2800" spc="-1" strike="noStrike">
-              <a:solidFill>
-                <a:srgbClr val="000000"/>
-              </a:solidFill>
+            <a:endParaRPr b="0" lang="pt-BR" sz="3200" spc="-1" strike="noStrike">
               <a:latin typeface="Arial"/>
             </a:endParaRPr>
           </a:p>
@@ -4268,10 +3977,10 @@
             <a:noAutofit/>
           </a:bodyPr>
           <a:p>
-            <a:endParaRPr b="0" lang="pt-BR" sz="1800" spc="-1" strike="noStrike">
-              <a:solidFill>
-                <a:srgbClr val="000000"/>
-              </a:solidFill>
+            <a:pPr algn="ctr">
+              <a:buNone/>
+            </a:pPr>
+            <a:endParaRPr b="0" lang="pt-BR" sz="4400" spc="-1" strike="noStrike">
               <a:latin typeface="Arial"/>
             </a:endParaRPr>
           </a:p>
@@ -4305,19 +4014,7 @@
             <a:normAutofit/>
           </a:bodyPr>
           <a:p>
-            <a:pPr>
-              <a:lnSpc>
-                <a:spcPct val="90000"/>
-              </a:lnSpc>
-              <a:spcBef>
-                <a:spcPts val="1417"/>
-              </a:spcBef>
-              <a:buNone/>
-            </a:pPr>
-            <a:endParaRPr b="0" lang="pt-BR" sz="2800" spc="-1" strike="noStrike">
-              <a:solidFill>
-                <a:srgbClr val="000000"/>
-              </a:solidFill>
+            <a:endParaRPr b="0" lang="pt-BR" sz="3200" spc="-1" strike="noStrike">
               <a:latin typeface="Arial"/>
             </a:endParaRPr>
           </a:p>
@@ -4351,19 +4048,7 @@
             <a:normAutofit/>
           </a:bodyPr>
           <a:p>
-            <a:pPr>
-              <a:lnSpc>
-                <a:spcPct val="90000"/>
-              </a:lnSpc>
-              <a:spcBef>
-                <a:spcPts val="1417"/>
-              </a:spcBef>
-              <a:buNone/>
-            </a:pPr>
-            <a:endParaRPr b="0" lang="pt-BR" sz="2800" spc="-1" strike="noStrike">
-              <a:solidFill>
-                <a:srgbClr val="000000"/>
-              </a:solidFill>
+            <a:endParaRPr b="0" lang="pt-BR" sz="3200" spc="-1" strike="noStrike">
               <a:latin typeface="Arial"/>
             </a:endParaRPr>
           </a:p>
@@ -4419,10 +4104,10 @@
             <a:noAutofit/>
           </a:bodyPr>
           <a:p>
-            <a:endParaRPr b="0" lang="pt-BR" sz="1800" spc="-1" strike="noStrike">
-              <a:solidFill>
-                <a:srgbClr val="000000"/>
-              </a:solidFill>
+            <a:pPr algn="ctr">
+              <a:buNone/>
+            </a:pPr>
+            <a:endParaRPr b="0" lang="pt-BR" sz="4400" spc="-1" strike="noStrike">
               <a:latin typeface="Arial"/>
             </a:endParaRPr>
           </a:p>
@@ -4456,19 +4141,7 @@
             <a:normAutofit/>
           </a:bodyPr>
           <a:p>
-            <a:pPr>
-              <a:lnSpc>
-                <a:spcPct val="90000"/>
-              </a:lnSpc>
-              <a:spcBef>
-                <a:spcPts val="1417"/>
-              </a:spcBef>
-              <a:buNone/>
-            </a:pPr>
-            <a:endParaRPr b="0" lang="pt-BR" sz="2800" spc="-1" strike="noStrike">
-              <a:solidFill>
-                <a:srgbClr val="000000"/>
-              </a:solidFill>
+            <a:endParaRPr b="0" lang="pt-BR" sz="3200" spc="-1" strike="noStrike">
               <a:latin typeface="Arial"/>
             </a:endParaRPr>
           </a:p>
@@ -4502,19 +4175,7 @@
             <a:normAutofit/>
           </a:bodyPr>
           <a:p>
-            <a:pPr>
-              <a:lnSpc>
-                <a:spcPct val="90000"/>
-              </a:lnSpc>
-              <a:spcBef>
-                <a:spcPts val="1417"/>
-              </a:spcBef>
-              <a:buNone/>
-            </a:pPr>
-            <a:endParaRPr b="0" lang="pt-BR" sz="2800" spc="-1" strike="noStrike">
-              <a:solidFill>
-                <a:srgbClr val="000000"/>
-              </a:solidFill>
+            <a:endParaRPr b="0" lang="pt-BR" sz="3200" spc="-1" strike="noStrike">
               <a:latin typeface="Arial"/>
             </a:endParaRPr>
           </a:p>
@@ -4548,19 +4209,7 @@
             <a:normAutofit/>
           </a:bodyPr>
           <a:p>
-            <a:pPr>
-              <a:lnSpc>
-                <a:spcPct val="90000"/>
-              </a:lnSpc>
-              <a:spcBef>
-                <a:spcPts val="1417"/>
-              </a:spcBef>
-              <a:buNone/>
-            </a:pPr>
-            <a:endParaRPr b="0" lang="pt-BR" sz="2800" spc="-1" strike="noStrike">
-              <a:solidFill>
-                <a:srgbClr val="000000"/>
-              </a:solidFill>
+            <a:endParaRPr b="0" lang="pt-BR" sz="3200" spc="-1" strike="noStrike">
               <a:latin typeface="Arial"/>
             </a:endParaRPr>
           </a:p>
@@ -4594,19 +4243,7 @@
             <a:normAutofit/>
           </a:bodyPr>
           <a:p>
-            <a:pPr>
-              <a:lnSpc>
-                <a:spcPct val="90000"/>
-              </a:lnSpc>
-              <a:spcBef>
-                <a:spcPts val="1417"/>
-              </a:spcBef>
-              <a:buNone/>
-            </a:pPr>
-            <a:endParaRPr b="0" lang="pt-BR" sz="2800" spc="-1" strike="noStrike">
-              <a:solidFill>
-                <a:srgbClr val="000000"/>
-              </a:solidFill>
+            <a:endParaRPr b="0" lang="pt-BR" sz="3200" spc="-1" strike="noStrike">
               <a:latin typeface="Arial"/>
             </a:endParaRPr>
           </a:p>
@@ -4662,10 +4299,10 @@
             <a:noAutofit/>
           </a:bodyPr>
           <a:p>
-            <a:endParaRPr b="0" lang="pt-BR" sz="1800" spc="-1" strike="noStrike">
-              <a:solidFill>
-                <a:srgbClr val="000000"/>
-              </a:solidFill>
+            <a:pPr algn="ctr">
+              <a:buNone/>
+            </a:pPr>
+            <a:endParaRPr b="0" lang="pt-BR" sz="4400" spc="-1" strike="noStrike">
               <a:latin typeface="Arial"/>
             </a:endParaRPr>
           </a:p>
@@ -4699,19 +4336,7 @@
             <a:normAutofit/>
           </a:bodyPr>
           <a:p>
-            <a:pPr>
-              <a:lnSpc>
-                <a:spcPct val="90000"/>
-              </a:lnSpc>
-              <a:spcBef>
-                <a:spcPts val="1417"/>
-              </a:spcBef>
-              <a:buNone/>
-            </a:pPr>
-            <a:endParaRPr b="0" lang="pt-BR" sz="2800" spc="-1" strike="noStrike">
-              <a:solidFill>
-                <a:srgbClr val="000000"/>
-              </a:solidFill>
+            <a:endParaRPr b="0" lang="pt-BR" sz="3200" spc="-1" strike="noStrike">
               <a:latin typeface="Arial"/>
             </a:endParaRPr>
           </a:p>
@@ -4745,19 +4370,7 @@
             <a:normAutofit/>
           </a:bodyPr>
           <a:p>
-            <a:pPr>
-              <a:lnSpc>
-                <a:spcPct val="90000"/>
-              </a:lnSpc>
-              <a:spcBef>
-                <a:spcPts val="1417"/>
-              </a:spcBef>
-              <a:buNone/>
-            </a:pPr>
-            <a:endParaRPr b="0" lang="pt-BR" sz="2800" spc="-1" strike="noStrike">
-              <a:solidFill>
-                <a:srgbClr val="000000"/>
-              </a:solidFill>
+            <a:endParaRPr b="0" lang="pt-BR" sz="3200" spc="-1" strike="noStrike">
               <a:latin typeface="Arial"/>
             </a:endParaRPr>
           </a:p>
@@ -4791,19 +4404,7 @@
             <a:normAutofit/>
           </a:bodyPr>
           <a:p>
-            <a:pPr>
-              <a:lnSpc>
-                <a:spcPct val="90000"/>
-              </a:lnSpc>
-              <a:spcBef>
-                <a:spcPts val="1417"/>
-              </a:spcBef>
-              <a:buNone/>
-            </a:pPr>
-            <a:endParaRPr b="0" lang="pt-BR" sz="2800" spc="-1" strike="noStrike">
-              <a:solidFill>
-                <a:srgbClr val="000000"/>
-              </a:solidFill>
+            <a:endParaRPr b="0" lang="pt-BR" sz="3200" spc="-1" strike="noStrike">
               <a:latin typeface="Arial"/>
             </a:endParaRPr>
           </a:p>
@@ -4837,19 +4438,7 @@
             <a:normAutofit/>
           </a:bodyPr>
           <a:p>
-            <a:pPr>
-              <a:lnSpc>
-                <a:spcPct val="90000"/>
-              </a:lnSpc>
-              <a:spcBef>
-                <a:spcPts val="1417"/>
-              </a:spcBef>
-              <a:buNone/>
-            </a:pPr>
-            <a:endParaRPr b="0" lang="pt-BR" sz="2800" spc="-1" strike="noStrike">
-              <a:solidFill>
-                <a:srgbClr val="000000"/>
-              </a:solidFill>
+            <a:endParaRPr b="0" lang="pt-BR" sz="3200" spc="-1" strike="noStrike">
               <a:latin typeface="Arial"/>
             </a:endParaRPr>
           </a:p>
@@ -4883,19 +4472,7 @@
             <a:normAutofit/>
           </a:bodyPr>
           <a:p>
-            <a:pPr>
-              <a:lnSpc>
-                <a:spcPct val="90000"/>
-              </a:lnSpc>
-              <a:spcBef>
-                <a:spcPts val="1417"/>
-              </a:spcBef>
-              <a:buNone/>
-            </a:pPr>
-            <a:endParaRPr b="0" lang="pt-BR" sz="2800" spc="-1" strike="noStrike">
-              <a:solidFill>
-                <a:srgbClr val="000000"/>
-              </a:solidFill>
+            <a:endParaRPr b="0" lang="pt-BR" sz="3200" spc="-1" strike="noStrike">
               <a:latin typeface="Arial"/>
             </a:endParaRPr>
           </a:p>
@@ -4929,19 +4506,7 @@
             <a:normAutofit/>
           </a:bodyPr>
           <a:p>
-            <a:pPr>
-              <a:lnSpc>
-                <a:spcPct val="90000"/>
-              </a:lnSpc>
-              <a:spcBef>
-                <a:spcPts val="1417"/>
-              </a:spcBef>
-              <a:buNone/>
-            </a:pPr>
-            <a:endParaRPr b="0" lang="pt-BR" sz="2800" spc="-1" strike="noStrike">
-              <a:solidFill>
-                <a:srgbClr val="000000"/>
-              </a:solidFill>
+            <a:endParaRPr b="0" lang="pt-BR" sz="3200" spc="-1" strike="noStrike">
               <a:latin typeface="Arial"/>
             </a:endParaRPr>
           </a:p>
@@ -4997,10 +4562,10 @@
             <a:noAutofit/>
           </a:bodyPr>
           <a:p>
-            <a:endParaRPr b="0" lang="pt-BR" sz="1800" spc="-1" strike="noStrike">
-              <a:solidFill>
-                <a:srgbClr val="000000"/>
-              </a:solidFill>
+            <a:pPr algn="ctr">
+              <a:buNone/>
+            </a:pPr>
+            <a:endParaRPr b="0" lang="pt-BR" sz="4400" spc="-1" strike="noStrike">
               <a:latin typeface="Arial"/>
             </a:endParaRPr>
           </a:p>
@@ -5034,19 +4599,7 @@
             <a:normAutofit/>
           </a:bodyPr>
           <a:p>
-            <a:pPr>
-              <a:lnSpc>
-                <a:spcPct val="90000"/>
-              </a:lnSpc>
-              <a:spcBef>
-                <a:spcPts val="1417"/>
-              </a:spcBef>
-              <a:buNone/>
-            </a:pPr>
-            <a:endParaRPr b="0" lang="pt-BR" sz="2800" spc="-1" strike="noStrike">
-              <a:solidFill>
-                <a:srgbClr val="000000"/>
-              </a:solidFill>
+            <a:endParaRPr b="0" lang="pt-BR" sz="3200" spc="-1" strike="noStrike">
               <a:latin typeface="Arial"/>
             </a:endParaRPr>
           </a:p>
@@ -5102,10 +4655,10 @@
             <a:noAutofit/>
           </a:bodyPr>
           <a:p>
-            <a:endParaRPr b="0" lang="pt-BR" sz="1800" spc="-1" strike="noStrike">
-              <a:solidFill>
-                <a:srgbClr val="000000"/>
-              </a:solidFill>
+            <a:pPr algn="ctr">
+              <a:buNone/>
+            </a:pPr>
+            <a:endParaRPr b="0" lang="pt-BR" sz="4400" spc="-1" strike="noStrike">
               <a:latin typeface="Arial"/>
             </a:endParaRPr>
           </a:p>
@@ -5139,19 +4692,7 @@
             <a:normAutofit/>
           </a:bodyPr>
           <a:p>
-            <a:pPr>
-              <a:lnSpc>
-                <a:spcPct val="90000"/>
-              </a:lnSpc>
-              <a:spcBef>
-                <a:spcPts val="1417"/>
-              </a:spcBef>
-              <a:buNone/>
-            </a:pPr>
-            <a:endParaRPr b="0" lang="pt-BR" sz="2800" spc="-1" strike="noStrike">
-              <a:solidFill>
-                <a:srgbClr val="000000"/>
-              </a:solidFill>
+            <a:endParaRPr b="0" lang="pt-BR" sz="3200" spc="-1" strike="noStrike">
               <a:latin typeface="Arial"/>
             </a:endParaRPr>
           </a:p>
@@ -5185,19 +4726,7 @@
             <a:normAutofit/>
           </a:bodyPr>
           <a:p>
-            <a:pPr>
-              <a:lnSpc>
-                <a:spcPct val="90000"/>
-              </a:lnSpc>
-              <a:spcBef>
-                <a:spcPts val="1417"/>
-              </a:spcBef>
-              <a:buNone/>
-            </a:pPr>
-            <a:endParaRPr b="0" lang="pt-BR" sz="2800" spc="-1" strike="noStrike">
-              <a:solidFill>
-                <a:srgbClr val="000000"/>
-              </a:solidFill>
+            <a:endParaRPr b="0" lang="pt-BR" sz="3200" spc="-1" strike="noStrike">
               <a:latin typeface="Arial"/>
             </a:endParaRPr>
           </a:p>
@@ -5253,10 +4782,10 @@
             <a:noAutofit/>
           </a:bodyPr>
           <a:p>
-            <a:endParaRPr b="0" lang="pt-BR" sz="1800" spc="-1" strike="noStrike">
-              <a:solidFill>
-                <a:srgbClr val="000000"/>
-              </a:solidFill>
+            <a:pPr algn="ctr">
+              <a:buNone/>
+            </a:pPr>
+            <a:endParaRPr b="0" lang="pt-BR" sz="4400" spc="-1" strike="noStrike">
               <a:latin typeface="Arial"/>
             </a:endParaRPr>
           </a:p>
@@ -5371,10 +4900,10 @@
             <a:noAutofit/>
           </a:bodyPr>
           <a:p>
-            <a:endParaRPr b="0" lang="pt-BR" sz="1800" spc="-1" strike="noStrike">
-              <a:solidFill>
-                <a:srgbClr val="000000"/>
-              </a:solidFill>
+            <a:pPr algn="ctr">
+              <a:buNone/>
+            </a:pPr>
+            <a:endParaRPr b="0" lang="pt-BR" sz="4400" spc="-1" strike="noStrike">
               <a:latin typeface="Arial"/>
             </a:endParaRPr>
           </a:p>
@@ -5408,19 +4937,7 @@
             <a:normAutofit/>
           </a:bodyPr>
           <a:p>
-            <a:pPr>
-              <a:lnSpc>
-                <a:spcPct val="90000"/>
-              </a:lnSpc>
-              <a:spcBef>
-                <a:spcPts val="1417"/>
-              </a:spcBef>
-              <a:buNone/>
-            </a:pPr>
-            <a:endParaRPr b="0" lang="pt-BR" sz="2800" spc="-1" strike="noStrike">
-              <a:solidFill>
-                <a:srgbClr val="000000"/>
-              </a:solidFill>
+            <a:endParaRPr b="0" lang="pt-BR" sz="3200" spc="-1" strike="noStrike">
               <a:latin typeface="Arial"/>
             </a:endParaRPr>
           </a:p>
@@ -5454,19 +4971,7 @@
             <a:normAutofit/>
           </a:bodyPr>
           <a:p>
-            <a:pPr>
-              <a:lnSpc>
-                <a:spcPct val="90000"/>
-              </a:lnSpc>
-              <a:spcBef>
-                <a:spcPts val="1417"/>
-              </a:spcBef>
-              <a:buNone/>
-            </a:pPr>
-            <a:endParaRPr b="0" lang="pt-BR" sz="2800" spc="-1" strike="noStrike">
-              <a:solidFill>
-                <a:srgbClr val="000000"/>
-              </a:solidFill>
+            <a:endParaRPr b="0" lang="pt-BR" sz="3200" spc="-1" strike="noStrike">
               <a:latin typeface="Arial"/>
             </a:endParaRPr>
           </a:p>
@@ -5500,19 +5005,7 @@
             <a:normAutofit/>
           </a:bodyPr>
           <a:p>
-            <a:pPr>
-              <a:lnSpc>
-                <a:spcPct val="90000"/>
-              </a:lnSpc>
-              <a:spcBef>
-                <a:spcPts val="1417"/>
-              </a:spcBef>
-              <a:buNone/>
-            </a:pPr>
-            <a:endParaRPr b="0" lang="pt-BR" sz="2800" spc="-1" strike="noStrike">
-              <a:solidFill>
-                <a:srgbClr val="000000"/>
-              </a:solidFill>
+            <a:endParaRPr b="0" lang="pt-BR" sz="3200" spc="-1" strike="noStrike">
               <a:latin typeface="Arial"/>
             </a:endParaRPr>
           </a:p>
@@ -5568,10 +5061,10 @@
             <a:noAutofit/>
           </a:bodyPr>
           <a:p>
-            <a:endParaRPr b="0" lang="pt-BR" sz="1800" spc="-1" strike="noStrike">
-              <a:solidFill>
-                <a:srgbClr val="000000"/>
-              </a:solidFill>
+            <a:pPr algn="ctr">
+              <a:buNone/>
+            </a:pPr>
+            <a:endParaRPr b="0" lang="pt-BR" sz="4400" spc="-1" strike="noStrike">
               <a:latin typeface="Arial"/>
             </a:endParaRPr>
           </a:p>
@@ -5605,19 +5098,7 @@
             <a:normAutofit/>
           </a:bodyPr>
           <a:p>
-            <a:pPr>
-              <a:lnSpc>
-                <a:spcPct val="90000"/>
-              </a:lnSpc>
-              <a:spcBef>
-                <a:spcPts val="1417"/>
-              </a:spcBef>
-              <a:buNone/>
-            </a:pPr>
-            <a:endParaRPr b="0" lang="pt-BR" sz="2800" spc="-1" strike="noStrike">
-              <a:solidFill>
-                <a:srgbClr val="000000"/>
-              </a:solidFill>
+            <a:endParaRPr b="0" lang="pt-BR" sz="3200" spc="-1" strike="noStrike">
               <a:latin typeface="Arial"/>
             </a:endParaRPr>
           </a:p>
@@ -5651,19 +5132,7 @@
             <a:normAutofit/>
           </a:bodyPr>
           <a:p>
-            <a:pPr>
-              <a:lnSpc>
-                <a:spcPct val="90000"/>
-              </a:lnSpc>
-              <a:spcBef>
-                <a:spcPts val="1417"/>
-              </a:spcBef>
-              <a:buNone/>
-            </a:pPr>
-            <a:endParaRPr b="0" lang="pt-BR" sz="2800" spc="-1" strike="noStrike">
-              <a:solidFill>
-                <a:srgbClr val="000000"/>
-              </a:solidFill>
+            <a:endParaRPr b="0" lang="pt-BR" sz="3200" spc="-1" strike="noStrike">
               <a:latin typeface="Arial"/>
             </a:endParaRPr>
           </a:p>
@@ -5697,19 +5166,7 @@
             <a:normAutofit/>
           </a:bodyPr>
           <a:p>
-            <a:pPr>
-              <a:lnSpc>
-                <a:spcPct val="90000"/>
-              </a:lnSpc>
-              <a:spcBef>
-                <a:spcPts val="1417"/>
-              </a:spcBef>
-              <a:buNone/>
-            </a:pPr>
-            <a:endParaRPr b="0" lang="pt-BR" sz="2800" spc="-1" strike="noStrike">
-              <a:solidFill>
-                <a:srgbClr val="000000"/>
-              </a:solidFill>
+            <a:endParaRPr b="0" lang="pt-BR" sz="3200" spc="-1" strike="noStrike">
               <a:latin typeface="Arial"/>
             </a:endParaRPr>
           </a:p>
@@ -5765,10 +5222,10 @@
             <a:noAutofit/>
           </a:bodyPr>
           <a:p>
-            <a:endParaRPr b="0" lang="pt-BR" sz="1800" spc="-1" strike="noStrike">
-              <a:solidFill>
-                <a:srgbClr val="000000"/>
-              </a:solidFill>
+            <a:pPr algn="ctr">
+              <a:buNone/>
+            </a:pPr>
+            <a:endParaRPr b="0" lang="pt-BR" sz="4400" spc="-1" strike="noStrike">
               <a:latin typeface="Arial"/>
             </a:endParaRPr>
           </a:p>
@@ -5802,19 +5259,7 @@
             <a:normAutofit/>
           </a:bodyPr>
           <a:p>
-            <a:pPr>
-              <a:lnSpc>
-                <a:spcPct val="90000"/>
-              </a:lnSpc>
-              <a:spcBef>
-                <a:spcPts val="1417"/>
-              </a:spcBef>
-              <a:buNone/>
-            </a:pPr>
-            <a:endParaRPr b="0" lang="pt-BR" sz="2800" spc="-1" strike="noStrike">
-              <a:solidFill>
-                <a:srgbClr val="000000"/>
-              </a:solidFill>
+            <a:endParaRPr b="0" lang="pt-BR" sz="3200" spc="-1" strike="noStrike">
               <a:latin typeface="Arial"/>
             </a:endParaRPr>
           </a:p>
@@ -5848,19 +5293,7 @@
             <a:normAutofit/>
           </a:bodyPr>
           <a:p>
-            <a:pPr>
-              <a:lnSpc>
-                <a:spcPct val="90000"/>
-              </a:lnSpc>
-              <a:spcBef>
-                <a:spcPts val="1417"/>
-              </a:spcBef>
-              <a:buNone/>
-            </a:pPr>
-            <a:endParaRPr b="0" lang="pt-BR" sz="2800" spc="-1" strike="noStrike">
-              <a:solidFill>
-                <a:srgbClr val="000000"/>
-              </a:solidFill>
+            <a:endParaRPr b="0" lang="pt-BR" sz="3200" spc="-1" strike="noStrike">
               <a:latin typeface="Arial"/>
             </a:endParaRPr>
           </a:p>
@@ -5894,19 +5327,7 @@
             <a:normAutofit/>
           </a:bodyPr>
           <a:p>
-            <a:pPr>
-              <a:lnSpc>
-                <a:spcPct val="90000"/>
-              </a:lnSpc>
-              <a:spcBef>
-                <a:spcPts val="1417"/>
-              </a:spcBef>
-              <a:buNone/>
-            </a:pPr>
-            <a:endParaRPr b="0" lang="pt-BR" sz="2800" spc="-1" strike="noStrike">
-              <a:solidFill>
-                <a:srgbClr val="000000"/>
-              </a:solidFill>
+            <a:endParaRPr b="0" lang="pt-BR" sz="3200" spc="-1" strike="noStrike">
               <a:latin typeface="Arial"/>
             </a:endParaRPr>
           </a:p>
@@ -5950,7 +5371,7 @@
         <p:spPr>
           <a:xfrm>
             <a:off x="0" y="3150000"/>
-            <a:ext cx="9716040" cy="1256040"/>
+            <a:ext cx="9715680" cy="1255680"/>
           </a:xfrm>
           <a:prstGeom prst="rect">
             <a:avLst/>
@@ -5997,19 +5418,16 @@
             <a:noAutofit/>
           </a:bodyPr>
           <a:p>
+            <a:pPr algn="ctr">
+              <a:buNone/>
+            </a:pPr>
             <a:r>
-              <a:rPr b="0" lang="pt-BR" sz="1800" spc="-1" strike="noStrike">
-                <a:solidFill>
-                  <a:srgbClr val="000000"/>
-                </a:solidFill>
+              <a:rPr b="0" lang="pt-BR" sz="4400" spc="-1" strike="noStrike">
                 <a:latin typeface="Arial"/>
               </a:rPr>
               <a:t>Click to edit the title text format</a:t>
             </a:r>
-            <a:endParaRPr b="0" lang="pt-BR" sz="1800" spc="-1" strike="noStrike">
-              <a:solidFill>
-                <a:srgbClr val="000000"/>
-              </a:solidFill>
+            <a:endParaRPr b="0" lang="pt-BR" sz="4400" spc="-1" strike="noStrike">
               <a:latin typeface="Arial"/>
             </a:endParaRPr>
           </a:p>
@@ -6044,9 +5462,6 @@
           </a:bodyPr>
           <a:p>
             <a:pPr marL="432000" indent="-324000">
-              <a:lnSpc>
-                <a:spcPct val="90000"/>
-              </a:lnSpc>
               <a:spcBef>
                 <a:spcPts val="1417"/>
               </a:spcBef>
@@ -6058,26 +5473,17 @@
               <a:buChar char=""/>
             </a:pPr>
             <a:r>
-              <a:rPr b="0" lang="pt-BR" sz="2800" spc="-1" strike="noStrike">
-                <a:solidFill>
-                  <a:srgbClr val="000000"/>
-                </a:solidFill>
+              <a:rPr b="0" lang="pt-BR" sz="3200" spc="-1" strike="noStrike">
                 <a:latin typeface="Arial"/>
               </a:rPr>
               <a:t>Click to edit the outline text format</a:t>
             </a:r>
-            <a:endParaRPr b="0" lang="pt-BR" sz="2800" spc="-1" strike="noStrike">
-              <a:solidFill>
-                <a:srgbClr val="000000"/>
-              </a:solidFill>
+            <a:endParaRPr b="0" lang="pt-BR" sz="3200" spc="-1" strike="noStrike">
               <a:latin typeface="Arial"/>
             </a:endParaRPr>
           </a:p>
           <a:p>
             <a:pPr lvl="1" marL="864000" indent="-324000">
-              <a:lnSpc>
-                <a:spcPct val="90000"/>
-              </a:lnSpc>
               <a:spcBef>
                 <a:spcPts val="1134"/>
               </a:spcBef>
@@ -6089,26 +5495,17 @@
               <a:buChar char=""/>
             </a:pPr>
             <a:r>
-              <a:rPr b="0" lang="pt-BR" sz="2000" spc="-1" strike="noStrike">
-                <a:solidFill>
-                  <a:srgbClr val="000000"/>
-                </a:solidFill>
+              <a:rPr b="0" lang="pt-BR" sz="2800" spc="-1" strike="noStrike">
                 <a:latin typeface="Arial"/>
               </a:rPr>
               <a:t>Second Outline Level</a:t>
             </a:r>
-            <a:endParaRPr b="0" lang="pt-BR" sz="2000" spc="-1" strike="noStrike">
-              <a:solidFill>
-                <a:srgbClr val="000000"/>
-              </a:solidFill>
+            <a:endParaRPr b="0" lang="pt-BR" sz="2800" spc="-1" strike="noStrike">
               <a:latin typeface="Arial"/>
             </a:endParaRPr>
           </a:p>
           <a:p>
             <a:pPr lvl="2" marL="1296000" indent="-288000">
-              <a:lnSpc>
-                <a:spcPct val="90000"/>
-              </a:lnSpc>
               <a:spcBef>
                 <a:spcPts val="850"/>
               </a:spcBef>
@@ -6120,26 +5517,17 @@
               <a:buChar char=""/>
             </a:pPr>
             <a:r>
-              <a:rPr b="0" lang="pt-BR" sz="1800" spc="-1" strike="noStrike">
-                <a:solidFill>
-                  <a:srgbClr val="000000"/>
-                </a:solidFill>
+              <a:rPr b="0" lang="pt-BR" sz="2400" spc="-1" strike="noStrike">
                 <a:latin typeface="Arial"/>
               </a:rPr>
               <a:t>Third Outline Level</a:t>
             </a:r>
-            <a:endParaRPr b="0" lang="pt-BR" sz="1800" spc="-1" strike="noStrike">
-              <a:solidFill>
-                <a:srgbClr val="000000"/>
-              </a:solidFill>
+            <a:endParaRPr b="0" lang="pt-BR" sz="2400" spc="-1" strike="noStrike">
               <a:latin typeface="Arial"/>
             </a:endParaRPr>
           </a:p>
           <a:p>
             <a:pPr lvl="3" marL="1728000" indent="-216000">
-              <a:lnSpc>
-                <a:spcPct val="90000"/>
-              </a:lnSpc>
               <a:spcBef>
                 <a:spcPts val="567"/>
               </a:spcBef>
@@ -6151,26 +5539,17 @@
               <a:buChar char=""/>
             </a:pPr>
             <a:r>
-              <a:rPr b="0" lang="pt-BR" sz="1800" spc="-1" strike="noStrike">
-                <a:solidFill>
-                  <a:srgbClr val="000000"/>
-                </a:solidFill>
+              <a:rPr b="0" lang="pt-BR" sz="2000" spc="-1" strike="noStrike">
                 <a:latin typeface="Arial"/>
               </a:rPr>
               <a:t>Fourth Outline Level</a:t>
             </a:r>
-            <a:endParaRPr b="0" lang="pt-BR" sz="1800" spc="-1" strike="noStrike">
-              <a:solidFill>
-                <a:srgbClr val="000000"/>
-              </a:solidFill>
+            <a:endParaRPr b="0" lang="pt-BR" sz="2000" spc="-1" strike="noStrike">
               <a:latin typeface="Arial"/>
             </a:endParaRPr>
           </a:p>
           <a:p>
             <a:pPr lvl="4" marL="2160000" indent="-216000">
-              <a:lnSpc>
-                <a:spcPct val="90000"/>
-              </a:lnSpc>
               <a:spcBef>
                 <a:spcPts val="283"/>
               </a:spcBef>
@@ -6183,25 +5562,16 @@
             </a:pPr>
             <a:r>
               <a:rPr b="0" lang="pt-BR" sz="2000" spc="-1" strike="noStrike">
-                <a:solidFill>
-                  <a:srgbClr val="000000"/>
-                </a:solidFill>
                 <a:latin typeface="Arial"/>
               </a:rPr>
               <a:t>Fifth Outline Level</a:t>
             </a:r>
             <a:endParaRPr b="0" lang="pt-BR" sz="2000" spc="-1" strike="noStrike">
-              <a:solidFill>
-                <a:srgbClr val="000000"/>
-              </a:solidFill>
               <a:latin typeface="Arial"/>
             </a:endParaRPr>
           </a:p>
           <a:p>
             <a:pPr lvl="5" marL="2592000" indent="-216000">
-              <a:lnSpc>
-                <a:spcPct val="90000"/>
-              </a:lnSpc>
               <a:spcBef>
                 <a:spcPts val="283"/>
               </a:spcBef>
@@ -6214,25 +5584,16 @@
             </a:pPr>
             <a:r>
               <a:rPr b="0" lang="pt-BR" sz="2000" spc="-1" strike="noStrike">
-                <a:solidFill>
-                  <a:srgbClr val="000000"/>
-                </a:solidFill>
                 <a:latin typeface="Arial"/>
               </a:rPr>
               <a:t>Sixth Outline Level</a:t>
             </a:r>
             <a:endParaRPr b="0" lang="pt-BR" sz="2000" spc="-1" strike="noStrike">
-              <a:solidFill>
-                <a:srgbClr val="000000"/>
-              </a:solidFill>
               <a:latin typeface="Arial"/>
             </a:endParaRPr>
           </a:p>
           <a:p>
             <a:pPr lvl="6" marL="3024000" indent="-216000">
-              <a:lnSpc>
-                <a:spcPct val="90000"/>
-              </a:lnSpc>
               <a:spcBef>
                 <a:spcPts val="283"/>
               </a:spcBef>
@@ -6245,17 +5606,11 @@
             </a:pPr>
             <a:r>
               <a:rPr b="0" lang="pt-BR" sz="2000" spc="-1" strike="noStrike">
-                <a:solidFill>
-                  <a:srgbClr val="000000"/>
-                </a:solidFill>
                 <a:latin typeface="Arial"/>
               </a:rPr>
               <a:t>Seventh Outline Level</a:t>
             </a:r>
             <a:endParaRPr b="0" lang="pt-BR" sz="2000" spc="-1" strike="noStrike">
-              <a:solidFill>
-                <a:srgbClr val="000000"/>
-              </a:solidFill>
               <a:latin typeface="Arial"/>
             </a:endParaRPr>
           </a:p>
@@ -6314,7 +5669,7 @@
         <p:spPr>
           <a:xfrm>
             <a:off x="0" y="180000"/>
-            <a:ext cx="9716040" cy="1256040"/>
+            <a:ext cx="9715680" cy="1255680"/>
           </a:xfrm>
           <a:prstGeom prst="rect">
             <a:avLst/>
@@ -6342,7 +5697,7 @@
         <p:spPr>
           <a:xfrm>
             <a:off x="7560000" y="6840000"/>
-            <a:ext cx="2516040" cy="536040"/>
+            <a:ext cx="2515680" cy="535680"/>
           </a:xfrm>
           <a:prstGeom prst="rect">
             <a:avLst/>
@@ -6370,7 +5725,7 @@
         <p:spPr>
           <a:xfrm>
             <a:off x="900000" y="6840000"/>
-            <a:ext cx="6476040" cy="536040"/>
+            <a:ext cx="6475680" cy="535680"/>
           </a:xfrm>
           <a:prstGeom prst="rect">
             <a:avLst/>
@@ -6398,7 +5753,7 @@
         <p:spPr>
           <a:xfrm>
             <a:off x="180000" y="6840000"/>
-            <a:ext cx="536040" cy="536040"/>
+            <a:ext cx="535680" cy="535680"/>
           </a:xfrm>
           <a:prstGeom prst="rect">
             <a:avLst/>
@@ -6443,19 +5798,16 @@
             <a:noAutofit/>
           </a:bodyPr>
           <a:p>
+            <a:pPr algn="ctr">
+              <a:buNone/>
+            </a:pPr>
             <a:r>
-              <a:rPr b="0" lang="pt-BR" sz="1800" spc="-1" strike="noStrike">
-                <a:solidFill>
-                  <a:srgbClr val="000000"/>
-                </a:solidFill>
+              <a:rPr b="0" lang="pt-BR" sz="4400" spc="-1" strike="noStrike">
                 <a:latin typeface="Arial"/>
               </a:rPr>
               <a:t>Click to edit the title text format</a:t>
             </a:r>
-            <a:endParaRPr b="0" lang="pt-BR" sz="1800" spc="-1" strike="noStrike">
-              <a:solidFill>
-                <a:srgbClr val="000000"/>
-              </a:solidFill>
+            <a:endParaRPr b="0" lang="pt-BR" sz="4400" spc="-1" strike="noStrike">
               <a:latin typeface="Arial"/>
             </a:endParaRPr>
           </a:p>
@@ -6490,9 +5842,6 @@
           </a:bodyPr>
           <a:p>
             <a:pPr marL="432000" indent="-324000">
-              <a:lnSpc>
-                <a:spcPct val="90000"/>
-              </a:lnSpc>
               <a:spcBef>
                 <a:spcPts val="1417"/>
               </a:spcBef>
@@ -6504,26 +5853,17 @@
               <a:buChar char=""/>
             </a:pPr>
             <a:r>
-              <a:rPr b="0" lang="pt-BR" sz="2800" spc="-1" strike="noStrike">
-                <a:solidFill>
-                  <a:srgbClr val="000000"/>
-                </a:solidFill>
+              <a:rPr b="0" lang="pt-BR" sz="3200" spc="-1" strike="noStrike">
                 <a:latin typeface="Arial"/>
               </a:rPr>
               <a:t>Click to edit the outline text format</a:t>
             </a:r>
-            <a:endParaRPr b="0" lang="pt-BR" sz="2800" spc="-1" strike="noStrike">
-              <a:solidFill>
-                <a:srgbClr val="000000"/>
-              </a:solidFill>
+            <a:endParaRPr b="0" lang="pt-BR" sz="3200" spc="-1" strike="noStrike">
               <a:latin typeface="Arial"/>
             </a:endParaRPr>
           </a:p>
           <a:p>
             <a:pPr lvl="1" marL="864000" indent="-324000">
-              <a:lnSpc>
-                <a:spcPct val="90000"/>
-              </a:lnSpc>
               <a:spcBef>
                 <a:spcPts val="1134"/>
               </a:spcBef>
@@ -6535,26 +5875,17 @@
               <a:buChar char=""/>
             </a:pPr>
             <a:r>
-              <a:rPr b="0" lang="pt-BR" sz="2000" spc="-1" strike="noStrike">
-                <a:solidFill>
-                  <a:srgbClr val="000000"/>
-                </a:solidFill>
+              <a:rPr b="0" lang="pt-BR" sz="2800" spc="-1" strike="noStrike">
                 <a:latin typeface="Arial"/>
               </a:rPr>
               <a:t>Second Outline Level</a:t>
             </a:r>
-            <a:endParaRPr b="0" lang="pt-BR" sz="2000" spc="-1" strike="noStrike">
-              <a:solidFill>
-                <a:srgbClr val="000000"/>
-              </a:solidFill>
+            <a:endParaRPr b="0" lang="pt-BR" sz="2800" spc="-1" strike="noStrike">
               <a:latin typeface="Arial"/>
             </a:endParaRPr>
           </a:p>
           <a:p>
             <a:pPr lvl="2" marL="1296000" indent="-288000">
-              <a:lnSpc>
-                <a:spcPct val="90000"/>
-              </a:lnSpc>
               <a:spcBef>
                 <a:spcPts val="850"/>
               </a:spcBef>
@@ -6566,26 +5897,17 @@
               <a:buChar char=""/>
             </a:pPr>
             <a:r>
-              <a:rPr b="0" lang="pt-BR" sz="1800" spc="-1" strike="noStrike">
-                <a:solidFill>
-                  <a:srgbClr val="000000"/>
-                </a:solidFill>
+              <a:rPr b="0" lang="pt-BR" sz="2400" spc="-1" strike="noStrike">
                 <a:latin typeface="Arial"/>
               </a:rPr>
               <a:t>Third Outline Level</a:t>
             </a:r>
-            <a:endParaRPr b="0" lang="pt-BR" sz="1800" spc="-1" strike="noStrike">
-              <a:solidFill>
-                <a:srgbClr val="000000"/>
-              </a:solidFill>
+            <a:endParaRPr b="0" lang="pt-BR" sz="2400" spc="-1" strike="noStrike">
               <a:latin typeface="Arial"/>
             </a:endParaRPr>
           </a:p>
           <a:p>
             <a:pPr lvl="3" marL="1728000" indent="-216000">
-              <a:lnSpc>
-                <a:spcPct val="90000"/>
-              </a:lnSpc>
               <a:spcBef>
                 <a:spcPts val="567"/>
               </a:spcBef>
@@ -6597,26 +5919,17 @@
               <a:buChar char=""/>
             </a:pPr>
             <a:r>
-              <a:rPr b="0" lang="pt-BR" sz="1800" spc="-1" strike="noStrike">
-                <a:solidFill>
-                  <a:srgbClr val="000000"/>
-                </a:solidFill>
+              <a:rPr b="0" lang="pt-BR" sz="2000" spc="-1" strike="noStrike">
                 <a:latin typeface="Arial"/>
               </a:rPr>
               <a:t>Fourth Outline Level</a:t>
             </a:r>
-            <a:endParaRPr b="0" lang="pt-BR" sz="1800" spc="-1" strike="noStrike">
-              <a:solidFill>
-                <a:srgbClr val="000000"/>
-              </a:solidFill>
+            <a:endParaRPr b="0" lang="pt-BR" sz="2000" spc="-1" strike="noStrike">
               <a:latin typeface="Arial"/>
             </a:endParaRPr>
           </a:p>
           <a:p>
             <a:pPr lvl="4" marL="2160000" indent="-216000">
-              <a:lnSpc>
-                <a:spcPct val="90000"/>
-              </a:lnSpc>
               <a:spcBef>
                 <a:spcPts val="283"/>
               </a:spcBef>
@@ -6629,25 +5942,16 @@
             </a:pPr>
             <a:r>
               <a:rPr b="0" lang="pt-BR" sz="2000" spc="-1" strike="noStrike">
-                <a:solidFill>
-                  <a:srgbClr val="000000"/>
-                </a:solidFill>
                 <a:latin typeface="Arial"/>
               </a:rPr>
               <a:t>Fifth Outline Level</a:t>
             </a:r>
             <a:endParaRPr b="0" lang="pt-BR" sz="2000" spc="-1" strike="noStrike">
-              <a:solidFill>
-                <a:srgbClr val="000000"/>
-              </a:solidFill>
               <a:latin typeface="Arial"/>
             </a:endParaRPr>
           </a:p>
           <a:p>
             <a:pPr lvl="5" marL="2592000" indent="-216000">
-              <a:lnSpc>
-                <a:spcPct val="90000"/>
-              </a:lnSpc>
               <a:spcBef>
                 <a:spcPts val="283"/>
               </a:spcBef>
@@ -6660,25 +5964,16 @@
             </a:pPr>
             <a:r>
               <a:rPr b="0" lang="pt-BR" sz="2000" spc="-1" strike="noStrike">
-                <a:solidFill>
-                  <a:srgbClr val="000000"/>
-                </a:solidFill>
                 <a:latin typeface="Arial"/>
               </a:rPr>
               <a:t>Sixth Outline Level</a:t>
             </a:r>
             <a:endParaRPr b="0" lang="pt-BR" sz="2000" spc="-1" strike="noStrike">
-              <a:solidFill>
-                <a:srgbClr val="000000"/>
-              </a:solidFill>
               <a:latin typeface="Arial"/>
             </a:endParaRPr>
           </a:p>
           <a:p>
             <a:pPr lvl="6" marL="3024000" indent="-216000">
-              <a:lnSpc>
-                <a:spcPct val="90000"/>
-              </a:lnSpc>
               <a:spcBef>
                 <a:spcPts val="283"/>
               </a:spcBef>
@@ -6691,17 +5986,11 @@
             </a:pPr>
             <a:r>
               <a:rPr b="0" lang="pt-BR" sz="2000" spc="-1" strike="noStrike">
-                <a:solidFill>
-                  <a:srgbClr val="000000"/>
-                </a:solidFill>
                 <a:latin typeface="Arial"/>
               </a:rPr>
               <a:t>Seventh Outline Level</a:t>
             </a:r>
             <a:endParaRPr b="0" lang="pt-BR" sz="2000" spc="-1" strike="noStrike">
-              <a:solidFill>
-                <a:srgbClr val="000000"/>
-              </a:solidFill>
               <a:latin typeface="Arial"/>
             </a:endParaRPr>
           </a:p>
@@ -6753,7 +6042,7 @@
         <p:spPr>
           <a:xfrm>
             <a:off x="360000" y="3330000"/>
-            <a:ext cx="9356040" cy="896040"/>
+            <a:ext cx="9355680" cy="895680"/>
           </a:xfrm>
           <a:prstGeom prst="rect">
             <a:avLst/>
@@ -6805,7 +6094,7 @@
         <p:spPr>
           <a:xfrm>
             <a:off x="540000" y="4680000"/>
-            <a:ext cx="9176040" cy="2516040"/>
+            <a:ext cx="9175680" cy="2515680"/>
           </a:xfrm>
           <a:prstGeom prst="rect">
             <a:avLst/>
@@ -7010,7 +6299,7 @@
         <p:spPr>
           <a:xfrm>
             <a:off x="360000" y="360000"/>
-            <a:ext cx="9356040" cy="896040"/>
+            <a:ext cx="9355680" cy="895680"/>
           </a:xfrm>
           <a:prstGeom prst="rect">
             <a:avLst/>
@@ -7062,7 +6351,7 @@
         <p:spPr>
           <a:xfrm>
             <a:off x="897120" y="6886080"/>
-            <a:ext cx="6443280" cy="361080"/>
+            <a:ext cx="6442920" cy="360720"/>
           </a:xfrm>
           <a:prstGeom prst="rect">
             <a:avLst/>
@@ -7114,7 +6403,7 @@
         <p:spPr>
           <a:xfrm>
             <a:off x="7608600" y="6886080"/>
-            <a:ext cx="2281320" cy="361080"/>
+            <a:ext cx="2280960" cy="360720"/>
           </a:xfrm>
           <a:prstGeom prst="rect">
             <a:avLst/>
@@ -7176,7 +6465,7 @@
         <p:spPr>
           <a:xfrm>
             <a:off x="200160" y="1689840"/>
-            <a:ext cx="9515880" cy="1186920"/>
+            <a:ext cx="9515520" cy="1186920"/>
           </a:xfrm>
           <a:prstGeom prst="rect">
             <a:avLst/>
@@ -7269,7 +6558,7 @@
         <p:spPr>
           <a:xfrm>
             <a:off x="2245320" y="3596760"/>
-            <a:ext cx="5095080" cy="3494520"/>
+            <a:ext cx="5094720" cy="3494160"/>
           </a:xfrm>
           <a:prstGeom prst="rect">
             <a:avLst/>
@@ -7292,7 +6581,7 @@
         <p:spPr>
           <a:xfrm>
             <a:off x="707040" y="1867680"/>
-            <a:ext cx="8645760" cy="1592280"/>
+            <a:ext cx="8645400" cy="1591920"/>
           </a:xfrm>
           <a:prstGeom prst="rect">
             <a:avLst/>
@@ -7315,7 +6604,7 @@
         <p:spPr>
           <a:xfrm>
             <a:off x="727560" y="3323880"/>
-            <a:ext cx="8645760" cy="272520"/>
+            <a:ext cx="8645400" cy="272160"/>
           </a:xfrm>
           <a:prstGeom prst="rect">
             <a:avLst/>
@@ -7334,7 +6623,7 @@
         <p:spPr>
           <a:xfrm>
             <a:off x="3891240" y="3240360"/>
-            <a:ext cx="751320" cy="386280"/>
+            <a:ext cx="750960" cy="385920"/>
           </a:xfrm>
           <a:prstGeom prst="rect">
             <a:avLst/>
@@ -7375,7 +6664,7 @@
         <p:spPr>
           <a:xfrm>
             <a:off x="7040880" y="3247200"/>
-            <a:ext cx="751320" cy="386280"/>
+            <a:ext cx="750960" cy="385920"/>
           </a:xfrm>
           <a:prstGeom prst="rect">
             <a:avLst/>
@@ -7416,7 +6705,7 @@
         <p:spPr>
           <a:xfrm>
             <a:off x="7848000" y="3247200"/>
-            <a:ext cx="751320" cy="386280"/>
+            <a:ext cx="750960" cy="385920"/>
           </a:xfrm>
           <a:prstGeom prst="rect">
             <a:avLst/>
@@ -7457,7 +6746,7 @@
         <p:spPr>
           <a:xfrm>
             <a:off x="8641800" y="3247200"/>
-            <a:ext cx="751320" cy="386280"/>
+            <a:ext cx="750960" cy="385920"/>
           </a:xfrm>
           <a:prstGeom prst="rect">
             <a:avLst/>
@@ -7498,7 +6787,7 @@
         <p:spPr>
           <a:xfrm>
             <a:off x="5594040" y="5676480"/>
-            <a:ext cx="751320" cy="386280"/>
+            <a:ext cx="750960" cy="385920"/>
           </a:xfrm>
           <a:prstGeom prst="rect">
             <a:avLst/>
@@ -7539,7 +6828,7 @@
         <p:spPr>
           <a:xfrm>
             <a:off x="4682520" y="3250800"/>
-            <a:ext cx="751320" cy="386280"/>
+            <a:ext cx="750960" cy="385920"/>
           </a:xfrm>
           <a:prstGeom prst="rect">
             <a:avLst/>
@@ -7580,7 +6869,7 @@
         <p:spPr>
           <a:xfrm>
             <a:off x="5466240" y="3250800"/>
-            <a:ext cx="751320" cy="386280"/>
+            <a:ext cx="750960" cy="385920"/>
           </a:xfrm>
           <a:prstGeom prst="rect">
             <a:avLst/>
@@ -7621,7 +6910,7 @@
         <p:spPr>
           <a:xfrm>
             <a:off x="5685480" y="6179760"/>
-            <a:ext cx="751320" cy="386280"/>
+            <a:ext cx="750960" cy="385920"/>
           </a:xfrm>
           <a:prstGeom prst="rect">
             <a:avLst/>
@@ -7662,7 +6951,7 @@
         <p:spPr>
           <a:xfrm>
             <a:off x="7323120" y="5525280"/>
-            <a:ext cx="2081520" cy="363960"/>
+            <a:ext cx="2081160" cy="363960"/>
           </a:xfrm>
           <a:prstGeom prst="rect">
             <a:avLst/>
@@ -7713,8 +7002,8 @@
         </p:nvSpPr>
         <p:spPr>
           <a:xfrm rot="10800000">
-            <a:off x="6772680" y="5870160"/>
-            <a:ext cx="1075320" cy="192960"/>
+            <a:off x="6773040" y="5870520"/>
+            <a:ext cx="1074960" cy="192600"/>
           </a:xfrm>
           <a:prstGeom prst="rightArrow">
             <a:avLst>
@@ -7786,7 +7075,7 @@
         <p:spPr>
           <a:xfrm>
             <a:off x="360000" y="360000"/>
-            <a:ext cx="9356040" cy="896040"/>
+            <a:ext cx="9355680" cy="895680"/>
           </a:xfrm>
           <a:prstGeom prst="rect">
             <a:avLst/>
@@ -7838,7 +7127,7 @@
         <p:spPr>
           <a:xfrm>
             <a:off x="897120" y="6886080"/>
-            <a:ext cx="6443280" cy="361080"/>
+            <a:ext cx="6442920" cy="360720"/>
           </a:xfrm>
           <a:prstGeom prst="rect">
             <a:avLst/>
@@ -7890,7 +7179,7 @@
         <p:spPr>
           <a:xfrm>
             <a:off x="7608600" y="6886080"/>
-            <a:ext cx="2281320" cy="361080"/>
+            <a:ext cx="2280960" cy="360720"/>
           </a:xfrm>
           <a:prstGeom prst="rect">
             <a:avLst/>
@@ -7952,7 +7241,7 @@
         <p:spPr>
           <a:xfrm>
             <a:off x="200160" y="1689840"/>
-            <a:ext cx="9515880" cy="2284200"/>
+            <a:ext cx="9515520" cy="2284200"/>
           </a:xfrm>
           <a:prstGeom prst="rect">
             <a:avLst/>
@@ -8092,7 +7381,7 @@
         <p:spPr>
           <a:xfrm>
             <a:off x="1500120" y="3444480"/>
-            <a:ext cx="7075440" cy="3032280"/>
+            <a:ext cx="7075080" cy="3031920"/>
           </a:xfrm>
           <a:prstGeom prst="rect">
             <a:avLst/>
@@ -8141,7 +7430,7 @@
         <p:spPr>
           <a:xfrm>
             <a:off x="360000" y="360000"/>
-            <a:ext cx="9356040" cy="896040"/>
+            <a:ext cx="9355680" cy="895680"/>
           </a:xfrm>
           <a:prstGeom prst="rect">
             <a:avLst/>
@@ -8193,7 +7482,7 @@
         <p:spPr>
           <a:xfrm>
             <a:off x="897120" y="6886080"/>
-            <a:ext cx="6443280" cy="361080"/>
+            <a:ext cx="6442920" cy="360720"/>
           </a:xfrm>
           <a:prstGeom prst="rect">
             <a:avLst/>
@@ -8245,7 +7534,7 @@
         <p:spPr>
           <a:xfrm>
             <a:off x="7608600" y="6886080"/>
-            <a:ext cx="2281320" cy="361080"/>
+            <a:ext cx="2280960" cy="360720"/>
           </a:xfrm>
           <a:prstGeom prst="rect">
             <a:avLst/>
@@ -8307,7 +7596,7 @@
         <p:spPr>
           <a:xfrm>
             <a:off x="200160" y="1689840"/>
-            <a:ext cx="9515880" cy="2284200"/>
+            <a:ext cx="9515520" cy="2284200"/>
           </a:xfrm>
           <a:prstGeom prst="rect">
             <a:avLst/>
@@ -8375,7 +7664,7 @@
             </a:endParaRPr>
           </a:p>
           <a:p>
-            <a:pPr>
+            <a:pPr marL="457200">
               <a:lnSpc>
                 <a:spcPct val="100000"/>
               </a:lnSpc>
@@ -8386,7 +7675,7 @@
             </a:endParaRPr>
           </a:p>
           <a:p>
-            <a:pPr>
+            <a:pPr marL="457200">
               <a:lnSpc>
                 <a:spcPct val="100000"/>
               </a:lnSpc>
@@ -8397,7 +7686,7 @@
             </a:endParaRPr>
           </a:p>
           <a:p>
-            <a:pPr>
+            <a:pPr marL="457200">
               <a:lnSpc>
                 <a:spcPct val="100000"/>
               </a:lnSpc>
@@ -8408,7 +7697,7 @@
             </a:endParaRPr>
           </a:p>
           <a:p>
-            <a:pPr>
+            <a:pPr marL="457200">
               <a:lnSpc>
                 <a:spcPct val="100000"/>
               </a:lnSpc>
@@ -8419,7 +7708,7 @@
             </a:endParaRPr>
           </a:p>
           <a:p>
-            <a:pPr>
+            <a:pPr marL="457200">
               <a:lnSpc>
                 <a:spcPct val="100000"/>
               </a:lnSpc>
@@ -8444,7 +7733,7 @@
         <p:spPr>
           <a:xfrm>
             <a:off x="512640" y="2760120"/>
-            <a:ext cx="4445280" cy="1330200"/>
+            <a:ext cx="4444920" cy="1329840"/>
           </a:xfrm>
           <a:prstGeom prst="rect">
             <a:avLst/>
@@ -8467,7 +7756,7 @@
         <p:spPr>
           <a:xfrm>
             <a:off x="5485320" y="2487600"/>
-            <a:ext cx="4082400" cy="3000240"/>
+            <a:ext cx="4082040" cy="2999880"/>
           </a:xfrm>
           <a:prstGeom prst="rect">
             <a:avLst/>
@@ -8486,7 +7775,7 @@
         <p:spPr>
           <a:xfrm>
             <a:off x="4888080" y="3627360"/>
-            <a:ext cx="304560" cy="304560"/>
+            <a:ext cx="304200" cy="304200"/>
           </a:xfrm>
           <a:prstGeom prst="rect">
             <a:avLst/>
@@ -8516,7 +7805,7 @@
         <p:spPr>
           <a:xfrm>
             <a:off x="789840" y="4894920"/>
-            <a:ext cx="3944160" cy="1212480"/>
+            <a:ext cx="3943800" cy="1212120"/>
           </a:xfrm>
           <a:prstGeom prst="rect">
             <a:avLst/>
@@ -8535,7 +7824,7 @@
         <p:spPr>
           <a:xfrm>
             <a:off x="1026000" y="4714200"/>
-            <a:ext cx="184320" cy="369000"/>
+            <a:ext cx="183960" cy="368640"/>
           </a:xfrm>
           <a:prstGeom prst="rect">
             <a:avLst/>
@@ -8591,7 +7880,7 @@
         <p:spPr>
           <a:xfrm>
             <a:off x="360000" y="360000"/>
-            <a:ext cx="9356040" cy="896040"/>
+            <a:ext cx="9355680" cy="895680"/>
           </a:xfrm>
           <a:prstGeom prst="rect">
             <a:avLst/>
@@ -8643,7 +7932,7 @@
         <p:spPr>
           <a:xfrm>
             <a:off x="897120" y="6886080"/>
-            <a:ext cx="6443280" cy="361080"/>
+            <a:ext cx="6442920" cy="360720"/>
           </a:xfrm>
           <a:prstGeom prst="rect">
             <a:avLst/>
@@ -8695,7 +7984,7 @@
         <p:spPr>
           <a:xfrm>
             <a:off x="7608600" y="6886080"/>
-            <a:ext cx="2281320" cy="361080"/>
+            <a:ext cx="2280960" cy="360720"/>
           </a:xfrm>
           <a:prstGeom prst="rect">
             <a:avLst/>
@@ -8757,7 +8046,7 @@
         <p:spPr>
           <a:xfrm>
             <a:off x="200160" y="1689840"/>
-            <a:ext cx="9515880" cy="2832840"/>
+            <a:ext cx="9515520" cy="2832840"/>
           </a:xfrm>
           <a:prstGeom prst="rect">
             <a:avLst/>
@@ -8825,17 +8114,6 @@
             </a:endParaRPr>
           </a:p>
           <a:p>
-            <a:pPr>
-              <a:lnSpc>
-                <a:spcPct val="100000"/>
-              </a:lnSpc>
-              <a:buNone/>
-            </a:pPr>
-            <a:endParaRPr b="0" lang="pt-BR" sz="1800" spc="-1" strike="noStrike">
-              <a:latin typeface="Arial"/>
-            </a:endParaRPr>
-          </a:p>
-          <a:p>
             <a:pPr marL="457200">
               <a:lnSpc>
                 <a:spcPct val="100000"/>
@@ -8847,7 +8125,7 @@
             </a:endParaRPr>
           </a:p>
           <a:p>
-            <a:pPr>
+            <a:pPr marL="457200">
               <a:lnSpc>
                 <a:spcPct val="100000"/>
               </a:lnSpc>
@@ -8858,7 +8136,7 @@
             </a:endParaRPr>
           </a:p>
           <a:p>
-            <a:pPr>
+            <a:pPr marL="457200">
               <a:lnSpc>
                 <a:spcPct val="100000"/>
               </a:lnSpc>
@@ -8869,7 +8147,7 @@
             </a:endParaRPr>
           </a:p>
           <a:p>
-            <a:pPr>
+            <a:pPr marL="457200">
               <a:lnSpc>
                 <a:spcPct val="100000"/>
               </a:lnSpc>
@@ -8880,7 +8158,7 @@
             </a:endParaRPr>
           </a:p>
           <a:p>
-            <a:pPr>
+            <a:pPr marL="457200">
               <a:lnSpc>
                 <a:spcPct val="100000"/>
               </a:lnSpc>
@@ -8891,7 +8169,7 @@
             </a:endParaRPr>
           </a:p>
           <a:p>
-            <a:pPr>
+            <a:pPr marL="457200">
               <a:lnSpc>
                 <a:spcPct val="100000"/>
               </a:lnSpc>
@@ -8901,6 +8179,17 @@
               <a:latin typeface="Arial"/>
             </a:endParaRPr>
           </a:p>
+          <a:p>
+            <a:pPr marL="457200">
+              <a:lnSpc>
+                <a:spcPct val="100000"/>
+              </a:lnSpc>
+              <a:buNone/>
+            </a:pPr>
+            <a:endParaRPr b="0" lang="pt-BR" sz="1800" spc="-1" strike="noStrike">
+              <a:latin typeface="Arial"/>
+            </a:endParaRPr>
+          </a:p>
         </p:txBody>
       </p:sp>
       <p:sp>
@@ -8912,7 +8201,7 @@
         <p:spPr>
           <a:xfrm>
             <a:off x="4888080" y="3627360"/>
-            <a:ext cx="304560" cy="304560"/>
+            <a:ext cx="304200" cy="304200"/>
           </a:xfrm>
           <a:prstGeom prst="rect">
             <a:avLst/>
@@ -8938,7 +8227,7 @@
         <p:spPr>
           <a:xfrm>
             <a:off x="1026000" y="4714200"/>
-            <a:ext cx="184320" cy="369000"/>
+            <a:ext cx="183960" cy="368640"/>
           </a:xfrm>
           <a:prstGeom prst="rect">
             <a:avLst/>
@@ -8968,7 +8257,7 @@
         <p:spPr>
           <a:xfrm>
             <a:off x="592920" y="3590280"/>
-            <a:ext cx="4448520" cy="3115080"/>
+            <a:ext cx="4448160" cy="3114720"/>
           </a:xfrm>
           <a:prstGeom prst="rect">
             <a:avLst/>
@@ -8991,7 +8280,7 @@
         <p:spPr>
           <a:xfrm>
             <a:off x="5267520" y="3627360"/>
-            <a:ext cx="4448520" cy="3090600"/>
+            <a:ext cx="4448160" cy="3090240"/>
           </a:xfrm>
           <a:prstGeom prst="rect">
             <a:avLst/>
@@ -9014,7 +8303,7 @@
         <p:spPr>
           <a:xfrm>
             <a:off x="3901320" y="808200"/>
-            <a:ext cx="4186080" cy="2871000"/>
+            <a:ext cx="4185720" cy="2870640"/>
           </a:xfrm>
           <a:prstGeom prst="rect">
             <a:avLst/>
@@ -9063,7 +8352,7 @@
         <p:spPr>
           <a:xfrm>
             <a:off x="360000" y="360000"/>
-            <a:ext cx="9356040" cy="896040"/>
+            <a:ext cx="9355680" cy="895680"/>
           </a:xfrm>
           <a:prstGeom prst="rect">
             <a:avLst/>
@@ -9115,7 +8404,7 @@
         <p:spPr>
           <a:xfrm>
             <a:off x="897120" y="6886080"/>
-            <a:ext cx="6443280" cy="361080"/>
+            <a:ext cx="6442920" cy="360720"/>
           </a:xfrm>
           <a:prstGeom prst="rect">
             <a:avLst/>
@@ -9167,7 +8456,7 @@
         <p:spPr>
           <a:xfrm>
             <a:off x="7608600" y="6886080"/>
-            <a:ext cx="2281320" cy="361080"/>
+            <a:ext cx="2280960" cy="360720"/>
           </a:xfrm>
           <a:prstGeom prst="rect">
             <a:avLst/>
@@ -9229,7 +8518,7 @@
         <p:spPr>
           <a:xfrm>
             <a:off x="200160" y="1689840"/>
-            <a:ext cx="9515880" cy="638280"/>
+            <a:ext cx="9515520" cy="638280"/>
           </a:xfrm>
           <a:prstGeom prst="rect">
             <a:avLst/>
@@ -9298,7 +8587,7 @@
         <p:spPr>
           <a:xfrm>
             <a:off x="4888080" y="3627360"/>
-            <a:ext cx="304560" cy="304560"/>
+            <a:ext cx="304200" cy="304200"/>
           </a:xfrm>
           <a:prstGeom prst="rect">
             <a:avLst/>
@@ -9324,7 +8613,7 @@
         <p:spPr>
           <a:xfrm>
             <a:off x="1026000" y="4714200"/>
-            <a:ext cx="184320" cy="369000"/>
+            <a:ext cx="183960" cy="368640"/>
           </a:xfrm>
           <a:prstGeom prst="rect">
             <a:avLst/>
@@ -9380,7 +8669,7 @@
         <p:spPr>
           <a:xfrm>
             <a:off x="360000" y="360000"/>
-            <a:ext cx="9356040" cy="896040"/>
+            <a:ext cx="9355680" cy="895680"/>
           </a:xfrm>
           <a:prstGeom prst="rect">
             <a:avLst/>
@@ -9432,7 +8721,7 @@
         <p:spPr>
           <a:xfrm>
             <a:off x="897120" y="6886080"/>
-            <a:ext cx="6443280" cy="361080"/>
+            <a:ext cx="6442920" cy="360720"/>
           </a:xfrm>
           <a:prstGeom prst="rect">
             <a:avLst/>
@@ -9484,7 +8773,7 @@
         <p:spPr>
           <a:xfrm>
             <a:off x="7608600" y="6886080"/>
-            <a:ext cx="2281320" cy="361080"/>
+            <a:ext cx="2280960" cy="360720"/>
           </a:xfrm>
           <a:prstGeom prst="rect">
             <a:avLst/>
@@ -9546,7 +8835,7 @@
         <p:spPr>
           <a:xfrm>
             <a:off x="200160" y="1673640"/>
-            <a:ext cx="9515880" cy="1461240"/>
+            <a:ext cx="9515520" cy="1461240"/>
           </a:xfrm>
           <a:prstGeom prst="rect">
             <a:avLst/>
@@ -9628,7 +8917,7 @@
             </a:endParaRPr>
           </a:p>
           <a:p>
-            <a:pPr>
+            <a:pPr marL="457200">
               <a:lnSpc>
                 <a:spcPct val="100000"/>
               </a:lnSpc>
@@ -9639,7 +8928,7 @@
             </a:endParaRPr>
           </a:p>
           <a:p>
-            <a:pPr>
+            <a:pPr marL="457200">
               <a:lnSpc>
                 <a:spcPct val="100000"/>
               </a:lnSpc>
@@ -9660,7 +8949,7 @@
         <p:spPr>
           <a:xfrm>
             <a:off x="4888080" y="3627360"/>
-            <a:ext cx="304560" cy="304560"/>
+            <a:ext cx="304200" cy="304200"/>
           </a:xfrm>
           <a:prstGeom prst="rect">
             <a:avLst/>
@@ -9686,7 +8975,7 @@
         <p:spPr>
           <a:xfrm>
             <a:off x="1026000" y="4714200"/>
-            <a:ext cx="184320" cy="369000"/>
+            <a:ext cx="183960" cy="368640"/>
           </a:xfrm>
           <a:prstGeom prst="rect">
             <a:avLst/>
@@ -9705,7 +8994,7 @@
       </p:sp>
       <p:pic>
         <p:nvPicPr>
-          <p:cNvPr id="222" name="Picture 2" descr="QRCode para Avaliação Disciplina / Professor&#10;Visão Computacional"/>
+          <p:cNvPr id="222" name="" descr=""/>
           <p:cNvPicPr/>
           <p:nvPr/>
         </p:nvPicPr>
@@ -9715,8 +9004,8 @@
         </p:blipFill>
         <p:spPr>
           <a:xfrm>
-            <a:off x="3118320" y="2530080"/>
-            <a:ext cx="3749760" cy="3749760"/>
+            <a:off x="3278160" y="2675160"/>
+            <a:ext cx="3246480" cy="3246480"/>
           </a:xfrm>
           <a:prstGeom prst="rect">
             <a:avLst/>
@@ -9728,63 +9017,34 @@
       </p:pic>
       <p:sp>
         <p:nvSpPr>
-          <p:cNvPr id="223" name="CaixaDeTexto 10"/>
-          <p:cNvSpPr/>
-          <p:nvPr/>
-        </p:nvSpPr>
-        <p:spPr>
-          <a:xfrm>
-            <a:off x="3012840" y="6345000"/>
-            <a:ext cx="4286160" cy="638280"/>
-          </a:xfrm>
-          <a:prstGeom prst="rect">
-            <a:avLst/>
-          </a:prstGeom>
-          <a:noFill/>
-          <a:ln w="0">
-            <a:noFill/>
-          </a:ln>
-        </p:spPr>
-        <p:style>
-          <a:lnRef idx="0"/>
-          <a:fillRef idx="0"/>
-          <a:effectRef idx="0"/>
-          <a:fontRef idx="minor"/>
-        </p:style>
+          <p:cNvPr id="223" name=""/>
+          <p:cNvSpPr txBox="1"/>
+          <p:nvPr/>
+        </p:nvSpPr>
+        <p:spPr>
+          <a:xfrm>
+            <a:off x="3040920" y="6203160"/>
+            <a:ext cx="4114080" cy="346680"/>
+          </a:xfrm>
+          <a:prstGeom prst="rect">
+            <a:avLst/>
+          </a:prstGeom>
+          <a:noFill/>
+          <a:ln w="0">
+            <a:noFill/>
+          </a:ln>
+        </p:spPr>
         <p:txBody>
           <a:bodyPr lIns="90000" rIns="90000" tIns="45000" bIns="45000" anchor="t">
-            <a:spAutoFit/>
-          </a:bodyPr>
-          <a:p>
-            <a:pPr>
-              <a:lnSpc>
-                <a:spcPct val="100000"/>
-              </a:lnSpc>
-              <a:buNone/>
-            </a:pPr>
+            <a:noAutofit/>
+          </a:bodyPr>
+          <a:p>
             <a:r>
-              <a:rPr b="0" lang="pt-BR" sz="1800" spc="-1" strike="noStrike" u="sng">
-                <a:solidFill>
-                  <a:srgbClr val="0000ff"/>
-                </a:solidFill>
-                <a:uFillTx/>
+              <a:rPr b="0" lang="pt-BR" sz="1800" spc="-1" strike="noStrike">
                 <a:latin typeface="Arial"/>
-                <a:ea typeface="DejaVu Sans"/>
-                <a:hlinkClick r:id="rId2"/>
               </a:rPr>
-              <a:t>https://forms.office.com/r/4ewHS74yrK</a:t>
+              <a:t>https://forms.office.com/r/yK53Mf9W0L</a:t>
             </a:r>
-            <a:endParaRPr b="0" lang="pt-BR" sz="1800" spc="-1" strike="noStrike">
-              <a:latin typeface="Arial"/>
-            </a:endParaRPr>
-          </a:p>
-          <a:p>
-            <a:pPr>
-              <a:lnSpc>
-                <a:spcPct val="100000"/>
-              </a:lnSpc>
-              <a:buNone/>
-            </a:pPr>
             <a:endParaRPr b="0" lang="pt-BR" sz="1800" spc="-1" strike="noStrike">
               <a:latin typeface="Arial"/>
             </a:endParaRPr>
@@ -9830,7 +9090,7 @@
         <p:spPr>
           <a:xfrm>
             <a:off x="360000" y="360000"/>
-            <a:ext cx="9356040" cy="896040"/>
+            <a:ext cx="9355680" cy="895680"/>
           </a:xfrm>
           <a:prstGeom prst="rect">
             <a:avLst/>
@@ -9882,7 +9142,7 @@
         <p:spPr>
           <a:xfrm>
             <a:off x="897120" y="6886080"/>
-            <a:ext cx="6443280" cy="361080"/>
+            <a:ext cx="6442920" cy="360720"/>
           </a:xfrm>
           <a:prstGeom prst="rect">
             <a:avLst/>
@@ -9934,7 +9194,7 @@
         <p:spPr>
           <a:xfrm>
             <a:off x="7608600" y="6886080"/>
-            <a:ext cx="2281320" cy="361080"/>
+            <a:ext cx="2280960" cy="360720"/>
           </a:xfrm>
           <a:prstGeom prst="rect">
             <a:avLst/>
@@ -9996,7 +9256,7 @@
         <p:spPr>
           <a:xfrm>
             <a:off x="360000" y="1980000"/>
-            <a:ext cx="9176040" cy="4676040"/>
+            <a:ext cx="9175680" cy="4675680"/>
           </a:xfrm>
           <a:prstGeom prst="rect">
             <a:avLst/>
@@ -10273,7 +9533,7 @@
         <p:spPr>
           <a:xfrm>
             <a:off x="2124000" y="4627440"/>
-            <a:ext cx="6219720" cy="2104560"/>
+            <a:ext cx="6219360" cy="2104200"/>
           </a:xfrm>
           <a:prstGeom prst="rect">
             <a:avLst/>
@@ -10292,7 +9552,7 @@
         <p:spPr>
           <a:xfrm>
             <a:off x="2124000" y="6444000"/>
-            <a:ext cx="234000" cy="234000"/>
+            <a:ext cx="233640" cy="233640"/>
           </a:xfrm>
           <a:prstGeom prst="ellipse">
             <a:avLst/>
@@ -10322,7 +9582,7 @@
         <p:spPr>
           <a:xfrm>
             <a:off x="2592360" y="6444360"/>
-            <a:ext cx="234000" cy="234000"/>
+            <a:ext cx="233640" cy="233640"/>
           </a:xfrm>
           <a:prstGeom prst="ellipse">
             <a:avLst/>
@@ -10352,7 +9612,7 @@
         <p:spPr>
           <a:xfrm>
             <a:off x="3024720" y="6444720"/>
-            <a:ext cx="234000" cy="234000"/>
+            <a:ext cx="233640" cy="233640"/>
           </a:xfrm>
           <a:prstGeom prst="ellipse">
             <a:avLst/>
@@ -10382,7 +9642,7 @@
         <p:spPr>
           <a:xfrm>
             <a:off x="3834000" y="6480000"/>
-            <a:ext cx="234000" cy="234000"/>
+            <a:ext cx="233640" cy="233640"/>
           </a:xfrm>
           <a:prstGeom prst="ellipse">
             <a:avLst/>
@@ -10442,7 +9702,7 @@
         <p:spPr>
           <a:xfrm>
             <a:off x="360000" y="360000"/>
-            <a:ext cx="9356040" cy="896040"/>
+            <a:ext cx="9355680" cy="895680"/>
           </a:xfrm>
           <a:prstGeom prst="rect">
             <a:avLst/>
@@ -10494,7 +9754,7 @@
         <p:spPr>
           <a:xfrm>
             <a:off x="897120" y="6886080"/>
-            <a:ext cx="6443280" cy="361080"/>
+            <a:ext cx="6442920" cy="360720"/>
           </a:xfrm>
           <a:prstGeom prst="rect">
             <a:avLst/>
@@ -10546,7 +9806,7 @@
         <p:spPr>
           <a:xfrm>
             <a:off x="7608600" y="6886080"/>
-            <a:ext cx="2281320" cy="361080"/>
+            <a:ext cx="2280960" cy="360720"/>
           </a:xfrm>
           <a:prstGeom prst="rect">
             <a:avLst/>
@@ -10612,7 +9872,7 @@
         <p:spPr>
           <a:xfrm>
             <a:off x="546480" y="2473560"/>
-            <a:ext cx="8983080" cy="2434320"/>
+            <a:ext cx="8982720" cy="2433960"/>
           </a:xfrm>
           <a:prstGeom prst="rect">
             <a:avLst/>
@@ -10631,7 +9891,7 @@
         <p:spPr>
           <a:xfrm>
             <a:off x="546480" y="3098880"/>
-            <a:ext cx="4320000" cy="1401840"/>
+            <a:ext cx="4319640" cy="1401480"/>
           </a:xfrm>
           <a:prstGeom prst="rect">
             <a:avLst/>
@@ -10702,7 +9962,7 @@
         <p:spPr>
           <a:xfrm>
             <a:off x="360000" y="360000"/>
-            <a:ext cx="9356040" cy="896040"/>
+            <a:ext cx="9355680" cy="895680"/>
           </a:xfrm>
           <a:prstGeom prst="rect">
             <a:avLst/>
@@ -10754,7 +10014,7 @@
         <p:spPr>
           <a:xfrm>
             <a:off x="897120" y="6886080"/>
-            <a:ext cx="6443280" cy="361080"/>
+            <a:ext cx="6442920" cy="360720"/>
           </a:xfrm>
           <a:prstGeom prst="rect">
             <a:avLst/>
@@ -10806,7 +10066,7 @@
         <p:spPr>
           <a:xfrm>
             <a:off x="7608600" y="6886080"/>
-            <a:ext cx="2281320" cy="361080"/>
+            <a:ext cx="2280960" cy="360720"/>
           </a:xfrm>
           <a:prstGeom prst="rect">
             <a:avLst/>
@@ -10868,7 +10128,7 @@
         <p:spPr>
           <a:xfrm>
             <a:off x="200160" y="1689840"/>
-            <a:ext cx="9515880" cy="2009880"/>
+            <a:ext cx="9515520" cy="2009880"/>
           </a:xfrm>
           <a:prstGeom prst="rect">
             <a:avLst/>
@@ -11022,7 +10282,7 @@
         <p:spPr>
           <a:xfrm>
             <a:off x="1738800" y="3416400"/>
-            <a:ext cx="6598800" cy="950400"/>
+            <a:ext cx="6598440" cy="950040"/>
           </a:xfrm>
           <a:prstGeom prst="rect">
             <a:avLst/>
@@ -11045,7 +10305,7 @@
         <p:spPr>
           <a:xfrm>
             <a:off x="464040" y="4828320"/>
-            <a:ext cx="3988800" cy="1588680"/>
+            <a:ext cx="3988440" cy="1588320"/>
           </a:xfrm>
           <a:prstGeom prst="rect">
             <a:avLst/>
@@ -11068,7 +10328,7 @@
         <p:spPr>
           <a:xfrm>
             <a:off x="5410800" y="5667120"/>
-            <a:ext cx="3119400" cy="929880"/>
+            <a:ext cx="3119040" cy="929520"/>
           </a:xfrm>
           <a:prstGeom prst="rect">
             <a:avLst/>
@@ -11091,7 +10351,7 @@
         <p:spPr>
           <a:xfrm>
             <a:off x="4836600" y="4413240"/>
-            <a:ext cx="4613040" cy="1026720"/>
+            <a:ext cx="4612680" cy="1026360"/>
           </a:xfrm>
           <a:prstGeom prst="rect">
             <a:avLst/>
@@ -11140,7 +10400,7 @@
         <p:spPr>
           <a:xfrm>
             <a:off x="360000" y="360000"/>
-            <a:ext cx="9356040" cy="896040"/>
+            <a:ext cx="9355680" cy="895680"/>
           </a:xfrm>
           <a:prstGeom prst="rect">
             <a:avLst/>
@@ -11192,7 +10452,7 @@
         <p:spPr>
           <a:xfrm>
             <a:off x="897120" y="6886080"/>
-            <a:ext cx="6443280" cy="361080"/>
+            <a:ext cx="6442920" cy="360720"/>
           </a:xfrm>
           <a:prstGeom prst="rect">
             <a:avLst/>
@@ -11244,7 +10504,7 @@
         <p:spPr>
           <a:xfrm>
             <a:off x="7608600" y="6886080"/>
-            <a:ext cx="2281320" cy="361080"/>
+            <a:ext cx="2280960" cy="360720"/>
           </a:xfrm>
           <a:prstGeom prst="rect">
             <a:avLst/>
@@ -11306,7 +10566,7 @@
         <p:spPr>
           <a:xfrm>
             <a:off x="200160" y="1689840"/>
-            <a:ext cx="9515880" cy="1461240"/>
+            <a:ext cx="9515520" cy="1461240"/>
           </a:xfrm>
           <a:prstGeom prst="rect">
             <a:avLst/>
@@ -11413,7 +10673,7 @@
         <p:spPr>
           <a:xfrm>
             <a:off x="579240" y="2892240"/>
-            <a:ext cx="8645760" cy="1592280"/>
+            <a:ext cx="8645400" cy="1591920"/>
           </a:xfrm>
           <a:prstGeom prst="rect">
             <a:avLst/>
@@ -11436,7 +10696,7 @@
         <p:spPr>
           <a:xfrm>
             <a:off x="635400" y="5467680"/>
-            <a:ext cx="8645760" cy="272520"/>
+            <a:ext cx="8645400" cy="272160"/>
           </a:xfrm>
           <a:prstGeom prst="rect">
             <a:avLst/>
@@ -11455,7 +10715,7 @@
         <p:spPr>
           <a:xfrm>
             <a:off x="897120" y="4484880"/>
-            <a:ext cx="197640" cy="889560"/>
+            <a:ext cx="197280" cy="889200"/>
           </a:xfrm>
           <a:prstGeom prst="downArrow">
             <a:avLst>
@@ -11497,7 +10757,7 @@
         <p:spPr>
           <a:xfrm>
             <a:off x="1699920" y="4484880"/>
-            <a:ext cx="197640" cy="889560"/>
+            <a:ext cx="197280" cy="889200"/>
           </a:xfrm>
           <a:prstGeom prst="downArrow">
             <a:avLst>
@@ -11539,7 +10799,7 @@
         <p:spPr>
           <a:xfrm>
             <a:off x="2502360" y="4484880"/>
-            <a:ext cx="197640" cy="889560"/>
+            <a:ext cx="197280" cy="889200"/>
           </a:xfrm>
           <a:prstGeom prst="downArrow">
             <a:avLst>
@@ -11581,7 +10841,7 @@
         <p:spPr>
           <a:xfrm>
             <a:off x="3305160" y="4484880"/>
-            <a:ext cx="197640" cy="889560"/>
+            <a:ext cx="197280" cy="889200"/>
           </a:xfrm>
           <a:prstGeom prst="downArrow">
             <a:avLst>
@@ -11623,7 +10883,7 @@
         <p:spPr>
           <a:xfrm>
             <a:off x="4039560" y="4484880"/>
-            <a:ext cx="197640" cy="889560"/>
+            <a:ext cx="197280" cy="889200"/>
           </a:xfrm>
           <a:prstGeom prst="downArrow">
             <a:avLst>
@@ -11665,7 +10925,7 @@
         <p:spPr>
           <a:xfrm>
             <a:off x="4842360" y="4484880"/>
-            <a:ext cx="197640" cy="889560"/>
+            <a:ext cx="197280" cy="889200"/>
           </a:xfrm>
           <a:prstGeom prst="downArrow">
             <a:avLst>
@@ -11707,7 +10967,7 @@
         <p:spPr>
           <a:xfrm>
             <a:off x="5644800" y="4484880"/>
-            <a:ext cx="197640" cy="889560"/>
+            <a:ext cx="197280" cy="889200"/>
           </a:xfrm>
           <a:prstGeom prst="downArrow">
             <a:avLst>
@@ -11749,7 +11009,7 @@
         <p:spPr>
           <a:xfrm>
             <a:off x="6447600" y="4484880"/>
-            <a:ext cx="197640" cy="889560"/>
+            <a:ext cx="197280" cy="889200"/>
           </a:xfrm>
           <a:prstGeom prst="downArrow">
             <a:avLst>
@@ -11791,7 +11051,7 @@
         <p:spPr>
           <a:xfrm>
             <a:off x="7151040" y="4471920"/>
-            <a:ext cx="197640" cy="889560"/>
+            <a:ext cx="197280" cy="889200"/>
           </a:xfrm>
           <a:prstGeom prst="downArrow">
             <a:avLst>
@@ -11833,7 +11093,7 @@
         <p:spPr>
           <a:xfrm>
             <a:off x="7953840" y="4471920"/>
-            <a:ext cx="197640" cy="889560"/>
+            <a:ext cx="197280" cy="889200"/>
           </a:xfrm>
           <a:prstGeom prst="downArrow">
             <a:avLst>
@@ -11875,7 +11135,7 @@
         <p:spPr>
           <a:xfrm>
             <a:off x="8756280" y="4471920"/>
-            <a:ext cx="197640" cy="889560"/>
+            <a:ext cx="197280" cy="889200"/>
           </a:xfrm>
           <a:prstGeom prst="downArrow">
             <a:avLst>
@@ -11947,7 +11207,7 @@
         <p:spPr>
           <a:xfrm>
             <a:off x="360000" y="360000"/>
-            <a:ext cx="9356040" cy="896040"/>
+            <a:ext cx="9355680" cy="895680"/>
           </a:xfrm>
           <a:prstGeom prst="rect">
             <a:avLst/>
@@ -11999,7 +11259,7 @@
         <p:spPr>
           <a:xfrm>
             <a:off x="897120" y="6886080"/>
-            <a:ext cx="6443280" cy="361080"/>
+            <a:ext cx="6442920" cy="360720"/>
           </a:xfrm>
           <a:prstGeom prst="rect">
             <a:avLst/>
@@ -12051,7 +11311,7 @@
         <p:spPr>
           <a:xfrm>
             <a:off x="7608600" y="6886080"/>
-            <a:ext cx="2281320" cy="361080"/>
+            <a:ext cx="2280960" cy="360720"/>
           </a:xfrm>
           <a:prstGeom prst="rect">
             <a:avLst/>
@@ -12113,7 +11373,7 @@
         <p:spPr>
           <a:xfrm>
             <a:off x="200160" y="1689840"/>
-            <a:ext cx="9515880" cy="363960"/>
+            <a:ext cx="9515520" cy="363960"/>
           </a:xfrm>
           <a:prstGeom prst="rect">
             <a:avLst/>
@@ -12173,7 +11433,7 @@
         <p:spPr>
           <a:xfrm>
             <a:off x="2245320" y="3596760"/>
-            <a:ext cx="5095080" cy="3494520"/>
+            <a:ext cx="5094720" cy="3494160"/>
           </a:xfrm>
           <a:prstGeom prst="rect">
             <a:avLst/>
@@ -12196,7 +11456,7 @@
         <p:spPr>
           <a:xfrm>
             <a:off x="707040" y="1867680"/>
-            <a:ext cx="8645760" cy="1592280"/>
+            <a:ext cx="8645400" cy="1591920"/>
           </a:xfrm>
           <a:prstGeom prst="rect">
             <a:avLst/>
@@ -12219,7 +11479,7 @@
         <p:spPr>
           <a:xfrm>
             <a:off x="727560" y="3323880"/>
-            <a:ext cx="8645760" cy="272520"/>
+            <a:ext cx="8645400" cy="272160"/>
           </a:xfrm>
           <a:prstGeom prst="rect">
             <a:avLst/>
@@ -12242,7 +11502,7 @@
         <p:spPr>
           <a:xfrm>
             <a:off x="6436800" y="3702960"/>
-            <a:ext cx="742680" cy="266400"/>
+            <a:ext cx="742320" cy="266040"/>
           </a:xfrm>
           <a:prstGeom prst="rect">
             <a:avLst/>
@@ -12265,7 +11525,7 @@
         <p:spPr>
           <a:xfrm>
             <a:off x="4691880" y="6028560"/>
-            <a:ext cx="676080" cy="256680"/>
+            <a:ext cx="675720" cy="256320"/>
           </a:xfrm>
           <a:prstGeom prst="rect">
             <a:avLst/>
@@ -12314,7 +11574,7 @@
         <p:spPr>
           <a:xfrm>
             <a:off x="360000" y="360000"/>
-            <a:ext cx="9356040" cy="896040"/>
+            <a:ext cx="9355680" cy="895680"/>
           </a:xfrm>
           <a:prstGeom prst="rect">
             <a:avLst/>
@@ -12366,7 +11626,7 @@
         <p:spPr>
           <a:xfrm>
             <a:off x="897120" y="6886080"/>
-            <a:ext cx="6443280" cy="361080"/>
+            <a:ext cx="6442920" cy="360720"/>
           </a:xfrm>
           <a:prstGeom prst="rect">
             <a:avLst/>
@@ -12418,7 +11678,7 @@
         <p:spPr>
           <a:xfrm>
             <a:off x="7608600" y="6886080"/>
-            <a:ext cx="2281320" cy="361080"/>
+            <a:ext cx="2280960" cy="360720"/>
           </a:xfrm>
           <a:prstGeom prst="rect">
             <a:avLst/>
@@ -12480,7 +11740,7 @@
         <p:spPr>
           <a:xfrm>
             <a:off x="200160" y="1689840"/>
-            <a:ext cx="9515880" cy="363960"/>
+            <a:ext cx="9515520" cy="363960"/>
           </a:xfrm>
           <a:prstGeom prst="rect">
             <a:avLst/>
@@ -12540,7 +11800,7 @@
         <p:spPr>
           <a:xfrm>
             <a:off x="2245320" y="3596760"/>
-            <a:ext cx="5095080" cy="3494520"/>
+            <a:ext cx="5094720" cy="3494160"/>
           </a:xfrm>
           <a:prstGeom prst="rect">
             <a:avLst/>
@@ -12563,7 +11823,7 @@
         <p:spPr>
           <a:xfrm>
             <a:off x="707040" y="1867680"/>
-            <a:ext cx="8645760" cy="1592280"/>
+            <a:ext cx="8645400" cy="1591920"/>
           </a:xfrm>
           <a:prstGeom prst="rect">
             <a:avLst/>
@@ -12586,7 +11846,7 @@
         <p:spPr>
           <a:xfrm>
             <a:off x="727560" y="3323880"/>
-            <a:ext cx="8645760" cy="272520"/>
+            <a:ext cx="8645400" cy="272160"/>
           </a:xfrm>
           <a:prstGeom prst="rect">
             <a:avLst/>
@@ -12609,7 +11869,7 @@
         <p:spPr>
           <a:xfrm>
             <a:off x="6436800" y="3702960"/>
-            <a:ext cx="742680" cy="266400"/>
+            <a:ext cx="742320" cy="266040"/>
           </a:xfrm>
           <a:prstGeom prst="rect">
             <a:avLst/>
@@ -12632,7 +11892,7 @@
         <p:spPr>
           <a:xfrm>
             <a:off x="5932080" y="5432040"/>
-            <a:ext cx="695160" cy="275760"/>
+            <a:ext cx="694800" cy="275400"/>
           </a:xfrm>
           <a:prstGeom prst="rect">
             <a:avLst/>
@@ -12655,7 +11915,7 @@
         <p:spPr>
           <a:xfrm>
             <a:off x="4691880" y="6028560"/>
-            <a:ext cx="676080" cy="256680"/>
+            <a:ext cx="675720" cy="256320"/>
           </a:xfrm>
           <a:prstGeom prst="rect">
             <a:avLst/>
@@ -12704,7 +11964,7 @@
         <p:spPr>
           <a:xfrm>
             <a:off x="360000" y="360000"/>
-            <a:ext cx="9356040" cy="896040"/>
+            <a:ext cx="9355680" cy="895680"/>
           </a:xfrm>
           <a:prstGeom prst="rect">
             <a:avLst/>
@@ -12756,7 +12016,7 @@
         <p:spPr>
           <a:xfrm>
             <a:off x="897120" y="6886080"/>
-            <a:ext cx="6443280" cy="361080"/>
+            <a:ext cx="6442920" cy="360720"/>
           </a:xfrm>
           <a:prstGeom prst="rect">
             <a:avLst/>
@@ -12808,7 +12068,7 @@
         <p:spPr>
           <a:xfrm>
             <a:off x="7608600" y="6886080"/>
-            <a:ext cx="2281320" cy="361080"/>
+            <a:ext cx="2280960" cy="360720"/>
           </a:xfrm>
           <a:prstGeom prst="rect">
             <a:avLst/>
@@ -12870,7 +12130,7 @@
         <p:spPr>
           <a:xfrm>
             <a:off x="200160" y="1689840"/>
-            <a:ext cx="9515880" cy="363960"/>
+            <a:ext cx="9515520" cy="363960"/>
           </a:xfrm>
           <a:prstGeom prst="rect">
             <a:avLst/>
@@ -12930,7 +12190,7 @@
         <p:spPr>
           <a:xfrm>
             <a:off x="2245320" y="3596760"/>
-            <a:ext cx="5095080" cy="3494520"/>
+            <a:ext cx="5094720" cy="3494160"/>
           </a:xfrm>
           <a:prstGeom prst="rect">
             <a:avLst/>
@@ -12953,7 +12213,7 @@
         <p:spPr>
           <a:xfrm>
             <a:off x="707040" y="1867680"/>
-            <a:ext cx="8645760" cy="1592280"/>
+            <a:ext cx="8645400" cy="1591920"/>
           </a:xfrm>
           <a:prstGeom prst="rect">
             <a:avLst/>
@@ -12976,7 +12236,7 @@
         <p:spPr>
           <a:xfrm>
             <a:off x="727560" y="3323880"/>
-            <a:ext cx="8645760" cy="272520"/>
+            <a:ext cx="8645400" cy="272160"/>
           </a:xfrm>
           <a:prstGeom prst="rect">
             <a:avLst/>
@@ -12999,7 +12259,7 @@
         <p:spPr>
           <a:xfrm>
             <a:off x="6436800" y="3702960"/>
-            <a:ext cx="742680" cy="266400"/>
+            <a:ext cx="742320" cy="266040"/>
           </a:xfrm>
           <a:prstGeom prst="rect">
             <a:avLst/>
@@ -13022,7 +12282,7 @@
         <p:spPr>
           <a:xfrm>
             <a:off x="5932080" y="5432040"/>
-            <a:ext cx="695160" cy="275760"/>
+            <a:ext cx="694800" cy="275400"/>
           </a:xfrm>
           <a:prstGeom prst="rect">
             <a:avLst/>
@@ -13045,7 +12305,7 @@
         <p:spPr>
           <a:xfrm>
             <a:off x="4691880" y="6028560"/>
-            <a:ext cx="676080" cy="256680"/>
+            <a:ext cx="675720" cy="256320"/>
           </a:xfrm>
           <a:prstGeom prst="rect">
             <a:avLst/>
@@ -13068,7 +12328,7 @@
         <p:spPr>
           <a:xfrm>
             <a:off x="5953320" y="5275800"/>
-            <a:ext cx="657000" cy="199800"/>
+            <a:ext cx="656640" cy="199440"/>
           </a:xfrm>
           <a:prstGeom prst="rect">
             <a:avLst/>
@@ -13117,7 +12377,7 @@
         <p:spPr>
           <a:xfrm>
             <a:off x="360000" y="360000"/>
-            <a:ext cx="9356040" cy="896040"/>
+            <a:ext cx="9355680" cy="895680"/>
           </a:xfrm>
           <a:prstGeom prst="rect">
             <a:avLst/>
@@ -13169,7 +12429,7 @@
         <p:spPr>
           <a:xfrm>
             <a:off x="897120" y="6886080"/>
-            <a:ext cx="6443280" cy="361080"/>
+            <a:ext cx="6442920" cy="360720"/>
           </a:xfrm>
           <a:prstGeom prst="rect">
             <a:avLst/>
@@ -13221,7 +12481,7 @@
         <p:spPr>
           <a:xfrm>
             <a:off x="7608600" y="6886080"/>
-            <a:ext cx="2281320" cy="361080"/>
+            <a:ext cx="2280960" cy="360720"/>
           </a:xfrm>
           <a:prstGeom prst="rect">
             <a:avLst/>
@@ -13283,7 +12543,7 @@
         <p:spPr>
           <a:xfrm>
             <a:off x="200160" y="1689840"/>
-            <a:ext cx="9515880" cy="363960"/>
+            <a:ext cx="9515520" cy="363960"/>
           </a:xfrm>
           <a:prstGeom prst="rect">
             <a:avLst/>
@@ -13343,7 +12603,7 @@
         <p:spPr>
           <a:xfrm>
             <a:off x="2245320" y="3596760"/>
-            <a:ext cx="5095080" cy="3494520"/>
+            <a:ext cx="5094720" cy="3494160"/>
           </a:xfrm>
           <a:prstGeom prst="rect">
             <a:avLst/>
@@ -13366,7 +12626,7 @@
         <p:spPr>
           <a:xfrm>
             <a:off x="707040" y="1867680"/>
-            <a:ext cx="8645760" cy="1592280"/>
+            <a:ext cx="8645400" cy="1591920"/>
           </a:xfrm>
           <a:prstGeom prst="rect">
             <a:avLst/>
@@ -13389,7 +12649,7 @@
         <p:spPr>
           <a:xfrm>
             <a:off x="727560" y="3323880"/>
-            <a:ext cx="8645760" cy="272520"/>
+            <a:ext cx="8645400" cy="272160"/>
           </a:xfrm>
           <a:prstGeom prst="rect">
             <a:avLst/>
@@ -13412,7 +12672,7 @@
         <p:spPr>
           <a:xfrm>
             <a:off x="6436800" y="3702960"/>
-            <a:ext cx="742680" cy="266400"/>
+            <a:ext cx="742320" cy="266040"/>
           </a:xfrm>
           <a:prstGeom prst="rect">
             <a:avLst/>
@@ -13435,7 +12695,7 @@
         <p:spPr>
           <a:xfrm>
             <a:off x="5932080" y="5432040"/>
-            <a:ext cx="695160" cy="275760"/>
+            <a:ext cx="694800" cy="275400"/>
           </a:xfrm>
           <a:prstGeom prst="rect">
             <a:avLst/>
@@ -13458,7 +12718,7 @@
         <p:spPr>
           <a:xfrm>
             <a:off x="4691880" y="6028560"/>
-            <a:ext cx="676080" cy="256680"/>
+            <a:ext cx="675720" cy="256320"/>
           </a:xfrm>
           <a:prstGeom prst="rect">
             <a:avLst/>
@@ -13481,7 +12741,7 @@
         <p:spPr>
           <a:xfrm>
             <a:off x="5953320" y="5275800"/>
-            <a:ext cx="657000" cy="199800"/>
+            <a:ext cx="656640" cy="199440"/>
           </a:xfrm>
           <a:prstGeom prst="rect">
             <a:avLst/>
@@ -13504,7 +12764,7 @@
         <p:spPr>
           <a:xfrm>
             <a:off x="5933160" y="5075640"/>
-            <a:ext cx="685440" cy="199800"/>
+            <a:ext cx="685080" cy="199440"/>
           </a:xfrm>
           <a:prstGeom prst="rect">
             <a:avLst/>

--- a/ComputerVision/Lecture 05 - Feature Extraction/Lecture 05 - Feature Extraction.pptx
+++ b/ComputerVision/Lecture 05 - Feature Extraction/Lecture 05 - Feature Extraction.pptx
@@ -23,7 +23,6 @@
     <p:sldId id="267" r:id="rId16"/>
     <p:sldId id="268" r:id="rId17"/>
     <p:sldId id="269" r:id="rId18"/>
-    <p:sldId id="270" r:id="rId19"/>
   </p:sldIdLst>
   <p:sldSz cx="10080625" cy="7559675"/>
   <p:notesSz cx="7559675" cy="10691813"/>
@@ -79,12 +78,12 @@
               <a:buNone/>
             </a:pPr>
             <a:r>
-              <a:rPr b="0" lang="pt-BR" sz="4400" spc="-1" strike="noStrike">
+              <a:rPr b="0" lang="en-US" sz="4400" spc="-1" strike="noStrike">
                 <a:latin typeface="Arial"/>
               </a:rPr>
               <a:t>Click to move the slide</a:t>
             </a:r>
-            <a:endParaRPr b="0" lang="pt-BR" sz="4400" spc="-1" strike="noStrike">
+            <a:endParaRPr b="0" lang="en-US" sz="4400" spc="-1" strike="noStrike">
               <a:latin typeface="Arial"/>
             </a:endParaRPr>
           </a:p>
@@ -119,12 +118,12 @@
           </a:bodyPr>
           <a:p>
             <a:r>
-              <a:rPr b="0" lang="pt-BR" sz="2000" spc="-1" strike="noStrike">
+              <a:rPr b="0" lang="en-US" sz="2000" spc="-1" strike="noStrike">
                 <a:latin typeface="Arial"/>
               </a:rPr>
               <a:t>Click to edit the notes format</a:t>
             </a:r>
-            <a:endParaRPr b="0" lang="pt-BR" sz="2000" spc="-1" strike="noStrike">
+            <a:endParaRPr b="0" lang="en-US" sz="2000" spc="-1" strike="noStrike">
               <a:latin typeface="Arial"/>
             </a:endParaRPr>
           </a:p>
@@ -159,12 +158,12 @@
           </a:bodyPr>
           <a:p>
             <a:r>
-              <a:rPr b="0" lang="pt-BR" sz="1400" spc="-1" strike="noStrike">
+              <a:rPr b="0" lang="en-US" sz="1400" spc="-1" strike="noStrike">
                 <a:latin typeface="Times New Roman"/>
               </a:rPr>
               <a:t>&lt;header&gt;</a:t>
             </a:r>
-            <a:endParaRPr b="0" lang="pt-BR" sz="1400" spc="-1" strike="noStrike">
+            <a:endParaRPr b="0" lang="en-US" sz="1400" spc="-1" strike="noStrike">
               <a:latin typeface="Times New Roman"/>
             </a:endParaRPr>
           </a:p>
@@ -200,7 +199,7 @@
           <a:lstStyle>
             <a:lvl1pPr algn="r">
               <a:buNone/>
-              <a:defRPr b="0" lang="pt-BR" sz="1400" spc="-1" strike="noStrike">
+              <a:defRPr b="0" lang="en-US" sz="1400" spc="-1" strike="noStrike">
                 <a:latin typeface="Times New Roman"/>
               </a:defRPr>
             </a:lvl1pPr>
@@ -210,12 +209,12 @@
               <a:buNone/>
             </a:pPr>
             <a:r>
-              <a:rPr b="0" lang="pt-BR" sz="1400" spc="-1" strike="noStrike">
+              <a:rPr b="0" lang="en-US" sz="1400" spc="-1" strike="noStrike">
                 <a:latin typeface="Times New Roman"/>
               </a:rPr>
               <a:t>&lt;date/time&gt;</a:t>
             </a:r>
-            <a:endParaRPr b="0" lang="pt-BR" sz="1400" spc="-1" strike="noStrike">
+            <a:endParaRPr b="0" lang="en-US" sz="1400" spc="-1" strike="noStrike">
               <a:latin typeface="Times New Roman"/>
             </a:endParaRPr>
           </a:p>
@@ -250,19 +249,19 @@
           </a:bodyPr>
           <a:lstStyle>
             <a:lvl1pPr>
-              <a:defRPr b="0" lang="pt-BR" sz="1400" spc="-1" strike="noStrike">
+              <a:defRPr b="0" lang="en-US" sz="1400" spc="-1" strike="noStrike">
                 <a:latin typeface="Times New Roman"/>
               </a:defRPr>
             </a:lvl1pPr>
           </a:lstStyle>
           <a:p>
             <a:r>
-              <a:rPr b="0" lang="pt-BR" sz="1400" spc="-1" strike="noStrike">
+              <a:rPr b="0" lang="en-US" sz="1400" spc="-1" strike="noStrike">
                 <a:latin typeface="Times New Roman"/>
               </a:rPr>
               <a:t>&lt;footer&gt;</a:t>
             </a:r>
-            <a:endParaRPr b="0" lang="pt-BR" sz="1400" spc="-1" strike="noStrike">
+            <a:endParaRPr b="0" lang="en-US" sz="1400" spc="-1" strike="noStrike">
               <a:latin typeface="Times New Roman"/>
             </a:endParaRPr>
           </a:p>
@@ -298,7 +297,7 @@
           <a:lstStyle>
             <a:lvl1pPr algn="r">
               <a:buNone/>
-              <a:defRPr b="0" lang="pt-BR" sz="1400" spc="-1" strike="noStrike">
+              <a:defRPr b="0" lang="en-US" sz="1400" spc="-1" strike="noStrike">
                 <a:latin typeface="Times New Roman"/>
               </a:defRPr>
             </a:lvl1pPr>
@@ -307,13 +306,13 @@
             <a:pPr algn="r">
               <a:buNone/>
             </a:pPr>
-            <a:fld id="{F340128A-6C24-4354-BAD3-5E47CCBAFDD9}" type="slidenum">
-              <a:rPr b="0" lang="pt-BR" sz="1400" spc="-1" strike="noStrike">
+            <a:fld id="{80E60BCB-6502-4F39-9678-E923DBFAC04A}" type="slidenum">
+              <a:rPr b="0" lang="en-US" sz="1400" spc="-1" strike="noStrike">
                 <a:latin typeface="Times New Roman"/>
               </a:rPr>
               <a:t>&lt;number&gt;</a:t>
             </a:fld>
-            <a:endParaRPr b="0" lang="pt-BR" sz="1400" spc="-1" strike="noStrike">
+            <a:endParaRPr b="0" lang="en-US" sz="1400" spc="-1" strike="noStrike">
               <a:latin typeface="Times New Roman"/>
             </a:endParaRPr>
           </a:p>
@@ -344,7 +343,7 @@
       </p:grpSpPr>
       <p:sp>
         <p:nvSpPr>
-          <p:cNvPr id="224" name="PlaceHolder 1"/>
+          <p:cNvPr id="216" name="PlaceHolder 1"/>
           <p:cNvSpPr>
             <a:spLocks noGrp="1"/>
           </p:cNvSpPr>
@@ -355,19 +354,19 @@
         <p:spPr>
           <a:xfrm>
             <a:off x="1376280" y="1336680"/>
-            <a:ext cx="4803120" cy="3602880"/>
-          </a:xfrm>
-          <a:prstGeom prst="rect">
-            <a:avLst/>
-          </a:prstGeom>
-          <a:ln w="0">
-            <a:noFill/>
-          </a:ln>
-        </p:spPr>
-      </p:sp>
-      <p:sp>
-        <p:nvSpPr>
-          <p:cNvPr id="225" name="PlaceHolder 2"/>
+            <a:ext cx="4802760" cy="3602520"/>
+          </a:xfrm>
+          <a:prstGeom prst="rect">
+            <a:avLst/>
+          </a:prstGeom>
+          <a:ln w="0">
+            <a:noFill/>
+          </a:ln>
+        </p:spPr>
+      </p:sp>
+      <p:sp>
+        <p:nvSpPr>
+          <p:cNvPr id="217" name="PlaceHolder 2"/>
           <p:cNvSpPr>
             <a:spLocks noGrp="1"/>
           </p:cNvSpPr>
@@ -378,7 +377,7 @@
         <p:spPr>
           <a:xfrm>
             <a:off x="756000" y="5145120"/>
-            <a:ext cx="6043320" cy="4205520"/>
+            <a:ext cx="6042960" cy="4205160"/>
           </a:xfrm>
           <a:prstGeom prst="rect">
             <a:avLst/>
@@ -393,22 +392,22 @@
             <a:noAutofit/>
           </a:bodyPr>
           <a:p>
-            <a:endParaRPr b="0" lang="pt-BR" sz="2000" spc="-1" strike="noStrike">
-              <a:latin typeface="Arial"/>
-            </a:endParaRPr>
-          </a:p>
-        </p:txBody>
-      </p:sp>
-      <p:sp>
-        <p:nvSpPr>
-          <p:cNvPr id="226" name="CustomShape 3"/>
+            <a:endParaRPr b="0" lang="en-US" sz="2000" spc="-1" strike="noStrike">
+              <a:latin typeface="Arial"/>
+            </a:endParaRPr>
+          </a:p>
+        </p:txBody>
+      </p:sp>
+      <p:sp>
+        <p:nvSpPr>
+          <p:cNvPr id="218" name="CustomShape 3"/>
           <p:cNvSpPr/>
           <p:nvPr/>
         </p:nvSpPr>
         <p:spPr>
           <a:xfrm>
             <a:off x="0" y="10155240"/>
-            <a:ext cx="3271680" cy="532080"/>
+            <a:ext cx="3271320" cy="531720"/>
           </a:xfrm>
           <a:prstGeom prst="rect">
             <a:avLst/>
@@ -445,7 +444,7 @@
               </a:rPr>
               <a:t>Prof. André Hochuli</a:t>
             </a:r>
-            <a:endParaRPr b="0" lang="pt-BR" sz="1200" spc="-1" strike="noStrike">
+            <a:endParaRPr b="0" lang="en-US" sz="1200" spc="-1" strike="noStrike">
               <a:latin typeface="Arial"/>
             </a:endParaRPr>
           </a:p>
@@ -475,7 +474,7 @@
       </p:grpSpPr>
       <p:sp>
         <p:nvSpPr>
-          <p:cNvPr id="251" name="PlaceHolder 1"/>
+          <p:cNvPr id="243" name="PlaceHolder 1"/>
           <p:cNvSpPr>
             <a:spLocks noGrp="1"/>
           </p:cNvSpPr>
@@ -486,19 +485,19 @@
         <p:spPr>
           <a:xfrm>
             <a:off x="1376280" y="1336680"/>
-            <a:ext cx="4803120" cy="3602880"/>
-          </a:xfrm>
-          <a:prstGeom prst="rect">
-            <a:avLst/>
-          </a:prstGeom>
-          <a:ln w="0">
-            <a:noFill/>
-          </a:ln>
-        </p:spPr>
-      </p:sp>
-      <p:sp>
-        <p:nvSpPr>
-          <p:cNvPr id="252" name="PlaceHolder 2"/>
+            <a:ext cx="4802760" cy="3602520"/>
+          </a:xfrm>
+          <a:prstGeom prst="rect">
+            <a:avLst/>
+          </a:prstGeom>
+          <a:ln w="0">
+            <a:noFill/>
+          </a:ln>
+        </p:spPr>
+      </p:sp>
+      <p:sp>
+        <p:nvSpPr>
+          <p:cNvPr id="244" name="PlaceHolder 2"/>
           <p:cNvSpPr>
             <a:spLocks noGrp="1"/>
           </p:cNvSpPr>
@@ -509,7 +508,7 @@
         <p:spPr>
           <a:xfrm>
             <a:off x="756000" y="5145120"/>
-            <a:ext cx="6043320" cy="4205520"/>
+            <a:ext cx="6042960" cy="4205160"/>
           </a:xfrm>
           <a:prstGeom prst="rect">
             <a:avLst/>
@@ -524,22 +523,22 @@
             <a:noAutofit/>
           </a:bodyPr>
           <a:p>
-            <a:endParaRPr b="0" lang="pt-BR" sz="2000" spc="-1" strike="noStrike">
-              <a:latin typeface="Arial"/>
-            </a:endParaRPr>
-          </a:p>
-        </p:txBody>
-      </p:sp>
-      <p:sp>
-        <p:nvSpPr>
-          <p:cNvPr id="253" name="CustomShape 3"/>
+            <a:endParaRPr b="0" lang="en-US" sz="2000" spc="-1" strike="noStrike">
+              <a:latin typeface="Arial"/>
+            </a:endParaRPr>
+          </a:p>
+        </p:txBody>
+      </p:sp>
+      <p:sp>
+        <p:nvSpPr>
+          <p:cNvPr id="245" name="CustomShape 3"/>
           <p:cNvSpPr/>
           <p:nvPr/>
         </p:nvSpPr>
         <p:spPr>
           <a:xfrm>
             <a:off x="0" y="10155240"/>
-            <a:ext cx="3271680" cy="532080"/>
+            <a:ext cx="3271320" cy="531720"/>
           </a:xfrm>
           <a:prstGeom prst="rect">
             <a:avLst/>
@@ -576,7 +575,7 @@
               </a:rPr>
               <a:t>Prof. André Hochuli</a:t>
             </a:r>
-            <a:endParaRPr b="0" lang="pt-BR" sz="1200" spc="-1" strike="noStrike">
+            <a:endParaRPr b="0" lang="en-US" sz="1200" spc="-1" strike="noStrike">
               <a:latin typeface="Arial"/>
             </a:endParaRPr>
           </a:p>
@@ -606,7 +605,7 @@
       </p:grpSpPr>
       <p:sp>
         <p:nvSpPr>
-          <p:cNvPr id="254" name="PlaceHolder 1"/>
+          <p:cNvPr id="246" name="PlaceHolder 1"/>
           <p:cNvSpPr>
             <a:spLocks noGrp="1"/>
           </p:cNvSpPr>
@@ -617,19 +616,19 @@
         <p:spPr>
           <a:xfrm>
             <a:off x="1376280" y="1336680"/>
-            <a:ext cx="4803120" cy="3602880"/>
-          </a:xfrm>
-          <a:prstGeom prst="rect">
-            <a:avLst/>
-          </a:prstGeom>
-          <a:ln w="0">
-            <a:noFill/>
-          </a:ln>
-        </p:spPr>
-      </p:sp>
-      <p:sp>
-        <p:nvSpPr>
-          <p:cNvPr id="255" name="PlaceHolder 2"/>
+            <a:ext cx="4802760" cy="3602520"/>
+          </a:xfrm>
+          <a:prstGeom prst="rect">
+            <a:avLst/>
+          </a:prstGeom>
+          <a:ln w="0">
+            <a:noFill/>
+          </a:ln>
+        </p:spPr>
+      </p:sp>
+      <p:sp>
+        <p:nvSpPr>
+          <p:cNvPr id="247" name="PlaceHolder 2"/>
           <p:cNvSpPr>
             <a:spLocks noGrp="1"/>
           </p:cNvSpPr>
@@ -640,7 +639,7 @@
         <p:spPr>
           <a:xfrm>
             <a:off x="756000" y="5145120"/>
-            <a:ext cx="6043320" cy="4205520"/>
+            <a:ext cx="6042960" cy="4205160"/>
           </a:xfrm>
           <a:prstGeom prst="rect">
             <a:avLst/>
@@ -655,22 +654,22 @@
             <a:noAutofit/>
           </a:bodyPr>
           <a:p>
-            <a:endParaRPr b="0" lang="pt-BR" sz="2000" spc="-1" strike="noStrike">
-              <a:latin typeface="Arial"/>
-            </a:endParaRPr>
-          </a:p>
-        </p:txBody>
-      </p:sp>
-      <p:sp>
-        <p:nvSpPr>
-          <p:cNvPr id="256" name="CustomShape 3"/>
+            <a:endParaRPr b="0" lang="en-US" sz="2000" spc="-1" strike="noStrike">
+              <a:latin typeface="Arial"/>
+            </a:endParaRPr>
+          </a:p>
+        </p:txBody>
+      </p:sp>
+      <p:sp>
+        <p:nvSpPr>
+          <p:cNvPr id="248" name="CustomShape 3"/>
           <p:cNvSpPr/>
           <p:nvPr/>
         </p:nvSpPr>
         <p:spPr>
           <a:xfrm>
             <a:off x="0" y="10155240"/>
-            <a:ext cx="3271680" cy="532080"/>
+            <a:ext cx="3271320" cy="531720"/>
           </a:xfrm>
           <a:prstGeom prst="rect">
             <a:avLst/>
@@ -707,7 +706,7 @@
               </a:rPr>
               <a:t>Prof. André Hochuli</a:t>
             </a:r>
-            <a:endParaRPr b="0" lang="pt-BR" sz="1200" spc="-1" strike="noStrike">
+            <a:endParaRPr b="0" lang="en-US" sz="1200" spc="-1" strike="noStrike">
               <a:latin typeface="Arial"/>
             </a:endParaRPr>
           </a:p>
@@ -737,7 +736,7 @@
       </p:grpSpPr>
       <p:sp>
         <p:nvSpPr>
-          <p:cNvPr id="257" name="PlaceHolder 1"/>
+          <p:cNvPr id="249" name="PlaceHolder 1"/>
           <p:cNvSpPr>
             <a:spLocks noGrp="1"/>
           </p:cNvSpPr>
@@ -748,19 +747,19 @@
         <p:spPr>
           <a:xfrm>
             <a:off x="1376280" y="1336680"/>
-            <a:ext cx="4803120" cy="3602880"/>
-          </a:xfrm>
-          <a:prstGeom prst="rect">
-            <a:avLst/>
-          </a:prstGeom>
-          <a:ln w="0">
-            <a:noFill/>
-          </a:ln>
-        </p:spPr>
-      </p:sp>
-      <p:sp>
-        <p:nvSpPr>
-          <p:cNvPr id="258" name="PlaceHolder 2"/>
+            <a:ext cx="4802760" cy="3602520"/>
+          </a:xfrm>
+          <a:prstGeom prst="rect">
+            <a:avLst/>
+          </a:prstGeom>
+          <a:ln w="0">
+            <a:noFill/>
+          </a:ln>
+        </p:spPr>
+      </p:sp>
+      <p:sp>
+        <p:nvSpPr>
+          <p:cNvPr id="250" name="PlaceHolder 2"/>
           <p:cNvSpPr>
             <a:spLocks noGrp="1"/>
           </p:cNvSpPr>
@@ -771,7 +770,7 @@
         <p:spPr>
           <a:xfrm>
             <a:off x="756000" y="5145120"/>
-            <a:ext cx="6043320" cy="4205520"/>
+            <a:ext cx="6042960" cy="4205160"/>
           </a:xfrm>
           <a:prstGeom prst="rect">
             <a:avLst/>
@@ -786,22 +785,22 @@
             <a:noAutofit/>
           </a:bodyPr>
           <a:p>
-            <a:endParaRPr b="0" lang="pt-BR" sz="2000" spc="-1" strike="noStrike">
-              <a:latin typeface="Arial"/>
-            </a:endParaRPr>
-          </a:p>
-        </p:txBody>
-      </p:sp>
-      <p:sp>
-        <p:nvSpPr>
-          <p:cNvPr id="259" name="CustomShape 3"/>
+            <a:endParaRPr b="0" lang="en-US" sz="2000" spc="-1" strike="noStrike">
+              <a:latin typeface="Arial"/>
+            </a:endParaRPr>
+          </a:p>
+        </p:txBody>
+      </p:sp>
+      <p:sp>
+        <p:nvSpPr>
+          <p:cNvPr id="251" name="CustomShape 3"/>
           <p:cNvSpPr/>
           <p:nvPr/>
         </p:nvSpPr>
         <p:spPr>
           <a:xfrm>
             <a:off x="0" y="10155240"/>
-            <a:ext cx="3271680" cy="532080"/>
+            <a:ext cx="3271320" cy="531720"/>
           </a:xfrm>
           <a:prstGeom prst="rect">
             <a:avLst/>
@@ -838,7 +837,7 @@
               </a:rPr>
               <a:t>Prof. André Hochuli</a:t>
             </a:r>
-            <a:endParaRPr b="0" lang="pt-BR" sz="1200" spc="-1" strike="noStrike">
+            <a:endParaRPr b="0" lang="en-US" sz="1200" spc="-1" strike="noStrike">
               <a:latin typeface="Arial"/>
             </a:endParaRPr>
           </a:p>
@@ -868,7 +867,7 @@
       </p:grpSpPr>
       <p:sp>
         <p:nvSpPr>
-          <p:cNvPr id="260" name="PlaceHolder 1"/>
+          <p:cNvPr id="252" name="PlaceHolder 1"/>
           <p:cNvSpPr>
             <a:spLocks noGrp="1"/>
           </p:cNvSpPr>
@@ -879,19 +878,19 @@
         <p:spPr>
           <a:xfrm>
             <a:off x="1376280" y="1336680"/>
-            <a:ext cx="4803120" cy="3602880"/>
-          </a:xfrm>
-          <a:prstGeom prst="rect">
-            <a:avLst/>
-          </a:prstGeom>
-          <a:ln w="0">
-            <a:noFill/>
-          </a:ln>
-        </p:spPr>
-      </p:sp>
-      <p:sp>
-        <p:nvSpPr>
-          <p:cNvPr id="261" name="PlaceHolder 2"/>
+            <a:ext cx="4802760" cy="3602520"/>
+          </a:xfrm>
+          <a:prstGeom prst="rect">
+            <a:avLst/>
+          </a:prstGeom>
+          <a:ln w="0">
+            <a:noFill/>
+          </a:ln>
+        </p:spPr>
+      </p:sp>
+      <p:sp>
+        <p:nvSpPr>
+          <p:cNvPr id="253" name="PlaceHolder 2"/>
           <p:cNvSpPr>
             <a:spLocks noGrp="1"/>
           </p:cNvSpPr>
@@ -902,7 +901,7 @@
         <p:spPr>
           <a:xfrm>
             <a:off x="756000" y="5145120"/>
-            <a:ext cx="6043320" cy="4205520"/>
+            <a:ext cx="6042960" cy="4205160"/>
           </a:xfrm>
           <a:prstGeom prst="rect">
             <a:avLst/>
@@ -917,22 +916,22 @@
             <a:noAutofit/>
           </a:bodyPr>
           <a:p>
-            <a:endParaRPr b="0" lang="pt-BR" sz="2000" spc="-1" strike="noStrike">
-              <a:latin typeface="Arial"/>
-            </a:endParaRPr>
-          </a:p>
-        </p:txBody>
-      </p:sp>
-      <p:sp>
-        <p:nvSpPr>
-          <p:cNvPr id="262" name="CustomShape 3"/>
+            <a:endParaRPr b="0" lang="en-US" sz="2000" spc="-1" strike="noStrike">
+              <a:latin typeface="Arial"/>
+            </a:endParaRPr>
+          </a:p>
+        </p:txBody>
+      </p:sp>
+      <p:sp>
+        <p:nvSpPr>
+          <p:cNvPr id="254" name="CustomShape 3"/>
           <p:cNvSpPr/>
           <p:nvPr/>
         </p:nvSpPr>
         <p:spPr>
           <a:xfrm>
             <a:off x="0" y="10155240"/>
-            <a:ext cx="3271680" cy="532080"/>
+            <a:ext cx="3271320" cy="531720"/>
           </a:xfrm>
           <a:prstGeom prst="rect">
             <a:avLst/>
@@ -969,7 +968,7 @@
               </a:rPr>
               <a:t>Prof. André Hochuli</a:t>
             </a:r>
-            <a:endParaRPr b="0" lang="pt-BR" sz="1200" spc="-1" strike="noStrike">
+            <a:endParaRPr b="0" lang="en-US" sz="1200" spc="-1" strike="noStrike">
               <a:latin typeface="Arial"/>
             </a:endParaRPr>
           </a:p>
@@ -999,7 +998,7 @@
       </p:grpSpPr>
       <p:sp>
         <p:nvSpPr>
-          <p:cNvPr id="263" name="PlaceHolder 1"/>
+          <p:cNvPr id="255" name="PlaceHolder 1"/>
           <p:cNvSpPr>
             <a:spLocks noGrp="1"/>
           </p:cNvSpPr>
@@ -1010,19 +1009,19 @@
         <p:spPr>
           <a:xfrm>
             <a:off x="1376280" y="1336680"/>
-            <a:ext cx="4803120" cy="3602880"/>
-          </a:xfrm>
-          <a:prstGeom prst="rect">
-            <a:avLst/>
-          </a:prstGeom>
-          <a:ln w="0">
-            <a:noFill/>
-          </a:ln>
-        </p:spPr>
-      </p:sp>
-      <p:sp>
-        <p:nvSpPr>
-          <p:cNvPr id="264" name="PlaceHolder 2"/>
+            <a:ext cx="4802760" cy="3602520"/>
+          </a:xfrm>
+          <a:prstGeom prst="rect">
+            <a:avLst/>
+          </a:prstGeom>
+          <a:ln w="0">
+            <a:noFill/>
+          </a:ln>
+        </p:spPr>
+      </p:sp>
+      <p:sp>
+        <p:nvSpPr>
+          <p:cNvPr id="256" name="PlaceHolder 2"/>
           <p:cNvSpPr>
             <a:spLocks noGrp="1"/>
           </p:cNvSpPr>
@@ -1033,7 +1032,7 @@
         <p:spPr>
           <a:xfrm>
             <a:off x="756000" y="5145120"/>
-            <a:ext cx="6043320" cy="4205520"/>
+            <a:ext cx="6042960" cy="4205160"/>
           </a:xfrm>
           <a:prstGeom prst="rect">
             <a:avLst/>
@@ -1048,22 +1047,22 @@
             <a:noAutofit/>
           </a:bodyPr>
           <a:p>
-            <a:endParaRPr b="0" lang="pt-BR" sz="2000" spc="-1" strike="noStrike">
-              <a:latin typeface="Arial"/>
-            </a:endParaRPr>
-          </a:p>
-        </p:txBody>
-      </p:sp>
-      <p:sp>
-        <p:nvSpPr>
-          <p:cNvPr id="265" name="CustomShape 3"/>
+            <a:endParaRPr b="0" lang="en-US" sz="2000" spc="-1" strike="noStrike">
+              <a:latin typeface="Arial"/>
+            </a:endParaRPr>
+          </a:p>
+        </p:txBody>
+      </p:sp>
+      <p:sp>
+        <p:nvSpPr>
+          <p:cNvPr id="257" name="CustomShape 3"/>
           <p:cNvSpPr/>
           <p:nvPr/>
         </p:nvSpPr>
         <p:spPr>
           <a:xfrm>
             <a:off x="0" y="10155240"/>
-            <a:ext cx="3271680" cy="532080"/>
+            <a:ext cx="3271320" cy="531720"/>
           </a:xfrm>
           <a:prstGeom prst="rect">
             <a:avLst/>
@@ -1100,138 +1099,7 @@
               </a:rPr>
               <a:t>Prof. André Hochuli</a:t>
             </a:r>
-            <a:endParaRPr b="0" lang="pt-BR" sz="1200" spc="-1" strike="noStrike">
-              <a:latin typeface="Arial"/>
-            </a:endParaRPr>
-          </a:p>
-        </p:txBody>
-      </p:sp>
-    </p:spTree>
-  </p:cSld>
-</p:notes>
-</file>
-
-<file path=ppt/notesSlides/notesSlide15.xml><?xml version="1.0" encoding="utf-8"?>
-<p:notes xmlns:a="http://schemas.openxmlformats.org/drawingml/2006/main" xmlns:p="http://schemas.openxmlformats.org/presentationml/2006/main" xmlns:r="http://schemas.openxmlformats.org/officeDocument/2006/relationships" xmlns:p14="http://schemas.microsoft.com/office/powerpoint/2010/main" xmlns:p15="http://schemas.microsoft.com/office/powerpoint/2012/main" xmlns:mc="http://schemas.openxmlformats.org/markup-compatibility/2006">
-  <p:cSld>
-    <p:spTree>
-      <p:nvGrpSpPr>
-        <p:cNvPr id="1" name=""/>
-        <p:cNvGrpSpPr/>
-        <p:nvPr/>
-      </p:nvGrpSpPr>
-      <p:grpSpPr>
-        <a:xfrm>
-          <a:off x="0" y="0"/>
-          <a:ext cx="0" cy="0"/>
-          <a:chOff x="0" y="0"/>
-          <a:chExt cx="0" cy="0"/>
-        </a:xfrm>
-      </p:grpSpPr>
-      <p:sp>
-        <p:nvSpPr>
-          <p:cNvPr id="266" name="PlaceHolder 1"/>
-          <p:cNvSpPr>
-            <a:spLocks noGrp="1"/>
-          </p:cNvSpPr>
-          <p:nvPr>
-            <p:ph type="sldImg"/>
-          </p:nvPr>
-        </p:nvSpPr>
-        <p:spPr>
-          <a:xfrm>
-            <a:off x="1376280" y="1336680"/>
-            <a:ext cx="4803120" cy="3602880"/>
-          </a:xfrm>
-          <a:prstGeom prst="rect">
-            <a:avLst/>
-          </a:prstGeom>
-          <a:ln w="0">
-            <a:noFill/>
-          </a:ln>
-        </p:spPr>
-      </p:sp>
-      <p:sp>
-        <p:nvSpPr>
-          <p:cNvPr id="267" name="PlaceHolder 2"/>
-          <p:cNvSpPr>
-            <a:spLocks noGrp="1"/>
-          </p:cNvSpPr>
-          <p:nvPr>
-            <p:ph type="body"/>
-          </p:nvPr>
-        </p:nvSpPr>
-        <p:spPr>
-          <a:xfrm>
-            <a:off x="756000" y="5145120"/>
-            <a:ext cx="6043320" cy="4205520"/>
-          </a:xfrm>
-          <a:prstGeom prst="rect">
-            <a:avLst/>
-          </a:prstGeom>
-          <a:noFill/>
-          <a:ln w="0">
-            <a:noFill/>
-          </a:ln>
-        </p:spPr>
-        <p:txBody>
-          <a:bodyPr lIns="0" rIns="0" tIns="0" bIns="0" anchor="t">
-            <a:noAutofit/>
-          </a:bodyPr>
-          <a:p>
-            <a:endParaRPr b="0" lang="pt-BR" sz="2000" spc="-1" strike="noStrike">
-              <a:latin typeface="Arial"/>
-            </a:endParaRPr>
-          </a:p>
-        </p:txBody>
-      </p:sp>
-      <p:sp>
-        <p:nvSpPr>
-          <p:cNvPr id="268" name="CustomShape 3"/>
-          <p:cNvSpPr/>
-          <p:nvPr/>
-        </p:nvSpPr>
-        <p:spPr>
-          <a:xfrm>
-            <a:off x="0" y="10155240"/>
-            <a:ext cx="3271680" cy="532080"/>
-          </a:xfrm>
-          <a:prstGeom prst="rect">
-            <a:avLst/>
-          </a:prstGeom>
-          <a:noFill/>
-          <a:ln w="0">
-            <a:noFill/>
-          </a:ln>
-        </p:spPr>
-        <p:style>
-          <a:lnRef idx="0"/>
-          <a:fillRef idx="0"/>
-          <a:effectRef idx="0"/>
-          <a:fontRef idx="minor"/>
-        </p:style>
-        <p:txBody>
-          <a:bodyPr lIns="90000" rIns="90000" tIns="45000" bIns="45000" anchor="b">
-            <a:noAutofit/>
-          </a:bodyPr>
-          <a:p>
-            <a:pPr>
-              <a:lnSpc>
-                <a:spcPct val="100000"/>
-              </a:lnSpc>
-              <a:buNone/>
-            </a:pPr>
-            <a:r>
-              <a:rPr b="0" lang="pt-BR" sz="1200" spc="-1" strike="noStrike">
-                <a:solidFill>
-                  <a:srgbClr val="000000"/>
-                </a:solidFill>
-                <a:latin typeface="Times New Roman"/>
-                <a:ea typeface="+mn-ea"/>
-              </a:rPr>
-              <a:t>Prof. André Hochuli</a:t>
-            </a:r>
-            <a:endParaRPr b="0" lang="pt-BR" sz="1200" spc="-1" strike="noStrike">
+            <a:endParaRPr b="0" lang="en-US" sz="1200" spc="-1" strike="noStrike">
               <a:latin typeface="Arial"/>
             </a:endParaRPr>
           </a:p>
@@ -1261,7 +1129,7 @@
       </p:grpSpPr>
       <p:sp>
         <p:nvSpPr>
-          <p:cNvPr id="227" name="PlaceHolder 1"/>
+          <p:cNvPr id="219" name="PlaceHolder 1"/>
           <p:cNvSpPr>
             <a:spLocks noGrp="1"/>
           </p:cNvSpPr>
@@ -1272,19 +1140,19 @@
         <p:spPr>
           <a:xfrm>
             <a:off x="1376280" y="1336680"/>
-            <a:ext cx="4803120" cy="3602880"/>
-          </a:xfrm>
-          <a:prstGeom prst="rect">
-            <a:avLst/>
-          </a:prstGeom>
-          <a:ln w="0">
-            <a:noFill/>
-          </a:ln>
-        </p:spPr>
-      </p:sp>
-      <p:sp>
-        <p:nvSpPr>
-          <p:cNvPr id="228" name="PlaceHolder 2"/>
+            <a:ext cx="4802760" cy="3602520"/>
+          </a:xfrm>
+          <a:prstGeom prst="rect">
+            <a:avLst/>
+          </a:prstGeom>
+          <a:ln w="0">
+            <a:noFill/>
+          </a:ln>
+        </p:spPr>
+      </p:sp>
+      <p:sp>
+        <p:nvSpPr>
+          <p:cNvPr id="220" name="PlaceHolder 2"/>
           <p:cNvSpPr>
             <a:spLocks noGrp="1"/>
           </p:cNvSpPr>
@@ -1295,7 +1163,7 @@
         <p:spPr>
           <a:xfrm>
             <a:off x="756000" y="5145120"/>
-            <a:ext cx="6043320" cy="4205520"/>
+            <a:ext cx="6042960" cy="4205160"/>
           </a:xfrm>
           <a:prstGeom prst="rect">
             <a:avLst/>
@@ -1310,22 +1178,22 @@
             <a:noAutofit/>
           </a:bodyPr>
           <a:p>
-            <a:endParaRPr b="0" lang="pt-BR" sz="2000" spc="-1" strike="noStrike">
-              <a:latin typeface="Arial"/>
-            </a:endParaRPr>
-          </a:p>
-        </p:txBody>
-      </p:sp>
-      <p:sp>
-        <p:nvSpPr>
-          <p:cNvPr id="229" name="CustomShape 3"/>
+            <a:endParaRPr b="0" lang="en-US" sz="2000" spc="-1" strike="noStrike">
+              <a:latin typeface="Arial"/>
+            </a:endParaRPr>
+          </a:p>
+        </p:txBody>
+      </p:sp>
+      <p:sp>
+        <p:nvSpPr>
+          <p:cNvPr id="221" name="CustomShape 3"/>
           <p:cNvSpPr/>
           <p:nvPr/>
         </p:nvSpPr>
         <p:spPr>
           <a:xfrm>
             <a:off x="0" y="10155240"/>
-            <a:ext cx="3271680" cy="532080"/>
+            <a:ext cx="3271320" cy="531720"/>
           </a:xfrm>
           <a:prstGeom prst="rect">
             <a:avLst/>
@@ -1362,7 +1230,7 @@
               </a:rPr>
               <a:t>Prof. André Hochuli</a:t>
             </a:r>
-            <a:endParaRPr b="0" lang="pt-BR" sz="1200" spc="-1" strike="noStrike">
+            <a:endParaRPr b="0" lang="en-US" sz="1200" spc="-1" strike="noStrike">
               <a:latin typeface="Arial"/>
             </a:endParaRPr>
           </a:p>
@@ -1392,7 +1260,7 @@
       </p:grpSpPr>
       <p:sp>
         <p:nvSpPr>
-          <p:cNvPr id="230" name="PlaceHolder 1"/>
+          <p:cNvPr id="222" name="PlaceHolder 1"/>
           <p:cNvSpPr>
             <a:spLocks noGrp="1"/>
           </p:cNvSpPr>
@@ -1403,19 +1271,19 @@
         <p:spPr>
           <a:xfrm>
             <a:off x="1376280" y="1336680"/>
-            <a:ext cx="4803120" cy="3602880"/>
-          </a:xfrm>
-          <a:prstGeom prst="rect">
-            <a:avLst/>
-          </a:prstGeom>
-          <a:ln w="0">
-            <a:noFill/>
-          </a:ln>
-        </p:spPr>
-      </p:sp>
-      <p:sp>
-        <p:nvSpPr>
-          <p:cNvPr id="231" name="PlaceHolder 2"/>
+            <a:ext cx="4802760" cy="3602520"/>
+          </a:xfrm>
+          <a:prstGeom prst="rect">
+            <a:avLst/>
+          </a:prstGeom>
+          <a:ln w="0">
+            <a:noFill/>
+          </a:ln>
+        </p:spPr>
+      </p:sp>
+      <p:sp>
+        <p:nvSpPr>
+          <p:cNvPr id="223" name="PlaceHolder 2"/>
           <p:cNvSpPr>
             <a:spLocks noGrp="1"/>
           </p:cNvSpPr>
@@ -1426,7 +1294,7 @@
         <p:spPr>
           <a:xfrm>
             <a:off x="756000" y="5145120"/>
-            <a:ext cx="6043320" cy="4205520"/>
+            <a:ext cx="6042960" cy="4205160"/>
           </a:xfrm>
           <a:prstGeom prst="rect">
             <a:avLst/>
@@ -1441,22 +1309,22 @@
             <a:noAutofit/>
           </a:bodyPr>
           <a:p>
-            <a:endParaRPr b="0" lang="pt-BR" sz="2000" spc="-1" strike="noStrike">
-              <a:latin typeface="Arial"/>
-            </a:endParaRPr>
-          </a:p>
-        </p:txBody>
-      </p:sp>
-      <p:sp>
-        <p:nvSpPr>
-          <p:cNvPr id="232" name="CustomShape 3"/>
+            <a:endParaRPr b="0" lang="en-US" sz="2000" spc="-1" strike="noStrike">
+              <a:latin typeface="Arial"/>
+            </a:endParaRPr>
+          </a:p>
+        </p:txBody>
+      </p:sp>
+      <p:sp>
+        <p:nvSpPr>
+          <p:cNvPr id="224" name="CustomShape 3"/>
           <p:cNvSpPr/>
           <p:nvPr/>
         </p:nvSpPr>
         <p:spPr>
           <a:xfrm>
             <a:off x="0" y="10155240"/>
-            <a:ext cx="3271680" cy="532080"/>
+            <a:ext cx="3271320" cy="531720"/>
           </a:xfrm>
           <a:prstGeom prst="rect">
             <a:avLst/>
@@ -1493,7 +1361,7 @@
               </a:rPr>
               <a:t>Prof. André Hochuli</a:t>
             </a:r>
-            <a:endParaRPr b="0" lang="pt-BR" sz="1200" spc="-1" strike="noStrike">
+            <a:endParaRPr b="0" lang="en-US" sz="1200" spc="-1" strike="noStrike">
               <a:latin typeface="Arial"/>
             </a:endParaRPr>
           </a:p>
@@ -1523,7 +1391,7 @@
       </p:grpSpPr>
       <p:sp>
         <p:nvSpPr>
-          <p:cNvPr id="233" name="PlaceHolder 1"/>
+          <p:cNvPr id="225" name="PlaceHolder 1"/>
           <p:cNvSpPr>
             <a:spLocks noGrp="1"/>
           </p:cNvSpPr>
@@ -1534,19 +1402,19 @@
         <p:spPr>
           <a:xfrm>
             <a:off x="1376280" y="1336680"/>
-            <a:ext cx="4803120" cy="3602880"/>
-          </a:xfrm>
-          <a:prstGeom prst="rect">
-            <a:avLst/>
-          </a:prstGeom>
-          <a:ln w="0">
-            <a:noFill/>
-          </a:ln>
-        </p:spPr>
-      </p:sp>
-      <p:sp>
-        <p:nvSpPr>
-          <p:cNvPr id="234" name="PlaceHolder 2"/>
+            <a:ext cx="4802760" cy="3602520"/>
+          </a:xfrm>
+          <a:prstGeom prst="rect">
+            <a:avLst/>
+          </a:prstGeom>
+          <a:ln w="0">
+            <a:noFill/>
+          </a:ln>
+        </p:spPr>
+      </p:sp>
+      <p:sp>
+        <p:nvSpPr>
+          <p:cNvPr id="226" name="PlaceHolder 2"/>
           <p:cNvSpPr>
             <a:spLocks noGrp="1"/>
           </p:cNvSpPr>
@@ -1557,7 +1425,7 @@
         <p:spPr>
           <a:xfrm>
             <a:off x="756000" y="5145120"/>
-            <a:ext cx="6043320" cy="4205520"/>
+            <a:ext cx="6042960" cy="4205160"/>
           </a:xfrm>
           <a:prstGeom prst="rect">
             <a:avLst/>
@@ -1572,22 +1440,22 @@
             <a:noAutofit/>
           </a:bodyPr>
           <a:p>
-            <a:endParaRPr b="0" lang="pt-BR" sz="2000" spc="-1" strike="noStrike">
-              <a:latin typeface="Arial"/>
-            </a:endParaRPr>
-          </a:p>
-        </p:txBody>
-      </p:sp>
-      <p:sp>
-        <p:nvSpPr>
-          <p:cNvPr id="235" name="CustomShape 3"/>
+            <a:endParaRPr b="0" lang="en-US" sz="2000" spc="-1" strike="noStrike">
+              <a:latin typeface="Arial"/>
+            </a:endParaRPr>
+          </a:p>
+        </p:txBody>
+      </p:sp>
+      <p:sp>
+        <p:nvSpPr>
+          <p:cNvPr id="227" name="CustomShape 3"/>
           <p:cNvSpPr/>
           <p:nvPr/>
         </p:nvSpPr>
         <p:spPr>
           <a:xfrm>
             <a:off x="0" y="10155240"/>
-            <a:ext cx="3271680" cy="532080"/>
+            <a:ext cx="3271320" cy="531720"/>
           </a:xfrm>
           <a:prstGeom prst="rect">
             <a:avLst/>
@@ -1624,7 +1492,7 @@
               </a:rPr>
               <a:t>Prof. André Hochuli</a:t>
             </a:r>
-            <a:endParaRPr b="0" lang="pt-BR" sz="1200" spc="-1" strike="noStrike">
+            <a:endParaRPr b="0" lang="en-US" sz="1200" spc="-1" strike="noStrike">
               <a:latin typeface="Arial"/>
             </a:endParaRPr>
           </a:p>
@@ -1654,7 +1522,7 @@
       </p:grpSpPr>
       <p:sp>
         <p:nvSpPr>
-          <p:cNvPr id="236" name="PlaceHolder 1"/>
+          <p:cNvPr id="228" name="PlaceHolder 1"/>
           <p:cNvSpPr>
             <a:spLocks noGrp="1"/>
           </p:cNvSpPr>
@@ -1665,19 +1533,19 @@
         <p:spPr>
           <a:xfrm>
             <a:off x="1376280" y="1336680"/>
-            <a:ext cx="4803120" cy="3602880"/>
-          </a:xfrm>
-          <a:prstGeom prst="rect">
-            <a:avLst/>
-          </a:prstGeom>
-          <a:ln w="0">
-            <a:noFill/>
-          </a:ln>
-        </p:spPr>
-      </p:sp>
-      <p:sp>
-        <p:nvSpPr>
-          <p:cNvPr id="237" name="PlaceHolder 2"/>
+            <a:ext cx="4802760" cy="3602520"/>
+          </a:xfrm>
+          <a:prstGeom prst="rect">
+            <a:avLst/>
+          </a:prstGeom>
+          <a:ln w="0">
+            <a:noFill/>
+          </a:ln>
+        </p:spPr>
+      </p:sp>
+      <p:sp>
+        <p:nvSpPr>
+          <p:cNvPr id="229" name="PlaceHolder 2"/>
           <p:cNvSpPr>
             <a:spLocks noGrp="1"/>
           </p:cNvSpPr>
@@ -1688,7 +1556,7 @@
         <p:spPr>
           <a:xfrm>
             <a:off x="756000" y="5145120"/>
-            <a:ext cx="6043320" cy="4205520"/>
+            <a:ext cx="6042960" cy="4205160"/>
           </a:xfrm>
           <a:prstGeom prst="rect">
             <a:avLst/>
@@ -1703,22 +1571,22 @@
             <a:noAutofit/>
           </a:bodyPr>
           <a:p>
-            <a:endParaRPr b="0" lang="pt-BR" sz="2000" spc="-1" strike="noStrike">
-              <a:latin typeface="Arial"/>
-            </a:endParaRPr>
-          </a:p>
-        </p:txBody>
-      </p:sp>
-      <p:sp>
-        <p:nvSpPr>
-          <p:cNvPr id="238" name="CustomShape 3"/>
+            <a:endParaRPr b="0" lang="en-US" sz="2000" spc="-1" strike="noStrike">
+              <a:latin typeface="Arial"/>
+            </a:endParaRPr>
+          </a:p>
+        </p:txBody>
+      </p:sp>
+      <p:sp>
+        <p:nvSpPr>
+          <p:cNvPr id="230" name="CustomShape 3"/>
           <p:cNvSpPr/>
           <p:nvPr/>
         </p:nvSpPr>
         <p:spPr>
           <a:xfrm>
             <a:off x="0" y="10155240"/>
-            <a:ext cx="3271680" cy="532080"/>
+            <a:ext cx="3271320" cy="531720"/>
           </a:xfrm>
           <a:prstGeom prst="rect">
             <a:avLst/>
@@ -1755,7 +1623,7 @@
               </a:rPr>
               <a:t>Prof. André Hochuli</a:t>
             </a:r>
-            <a:endParaRPr b="0" lang="pt-BR" sz="1200" spc="-1" strike="noStrike">
+            <a:endParaRPr b="0" lang="en-US" sz="1200" spc="-1" strike="noStrike">
               <a:latin typeface="Arial"/>
             </a:endParaRPr>
           </a:p>
@@ -1785,7 +1653,7 @@
       </p:grpSpPr>
       <p:sp>
         <p:nvSpPr>
-          <p:cNvPr id="239" name="PlaceHolder 1"/>
+          <p:cNvPr id="231" name="PlaceHolder 1"/>
           <p:cNvSpPr>
             <a:spLocks noGrp="1"/>
           </p:cNvSpPr>
@@ -1796,19 +1664,19 @@
         <p:spPr>
           <a:xfrm>
             <a:off x="1376280" y="1336680"/>
-            <a:ext cx="4803120" cy="3602880"/>
-          </a:xfrm>
-          <a:prstGeom prst="rect">
-            <a:avLst/>
-          </a:prstGeom>
-          <a:ln w="0">
-            <a:noFill/>
-          </a:ln>
-        </p:spPr>
-      </p:sp>
-      <p:sp>
-        <p:nvSpPr>
-          <p:cNvPr id="240" name="PlaceHolder 2"/>
+            <a:ext cx="4802760" cy="3602520"/>
+          </a:xfrm>
+          <a:prstGeom prst="rect">
+            <a:avLst/>
+          </a:prstGeom>
+          <a:ln w="0">
+            <a:noFill/>
+          </a:ln>
+        </p:spPr>
+      </p:sp>
+      <p:sp>
+        <p:nvSpPr>
+          <p:cNvPr id="232" name="PlaceHolder 2"/>
           <p:cNvSpPr>
             <a:spLocks noGrp="1"/>
           </p:cNvSpPr>
@@ -1819,7 +1687,7 @@
         <p:spPr>
           <a:xfrm>
             <a:off x="756000" y="5145120"/>
-            <a:ext cx="6043320" cy="4205520"/>
+            <a:ext cx="6042960" cy="4205160"/>
           </a:xfrm>
           <a:prstGeom prst="rect">
             <a:avLst/>
@@ -1834,22 +1702,22 @@
             <a:noAutofit/>
           </a:bodyPr>
           <a:p>
-            <a:endParaRPr b="0" lang="pt-BR" sz="2000" spc="-1" strike="noStrike">
-              <a:latin typeface="Arial"/>
-            </a:endParaRPr>
-          </a:p>
-        </p:txBody>
-      </p:sp>
-      <p:sp>
-        <p:nvSpPr>
-          <p:cNvPr id="241" name="CustomShape 3"/>
+            <a:endParaRPr b="0" lang="en-US" sz="2000" spc="-1" strike="noStrike">
+              <a:latin typeface="Arial"/>
+            </a:endParaRPr>
+          </a:p>
+        </p:txBody>
+      </p:sp>
+      <p:sp>
+        <p:nvSpPr>
+          <p:cNvPr id="233" name="CustomShape 3"/>
           <p:cNvSpPr/>
           <p:nvPr/>
         </p:nvSpPr>
         <p:spPr>
           <a:xfrm>
             <a:off x="0" y="10155240"/>
-            <a:ext cx="3271680" cy="532080"/>
+            <a:ext cx="3271320" cy="531720"/>
           </a:xfrm>
           <a:prstGeom prst="rect">
             <a:avLst/>
@@ -1886,7 +1754,7 @@
               </a:rPr>
               <a:t>Prof. André Hochuli</a:t>
             </a:r>
-            <a:endParaRPr b="0" lang="pt-BR" sz="1200" spc="-1" strike="noStrike">
+            <a:endParaRPr b="0" lang="en-US" sz="1200" spc="-1" strike="noStrike">
               <a:latin typeface="Arial"/>
             </a:endParaRPr>
           </a:p>
@@ -1916,7 +1784,7 @@
       </p:grpSpPr>
       <p:sp>
         <p:nvSpPr>
-          <p:cNvPr id="242" name="PlaceHolder 1"/>
+          <p:cNvPr id="234" name="PlaceHolder 1"/>
           <p:cNvSpPr>
             <a:spLocks noGrp="1"/>
           </p:cNvSpPr>
@@ -1927,19 +1795,19 @@
         <p:spPr>
           <a:xfrm>
             <a:off x="1376280" y="1336680"/>
-            <a:ext cx="4803120" cy="3602880"/>
-          </a:xfrm>
-          <a:prstGeom prst="rect">
-            <a:avLst/>
-          </a:prstGeom>
-          <a:ln w="0">
-            <a:noFill/>
-          </a:ln>
-        </p:spPr>
-      </p:sp>
-      <p:sp>
-        <p:nvSpPr>
-          <p:cNvPr id="243" name="PlaceHolder 2"/>
+            <a:ext cx="4802760" cy="3602520"/>
+          </a:xfrm>
+          <a:prstGeom prst="rect">
+            <a:avLst/>
+          </a:prstGeom>
+          <a:ln w="0">
+            <a:noFill/>
+          </a:ln>
+        </p:spPr>
+      </p:sp>
+      <p:sp>
+        <p:nvSpPr>
+          <p:cNvPr id="235" name="PlaceHolder 2"/>
           <p:cNvSpPr>
             <a:spLocks noGrp="1"/>
           </p:cNvSpPr>
@@ -1950,7 +1818,7 @@
         <p:spPr>
           <a:xfrm>
             <a:off x="756000" y="5145120"/>
-            <a:ext cx="6043320" cy="4205520"/>
+            <a:ext cx="6042960" cy="4205160"/>
           </a:xfrm>
           <a:prstGeom prst="rect">
             <a:avLst/>
@@ -1965,22 +1833,22 @@
             <a:noAutofit/>
           </a:bodyPr>
           <a:p>
-            <a:endParaRPr b="0" lang="pt-BR" sz="2000" spc="-1" strike="noStrike">
-              <a:latin typeface="Arial"/>
-            </a:endParaRPr>
-          </a:p>
-        </p:txBody>
-      </p:sp>
-      <p:sp>
-        <p:nvSpPr>
-          <p:cNvPr id="244" name="CustomShape 3"/>
+            <a:endParaRPr b="0" lang="en-US" sz="2000" spc="-1" strike="noStrike">
+              <a:latin typeface="Arial"/>
+            </a:endParaRPr>
+          </a:p>
+        </p:txBody>
+      </p:sp>
+      <p:sp>
+        <p:nvSpPr>
+          <p:cNvPr id="236" name="CustomShape 3"/>
           <p:cNvSpPr/>
           <p:nvPr/>
         </p:nvSpPr>
         <p:spPr>
           <a:xfrm>
             <a:off x="0" y="10155240"/>
-            <a:ext cx="3271680" cy="532080"/>
+            <a:ext cx="3271320" cy="531720"/>
           </a:xfrm>
           <a:prstGeom prst="rect">
             <a:avLst/>
@@ -2017,7 +1885,7 @@
               </a:rPr>
               <a:t>Prof. André Hochuli</a:t>
             </a:r>
-            <a:endParaRPr b="0" lang="pt-BR" sz="1200" spc="-1" strike="noStrike">
+            <a:endParaRPr b="0" lang="en-US" sz="1200" spc="-1" strike="noStrike">
               <a:latin typeface="Arial"/>
             </a:endParaRPr>
           </a:p>
@@ -2047,7 +1915,7 @@
       </p:grpSpPr>
       <p:sp>
         <p:nvSpPr>
-          <p:cNvPr id="245" name="PlaceHolder 1"/>
+          <p:cNvPr id="237" name="PlaceHolder 1"/>
           <p:cNvSpPr>
             <a:spLocks noGrp="1"/>
           </p:cNvSpPr>
@@ -2058,19 +1926,19 @@
         <p:spPr>
           <a:xfrm>
             <a:off x="1376280" y="1336680"/>
-            <a:ext cx="4803120" cy="3602880"/>
-          </a:xfrm>
-          <a:prstGeom prst="rect">
-            <a:avLst/>
-          </a:prstGeom>
-          <a:ln w="0">
-            <a:noFill/>
-          </a:ln>
-        </p:spPr>
-      </p:sp>
-      <p:sp>
-        <p:nvSpPr>
-          <p:cNvPr id="246" name="PlaceHolder 2"/>
+            <a:ext cx="4802760" cy="3602520"/>
+          </a:xfrm>
+          <a:prstGeom prst="rect">
+            <a:avLst/>
+          </a:prstGeom>
+          <a:ln w="0">
+            <a:noFill/>
+          </a:ln>
+        </p:spPr>
+      </p:sp>
+      <p:sp>
+        <p:nvSpPr>
+          <p:cNvPr id="238" name="PlaceHolder 2"/>
           <p:cNvSpPr>
             <a:spLocks noGrp="1"/>
           </p:cNvSpPr>
@@ -2081,7 +1949,7 @@
         <p:spPr>
           <a:xfrm>
             <a:off x="756000" y="5145120"/>
-            <a:ext cx="6043320" cy="4205520"/>
+            <a:ext cx="6042960" cy="4205160"/>
           </a:xfrm>
           <a:prstGeom prst="rect">
             <a:avLst/>
@@ -2096,22 +1964,22 @@
             <a:noAutofit/>
           </a:bodyPr>
           <a:p>
-            <a:endParaRPr b="0" lang="pt-BR" sz="2000" spc="-1" strike="noStrike">
-              <a:latin typeface="Arial"/>
-            </a:endParaRPr>
-          </a:p>
-        </p:txBody>
-      </p:sp>
-      <p:sp>
-        <p:nvSpPr>
-          <p:cNvPr id="247" name="CustomShape 3"/>
+            <a:endParaRPr b="0" lang="en-US" sz="2000" spc="-1" strike="noStrike">
+              <a:latin typeface="Arial"/>
+            </a:endParaRPr>
+          </a:p>
+        </p:txBody>
+      </p:sp>
+      <p:sp>
+        <p:nvSpPr>
+          <p:cNvPr id="239" name="CustomShape 3"/>
           <p:cNvSpPr/>
           <p:nvPr/>
         </p:nvSpPr>
         <p:spPr>
           <a:xfrm>
             <a:off x="0" y="10155240"/>
-            <a:ext cx="3271680" cy="532080"/>
+            <a:ext cx="3271320" cy="531720"/>
           </a:xfrm>
           <a:prstGeom prst="rect">
             <a:avLst/>
@@ -2148,7 +2016,7 @@
               </a:rPr>
               <a:t>Prof. André Hochuli</a:t>
             </a:r>
-            <a:endParaRPr b="0" lang="pt-BR" sz="1200" spc="-1" strike="noStrike">
+            <a:endParaRPr b="0" lang="en-US" sz="1200" spc="-1" strike="noStrike">
               <a:latin typeface="Arial"/>
             </a:endParaRPr>
           </a:p>
@@ -2178,7 +2046,7 @@
       </p:grpSpPr>
       <p:sp>
         <p:nvSpPr>
-          <p:cNvPr id="248" name="PlaceHolder 1"/>
+          <p:cNvPr id="240" name="PlaceHolder 1"/>
           <p:cNvSpPr>
             <a:spLocks noGrp="1"/>
           </p:cNvSpPr>
@@ -2189,19 +2057,19 @@
         <p:spPr>
           <a:xfrm>
             <a:off x="1376280" y="1336680"/>
-            <a:ext cx="4803120" cy="3602880"/>
-          </a:xfrm>
-          <a:prstGeom prst="rect">
-            <a:avLst/>
-          </a:prstGeom>
-          <a:ln w="0">
-            <a:noFill/>
-          </a:ln>
-        </p:spPr>
-      </p:sp>
-      <p:sp>
-        <p:nvSpPr>
-          <p:cNvPr id="249" name="PlaceHolder 2"/>
+            <a:ext cx="4802760" cy="3602520"/>
+          </a:xfrm>
+          <a:prstGeom prst="rect">
+            <a:avLst/>
+          </a:prstGeom>
+          <a:ln w="0">
+            <a:noFill/>
+          </a:ln>
+        </p:spPr>
+      </p:sp>
+      <p:sp>
+        <p:nvSpPr>
+          <p:cNvPr id="241" name="PlaceHolder 2"/>
           <p:cNvSpPr>
             <a:spLocks noGrp="1"/>
           </p:cNvSpPr>
@@ -2212,7 +2080,7 @@
         <p:spPr>
           <a:xfrm>
             <a:off x="756000" y="5145120"/>
-            <a:ext cx="6043320" cy="4205520"/>
+            <a:ext cx="6042960" cy="4205160"/>
           </a:xfrm>
           <a:prstGeom prst="rect">
             <a:avLst/>
@@ -2227,22 +2095,22 @@
             <a:noAutofit/>
           </a:bodyPr>
           <a:p>
-            <a:endParaRPr b="0" lang="pt-BR" sz="2000" spc="-1" strike="noStrike">
-              <a:latin typeface="Arial"/>
-            </a:endParaRPr>
-          </a:p>
-        </p:txBody>
-      </p:sp>
-      <p:sp>
-        <p:nvSpPr>
-          <p:cNvPr id="250" name="CustomShape 3"/>
+            <a:endParaRPr b="0" lang="en-US" sz="2000" spc="-1" strike="noStrike">
+              <a:latin typeface="Arial"/>
+            </a:endParaRPr>
+          </a:p>
+        </p:txBody>
+      </p:sp>
+      <p:sp>
+        <p:nvSpPr>
+          <p:cNvPr id="242" name="CustomShape 3"/>
           <p:cNvSpPr/>
           <p:nvPr/>
         </p:nvSpPr>
         <p:spPr>
           <a:xfrm>
             <a:off x="0" y="10155240"/>
-            <a:ext cx="3271680" cy="532080"/>
+            <a:ext cx="3271320" cy="531720"/>
           </a:xfrm>
           <a:prstGeom prst="rect">
             <a:avLst/>
@@ -2279,7 +2147,7 @@
               </a:rPr>
               <a:t>Prof. André Hochuli</a:t>
             </a:r>
-            <a:endParaRPr b="0" lang="pt-BR" sz="1200" spc="-1" strike="noStrike">
+            <a:endParaRPr b="0" lang="en-US" sz="1200" spc="-1" strike="noStrike">
               <a:latin typeface="Arial"/>
             </a:endParaRPr>
           </a:p>
@@ -2360,7 +2228,7 @@
             <a:pPr algn="ctr">
               <a:buNone/>
             </a:pPr>
-            <a:endParaRPr b="0" lang="pt-BR" sz="4400" spc="-1" strike="noStrike">
+            <a:endParaRPr b="0" lang="en-US" sz="4400" spc="-1" strike="noStrike">
               <a:latin typeface="Arial"/>
             </a:endParaRPr>
           </a:p>
@@ -2394,7 +2262,7 @@
             <a:normAutofit/>
           </a:bodyPr>
           <a:p>
-            <a:endParaRPr b="0" lang="pt-BR" sz="3200" spc="-1" strike="noStrike">
+            <a:endParaRPr b="0" lang="en-US" sz="3200" spc="-1" strike="noStrike">
               <a:latin typeface="Arial"/>
             </a:endParaRPr>
           </a:p>
@@ -2428,7 +2296,7 @@
             <a:normAutofit/>
           </a:bodyPr>
           <a:p>
-            <a:endParaRPr b="0" lang="pt-BR" sz="3200" spc="-1" strike="noStrike">
+            <a:endParaRPr b="0" lang="en-US" sz="3200" spc="-1" strike="noStrike">
               <a:latin typeface="Arial"/>
             </a:endParaRPr>
           </a:p>
@@ -2487,7 +2355,7 @@
             <a:pPr algn="ctr">
               <a:buNone/>
             </a:pPr>
-            <a:endParaRPr b="0" lang="pt-BR" sz="4400" spc="-1" strike="noStrike">
+            <a:endParaRPr b="0" lang="en-US" sz="4400" spc="-1" strike="noStrike">
               <a:latin typeface="Arial"/>
             </a:endParaRPr>
           </a:p>
@@ -2521,7 +2389,7 @@
             <a:normAutofit/>
           </a:bodyPr>
           <a:p>
-            <a:endParaRPr b="0" lang="pt-BR" sz="3200" spc="-1" strike="noStrike">
+            <a:endParaRPr b="0" lang="en-US" sz="3200" spc="-1" strike="noStrike">
               <a:latin typeface="Arial"/>
             </a:endParaRPr>
           </a:p>
@@ -2555,7 +2423,7 @@
             <a:normAutofit/>
           </a:bodyPr>
           <a:p>
-            <a:endParaRPr b="0" lang="pt-BR" sz="3200" spc="-1" strike="noStrike">
+            <a:endParaRPr b="0" lang="en-US" sz="3200" spc="-1" strike="noStrike">
               <a:latin typeface="Arial"/>
             </a:endParaRPr>
           </a:p>
@@ -2589,7 +2457,7 @@
             <a:normAutofit/>
           </a:bodyPr>
           <a:p>
-            <a:endParaRPr b="0" lang="pt-BR" sz="3200" spc="-1" strike="noStrike">
+            <a:endParaRPr b="0" lang="en-US" sz="3200" spc="-1" strike="noStrike">
               <a:latin typeface="Arial"/>
             </a:endParaRPr>
           </a:p>
@@ -2623,7 +2491,7 @@
             <a:normAutofit/>
           </a:bodyPr>
           <a:p>
-            <a:endParaRPr b="0" lang="pt-BR" sz="3200" spc="-1" strike="noStrike">
+            <a:endParaRPr b="0" lang="en-US" sz="3200" spc="-1" strike="noStrike">
               <a:latin typeface="Arial"/>
             </a:endParaRPr>
           </a:p>
@@ -2682,7 +2550,7 @@
             <a:pPr algn="ctr">
               <a:buNone/>
             </a:pPr>
-            <a:endParaRPr b="0" lang="pt-BR" sz="4400" spc="-1" strike="noStrike">
+            <a:endParaRPr b="0" lang="en-US" sz="4400" spc="-1" strike="noStrike">
               <a:latin typeface="Arial"/>
             </a:endParaRPr>
           </a:p>
@@ -2716,7 +2584,7 @@
             <a:normAutofit/>
           </a:bodyPr>
           <a:p>
-            <a:endParaRPr b="0" lang="pt-BR" sz="3200" spc="-1" strike="noStrike">
+            <a:endParaRPr b="0" lang="en-US" sz="3200" spc="-1" strike="noStrike">
               <a:latin typeface="Arial"/>
             </a:endParaRPr>
           </a:p>
@@ -2750,7 +2618,7 @@
             <a:normAutofit/>
           </a:bodyPr>
           <a:p>
-            <a:endParaRPr b="0" lang="pt-BR" sz="3200" spc="-1" strike="noStrike">
+            <a:endParaRPr b="0" lang="en-US" sz="3200" spc="-1" strike="noStrike">
               <a:latin typeface="Arial"/>
             </a:endParaRPr>
           </a:p>
@@ -2784,7 +2652,7 @@
             <a:normAutofit/>
           </a:bodyPr>
           <a:p>
-            <a:endParaRPr b="0" lang="pt-BR" sz="3200" spc="-1" strike="noStrike">
+            <a:endParaRPr b="0" lang="en-US" sz="3200" spc="-1" strike="noStrike">
               <a:latin typeface="Arial"/>
             </a:endParaRPr>
           </a:p>
@@ -2818,7 +2686,7 @@
             <a:normAutofit/>
           </a:bodyPr>
           <a:p>
-            <a:endParaRPr b="0" lang="pt-BR" sz="3200" spc="-1" strike="noStrike">
+            <a:endParaRPr b="0" lang="en-US" sz="3200" spc="-1" strike="noStrike">
               <a:latin typeface="Arial"/>
             </a:endParaRPr>
           </a:p>
@@ -2852,7 +2720,7 @@
             <a:normAutofit/>
           </a:bodyPr>
           <a:p>
-            <a:endParaRPr b="0" lang="pt-BR" sz="3200" spc="-1" strike="noStrike">
+            <a:endParaRPr b="0" lang="en-US" sz="3200" spc="-1" strike="noStrike">
               <a:latin typeface="Arial"/>
             </a:endParaRPr>
           </a:p>
@@ -2886,7 +2754,7 @@
             <a:normAutofit/>
           </a:bodyPr>
           <a:p>
-            <a:endParaRPr b="0" lang="pt-BR" sz="3200" spc="-1" strike="noStrike">
+            <a:endParaRPr b="0" lang="en-US" sz="3200" spc="-1" strike="noStrike">
               <a:latin typeface="Arial"/>
             </a:endParaRPr>
           </a:p>
@@ -2967,7 +2835,7 @@
             <a:pPr algn="ctr">
               <a:buNone/>
             </a:pPr>
-            <a:endParaRPr b="0" lang="pt-BR" sz="4400" spc="-1" strike="noStrike">
+            <a:endParaRPr b="0" lang="en-US" sz="4400" spc="-1" strike="noStrike">
               <a:latin typeface="Arial"/>
             </a:endParaRPr>
           </a:p>
@@ -3004,7 +2872,7 @@
             <a:pPr algn="ctr">
               <a:buNone/>
             </a:pPr>
-            <a:endParaRPr b="0" lang="pt-BR" sz="3200" spc="-1" strike="noStrike">
+            <a:endParaRPr b="0" lang="en-US" sz="3200" spc="-1" strike="noStrike">
               <a:latin typeface="Arial"/>
             </a:endParaRPr>
           </a:p>
@@ -3063,7 +2931,7 @@
             <a:pPr algn="ctr">
               <a:buNone/>
             </a:pPr>
-            <a:endParaRPr b="0" lang="pt-BR" sz="4400" spc="-1" strike="noStrike">
+            <a:endParaRPr b="0" lang="en-US" sz="4400" spc="-1" strike="noStrike">
               <a:latin typeface="Arial"/>
             </a:endParaRPr>
           </a:p>
@@ -3097,7 +2965,7 @@
             <a:normAutofit/>
           </a:bodyPr>
           <a:p>
-            <a:endParaRPr b="0" lang="pt-BR" sz="3200" spc="-1" strike="noStrike">
+            <a:endParaRPr b="0" lang="en-US" sz="3200" spc="-1" strike="noStrike">
               <a:latin typeface="Arial"/>
             </a:endParaRPr>
           </a:p>
@@ -3156,7 +3024,7 @@
             <a:pPr algn="ctr">
               <a:buNone/>
             </a:pPr>
-            <a:endParaRPr b="0" lang="pt-BR" sz="4400" spc="-1" strike="noStrike">
+            <a:endParaRPr b="0" lang="en-US" sz="4400" spc="-1" strike="noStrike">
               <a:latin typeface="Arial"/>
             </a:endParaRPr>
           </a:p>
@@ -3190,7 +3058,7 @@
             <a:normAutofit/>
           </a:bodyPr>
           <a:p>
-            <a:endParaRPr b="0" lang="pt-BR" sz="3200" spc="-1" strike="noStrike">
+            <a:endParaRPr b="0" lang="en-US" sz="3200" spc="-1" strike="noStrike">
               <a:latin typeface="Arial"/>
             </a:endParaRPr>
           </a:p>
@@ -3224,7 +3092,7 @@
             <a:normAutofit/>
           </a:bodyPr>
           <a:p>
-            <a:endParaRPr b="0" lang="pt-BR" sz="3200" spc="-1" strike="noStrike">
+            <a:endParaRPr b="0" lang="en-US" sz="3200" spc="-1" strike="noStrike">
               <a:latin typeface="Arial"/>
             </a:endParaRPr>
           </a:p>
@@ -3283,7 +3151,7 @@
             <a:pPr algn="ctr">
               <a:buNone/>
             </a:pPr>
-            <a:endParaRPr b="0" lang="pt-BR" sz="4400" spc="-1" strike="noStrike">
+            <a:endParaRPr b="0" lang="en-US" sz="4400" spc="-1" strike="noStrike">
               <a:latin typeface="Arial"/>
             </a:endParaRPr>
           </a:p>
@@ -3342,7 +3210,7 @@
             <a:pPr algn="ctr">
               <a:buNone/>
             </a:pPr>
-            <a:endParaRPr b="0" lang="pt-BR" sz="3200" spc="-1" strike="noStrike">
+            <a:endParaRPr b="0" lang="en-US" sz="3200" spc="-1" strike="noStrike">
               <a:latin typeface="Arial"/>
             </a:endParaRPr>
           </a:p>
@@ -3401,7 +3269,7 @@
             <a:pPr algn="ctr">
               <a:buNone/>
             </a:pPr>
-            <a:endParaRPr b="0" lang="pt-BR" sz="4400" spc="-1" strike="noStrike">
+            <a:endParaRPr b="0" lang="en-US" sz="4400" spc="-1" strike="noStrike">
               <a:latin typeface="Arial"/>
             </a:endParaRPr>
           </a:p>
@@ -3435,7 +3303,7 @@
             <a:normAutofit/>
           </a:bodyPr>
           <a:p>
-            <a:endParaRPr b="0" lang="pt-BR" sz="3200" spc="-1" strike="noStrike">
+            <a:endParaRPr b="0" lang="en-US" sz="3200" spc="-1" strike="noStrike">
               <a:latin typeface="Arial"/>
             </a:endParaRPr>
           </a:p>
@@ -3469,7 +3337,7 @@
             <a:normAutofit/>
           </a:bodyPr>
           <a:p>
-            <a:endParaRPr b="0" lang="pt-BR" sz="3200" spc="-1" strike="noStrike">
+            <a:endParaRPr b="0" lang="en-US" sz="3200" spc="-1" strike="noStrike">
               <a:latin typeface="Arial"/>
             </a:endParaRPr>
           </a:p>
@@ -3503,7 +3371,7 @@
             <a:normAutofit/>
           </a:bodyPr>
           <a:p>
-            <a:endParaRPr b="0" lang="pt-BR" sz="3200" spc="-1" strike="noStrike">
+            <a:endParaRPr b="0" lang="en-US" sz="3200" spc="-1" strike="noStrike">
               <a:latin typeface="Arial"/>
             </a:endParaRPr>
           </a:p>
@@ -3562,7 +3430,7 @@
             <a:pPr algn="ctr">
               <a:buNone/>
             </a:pPr>
-            <a:endParaRPr b="0" lang="pt-BR" sz="4400" spc="-1" strike="noStrike">
+            <a:endParaRPr b="0" lang="en-US" sz="4400" spc="-1" strike="noStrike">
               <a:latin typeface="Arial"/>
             </a:endParaRPr>
           </a:p>
@@ -3599,7 +3467,7 @@
             <a:pPr algn="ctr">
               <a:buNone/>
             </a:pPr>
-            <a:endParaRPr b="0" lang="pt-BR" sz="3200" spc="-1" strike="noStrike">
+            <a:endParaRPr b="0" lang="en-US" sz="3200" spc="-1" strike="noStrike">
               <a:latin typeface="Arial"/>
             </a:endParaRPr>
           </a:p>
@@ -3658,7 +3526,7 @@
             <a:pPr algn="ctr">
               <a:buNone/>
             </a:pPr>
-            <a:endParaRPr b="0" lang="pt-BR" sz="4400" spc="-1" strike="noStrike">
+            <a:endParaRPr b="0" lang="en-US" sz="4400" spc="-1" strike="noStrike">
               <a:latin typeface="Arial"/>
             </a:endParaRPr>
           </a:p>
@@ -3692,7 +3560,7 @@
             <a:normAutofit/>
           </a:bodyPr>
           <a:p>
-            <a:endParaRPr b="0" lang="pt-BR" sz="3200" spc="-1" strike="noStrike">
+            <a:endParaRPr b="0" lang="en-US" sz="3200" spc="-1" strike="noStrike">
               <a:latin typeface="Arial"/>
             </a:endParaRPr>
           </a:p>
@@ -3726,7 +3594,7 @@
             <a:normAutofit/>
           </a:bodyPr>
           <a:p>
-            <a:endParaRPr b="0" lang="pt-BR" sz="3200" spc="-1" strike="noStrike">
+            <a:endParaRPr b="0" lang="en-US" sz="3200" spc="-1" strike="noStrike">
               <a:latin typeface="Arial"/>
             </a:endParaRPr>
           </a:p>
@@ -3760,7 +3628,7 @@
             <a:normAutofit/>
           </a:bodyPr>
           <a:p>
-            <a:endParaRPr b="0" lang="pt-BR" sz="3200" spc="-1" strike="noStrike">
+            <a:endParaRPr b="0" lang="en-US" sz="3200" spc="-1" strike="noStrike">
               <a:latin typeface="Arial"/>
             </a:endParaRPr>
           </a:p>
@@ -3819,7 +3687,7 @@
             <a:pPr algn="ctr">
               <a:buNone/>
             </a:pPr>
-            <a:endParaRPr b="0" lang="pt-BR" sz="4400" spc="-1" strike="noStrike">
+            <a:endParaRPr b="0" lang="en-US" sz="4400" spc="-1" strike="noStrike">
               <a:latin typeface="Arial"/>
             </a:endParaRPr>
           </a:p>
@@ -3853,7 +3721,7 @@
             <a:normAutofit/>
           </a:bodyPr>
           <a:p>
-            <a:endParaRPr b="0" lang="pt-BR" sz="3200" spc="-1" strike="noStrike">
+            <a:endParaRPr b="0" lang="en-US" sz="3200" spc="-1" strike="noStrike">
               <a:latin typeface="Arial"/>
             </a:endParaRPr>
           </a:p>
@@ -3887,7 +3755,7 @@
             <a:normAutofit/>
           </a:bodyPr>
           <a:p>
-            <a:endParaRPr b="0" lang="pt-BR" sz="3200" spc="-1" strike="noStrike">
+            <a:endParaRPr b="0" lang="en-US" sz="3200" spc="-1" strike="noStrike">
               <a:latin typeface="Arial"/>
             </a:endParaRPr>
           </a:p>
@@ -3921,7 +3789,7 @@
             <a:normAutofit/>
           </a:bodyPr>
           <a:p>
-            <a:endParaRPr b="0" lang="pt-BR" sz="3200" spc="-1" strike="noStrike">
+            <a:endParaRPr b="0" lang="en-US" sz="3200" spc="-1" strike="noStrike">
               <a:latin typeface="Arial"/>
             </a:endParaRPr>
           </a:p>
@@ -3980,7 +3848,7 @@
             <a:pPr algn="ctr">
               <a:buNone/>
             </a:pPr>
-            <a:endParaRPr b="0" lang="pt-BR" sz="4400" spc="-1" strike="noStrike">
+            <a:endParaRPr b="0" lang="en-US" sz="4400" spc="-1" strike="noStrike">
               <a:latin typeface="Arial"/>
             </a:endParaRPr>
           </a:p>
@@ -4014,7 +3882,7 @@
             <a:normAutofit/>
           </a:bodyPr>
           <a:p>
-            <a:endParaRPr b="0" lang="pt-BR" sz="3200" spc="-1" strike="noStrike">
+            <a:endParaRPr b="0" lang="en-US" sz="3200" spc="-1" strike="noStrike">
               <a:latin typeface="Arial"/>
             </a:endParaRPr>
           </a:p>
@@ -4048,7 +3916,7 @@
             <a:normAutofit/>
           </a:bodyPr>
           <a:p>
-            <a:endParaRPr b="0" lang="pt-BR" sz="3200" spc="-1" strike="noStrike">
+            <a:endParaRPr b="0" lang="en-US" sz="3200" spc="-1" strike="noStrike">
               <a:latin typeface="Arial"/>
             </a:endParaRPr>
           </a:p>
@@ -4107,7 +3975,7 @@
             <a:pPr algn="ctr">
               <a:buNone/>
             </a:pPr>
-            <a:endParaRPr b="0" lang="pt-BR" sz="4400" spc="-1" strike="noStrike">
+            <a:endParaRPr b="0" lang="en-US" sz="4400" spc="-1" strike="noStrike">
               <a:latin typeface="Arial"/>
             </a:endParaRPr>
           </a:p>
@@ -4141,7 +4009,7 @@
             <a:normAutofit/>
           </a:bodyPr>
           <a:p>
-            <a:endParaRPr b="0" lang="pt-BR" sz="3200" spc="-1" strike="noStrike">
+            <a:endParaRPr b="0" lang="en-US" sz="3200" spc="-1" strike="noStrike">
               <a:latin typeface="Arial"/>
             </a:endParaRPr>
           </a:p>
@@ -4175,7 +4043,7 @@
             <a:normAutofit/>
           </a:bodyPr>
           <a:p>
-            <a:endParaRPr b="0" lang="pt-BR" sz="3200" spc="-1" strike="noStrike">
+            <a:endParaRPr b="0" lang="en-US" sz="3200" spc="-1" strike="noStrike">
               <a:latin typeface="Arial"/>
             </a:endParaRPr>
           </a:p>
@@ -4209,7 +4077,7 @@
             <a:normAutofit/>
           </a:bodyPr>
           <a:p>
-            <a:endParaRPr b="0" lang="pt-BR" sz="3200" spc="-1" strike="noStrike">
+            <a:endParaRPr b="0" lang="en-US" sz="3200" spc="-1" strike="noStrike">
               <a:latin typeface="Arial"/>
             </a:endParaRPr>
           </a:p>
@@ -4243,7 +4111,7 @@
             <a:normAutofit/>
           </a:bodyPr>
           <a:p>
-            <a:endParaRPr b="0" lang="pt-BR" sz="3200" spc="-1" strike="noStrike">
+            <a:endParaRPr b="0" lang="en-US" sz="3200" spc="-1" strike="noStrike">
               <a:latin typeface="Arial"/>
             </a:endParaRPr>
           </a:p>
@@ -4302,7 +4170,7 @@
             <a:pPr algn="ctr">
               <a:buNone/>
             </a:pPr>
-            <a:endParaRPr b="0" lang="pt-BR" sz="4400" spc="-1" strike="noStrike">
+            <a:endParaRPr b="0" lang="en-US" sz="4400" spc="-1" strike="noStrike">
               <a:latin typeface="Arial"/>
             </a:endParaRPr>
           </a:p>
@@ -4336,7 +4204,7 @@
             <a:normAutofit/>
           </a:bodyPr>
           <a:p>
-            <a:endParaRPr b="0" lang="pt-BR" sz="3200" spc="-1" strike="noStrike">
+            <a:endParaRPr b="0" lang="en-US" sz="3200" spc="-1" strike="noStrike">
               <a:latin typeface="Arial"/>
             </a:endParaRPr>
           </a:p>
@@ -4370,7 +4238,7 @@
             <a:normAutofit/>
           </a:bodyPr>
           <a:p>
-            <a:endParaRPr b="0" lang="pt-BR" sz="3200" spc="-1" strike="noStrike">
+            <a:endParaRPr b="0" lang="en-US" sz="3200" spc="-1" strike="noStrike">
               <a:latin typeface="Arial"/>
             </a:endParaRPr>
           </a:p>
@@ -4404,7 +4272,7 @@
             <a:normAutofit/>
           </a:bodyPr>
           <a:p>
-            <a:endParaRPr b="0" lang="pt-BR" sz="3200" spc="-1" strike="noStrike">
+            <a:endParaRPr b="0" lang="en-US" sz="3200" spc="-1" strike="noStrike">
               <a:latin typeface="Arial"/>
             </a:endParaRPr>
           </a:p>
@@ -4438,7 +4306,7 @@
             <a:normAutofit/>
           </a:bodyPr>
           <a:p>
-            <a:endParaRPr b="0" lang="pt-BR" sz="3200" spc="-1" strike="noStrike">
+            <a:endParaRPr b="0" lang="en-US" sz="3200" spc="-1" strike="noStrike">
               <a:latin typeface="Arial"/>
             </a:endParaRPr>
           </a:p>
@@ -4472,7 +4340,7 @@
             <a:normAutofit/>
           </a:bodyPr>
           <a:p>
-            <a:endParaRPr b="0" lang="pt-BR" sz="3200" spc="-1" strike="noStrike">
+            <a:endParaRPr b="0" lang="en-US" sz="3200" spc="-1" strike="noStrike">
               <a:latin typeface="Arial"/>
             </a:endParaRPr>
           </a:p>
@@ -4506,7 +4374,7 @@
             <a:normAutofit/>
           </a:bodyPr>
           <a:p>
-            <a:endParaRPr b="0" lang="pt-BR" sz="3200" spc="-1" strike="noStrike">
+            <a:endParaRPr b="0" lang="en-US" sz="3200" spc="-1" strike="noStrike">
               <a:latin typeface="Arial"/>
             </a:endParaRPr>
           </a:p>
@@ -4565,7 +4433,7 @@
             <a:pPr algn="ctr">
               <a:buNone/>
             </a:pPr>
-            <a:endParaRPr b="0" lang="pt-BR" sz="4400" spc="-1" strike="noStrike">
+            <a:endParaRPr b="0" lang="en-US" sz="4400" spc="-1" strike="noStrike">
               <a:latin typeface="Arial"/>
             </a:endParaRPr>
           </a:p>
@@ -4599,7 +4467,7 @@
             <a:normAutofit/>
           </a:bodyPr>
           <a:p>
-            <a:endParaRPr b="0" lang="pt-BR" sz="3200" spc="-1" strike="noStrike">
+            <a:endParaRPr b="0" lang="en-US" sz="3200" spc="-1" strike="noStrike">
               <a:latin typeface="Arial"/>
             </a:endParaRPr>
           </a:p>
@@ -4658,7 +4526,7 @@
             <a:pPr algn="ctr">
               <a:buNone/>
             </a:pPr>
-            <a:endParaRPr b="0" lang="pt-BR" sz="4400" spc="-1" strike="noStrike">
+            <a:endParaRPr b="0" lang="en-US" sz="4400" spc="-1" strike="noStrike">
               <a:latin typeface="Arial"/>
             </a:endParaRPr>
           </a:p>
@@ -4692,7 +4560,7 @@
             <a:normAutofit/>
           </a:bodyPr>
           <a:p>
-            <a:endParaRPr b="0" lang="pt-BR" sz="3200" spc="-1" strike="noStrike">
+            <a:endParaRPr b="0" lang="en-US" sz="3200" spc="-1" strike="noStrike">
               <a:latin typeface="Arial"/>
             </a:endParaRPr>
           </a:p>
@@ -4726,7 +4594,7 @@
             <a:normAutofit/>
           </a:bodyPr>
           <a:p>
-            <a:endParaRPr b="0" lang="pt-BR" sz="3200" spc="-1" strike="noStrike">
+            <a:endParaRPr b="0" lang="en-US" sz="3200" spc="-1" strike="noStrike">
               <a:latin typeface="Arial"/>
             </a:endParaRPr>
           </a:p>
@@ -4785,7 +4653,7 @@
             <a:pPr algn="ctr">
               <a:buNone/>
             </a:pPr>
-            <a:endParaRPr b="0" lang="pt-BR" sz="4400" spc="-1" strike="noStrike">
+            <a:endParaRPr b="0" lang="en-US" sz="4400" spc="-1" strike="noStrike">
               <a:latin typeface="Arial"/>
             </a:endParaRPr>
           </a:p>
@@ -4844,7 +4712,7 @@
             <a:pPr algn="ctr">
               <a:buNone/>
             </a:pPr>
-            <a:endParaRPr b="0" lang="pt-BR" sz="3200" spc="-1" strike="noStrike">
+            <a:endParaRPr b="0" lang="en-US" sz="3200" spc="-1" strike="noStrike">
               <a:latin typeface="Arial"/>
             </a:endParaRPr>
           </a:p>
@@ -4903,7 +4771,7 @@
             <a:pPr algn="ctr">
               <a:buNone/>
             </a:pPr>
-            <a:endParaRPr b="0" lang="pt-BR" sz="4400" spc="-1" strike="noStrike">
+            <a:endParaRPr b="0" lang="en-US" sz="4400" spc="-1" strike="noStrike">
               <a:latin typeface="Arial"/>
             </a:endParaRPr>
           </a:p>
@@ -4937,7 +4805,7 @@
             <a:normAutofit/>
           </a:bodyPr>
           <a:p>
-            <a:endParaRPr b="0" lang="pt-BR" sz="3200" spc="-1" strike="noStrike">
+            <a:endParaRPr b="0" lang="en-US" sz="3200" spc="-1" strike="noStrike">
               <a:latin typeface="Arial"/>
             </a:endParaRPr>
           </a:p>
@@ -4971,7 +4839,7 @@
             <a:normAutofit/>
           </a:bodyPr>
           <a:p>
-            <a:endParaRPr b="0" lang="pt-BR" sz="3200" spc="-1" strike="noStrike">
+            <a:endParaRPr b="0" lang="en-US" sz="3200" spc="-1" strike="noStrike">
               <a:latin typeface="Arial"/>
             </a:endParaRPr>
           </a:p>
@@ -5005,7 +4873,7 @@
             <a:normAutofit/>
           </a:bodyPr>
           <a:p>
-            <a:endParaRPr b="0" lang="pt-BR" sz="3200" spc="-1" strike="noStrike">
+            <a:endParaRPr b="0" lang="en-US" sz="3200" spc="-1" strike="noStrike">
               <a:latin typeface="Arial"/>
             </a:endParaRPr>
           </a:p>
@@ -5064,7 +4932,7 @@
             <a:pPr algn="ctr">
               <a:buNone/>
             </a:pPr>
-            <a:endParaRPr b="0" lang="pt-BR" sz="4400" spc="-1" strike="noStrike">
+            <a:endParaRPr b="0" lang="en-US" sz="4400" spc="-1" strike="noStrike">
               <a:latin typeface="Arial"/>
             </a:endParaRPr>
           </a:p>
@@ -5098,7 +4966,7 @@
             <a:normAutofit/>
           </a:bodyPr>
           <a:p>
-            <a:endParaRPr b="0" lang="pt-BR" sz="3200" spc="-1" strike="noStrike">
+            <a:endParaRPr b="0" lang="en-US" sz="3200" spc="-1" strike="noStrike">
               <a:latin typeface="Arial"/>
             </a:endParaRPr>
           </a:p>
@@ -5132,7 +5000,7 @@
             <a:normAutofit/>
           </a:bodyPr>
           <a:p>
-            <a:endParaRPr b="0" lang="pt-BR" sz="3200" spc="-1" strike="noStrike">
+            <a:endParaRPr b="0" lang="en-US" sz="3200" spc="-1" strike="noStrike">
               <a:latin typeface="Arial"/>
             </a:endParaRPr>
           </a:p>
@@ -5166,7 +5034,7 @@
             <a:normAutofit/>
           </a:bodyPr>
           <a:p>
-            <a:endParaRPr b="0" lang="pt-BR" sz="3200" spc="-1" strike="noStrike">
+            <a:endParaRPr b="0" lang="en-US" sz="3200" spc="-1" strike="noStrike">
               <a:latin typeface="Arial"/>
             </a:endParaRPr>
           </a:p>
@@ -5225,7 +5093,7 @@
             <a:pPr algn="ctr">
               <a:buNone/>
             </a:pPr>
-            <a:endParaRPr b="0" lang="pt-BR" sz="4400" spc="-1" strike="noStrike">
+            <a:endParaRPr b="0" lang="en-US" sz="4400" spc="-1" strike="noStrike">
               <a:latin typeface="Arial"/>
             </a:endParaRPr>
           </a:p>
@@ -5259,7 +5127,7 @@
             <a:normAutofit/>
           </a:bodyPr>
           <a:p>
-            <a:endParaRPr b="0" lang="pt-BR" sz="3200" spc="-1" strike="noStrike">
+            <a:endParaRPr b="0" lang="en-US" sz="3200" spc="-1" strike="noStrike">
               <a:latin typeface="Arial"/>
             </a:endParaRPr>
           </a:p>
@@ -5293,7 +5161,7 @@
             <a:normAutofit/>
           </a:bodyPr>
           <a:p>
-            <a:endParaRPr b="0" lang="pt-BR" sz="3200" spc="-1" strike="noStrike">
+            <a:endParaRPr b="0" lang="en-US" sz="3200" spc="-1" strike="noStrike">
               <a:latin typeface="Arial"/>
             </a:endParaRPr>
           </a:p>
@@ -5327,7 +5195,7 @@
             <a:normAutofit/>
           </a:bodyPr>
           <a:p>
-            <a:endParaRPr b="0" lang="pt-BR" sz="3200" spc="-1" strike="noStrike">
+            <a:endParaRPr b="0" lang="en-US" sz="3200" spc="-1" strike="noStrike">
               <a:latin typeface="Arial"/>
             </a:endParaRPr>
           </a:p>
@@ -5371,7 +5239,7 @@
         <p:spPr>
           <a:xfrm>
             <a:off x="0" y="3150000"/>
-            <a:ext cx="9715680" cy="1255680"/>
+            <a:ext cx="9715320" cy="1255320"/>
           </a:xfrm>
           <a:prstGeom prst="rect">
             <a:avLst/>
@@ -5422,12 +5290,12 @@
               <a:buNone/>
             </a:pPr>
             <a:r>
-              <a:rPr b="0" lang="pt-BR" sz="4400" spc="-1" strike="noStrike">
+              <a:rPr b="0" lang="en-US" sz="4400" spc="-1" strike="noStrike">
                 <a:latin typeface="Arial"/>
               </a:rPr>
               <a:t>Click to edit the title text format</a:t>
             </a:r>
-            <a:endParaRPr b="0" lang="pt-BR" sz="4400" spc="-1" strike="noStrike">
+            <a:endParaRPr b="0" lang="en-US" sz="4400" spc="-1" strike="noStrike">
               <a:latin typeface="Arial"/>
             </a:endParaRPr>
           </a:p>
@@ -5473,12 +5341,12 @@
               <a:buChar char=""/>
             </a:pPr>
             <a:r>
-              <a:rPr b="0" lang="pt-BR" sz="3200" spc="-1" strike="noStrike">
+              <a:rPr b="0" lang="en-US" sz="3200" spc="-1" strike="noStrike">
                 <a:latin typeface="Arial"/>
               </a:rPr>
               <a:t>Click to edit the outline text format</a:t>
             </a:r>
-            <a:endParaRPr b="0" lang="pt-BR" sz="3200" spc="-1" strike="noStrike">
+            <a:endParaRPr b="0" lang="en-US" sz="3200" spc="-1" strike="noStrike">
               <a:latin typeface="Arial"/>
             </a:endParaRPr>
           </a:p>
@@ -5495,12 +5363,12 @@
               <a:buChar char=""/>
             </a:pPr>
             <a:r>
-              <a:rPr b="0" lang="pt-BR" sz="2800" spc="-1" strike="noStrike">
+              <a:rPr b="0" lang="en-US" sz="2800" spc="-1" strike="noStrike">
                 <a:latin typeface="Arial"/>
               </a:rPr>
               <a:t>Second Outline Level</a:t>
             </a:r>
-            <a:endParaRPr b="0" lang="pt-BR" sz="2800" spc="-1" strike="noStrike">
+            <a:endParaRPr b="0" lang="en-US" sz="2800" spc="-1" strike="noStrike">
               <a:latin typeface="Arial"/>
             </a:endParaRPr>
           </a:p>
@@ -5517,12 +5385,12 @@
               <a:buChar char=""/>
             </a:pPr>
             <a:r>
-              <a:rPr b="0" lang="pt-BR" sz="2400" spc="-1" strike="noStrike">
+              <a:rPr b="0" lang="en-US" sz="2400" spc="-1" strike="noStrike">
                 <a:latin typeface="Arial"/>
               </a:rPr>
               <a:t>Third Outline Level</a:t>
             </a:r>
-            <a:endParaRPr b="0" lang="pt-BR" sz="2400" spc="-1" strike="noStrike">
+            <a:endParaRPr b="0" lang="en-US" sz="2400" spc="-1" strike="noStrike">
               <a:latin typeface="Arial"/>
             </a:endParaRPr>
           </a:p>
@@ -5539,12 +5407,12 @@
               <a:buChar char=""/>
             </a:pPr>
             <a:r>
-              <a:rPr b="0" lang="pt-BR" sz="2000" spc="-1" strike="noStrike">
+              <a:rPr b="0" lang="en-US" sz="2000" spc="-1" strike="noStrike">
                 <a:latin typeface="Arial"/>
               </a:rPr>
               <a:t>Fourth Outline Level</a:t>
             </a:r>
-            <a:endParaRPr b="0" lang="pt-BR" sz="2000" spc="-1" strike="noStrike">
+            <a:endParaRPr b="0" lang="en-US" sz="2000" spc="-1" strike="noStrike">
               <a:latin typeface="Arial"/>
             </a:endParaRPr>
           </a:p>
@@ -5561,12 +5429,12 @@
               <a:buChar char=""/>
             </a:pPr>
             <a:r>
-              <a:rPr b="0" lang="pt-BR" sz="2000" spc="-1" strike="noStrike">
+              <a:rPr b="0" lang="en-US" sz="2000" spc="-1" strike="noStrike">
                 <a:latin typeface="Arial"/>
               </a:rPr>
               <a:t>Fifth Outline Level</a:t>
             </a:r>
-            <a:endParaRPr b="0" lang="pt-BR" sz="2000" spc="-1" strike="noStrike">
+            <a:endParaRPr b="0" lang="en-US" sz="2000" spc="-1" strike="noStrike">
               <a:latin typeface="Arial"/>
             </a:endParaRPr>
           </a:p>
@@ -5583,12 +5451,12 @@
               <a:buChar char=""/>
             </a:pPr>
             <a:r>
-              <a:rPr b="0" lang="pt-BR" sz="2000" spc="-1" strike="noStrike">
+              <a:rPr b="0" lang="en-US" sz="2000" spc="-1" strike="noStrike">
                 <a:latin typeface="Arial"/>
               </a:rPr>
               <a:t>Sixth Outline Level</a:t>
             </a:r>
-            <a:endParaRPr b="0" lang="pt-BR" sz="2000" spc="-1" strike="noStrike">
+            <a:endParaRPr b="0" lang="en-US" sz="2000" spc="-1" strike="noStrike">
               <a:latin typeface="Arial"/>
             </a:endParaRPr>
           </a:p>
@@ -5605,12 +5473,12 @@
               <a:buChar char=""/>
             </a:pPr>
             <a:r>
-              <a:rPr b="0" lang="pt-BR" sz="2000" spc="-1" strike="noStrike">
+              <a:rPr b="0" lang="en-US" sz="2000" spc="-1" strike="noStrike">
                 <a:latin typeface="Arial"/>
               </a:rPr>
               <a:t>Seventh Outline Level</a:t>
             </a:r>
-            <a:endParaRPr b="0" lang="pt-BR" sz="2000" spc="-1" strike="noStrike">
+            <a:endParaRPr b="0" lang="en-US" sz="2000" spc="-1" strike="noStrike">
               <a:latin typeface="Arial"/>
             </a:endParaRPr>
           </a:p>
@@ -5669,7 +5537,7 @@
         <p:spPr>
           <a:xfrm>
             <a:off x="0" y="180000"/>
-            <a:ext cx="9715680" cy="1255680"/>
+            <a:ext cx="9715320" cy="1255320"/>
           </a:xfrm>
           <a:prstGeom prst="rect">
             <a:avLst/>
@@ -5697,7 +5565,7 @@
         <p:spPr>
           <a:xfrm>
             <a:off x="7560000" y="6840000"/>
-            <a:ext cx="2515680" cy="535680"/>
+            <a:ext cx="2515320" cy="535320"/>
           </a:xfrm>
           <a:prstGeom prst="rect">
             <a:avLst/>
@@ -5725,7 +5593,7 @@
         <p:spPr>
           <a:xfrm>
             <a:off x="900000" y="6840000"/>
-            <a:ext cx="6475680" cy="535680"/>
+            <a:ext cx="6475320" cy="535320"/>
           </a:xfrm>
           <a:prstGeom prst="rect">
             <a:avLst/>
@@ -5753,7 +5621,7 @@
         <p:spPr>
           <a:xfrm>
             <a:off x="180000" y="6840000"/>
-            <a:ext cx="535680" cy="535680"/>
+            <a:ext cx="535320" cy="535320"/>
           </a:xfrm>
           <a:prstGeom prst="rect">
             <a:avLst/>
@@ -5802,12 +5670,12 @@
               <a:buNone/>
             </a:pPr>
             <a:r>
-              <a:rPr b="0" lang="pt-BR" sz="4400" spc="-1" strike="noStrike">
+              <a:rPr b="0" lang="en-US" sz="4400" spc="-1" strike="noStrike">
                 <a:latin typeface="Arial"/>
               </a:rPr>
               <a:t>Click to edit the title text format</a:t>
             </a:r>
-            <a:endParaRPr b="0" lang="pt-BR" sz="4400" spc="-1" strike="noStrike">
+            <a:endParaRPr b="0" lang="en-US" sz="4400" spc="-1" strike="noStrike">
               <a:latin typeface="Arial"/>
             </a:endParaRPr>
           </a:p>
@@ -5853,12 +5721,12 @@
               <a:buChar char=""/>
             </a:pPr>
             <a:r>
-              <a:rPr b="0" lang="pt-BR" sz="3200" spc="-1" strike="noStrike">
+              <a:rPr b="0" lang="en-US" sz="3200" spc="-1" strike="noStrike">
                 <a:latin typeface="Arial"/>
               </a:rPr>
               <a:t>Click to edit the outline text format</a:t>
             </a:r>
-            <a:endParaRPr b="0" lang="pt-BR" sz="3200" spc="-1" strike="noStrike">
+            <a:endParaRPr b="0" lang="en-US" sz="3200" spc="-1" strike="noStrike">
               <a:latin typeface="Arial"/>
             </a:endParaRPr>
           </a:p>
@@ -5875,12 +5743,12 @@
               <a:buChar char=""/>
             </a:pPr>
             <a:r>
-              <a:rPr b="0" lang="pt-BR" sz="2800" spc="-1" strike="noStrike">
+              <a:rPr b="0" lang="en-US" sz="2800" spc="-1" strike="noStrike">
                 <a:latin typeface="Arial"/>
               </a:rPr>
               <a:t>Second Outline Level</a:t>
             </a:r>
-            <a:endParaRPr b="0" lang="pt-BR" sz="2800" spc="-1" strike="noStrike">
+            <a:endParaRPr b="0" lang="en-US" sz="2800" spc="-1" strike="noStrike">
               <a:latin typeface="Arial"/>
             </a:endParaRPr>
           </a:p>
@@ -5897,12 +5765,12 @@
               <a:buChar char=""/>
             </a:pPr>
             <a:r>
-              <a:rPr b="0" lang="pt-BR" sz="2400" spc="-1" strike="noStrike">
+              <a:rPr b="0" lang="en-US" sz="2400" spc="-1" strike="noStrike">
                 <a:latin typeface="Arial"/>
               </a:rPr>
               <a:t>Third Outline Level</a:t>
             </a:r>
-            <a:endParaRPr b="0" lang="pt-BR" sz="2400" spc="-1" strike="noStrike">
+            <a:endParaRPr b="0" lang="en-US" sz="2400" spc="-1" strike="noStrike">
               <a:latin typeface="Arial"/>
             </a:endParaRPr>
           </a:p>
@@ -5919,12 +5787,12 @@
               <a:buChar char=""/>
             </a:pPr>
             <a:r>
-              <a:rPr b="0" lang="pt-BR" sz="2000" spc="-1" strike="noStrike">
+              <a:rPr b="0" lang="en-US" sz="2000" spc="-1" strike="noStrike">
                 <a:latin typeface="Arial"/>
               </a:rPr>
               <a:t>Fourth Outline Level</a:t>
             </a:r>
-            <a:endParaRPr b="0" lang="pt-BR" sz="2000" spc="-1" strike="noStrike">
+            <a:endParaRPr b="0" lang="en-US" sz="2000" spc="-1" strike="noStrike">
               <a:latin typeface="Arial"/>
             </a:endParaRPr>
           </a:p>
@@ -5941,12 +5809,12 @@
               <a:buChar char=""/>
             </a:pPr>
             <a:r>
-              <a:rPr b="0" lang="pt-BR" sz="2000" spc="-1" strike="noStrike">
+              <a:rPr b="0" lang="en-US" sz="2000" spc="-1" strike="noStrike">
                 <a:latin typeface="Arial"/>
               </a:rPr>
               <a:t>Fifth Outline Level</a:t>
             </a:r>
-            <a:endParaRPr b="0" lang="pt-BR" sz="2000" spc="-1" strike="noStrike">
+            <a:endParaRPr b="0" lang="en-US" sz="2000" spc="-1" strike="noStrike">
               <a:latin typeface="Arial"/>
             </a:endParaRPr>
           </a:p>
@@ -5963,12 +5831,12 @@
               <a:buChar char=""/>
             </a:pPr>
             <a:r>
-              <a:rPr b="0" lang="pt-BR" sz="2000" spc="-1" strike="noStrike">
+              <a:rPr b="0" lang="en-US" sz="2000" spc="-1" strike="noStrike">
                 <a:latin typeface="Arial"/>
               </a:rPr>
               <a:t>Sixth Outline Level</a:t>
             </a:r>
-            <a:endParaRPr b="0" lang="pt-BR" sz="2000" spc="-1" strike="noStrike">
+            <a:endParaRPr b="0" lang="en-US" sz="2000" spc="-1" strike="noStrike">
               <a:latin typeface="Arial"/>
             </a:endParaRPr>
           </a:p>
@@ -5985,12 +5853,12 @@
               <a:buChar char=""/>
             </a:pPr>
             <a:r>
-              <a:rPr b="0" lang="pt-BR" sz="2000" spc="-1" strike="noStrike">
+              <a:rPr b="0" lang="en-US" sz="2000" spc="-1" strike="noStrike">
                 <a:latin typeface="Arial"/>
               </a:rPr>
               <a:t>Seventh Outline Level</a:t>
             </a:r>
-            <a:endParaRPr b="0" lang="pt-BR" sz="2000" spc="-1" strike="noStrike">
+            <a:endParaRPr b="0" lang="en-US" sz="2000" spc="-1" strike="noStrike">
               <a:latin typeface="Arial"/>
             </a:endParaRPr>
           </a:p>
@@ -6042,7 +5910,7 @@
         <p:spPr>
           <a:xfrm>
             <a:off x="360000" y="3330000"/>
-            <a:ext cx="9355680" cy="895680"/>
+            <a:ext cx="9355320" cy="895320"/>
           </a:xfrm>
           <a:prstGeom prst="rect">
             <a:avLst/>
@@ -6079,7 +5947,7 @@
               </a:rPr>
               <a:t>Lecture 05 - Feature Extraction</a:t>
             </a:r>
-            <a:endParaRPr b="0" lang="pt-BR" sz="3200" spc="-1" strike="noStrike">
+            <a:endParaRPr b="0" lang="en-US" sz="3200" spc="-1" strike="noStrike">
               <a:latin typeface="Arial"/>
             </a:endParaRPr>
           </a:p>
@@ -6094,7 +5962,7 @@
         <p:spPr>
           <a:xfrm>
             <a:off x="540000" y="4680000"/>
-            <a:ext cx="9175680" cy="2515680"/>
+            <a:ext cx="9175320" cy="2515320"/>
           </a:xfrm>
           <a:prstGeom prst="rect">
             <a:avLst/>
@@ -6131,7 +5999,7 @@
               </a:rPr>
               <a:t>Prof. André Gustavo Hochuli</a:t>
             </a:r>
-            <a:endParaRPr b="0" lang="pt-BR" sz="2200" spc="-1" strike="noStrike">
+            <a:endParaRPr b="0" lang="en-US" sz="2200" spc="-1" strike="noStrike">
               <a:latin typeface="Arial"/>
             </a:endParaRPr>
           </a:p>
@@ -6142,7 +6010,7 @@
               </a:lnSpc>
               <a:buNone/>
             </a:pPr>
-            <a:endParaRPr b="0" lang="pt-BR" sz="2200" spc="-1" strike="noStrike">
+            <a:endParaRPr b="0" lang="en-US" sz="2200" spc="-1" strike="noStrike">
               <a:latin typeface="Arial"/>
             </a:endParaRPr>
           </a:p>
@@ -6165,7 +6033,7 @@
               </a:rPr>
               <a:t>gustavo.hochuli@pucpr.br</a:t>
             </a:r>
-            <a:endParaRPr b="0" lang="pt-BR" sz="2200" spc="-1" strike="noStrike">
+            <a:endParaRPr b="0" lang="en-US" sz="2200" spc="-1" strike="noStrike">
               <a:latin typeface="Arial"/>
             </a:endParaRPr>
           </a:p>
@@ -6188,7 +6056,7 @@
               </a:rPr>
               <a:t>aghochuli@ppgia.pucpr.br</a:t>
             </a:r>
-            <a:endParaRPr b="0" lang="pt-BR" sz="2200" spc="-1" strike="noStrike">
+            <a:endParaRPr b="0" lang="en-US" sz="2200" spc="-1" strike="noStrike">
               <a:latin typeface="Arial"/>
             </a:endParaRPr>
           </a:p>
@@ -6199,7 +6067,7 @@
               </a:lnSpc>
               <a:buNone/>
             </a:pPr>
-            <a:endParaRPr b="0" lang="pt-BR" sz="2200" spc="-1" strike="noStrike">
+            <a:endParaRPr b="0" lang="en-US" sz="2200" spc="-1" strike="noStrike">
               <a:latin typeface="Arial"/>
             </a:endParaRPr>
           </a:p>
@@ -6210,7 +6078,7 @@
               </a:lnSpc>
               <a:buNone/>
             </a:pPr>
-            <a:endParaRPr b="0" lang="pt-BR" sz="2200" spc="-1" strike="noStrike">
+            <a:endParaRPr b="0" lang="en-US" sz="2200" spc="-1" strike="noStrike">
               <a:latin typeface="Arial"/>
             </a:endParaRPr>
           </a:p>
@@ -6221,7 +6089,7 @@
               </a:lnSpc>
               <a:buNone/>
             </a:pPr>
-            <a:endParaRPr b="0" lang="pt-BR" sz="2200" spc="-1" strike="noStrike">
+            <a:endParaRPr b="0" lang="en-US" sz="2200" spc="-1" strike="noStrike">
               <a:latin typeface="Arial"/>
             </a:endParaRPr>
           </a:p>
@@ -6232,7 +6100,7 @@
               </a:lnSpc>
               <a:buNone/>
             </a:pPr>
-            <a:endParaRPr b="0" lang="pt-BR" sz="2200" spc="-1" strike="noStrike">
+            <a:endParaRPr b="0" lang="en-US" sz="2200" spc="-1" strike="noStrike">
               <a:latin typeface="Arial"/>
             </a:endParaRPr>
           </a:p>
@@ -6243,7 +6111,7 @@
               </a:lnSpc>
               <a:buNone/>
             </a:pPr>
-            <a:endParaRPr b="0" lang="pt-BR" sz="2200" spc="-1" strike="noStrike">
+            <a:endParaRPr b="0" lang="en-US" sz="2200" spc="-1" strike="noStrike">
               <a:latin typeface="Arial"/>
             </a:endParaRPr>
           </a:p>
@@ -6254,7 +6122,7 @@
               </a:lnSpc>
               <a:buNone/>
             </a:pPr>
-            <a:endParaRPr b="0" lang="pt-BR" sz="2200" spc="-1" strike="noStrike">
+            <a:endParaRPr b="0" lang="en-US" sz="2200" spc="-1" strike="noStrike">
               <a:latin typeface="Arial"/>
             </a:endParaRPr>
           </a:p>
@@ -6299,7 +6167,7 @@
         <p:spPr>
           <a:xfrm>
             <a:off x="360000" y="360000"/>
-            <a:ext cx="9355680" cy="895680"/>
+            <a:ext cx="9355320" cy="895320"/>
           </a:xfrm>
           <a:prstGeom prst="rect">
             <a:avLst/>
@@ -6336,7 +6204,7 @@
               </a:rPr>
               <a:t>Feature Vector</a:t>
             </a:r>
-            <a:endParaRPr b="0" lang="pt-BR" sz="3200" spc="-1" strike="noStrike">
+            <a:endParaRPr b="0" lang="en-US" sz="3200" spc="-1" strike="noStrike">
               <a:latin typeface="Arial"/>
             </a:endParaRPr>
           </a:p>
@@ -6351,7 +6219,7 @@
         <p:spPr>
           <a:xfrm>
             <a:off x="897120" y="6886080"/>
-            <a:ext cx="6442920" cy="360720"/>
+            <a:ext cx="6442560" cy="360360"/>
           </a:xfrm>
           <a:prstGeom prst="rect">
             <a:avLst/>
@@ -6388,7 +6256,7 @@
               </a:rPr>
               <a:t>Computer Vision - Prof. André Hochuli</a:t>
             </a:r>
-            <a:endParaRPr b="0" lang="pt-BR" sz="1800" spc="-1" strike="noStrike">
+            <a:endParaRPr b="0" lang="en-US" sz="1800" spc="-1" strike="noStrike">
               <a:latin typeface="Arial"/>
             </a:endParaRPr>
           </a:p>
@@ -6403,7 +6271,7 @@
         <p:spPr>
           <a:xfrm>
             <a:off x="7608600" y="6886080"/>
-            <a:ext cx="2280960" cy="360720"/>
+            <a:ext cx="2280600" cy="360360"/>
           </a:xfrm>
           <a:prstGeom prst="rect">
             <a:avLst/>
@@ -6450,7 +6318,7 @@
               </a:rPr>
               <a:t> 05</a:t>
             </a:r>
-            <a:endParaRPr b="0" lang="pt-BR" sz="1800" spc="-1" strike="noStrike">
+            <a:endParaRPr b="0" lang="en-US" sz="1800" spc="-1" strike="noStrike">
               <a:latin typeface="Arial"/>
             </a:endParaRPr>
           </a:p>
@@ -6465,7 +6333,7 @@
         <p:spPr>
           <a:xfrm>
             <a:off x="200160" y="1689840"/>
-            <a:ext cx="9515520" cy="1186920"/>
+            <a:ext cx="9515160" cy="1186920"/>
           </a:xfrm>
           <a:prstGeom prst="rect">
             <a:avLst/>
@@ -6506,7 +6374,7 @@
               </a:rPr>
               <a:t>Is the feature vector representative?</a:t>
             </a:r>
-            <a:endParaRPr b="0" lang="pt-BR" sz="1800" spc="-1" strike="noStrike">
+            <a:endParaRPr b="0" lang="en-US" sz="1800" spc="-1" strike="noStrike">
               <a:latin typeface="Arial"/>
             </a:endParaRPr>
           </a:p>
@@ -6517,7 +6385,7 @@
               </a:lnSpc>
               <a:buNone/>
             </a:pPr>
-            <a:endParaRPr b="0" lang="pt-BR" sz="1800" spc="-1" strike="noStrike">
+            <a:endParaRPr b="0" lang="en-US" sz="1800" spc="-1" strike="noStrike">
               <a:latin typeface="Arial"/>
             </a:endParaRPr>
           </a:p>
@@ -6528,7 +6396,7 @@
               </a:lnSpc>
               <a:buNone/>
             </a:pPr>
-            <a:endParaRPr b="0" lang="pt-BR" sz="1800" spc="-1" strike="noStrike">
+            <a:endParaRPr b="0" lang="en-US" sz="1800" spc="-1" strike="noStrike">
               <a:latin typeface="Arial"/>
             </a:endParaRPr>
           </a:p>
@@ -6539,7 +6407,7 @@
               </a:lnSpc>
               <a:buNone/>
             </a:pPr>
-            <a:endParaRPr b="0" lang="pt-BR" sz="1800" spc="-1" strike="noStrike">
+            <a:endParaRPr b="0" lang="en-US" sz="1800" spc="-1" strike="noStrike">
               <a:latin typeface="Arial"/>
             </a:endParaRPr>
           </a:p>
@@ -6558,7 +6426,7 @@
         <p:spPr>
           <a:xfrm>
             <a:off x="2245320" y="3596760"/>
-            <a:ext cx="5094720" cy="3494160"/>
+            <a:ext cx="5094360" cy="3493800"/>
           </a:xfrm>
           <a:prstGeom prst="rect">
             <a:avLst/>
@@ -6581,7 +6449,7 @@
         <p:spPr>
           <a:xfrm>
             <a:off x="707040" y="1867680"/>
-            <a:ext cx="8645400" cy="1591920"/>
+            <a:ext cx="8645040" cy="1591560"/>
           </a:xfrm>
           <a:prstGeom prst="rect">
             <a:avLst/>
@@ -6604,7 +6472,7 @@
         <p:spPr>
           <a:xfrm>
             <a:off x="727560" y="3323880"/>
-            <a:ext cx="8645400" cy="272160"/>
+            <a:ext cx="8645040" cy="271800"/>
           </a:xfrm>
           <a:prstGeom prst="rect">
             <a:avLst/>
@@ -6623,7 +6491,7 @@
         <p:spPr>
           <a:xfrm>
             <a:off x="3891240" y="3240360"/>
-            <a:ext cx="750960" cy="385920"/>
+            <a:ext cx="750600" cy="385560"/>
           </a:xfrm>
           <a:prstGeom prst="rect">
             <a:avLst/>
@@ -6664,7 +6532,7 @@
         <p:spPr>
           <a:xfrm>
             <a:off x="7040880" y="3247200"/>
-            <a:ext cx="750960" cy="385920"/>
+            <a:ext cx="750600" cy="385560"/>
           </a:xfrm>
           <a:prstGeom prst="rect">
             <a:avLst/>
@@ -6705,7 +6573,7 @@
         <p:spPr>
           <a:xfrm>
             <a:off x="7848000" y="3247200"/>
-            <a:ext cx="750960" cy="385920"/>
+            <a:ext cx="750600" cy="385560"/>
           </a:xfrm>
           <a:prstGeom prst="rect">
             <a:avLst/>
@@ -6746,7 +6614,7 @@
         <p:spPr>
           <a:xfrm>
             <a:off x="8641800" y="3247200"/>
-            <a:ext cx="750960" cy="385920"/>
+            <a:ext cx="750600" cy="385560"/>
           </a:xfrm>
           <a:prstGeom prst="rect">
             <a:avLst/>
@@ -6787,7 +6655,7 @@
         <p:spPr>
           <a:xfrm>
             <a:off x="5594040" y="5676480"/>
-            <a:ext cx="750960" cy="385920"/>
+            <a:ext cx="750600" cy="385560"/>
           </a:xfrm>
           <a:prstGeom prst="rect">
             <a:avLst/>
@@ -6828,7 +6696,7 @@
         <p:spPr>
           <a:xfrm>
             <a:off x="4682520" y="3250800"/>
-            <a:ext cx="750960" cy="385920"/>
+            <a:ext cx="750600" cy="385560"/>
           </a:xfrm>
           <a:prstGeom prst="rect">
             <a:avLst/>
@@ -6869,7 +6737,7 @@
         <p:spPr>
           <a:xfrm>
             <a:off x="5466240" y="3250800"/>
-            <a:ext cx="750960" cy="385920"/>
+            <a:ext cx="750600" cy="385560"/>
           </a:xfrm>
           <a:prstGeom prst="rect">
             <a:avLst/>
@@ -6910,7 +6778,7 @@
         <p:spPr>
           <a:xfrm>
             <a:off x="5685480" y="6179760"/>
-            <a:ext cx="750960" cy="385920"/>
+            <a:ext cx="750600" cy="385560"/>
           </a:xfrm>
           <a:prstGeom prst="rect">
             <a:avLst/>
@@ -6951,7 +6819,7 @@
         <p:spPr>
           <a:xfrm>
             <a:off x="7323120" y="5525280"/>
-            <a:ext cx="2081160" cy="363960"/>
+            <a:ext cx="2080800" cy="363960"/>
           </a:xfrm>
           <a:prstGeom prst="rect">
             <a:avLst/>
@@ -6988,7 +6856,7 @@
               </a:rPr>
               <a:t>Non Discriminative</a:t>
             </a:r>
-            <a:endParaRPr b="0" lang="pt-BR" sz="1800" spc="-1" strike="noStrike">
+            <a:endParaRPr b="0" lang="en-US" sz="1800" spc="-1" strike="noStrike">
               <a:latin typeface="Arial"/>
             </a:endParaRPr>
           </a:p>
@@ -7002,8 +6870,8 @@
         </p:nvSpPr>
         <p:spPr>
           <a:xfrm rot="10800000">
-            <a:off x="6773040" y="5870520"/>
-            <a:ext cx="1074960" cy="192600"/>
+            <a:off x="6773400" y="5870880"/>
+            <a:ext cx="1074600" cy="192240"/>
           </a:xfrm>
           <a:prstGeom prst="rightArrow">
             <a:avLst>
@@ -7075,7 +6943,7 @@
         <p:spPr>
           <a:xfrm>
             <a:off x="360000" y="360000"/>
-            <a:ext cx="9355680" cy="895680"/>
+            <a:ext cx="9355320" cy="895320"/>
           </a:xfrm>
           <a:prstGeom prst="rect">
             <a:avLst/>
@@ -7112,7 +6980,7 @@
               </a:rPr>
               <a:t>Feature Engineering</a:t>
             </a:r>
-            <a:endParaRPr b="0" lang="pt-BR" sz="3200" spc="-1" strike="noStrike">
+            <a:endParaRPr b="0" lang="en-US" sz="3200" spc="-1" strike="noStrike">
               <a:latin typeface="Arial"/>
             </a:endParaRPr>
           </a:p>
@@ -7127,7 +6995,7 @@
         <p:spPr>
           <a:xfrm>
             <a:off x="897120" y="6886080"/>
-            <a:ext cx="6442920" cy="360720"/>
+            <a:ext cx="6442560" cy="360360"/>
           </a:xfrm>
           <a:prstGeom prst="rect">
             <a:avLst/>
@@ -7164,7 +7032,7 @@
               </a:rPr>
               <a:t>Computer Vision - Prof. André Hochuli</a:t>
             </a:r>
-            <a:endParaRPr b="0" lang="pt-BR" sz="1800" spc="-1" strike="noStrike">
+            <a:endParaRPr b="0" lang="en-US" sz="1800" spc="-1" strike="noStrike">
               <a:latin typeface="Arial"/>
             </a:endParaRPr>
           </a:p>
@@ -7179,7 +7047,7 @@
         <p:spPr>
           <a:xfrm>
             <a:off x="7608600" y="6886080"/>
-            <a:ext cx="2280960" cy="360720"/>
+            <a:ext cx="2280600" cy="360360"/>
           </a:xfrm>
           <a:prstGeom prst="rect">
             <a:avLst/>
@@ -7226,7 +7094,7 @@
               </a:rPr>
               <a:t> 05</a:t>
             </a:r>
-            <a:endParaRPr b="0" lang="pt-BR" sz="1800" spc="-1" strike="noStrike">
+            <a:endParaRPr b="0" lang="en-US" sz="1800" spc="-1" strike="noStrike">
               <a:latin typeface="Arial"/>
             </a:endParaRPr>
           </a:p>
@@ -7241,7 +7109,7 @@
         <p:spPr>
           <a:xfrm>
             <a:off x="200160" y="1689840"/>
-            <a:ext cx="9515520" cy="2284200"/>
+            <a:ext cx="9515160" cy="2284200"/>
           </a:xfrm>
           <a:prstGeom prst="rect">
             <a:avLst/>
@@ -7282,7 +7150,7 @@
               </a:rPr>
               <a:t>How to produce a discriminative feature space?</a:t>
             </a:r>
-            <a:endParaRPr b="0" lang="pt-BR" sz="1800" spc="-1" strike="noStrike">
+            <a:endParaRPr b="0" lang="en-US" sz="1800" spc="-1" strike="noStrike">
               <a:latin typeface="Arial"/>
             </a:endParaRPr>
           </a:p>
@@ -7293,7 +7161,7 @@
               </a:lnSpc>
               <a:buNone/>
             </a:pPr>
-            <a:endParaRPr b="0" lang="pt-BR" sz="1800" spc="-1" strike="noStrike">
+            <a:endParaRPr b="0" lang="en-US" sz="1800" spc="-1" strike="noStrike">
               <a:latin typeface="Arial"/>
             </a:endParaRPr>
           </a:p>
@@ -7318,7 +7186,7 @@
               </a:rPr>
               <a:t>Features must describe a singular characteristic of the problem for good generalization.</a:t>
             </a:r>
-            <a:endParaRPr b="0" lang="pt-BR" sz="1800" spc="-1" strike="noStrike">
+            <a:endParaRPr b="0" lang="en-US" sz="1800" spc="-1" strike="noStrike">
               <a:latin typeface="Arial"/>
             </a:endParaRPr>
           </a:p>
@@ -7329,7 +7197,7 @@
               </a:lnSpc>
               <a:buNone/>
             </a:pPr>
-            <a:endParaRPr b="0" lang="pt-BR" sz="1800" spc="-1" strike="noStrike">
+            <a:endParaRPr b="0" lang="en-US" sz="1800" spc="-1" strike="noStrike">
               <a:latin typeface="Arial"/>
             </a:endParaRPr>
           </a:p>
@@ -7340,7 +7208,7 @@
               </a:lnSpc>
               <a:buNone/>
             </a:pPr>
-            <a:endParaRPr b="0" lang="pt-BR" sz="1800" spc="-1" strike="noStrike">
+            <a:endParaRPr b="0" lang="en-US" sz="1800" spc="-1" strike="noStrike">
               <a:latin typeface="Arial"/>
             </a:endParaRPr>
           </a:p>
@@ -7351,7 +7219,7 @@
               </a:lnSpc>
               <a:buNone/>
             </a:pPr>
-            <a:endParaRPr b="0" lang="pt-BR" sz="1800" spc="-1" strike="noStrike">
+            <a:endParaRPr b="0" lang="en-US" sz="1800" spc="-1" strike="noStrike">
               <a:latin typeface="Arial"/>
             </a:endParaRPr>
           </a:p>
@@ -7362,7 +7230,7 @@
               </a:lnSpc>
               <a:buNone/>
             </a:pPr>
-            <a:endParaRPr b="0" lang="pt-BR" sz="1800" spc="-1" strike="noStrike">
+            <a:endParaRPr b="0" lang="en-US" sz="1800" spc="-1" strike="noStrike">
               <a:latin typeface="Arial"/>
             </a:endParaRPr>
           </a:p>
@@ -7381,7 +7249,7 @@
         <p:spPr>
           <a:xfrm>
             <a:off x="1500120" y="3444480"/>
-            <a:ext cx="7075080" cy="3031920"/>
+            <a:ext cx="7074720" cy="3031560"/>
           </a:xfrm>
           <a:prstGeom prst="rect">
             <a:avLst/>
@@ -7430,7 +7298,7 @@
         <p:spPr>
           <a:xfrm>
             <a:off x="360000" y="360000"/>
-            <a:ext cx="9355680" cy="895680"/>
+            <a:ext cx="9355320" cy="895320"/>
           </a:xfrm>
           <a:prstGeom prst="rect">
             <a:avLst/>
@@ -7467,7 +7335,7 @@
               </a:rPr>
               <a:t>Image Descriptors</a:t>
             </a:r>
-            <a:endParaRPr b="0" lang="pt-BR" sz="3200" spc="-1" strike="noStrike">
+            <a:endParaRPr b="0" lang="en-US" sz="3200" spc="-1" strike="noStrike">
               <a:latin typeface="Arial"/>
             </a:endParaRPr>
           </a:p>
@@ -7482,7 +7350,7 @@
         <p:spPr>
           <a:xfrm>
             <a:off x="897120" y="6886080"/>
-            <a:ext cx="6442920" cy="360720"/>
+            <a:ext cx="6442560" cy="360360"/>
           </a:xfrm>
           <a:prstGeom prst="rect">
             <a:avLst/>
@@ -7519,7 +7387,7 @@
               </a:rPr>
               <a:t>Computer Vision - Prof. André Hochuli</a:t>
             </a:r>
-            <a:endParaRPr b="0" lang="pt-BR" sz="1800" spc="-1" strike="noStrike">
+            <a:endParaRPr b="0" lang="en-US" sz="1800" spc="-1" strike="noStrike">
               <a:latin typeface="Arial"/>
             </a:endParaRPr>
           </a:p>
@@ -7534,7 +7402,7 @@
         <p:spPr>
           <a:xfrm>
             <a:off x="7608600" y="6886080"/>
-            <a:ext cx="2280960" cy="360720"/>
+            <a:ext cx="2280600" cy="360360"/>
           </a:xfrm>
           <a:prstGeom prst="rect">
             <a:avLst/>
@@ -7581,7 +7449,7 @@
               </a:rPr>
               <a:t> 05</a:t>
             </a:r>
-            <a:endParaRPr b="0" lang="pt-BR" sz="1800" spc="-1" strike="noStrike">
+            <a:endParaRPr b="0" lang="en-US" sz="1800" spc="-1" strike="noStrike">
               <a:latin typeface="Arial"/>
             </a:endParaRPr>
           </a:p>
@@ -7596,7 +7464,7 @@
         <p:spPr>
           <a:xfrm>
             <a:off x="200160" y="1689840"/>
-            <a:ext cx="9515520" cy="2284200"/>
+            <a:ext cx="9515160" cy="2284200"/>
           </a:xfrm>
           <a:prstGeom prst="rect">
             <a:avLst/>
@@ -7637,7 +7505,7 @@
               </a:rPr>
               <a:t>Vertical and Horizontal Projection</a:t>
             </a:r>
-            <a:endParaRPr b="0" lang="pt-BR" sz="1800" spc="-1" strike="noStrike">
+            <a:endParaRPr b="0" lang="en-US" sz="1800" spc="-1" strike="noStrike">
               <a:latin typeface="Arial"/>
             </a:endParaRPr>
           </a:p>
@@ -7648,7 +7516,7 @@
               </a:lnSpc>
               <a:buNone/>
             </a:pPr>
-            <a:endParaRPr b="0" lang="pt-BR" sz="1800" spc="-1" strike="noStrike">
+            <a:endParaRPr b="0" lang="en-US" sz="1800" spc="-1" strike="noStrike">
               <a:latin typeface="Arial"/>
             </a:endParaRPr>
           </a:p>
@@ -7659,7 +7527,7 @@
               </a:lnSpc>
               <a:buNone/>
             </a:pPr>
-            <a:endParaRPr b="0" lang="pt-BR" sz="1800" spc="-1" strike="noStrike">
+            <a:endParaRPr b="0" lang="en-US" sz="1800" spc="-1" strike="noStrike">
               <a:latin typeface="Arial"/>
             </a:endParaRPr>
           </a:p>
@@ -7670,7 +7538,7 @@
               </a:lnSpc>
               <a:buNone/>
             </a:pPr>
-            <a:endParaRPr b="0" lang="pt-BR" sz="1800" spc="-1" strike="noStrike">
+            <a:endParaRPr b="0" lang="en-US" sz="1800" spc="-1" strike="noStrike">
               <a:latin typeface="Arial"/>
             </a:endParaRPr>
           </a:p>
@@ -7681,7 +7549,7 @@
               </a:lnSpc>
               <a:buNone/>
             </a:pPr>
-            <a:endParaRPr b="0" lang="pt-BR" sz="1800" spc="-1" strike="noStrike">
+            <a:endParaRPr b="0" lang="en-US" sz="1800" spc="-1" strike="noStrike">
               <a:latin typeface="Arial"/>
             </a:endParaRPr>
           </a:p>
@@ -7692,7 +7560,7 @@
               </a:lnSpc>
               <a:buNone/>
             </a:pPr>
-            <a:endParaRPr b="0" lang="pt-BR" sz="1800" spc="-1" strike="noStrike">
+            <a:endParaRPr b="0" lang="en-US" sz="1800" spc="-1" strike="noStrike">
               <a:latin typeface="Arial"/>
             </a:endParaRPr>
           </a:p>
@@ -7703,7 +7571,7 @@
               </a:lnSpc>
               <a:buNone/>
             </a:pPr>
-            <a:endParaRPr b="0" lang="pt-BR" sz="1800" spc="-1" strike="noStrike">
+            <a:endParaRPr b="0" lang="en-US" sz="1800" spc="-1" strike="noStrike">
               <a:latin typeface="Arial"/>
             </a:endParaRPr>
           </a:p>
@@ -7714,7 +7582,7 @@
               </a:lnSpc>
               <a:buNone/>
             </a:pPr>
-            <a:endParaRPr b="0" lang="pt-BR" sz="1800" spc="-1" strike="noStrike">
+            <a:endParaRPr b="0" lang="en-US" sz="1800" spc="-1" strike="noStrike">
               <a:latin typeface="Arial"/>
             </a:endParaRPr>
           </a:p>
@@ -7733,7 +7601,7 @@
         <p:spPr>
           <a:xfrm>
             <a:off x="512640" y="2760120"/>
-            <a:ext cx="4444920" cy="1329840"/>
+            <a:ext cx="4444560" cy="1329480"/>
           </a:xfrm>
           <a:prstGeom prst="rect">
             <a:avLst/>
@@ -7756,7 +7624,7 @@
         <p:spPr>
           <a:xfrm>
             <a:off x="5485320" y="2487600"/>
-            <a:ext cx="4082040" cy="2999880"/>
+            <a:ext cx="4081680" cy="2999520"/>
           </a:xfrm>
           <a:prstGeom prst="rect">
             <a:avLst/>
@@ -7775,7 +7643,7 @@
         <p:spPr>
           <a:xfrm>
             <a:off x="4888080" y="3627360"/>
-            <a:ext cx="304200" cy="304200"/>
+            <a:ext cx="303840" cy="303840"/>
           </a:xfrm>
           <a:prstGeom prst="rect">
             <a:avLst/>
@@ -7805,7 +7673,7 @@
         <p:spPr>
           <a:xfrm>
             <a:off x="789840" y="4894920"/>
-            <a:ext cx="3943800" cy="1212120"/>
+            <a:ext cx="3943440" cy="1211760"/>
           </a:xfrm>
           <a:prstGeom prst="rect">
             <a:avLst/>
@@ -7824,7 +7692,7 @@
         <p:spPr>
           <a:xfrm>
             <a:off x="1026000" y="4714200"/>
-            <a:ext cx="183960" cy="368640"/>
+            <a:ext cx="183600" cy="368280"/>
           </a:xfrm>
           <a:prstGeom prst="rect">
             <a:avLst/>
@@ -7880,7 +7748,7 @@
         <p:spPr>
           <a:xfrm>
             <a:off x="360000" y="360000"/>
-            <a:ext cx="9355680" cy="895680"/>
+            <a:ext cx="9355320" cy="895320"/>
           </a:xfrm>
           <a:prstGeom prst="rect">
             <a:avLst/>
@@ -7917,7 +7785,7 @@
               </a:rPr>
               <a:t>Image Descriptors</a:t>
             </a:r>
-            <a:endParaRPr b="0" lang="pt-BR" sz="3200" spc="-1" strike="noStrike">
+            <a:endParaRPr b="0" lang="en-US" sz="3200" spc="-1" strike="noStrike">
               <a:latin typeface="Arial"/>
             </a:endParaRPr>
           </a:p>
@@ -7932,7 +7800,7 @@
         <p:spPr>
           <a:xfrm>
             <a:off x="897120" y="6886080"/>
-            <a:ext cx="6442920" cy="360720"/>
+            <a:ext cx="6442560" cy="360360"/>
           </a:xfrm>
           <a:prstGeom prst="rect">
             <a:avLst/>
@@ -7969,7 +7837,7 @@
               </a:rPr>
               <a:t>Computer Vision - Prof. André Hochuli</a:t>
             </a:r>
-            <a:endParaRPr b="0" lang="pt-BR" sz="1800" spc="-1" strike="noStrike">
+            <a:endParaRPr b="0" lang="en-US" sz="1800" spc="-1" strike="noStrike">
               <a:latin typeface="Arial"/>
             </a:endParaRPr>
           </a:p>
@@ -7984,7 +7852,7 @@
         <p:spPr>
           <a:xfrm>
             <a:off x="7608600" y="6886080"/>
-            <a:ext cx="2280960" cy="360720"/>
+            <a:ext cx="2280600" cy="360360"/>
           </a:xfrm>
           <a:prstGeom prst="rect">
             <a:avLst/>
@@ -8031,7 +7899,7 @@
               </a:rPr>
               <a:t> 05</a:t>
             </a:r>
-            <a:endParaRPr b="0" lang="pt-BR" sz="1800" spc="-1" strike="noStrike">
+            <a:endParaRPr b="0" lang="en-US" sz="1800" spc="-1" strike="noStrike">
               <a:latin typeface="Arial"/>
             </a:endParaRPr>
           </a:p>
@@ -8046,7 +7914,7 @@
         <p:spPr>
           <a:xfrm>
             <a:off x="200160" y="1689840"/>
-            <a:ext cx="9515520" cy="2832840"/>
+            <a:ext cx="9515160" cy="2832840"/>
           </a:xfrm>
           <a:prstGeom prst="rect">
             <a:avLst/>
@@ -8087,7 +7955,7 @@
               </a:rPr>
               <a:t>Vertical and Horizontal Projection</a:t>
             </a:r>
-            <a:endParaRPr b="0" lang="pt-BR" sz="1800" spc="-1" strike="noStrike">
+            <a:endParaRPr b="0" lang="en-US" sz="1800" spc="-1" strike="noStrike">
               <a:latin typeface="Arial"/>
             </a:endParaRPr>
           </a:p>
@@ -8098,7 +7966,7 @@
               </a:lnSpc>
               <a:buNone/>
             </a:pPr>
-            <a:endParaRPr b="0" lang="pt-BR" sz="1800" spc="-1" strike="noStrike">
+            <a:endParaRPr b="0" lang="en-US" sz="1800" spc="-1" strike="noStrike">
               <a:latin typeface="Arial"/>
             </a:endParaRPr>
           </a:p>
@@ -8109,7 +7977,7 @@
               </a:lnSpc>
               <a:buNone/>
             </a:pPr>
-            <a:endParaRPr b="0" lang="pt-BR" sz="1800" spc="-1" strike="noStrike">
+            <a:endParaRPr b="0" lang="en-US" sz="1800" spc="-1" strike="noStrike">
               <a:latin typeface="Arial"/>
             </a:endParaRPr>
           </a:p>
@@ -8120,7 +7988,7 @@
               </a:lnSpc>
               <a:buNone/>
             </a:pPr>
-            <a:endParaRPr b="0" lang="pt-BR" sz="1800" spc="-1" strike="noStrike">
+            <a:endParaRPr b="0" lang="en-US" sz="1800" spc="-1" strike="noStrike">
               <a:latin typeface="Arial"/>
             </a:endParaRPr>
           </a:p>
@@ -8131,7 +7999,7 @@
               </a:lnSpc>
               <a:buNone/>
             </a:pPr>
-            <a:endParaRPr b="0" lang="pt-BR" sz="1800" spc="-1" strike="noStrike">
+            <a:endParaRPr b="0" lang="en-US" sz="1800" spc="-1" strike="noStrike">
               <a:latin typeface="Arial"/>
             </a:endParaRPr>
           </a:p>
@@ -8142,7 +8010,7 @@
               </a:lnSpc>
               <a:buNone/>
             </a:pPr>
-            <a:endParaRPr b="0" lang="pt-BR" sz="1800" spc="-1" strike="noStrike">
+            <a:endParaRPr b="0" lang="en-US" sz="1800" spc="-1" strike="noStrike">
               <a:latin typeface="Arial"/>
             </a:endParaRPr>
           </a:p>
@@ -8153,7 +8021,7 @@
               </a:lnSpc>
               <a:buNone/>
             </a:pPr>
-            <a:endParaRPr b="0" lang="pt-BR" sz="1800" spc="-1" strike="noStrike">
+            <a:endParaRPr b="0" lang="en-US" sz="1800" spc="-1" strike="noStrike">
               <a:latin typeface="Arial"/>
             </a:endParaRPr>
           </a:p>
@@ -8164,7 +8032,7 @@
               </a:lnSpc>
               <a:buNone/>
             </a:pPr>
-            <a:endParaRPr b="0" lang="pt-BR" sz="1800" spc="-1" strike="noStrike">
+            <a:endParaRPr b="0" lang="en-US" sz="1800" spc="-1" strike="noStrike">
               <a:latin typeface="Arial"/>
             </a:endParaRPr>
           </a:p>
@@ -8175,7 +8043,7 @@
               </a:lnSpc>
               <a:buNone/>
             </a:pPr>
-            <a:endParaRPr b="0" lang="pt-BR" sz="1800" spc="-1" strike="noStrike">
+            <a:endParaRPr b="0" lang="en-US" sz="1800" spc="-1" strike="noStrike">
               <a:latin typeface="Arial"/>
             </a:endParaRPr>
           </a:p>
@@ -8186,7 +8054,7 @@
               </a:lnSpc>
               <a:buNone/>
             </a:pPr>
-            <a:endParaRPr b="0" lang="pt-BR" sz="1800" spc="-1" strike="noStrike">
+            <a:endParaRPr b="0" lang="en-US" sz="1800" spc="-1" strike="noStrike">
               <a:latin typeface="Arial"/>
             </a:endParaRPr>
           </a:p>
@@ -8201,7 +8069,7 @@
         <p:spPr>
           <a:xfrm>
             <a:off x="4888080" y="3627360"/>
-            <a:ext cx="304200" cy="304200"/>
+            <a:ext cx="303840" cy="303840"/>
           </a:xfrm>
           <a:prstGeom prst="rect">
             <a:avLst/>
@@ -8227,7 +8095,7 @@
         <p:spPr>
           <a:xfrm>
             <a:off x="1026000" y="4714200"/>
-            <a:ext cx="183960" cy="368640"/>
+            <a:ext cx="183600" cy="368280"/>
           </a:xfrm>
           <a:prstGeom prst="rect">
             <a:avLst/>
@@ -8257,7 +8125,7 @@
         <p:spPr>
           <a:xfrm>
             <a:off x="592920" y="3590280"/>
-            <a:ext cx="4448160" cy="3114720"/>
+            <a:ext cx="4447800" cy="3114360"/>
           </a:xfrm>
           <a:prstGeom prst="rect">
             <a:avLst/>
@@ -8280,7 +8148,7 @@
         <p:spPr>
           <a:xfrm>
             <a:off x="5267520" y="3627360"/>
-            <a:ext cx="4448160" cy="3090240"/>
+            <a:ext cx="4447800" cy="3089880"/>
           </a:xfrm>
           <a:prstGeom prst="rect">
             <a:avLst/>
@@ -8303,7 +8171,7 @@
         <p:spPr>
           <a:xfrm>
             <a:off x="3901320" y="808200"/>
-            <a:ext cx="4185720" cy="2870640"/>
+            <a:ext cx="4185360" cy="2870280"/>
           </a:xfrm>
           <a:prstGeom prst="rect">
             <a:avLst/>
@@ -8352,7 +8220,7 @@
         <p:spPr>
           <a:xfrm>
             <a:off x="360000" y="360000"/>
-            <a:ext cx="9355680" cy="895680"/>
+            <a:ext cx="9355320" cy="895320"/>
           </a:xfrm>
           <a:prstGeom prst="rect">
             <a:avLst/>
@@ -8389,7 +8257,7 @@
               </a:rPr>
               <a:t>Let’s Code!!</a:t>
             </a:r>
-            <a:endParaRPr b="0" lang="pt-BR" sz="3200" spc="-1" strike="noStrike">
+            <a:endParaRPr b="0" lang="en-US" sz="3200" spc="-1" strike="noStrike">
               <a:latin typeface="Arial"/>
             </a:endParaRPr>
           </a:p>
@@ -8404,7 +8272,7 @@
         <p:spPr>
           <a:xfrm>
             <a:off x="897120" y="6886080"/>
-            <a:ext cx="6442920" cy="360720"/>
+            <a:ext cx="6442560" cy="360360"/>
           </a:xfrm>
           <a:prstGeom prst="rect">
             <a:avLst/>
@@ -8441,7 +8309,7 @@
               </a:rPr>
               <a:t>Computer Vision - Prof. André Hochuli</a:t>
             </a:r>
-            <a:endParaRPr b="0" lang="pt-BR" sz="1800" spc="-1" strike="noStrike">
+            <a:endParaRPr b="0" lang="en-US" sz="1800" spc="-1" strike="noStrike">
               <a:latin typeface="Arial"/>
             </a:endParaRPr>
           </a:p>
@@ -8456,7 +8324,7 @@
         <p:spPr>
           <a:xfrm>
             <a:off x="7608600" y="6886080"/>
-            <a:ext cx="2280960" cy="360720"/>
+            <a:ext cx="2280600" cy="360360"/>
           </a:xfrm>
           <a:prstGeom prst="rect">
             <a:avLst/>
@@ -8503,7 +8371,7 @@
               </a:rPr>
               <a:t> 05</a:t>
             </a:r>
-            <a:endParaRPr b="0" lang="pt-BR" sz="1800" spc="-1" strike="noStrike">
+            <a:endParaRPr b="0" lang="en-US" sz="1800" spc="-1" strike="noStrike">
               <a:latin typeface="Arial"/>
             </a:endParaRPr>
           </a:p>
@@ -8518,7 +8386,7 @@
         <p:spPr>
           <a:xfrm>
             <a:off x="200160" y="1689840"/>
-            <a:ext cx="9515520" cy="638280"/>
+            <a:ext cx="9515160" cy="638280"/>
           </a:xfrm>
           <a:prstGeom prst="rect">
             <a:avLst/>
@@ -8561,7 +8429,7 @@
               </a:rPr>
               <a:t>Link </a:t>
             </a:r>
-            <a:endParaRPr b="0" lang="pt-BR" sz="1800" spc="-1" strike="noStrike">
+            <a:endParaRPr b="0" lang="en-US" sz="1800" spc="-1" strike="noStrike">
               <a:latin typeface="Arial"/>
             </a:endParaRPr>
           </a:p>
@@ -8572,7 +8440,7 @@
               </a:lnSpc>
               <a:buNone/>
             </a:pPr>
-            <a:endParaRPr b="0" lang="pt-BR" sz="1800" spc="-1" strike="noStrike">
+            <a:endParaRPr b="0" lang="en-US" sz="1800" spc="-1" strike="noStrike">
               <a:latin typeface="Arial"/>
             </a:endParaRPr>
           </a:p>
@@ -8587,7 +8455,7 @@
         <p:spPr>
           <a:xfrm>
             <a:off x="4888080" y="3627360"/>
-            <a:ext cx="304200" cy="304200"/>
+            <a:ext cx="303840" cy="303840"/>
           </a:xfrm>
           <a:prstGeom prst="rect">
             <a:avLst/>
@@ -8613,7 +8481,7 @@
         <p:spPr>
           <a:xfrm>
             <a:off x="1026000" y="4714200"/>
-            <a:ext cx="183960" cy="368640"/>
+            <a:ext cx="183600" cy="368280"/>
           </a:xfrm>
           <a:prstGeom prst="rect">
             <a:avLst/>
@@ -8629,427 +8497,6 @@
           <a:effectRef idx="0"/>
           <a:fontRef idx="minor"/>
         </p:style>
-      </p:sp>
-    </p:spTree>
-  </p:cSld>
-  <mc:AlternateContent>
-    <mc:Choice Requires="p14">
-      <p:transition spd="slow" p14:dur="2000"/>
-    </mc:Choice>
-    <mc:Fallback>
-      <p:transition spd="slow"/>
-    </mc:Fallback>
-  </mc:AlternateContent>
-</p:sld>
-</file>
-
-<file path=ppt/slides/slide15.xml><?xml version="1.0" encoding="utf-8"?>
-<p:sld xmlns:a="http://schemas.openxmlformats.org/drawingml/2006/main" xmlns:p="http://schemas.openxmlformats.org/presentationml/2006/main" xmlns:r="http://schemas.openxmlformats.org/officeDocument/2006/relationships" xmlns:p14="http://schemas.microsoft.com/office/powerpoint/2010/main" xmlns:p15="http://schemas.microsoft.com/office/powerpoint/2012/main" xmlns:mc="http://schemas.openxmlformats.org/markup-compatibility/2006">
-  <p:cSld>
-    <p:spTree>
-      <p:nvGrpSpPr>
-        <p:cNvPr id="1" name=""/>
-        <p:cNvGrpSpPr/>
-        <p:nvPr/>
-      </p:nvGrpSpPr>
-      <p:grpSpPr>
-        <a:xfrm>
-          <a:off x="0" y="0"/>
-          <a:ext cx="0" cy="0"/>
-          <a:chOff x="0" y="0"/>
-          <a:chExt cx="0" cy="0"/>
-        </a:xfrm>
-      </p:grpSpPr>
-      <p:sp>
-        <p:nvSpPr>
-          <p:cNvPr id="216" name="CustomShape 1"/>
-          <p:cNvSpPr/>
-          <p:nvPr/>
-        </p:nvSpPr>
-        <p:spPr>
-          <a:xfrm>
-            <a:off x="360000" y="360000"/>
-            <a:ext cx="9355680" cy="895680"/>
-          </a:xfrm>
-          <a:prstGeom prst="rect">
-            <a:avLst/>
-          </a:prstGeom>
-          <a:noFill/>
-          <a:ln w="0">
-            <a:noFill/>
-          </a:ln>
-        </p:spPr>
-        <p:style>
-          <a:lnRef idx="0"/>
-          <a:fillRef idx="0"/>
-          <a:effectRef idx="0"/>
-          <a:fontRef idx="minor"/>
-        </p:style>
-        <p:txBody>
-          <a:bodyPr lIns="0" rIns="0" tIns="0" bIns="0" anchor="b">
-            <a:noAutofit/>
-          </a:bodyPr>
-          <a:p>
-            <a:pPr>
-              <a:lnSpc>
-                <a:spcPct val="100000"/>
-              </a:lnSpc>
-              <a:buNone/>
-            </a:pPr>
-            <a:r>
-              <a:rPr b="1" lang="en-US" sz="3200" spc="-1" strike="noStrike">
-                <a:solidFill>
-                  <a:srgbClr val="ffffff"/>
-                </a:solidFill>
-                <a:latin typeface="Latin Modern Sans"/>
-                <a:ea typeface="DejaVu Sans"/>
-              </a:rPr>
-              <a:t>Didactic Quality Questionnaire</a:t>
-            </a:r>
-            <a:endParaRPr b="0" lang="pt-BR" sz="3200" spc="-1" strike="noStrike">
-              <a:latin typeface="Arial"/>
-            </a:endParaRPr>
-          </a:p>
-        </p:txBody>
-      </p:sp>
-      <p:sp>
-        <p:nvSpPr>
-          <p:cNvPr id="217" name="CustomShape 2"/>
-          <p:cNvSpPr/>
-          <p:nvPr/>
-        </p:nvSpPr>
-        <p:spPr>
-          <a:xfrm>
-            <a:off x="897120" y="6886080"/>
-            <a:ext cx="6442920" cy="360720"/>
-          </a:xfrm>
-          <a:prstGeom prst="rect">
-            <a:avLst/>
-          </a:prstGeom>
-          <a:noFill/>
-          <a:ln w="0">
-            <a:noFill/>
-          </a:ln>
-        </p:spPr>
-        <p:style>
-          <a:lnRef idx="0"/>
-          <a:fillRef idx="0"/>
-          <a:effectRef idx="0"/>
-          <a:fontRef idx="minor"/>
-        </p:style>
-        <p:txBody>
-          <a:bodyPr lIns="90000" rIns="90000" tIns="45000" bIns="45000" anchor="t">
-            <a:noAutofit/>
-          </a:bodyPr>
-          <a:p>
-            <a:pPr>
-              <a:lnSpc>
-                <a:spcPct val="100000"/>
-              </a:lnSpc>
-              <a:buNone/>
-            </a:pPr>
-            <a:r>
-              <a:rPr b="0" lang="pt-BR" sz="1800" spc="-1" strike="noStrike">
-                <a:solidFill>
-                  <a:srgbClr val="000000"/>
-                </a:solidFill>
-                <a:latin typeface="Arial"/>
-                <a:ea typeface="DejaVu Sans"/>
-              </a:rPr>
-              <a:t>Computer Vision - Prof. André Hochuli</a:t>
-            </a:r>
-            <a:endParaRPr b="0" lang="pt-BR" sz="1800" spc="-1" strike="noStrike">
-              <a:latin typeface="Arial"/>
-            </a:endParaRPr>
-          </a:p>
-        </p:txBody>
-      </p:sp>
-      <p:sp>
-        <p:nvSpPr>
-          <p:cNvPr id="218" name="CustomShape 3"/>
-          <p:cNvSpPr/>
-          <p:nvPr/>
-        </p:nvSpPr>
-        <p:spPr>
-          <a:xfrm>
-            <a:off x="7608600" y="6886080"/>
-            <a:ext cx="2280960" cy="360720"/>
-          </a:xfrm>
-          <a:prstGeom prst="rect">
-            <a:avLst/>
-          </a:prstGeom>
-          <a:noFill/>
-          <a:ln w="0">
-            <a:noFill/>
-          </a:ln>
-        </p:spPr>
-        <p:style>
-          <a:lnRef idx="0"/>
-          <a:fillRef idx="0"/>
-          <a:effectRef idx="0"/>
-          <a:fontRef idx="minor"/>
-        </p:style>
-        <p:txBody>
-          <a:bodyPr lIns="90000" rIns="90000" tIns="45000" bIns="45000" anchor="t">
-            <a:noAutofit/>
-          </a:bodyPr>
-          <a:p>
-            <a:pPr>
-              <a:lnSpc>
-                <a:spcPct val="100000"/>
-              </a:lnSpc>
-              <a:buNone/>
-            </a:pPr>
-            <a:r>
-              <a:rPr b="0" lang="en-US" sz="1800" spc="-1" strike="noStrike">
-                <a:solidFill>
-                  <a:srgbClr val="000000"/>
-                </a:solidFill>
-                <a:latin typeface="Arial"/>
-                <a:ea typeface="DejaVu Sans"/>
-              </a:rPr>
-              <a:t>Lecture</a:t>
-            </a:r>
-            <a:r>
-              <a:rPr b="0" lang="pt-BR" sz="1800" spc="-1" strike="noStrike">
-                <a:solidFill>
-                  <a:srgbClr val="000000"/>
-                </a:solidFill>
-                <a:latin typeface="Arial"/>
-                <a:ea typeface="DejaVu Sans"/>
-              </a:rPr>
-              <a:t> 05</a:t>
-            </a:r>
-            <a:endParaRPr b="0" lang="pt-BR" sz="1800" spc="-1" strike="noStrike">
-              <a:latin typeface="Arial"/>
-            </a:endParaRPr>
-          </a:p>
-        </p:txBody>
-      </p:sp>
-      <p:sp>
-        <p:nvSpPr>
-          <p:cNvPr id="219" name="CaixaDeTexto 1"/>
-          <p:cNvSpPr/>
-          <p:nvPr/>
-        </p:nvSpPr>
-        <p:spPr>
-          <a:xfrm>
-            <a:off x="200160" y="1673640"/>
-            <a:ext cx="9515520" cy="1461240"/>
-          </a:xfrm>
-          <a:prstGeom prst="rect">
-            <a:avLst/>
-          </a:prstGeom>
-          <a:noFill/>
-          <a:ln w="0">
-            <a:noFill/>
-          </a:ln>
-        </p:spPr>
-        <p:style>
-          <a:lnRef idx="0"/>
-          <a:fillRef idx="0"/>
-          <a:effectRef idx="0"/>
-          <a:fontRef idx="minor"/>
-        </p:style>
-        <p:txBody>
-          <a:bodyPr lIns="90000" rIns="90000" tIns="45000" bIns="45000" anchor="t">
-            <a:spAutoFit/>
-          </a:bodyPr>
-          <a:p>
-            <a:pPr marL="285840" indent="-285840">
-              <a:lnSpc>
-                <a:spcPct val="100000"/>
-              </a:lnSpc>
-              <a:buClr>
-                <a:srgbClr val="000000"/>
-              </a:buClr>
-              <a:buFont typeface="Arial"/>
-              <a:buChar char="•"/>
-            </a:pPr>
-            <a:r>
-              <a:rPr b="0" lang="en-US" sz="1800" spc="-1" strike="noStrike">
-                <a:solidFill>
-                  <a:srgbClr val="000000"/>
-                </a:solidFill>
-                <a:latin typeface="Calibri"/>
-                <a:ea typeface="DejaVu Sans"/>
-              </a:rPr>
-              <a:t>Let me know your thoughts about</a:t>
-            </a:r>
-            <a:endParaRPr b="0" lang="pt-BR" sz="1800" spc="-1" strike="noStrike">
-              <a:latin typeface="Arial"/>
-            </a:endParaRPr>
-          </a:p>
-          <a:p>
-            <a:pPr lvl="1" marL="743040" indent="-285840">
-              <a:lnSpc>
-                <a:spcPct val="100000"/>
-              </a:lnSpc>
-              <a:buClr>
-                <a:srgbClr val="000000"/>
-              </a:buClr>
-              <a:buFont typeface="Arial"/>
-              <a:buChar char="•"/>
-            </a:pPr>
-            <a:r>
-              <a:rPr b="0" lang="en-US" sz="1800" spc="-1" strike="noStrike">
-                <a:solidFill>
-                  <a:srgbClr val="000000"/>
-                </a:solidFill>
-                <a:latin typeface="Calibri"/>
-                <a:ea typeface="DejaVu Sans"/>
-              </a:rPr>
-              <a:t>Lectures, Didactic, Materials and Professor</a:t>
-            </a:r>
-            <a:endParaRPr b="0" lang="pt-BR" sz="1800" spc="-1" strike="noStrike">
-              <a:latin typeface="Arial"/>
-            </a:endParaRPr>
-          </a:p>
-          <a:p>
-            <a:pPr marL="457200">
-              <a:lnSpc>
-                <a:spcPct val="100000"/>
-              </a:lnSpc>
-              <a:buNone/>
-            </a:pPr>
-            <a:endParaRPr b="0" lang="pt-BR" sz="1800" spc="-1" strike="noStrike">
-              <a:latin typeface="Arial"/>
-            </a:endParaRPr>
-          </a:p>
-          <a:p>
-            <a:pPr marL="457200">
-              <a:lnSpc>
-                <a:spcPct val="100000"/>
-              </a:lnSpc>
-              <a:buNone/>
-            </a:pPr>
-            <a:endParaRPr b="0" lang="pt-BR" sz="1800" spc="-1" strike="noStrike">
-              <a:latin typeface="Arial"/>
-            </a:endParaRPr>
-          </a:p>
-          <a:p>
-            <a:pPr marL="457200">
-              <a:lnSpc>
-                <a:spcPct val="100000"/>
-              </a:lnSpc>
-              <a:buNone/>
-            </a:pPr>
-            <a:endParaRPr b="0" lang="pt-BR" sz="1800" spc="-1" strike="noStrike">
-              <a:latin typeface="Arial"/>
-            </a:endParaRPr>
-          </a:p>
-        </p:txBody>
-      </p:sp>
-      <p:sp>
-        <p:nvSpPr>
-          <p:cNvPr id="220" name="AutoShape 12"/>
-          <p:cNvSpPr/>
-          <p:nvPr/>
-        </p:nvSpPr>
-        <p:spPr>
-          <a:xfrm>
-            <a:off x="4888080" y="3627360"/>
-            <a:ext cx="304200" cy="304200"/>
-          </a:xfrm>
-          <a:prstGeom prst="rect">
-            <a:avLst/>
-          </a:prstGeom>
-          <a:noFill/>
-          <a:ln w="0">
-            <a:noFill/>
-          </a:ln>
-        </p:spPr>
-        <p:style>
-          <a:lnRef idx="0"/>
-          <a:fillRef idx="0"/>
-          <a:effectRef idx="0"/>
-          <a:fontRef idx="minor"/>
-        </p:style>
-      </p:sp>
-      <p:sp>
-        <p:nvSpPr>
-          <p:cNvPr id="221" name="CaixaDeTexto 13"/>
-          <p:cNvSpPr/>
-          <p:nvPr/>
-        </p:nvSpPr>
-        <p:spPr>
-          <a:xfrm>
-            <a:off x="1026000" y="4714200"/>
-            <a:ext cx="183960" cy="368640"/>
-          </a:xfrm>
-          <a:prstGeom prst="rect">
-            <a:avLst/>
-          </a:prstGeom>
-          <a:noFill/>
-          <a:ln w="0">
-            <a:noFill/>
-          </a:ln>
-        </p:spPr>
-        <p:style>
-          <a:lnRef idx="0"/>
-          <a:fillRef idx="0"/>
-          <a:effectRef idx="0"/>
-          <a:fontRef idx="minor"/>
-        </p:style>
-      </p:sp>
-      <p:pic>
-        <p:nvPicPr>
-          <p:cNvPr id="222" name="" descr=""/>
-          <p:cNvPicPr/>
-          <p:nvPr/>
-        </p:nvPicPr>
-        <p:blipFill>
-          <a:blip r:embed="rId1"/>
-          <a:stretch/>
-        </p:blipFill>
-        <p:spPr>
-          <a:xfrm>
-            <a:off x="3278160" y="2675160"/>
-            <a:ext cx="3246480" cy="3246480"/>
-          </a:xfrm>
-          <a:prstGeom prst="rect">
-            <a:avLst/>
-          </a:prstGeom>
-          <a:ln w="0">
-            <a:noFill/>
-          </a:ln>
-        </p:spPr>
-      </p:pic>
-      <p:sp>
-        <p:nvSpPr>
-          <p:cNvPr id="223" name=""/>
-          <p:cNvSpPr txBox="1"/>
-          <p:nvPr/>
-        </p:nvSpPr>
-        <p:spPr>
-          <a:xfrm>
-            <a:off x="3040920" y="6203160"/>
-            <a:ext cx="4114080" cy="346680"/>
-          </a:xfrm>
-          <a:prstGeom prst="rect">
-            <a:avLst/>
-          </a:prstGeom>
-          <a:noFill/>
-          <a:ln w="0">
-            <a:noFill/>
-          </a:ln>
-        </p:spPr>
-        <p:txBody>
-          <a:bodyPr lIns="90000" rIns="90000" tIns="45000" bIns="45000" anchor="t">
-            <a:noAutofit/>
-          </a:bodyPr>
-          <a:p>
-            <a:r>
-              <a:rPr b="0" lang="pt-BR" sz="1800" spc="-1" strike="noStrike">
-                <a:latin typeface="Arial"/>
-              </a:rPr>
-              <a:t>https://forms.office.com/r/yK53Mf9W0L</a:t>
-            </a:r>
-            <a:endParaRPr b="0" lang="pt-BR" sz="1800" spc="-1" strike="noStrike">
-              <a:latin typeface="Arial"/>
-            </a:endParaRPr>
-          </a:p>
-        </p:txBody>
       </p:sp>
     </p:spTree>
   </p:cSld>
@@ -9090,7 +8537,7 @@
         <p:spPr>
           <a:xfrm>
             <a:off x="360000" y="360000"/>
-            <a:ext cx="9355680" cy="895680"/>
+            <a:ext cx="9355320" cy="895320"/>
           </a:xfrm>
           <a:prstGeom prst="rect">
             <a:avLst/>
@@ -9127,7 +8574,7 @@
               </a:rPr>
               <a:t>Topics</a:t>
             </a:r>
-            <a:endParaRPr b="0" lang="pt-BR" sz="3200" spc="-1" strike="noStrike">
+            <a:endParaRPr b="0" lang="en-US" sz="3200" spc="-1" strike="noStrike">
               <a:latin typeface="Arial"/>
             </a:endParaRPr>
           </a:p>
@@ -9142,7 +8589,7 @@
         <p:spPr>
           <a:xfrm>
             <a:off x="897120" y="6886080"/>
-            <a:ext cx="6442920" cy="360720"/>
+            <a:ext cx="6442560" cy="360360"/>
           </a:xfrm>
           <a:prstGeom prst="rect">
             <a:avLst/>
@@ -9179,7 +8626,7 @@
               </a:rPr>
               <a:t>Computer Vision - Prof. André Hochuli</a:t>
             </a:r>
-            <a:endParaRPr b="0" lang="pt-BR" sz="1800" spc="-1" strike="noStrike">
+            <a:endParaRPr b="0" lang="en-US" sz="1800" spc="-1" strike="noStrike">
               <a:latin typeface="Arial"/>
             </a:endParaRPr>
           </a:p>
@@ -9194,7 +8641,7 @@
         <p:spPr>
           <a:xfrm>
             <a:off x="7608600" y="6886080"/>
-            <a:ext cx="2280960" cy="360720"/>
+            <a:ext cx="2280600" cy="360360"/>
           </a:xfrm>
           <a:prstGeom prst="rect">
             <a:avLst/>
@@ -9241,7 +8688,7 @@
               </a:rPr>
               <a:t> 05</a:t>
             </a:r>
-            <a:endParaRPr b="0" lang="pt-BR" sz="1800" spc="-1" strike="noStrike">
+            <a:endParaRPr b="0" lang="en-US" sz="1800" spc="-1" strike="noStrike">
               <a:latin typeface="Arial"/>
             </a:endParaRPr>
           </a:p>
@@ -9256,7 +8703,7 @@
         <p:spPr>
           <a:xfrm>
             <a:off x="360000" y="1980000"/>
-            <a:ext cx="9175680" cy="4675680"/>
+            <a:ext cx="9175320" cy="4675320"/>
           </a:xfrm>
           <a:prstGeom prst="rect">
             <a:avLst/>
@@ -9301,7 +8748,7 @@
               </a:rPr>
               <a:t>Discussion of PJBL #01</a:t>
             </a:r>
-            <a:endParaRPr b="0" lang="pt-BR" sz="2000" spc="-1" strike="noStrike">
+            <a:endParaRPr b="0" lang="en-US" sz="2000" spc="-1" strike="noStrike">
               <a:latin typeface="Arial"/>
             </a:endParaRPr>
           </a:p>
@@ -9330,7 +8777,7 @@
               </a:rPr>
               <a:t>Feature Extraction</a:t>
             </a:r>
-            <a:endParaRPr b="0" lang="pt-BR" sz="2000" spc="-1" strike="noStrike">
+            <a:endParaRPr b="0" lang="en-US" sz="2000" spc="-1" strike="noStrike">
               <a:latin typeface="Arial"/>
             </a:endParaRPr>
           </a:p>
@@ -9359,7 +8806,7 @@
               </a:rPr>
               <a:t>Feature Vector</a:t>
             </a:r>
-            <a:endParaRPr b="0" lang="pt-BR" sz="2000" spc="-1" strike="noStrike">
+            <a:endParaRPr b="0" lang="en-US" sz="2000" spc="-1" strike="noStrike">
               <a:latin typeface="Arial"/>
             </a:endParaRPr>
           </a:p>
@@ -9388,7 +8835,7 @@
               </a:rPr>
               <a:t>Feature Space</a:t>
             </a:r>
-            <a:endParaRPr b="0" lang="pt-BR" sz="2000" spc="-1" strike="noStrike">
+            <a:endParaRPr b="0" lang="en-US" sz="2000" spc="-1" strike="noStrike">
               <a:latin typeface="Arial"/>
             </a:endParaRPr>
           </a:p>
@@ -9417,7 +8864,7 @@
               </a:rPr>
               <a:t>Feature Engineering</a:t>
             </a:r>
-            <a:endParaRPr b="0" lang="pt-BR" sz="2000" spc="-1" strike="noStrike">
+            <a:endParaRPr b="0" lang="en-US" sz="2000" spc="-1" strike="noStrike">
               <a:latin typeface="Arial"/>
             </a:endParaRPr>
           </a:p>
@@ -9446,7 +8893,7 @@
               </a:rPr>
               <a:t>Image Descriptors</a:t>
             </a:r>
-            <a:endParaRPr b="0" lang="pt-BR" sz="2000" spc="-1" strike="noStrike">
+            <a:endParaRPr b="0" lang="en-US" sz="2000" spc="-1" strike="noStrike">
               <a:latin typeface="Arial"/>
             </a:endParaRPr>
           </a:p>
@@ -9485,7 +8932,7 @@
               </a:rPr>
               <a:t>	</a:t>
             </a:r>
-            <a:endParaRPr b="0" lang="pt-BR" sz="2000" spc="-1" strike="noStrike">
+            <a:endParaRPr b="0" lang="en-US" sz="2000" spc="-1" strike="noStrike">
               <a:latin typeface="Arial"/>
             </a:endParaRPr>
           </a:p>
@@ -9514,7 +8961,7 @@
               </a:rPr>
               <a:t>Practice</a:t>
             </a:r>
-            <a:endParaRPr b="0" lang="pt-BR" sz="2000" spc="-1" strike="noStrike">
+            <a:endParaRPr b="0" lang="en-US" sz="2000" spc="-1" strike="noStrike">
               <a:latin typeface="Arial"/>
             </a:endParaRPr>
           </a:p>
@@ -9533,7 +8980,7 @@
         <p:spPr>
           <a:xfrm>
             <a:off x="2124000" y="4627440"/>
-            <a:ext cx="6219360" cy="2104200"/>
+            <a:ext cx="6219000" cy="2103840"/>
           </a:xfrm>
           <a:prstGeom prst="rect">
             <a:avLst/>
@@ -9552,7 +8999,7 @@
         <p:spPr>
           <a:xfrm>
             <a:off x="2124000" y="6444000"/>
-            <a:ext cx="233640" cy="233640"/>
+            <a:ext cx="233280" cy="233280"/>
           </a:xfrm>
           <a:prstGeom prst="ellipse">
             <a:avLst/>
@@ -9582,7 +9029,7 @@
         <p:spPr>
           <a:xfrm>
             <a:off x="2592360" y="6444360"/>
-            <a:ext cx="233640" cy="233640"/>
+            <a:ext cx="233280" cy="233280"/>
           </a:xfrm>
           <a:prstGeom prst="ellipse">
             <a:avLst/>
@@ -9612,7 +9059,7 @@
         <p:spPr>
           <a:xfrm>
             <a:off x="3024720" y="6444720"/>
-            <a:ext cx="233640" cy="233640"/>
+            <a:ext cx="233280" cy="233280"/>
           </a:xfrm>
           <a:prstGeom prst="ellipse">
             <a:avLst/>
@@ -9642,7 +9089,7 @@
         <p:spPr>
           <a:xfrm>
             <a:off x="3834000" y="6480000"/>
-            <a:ext cx="233640" cy="233640"/>
+            <a:ext cx="233280" cy="233280"/>
           </a:xfrm>
           <a:prstGeom prst="ellipse">
             <a:avLst/>
@@ -9702,7 +9149,7 @@
         <p:spPr>
           <a:xfrm>
             <a:off x="360000" y="360000"/>
-            <a:ext cx="9355680" cy="895680"/>
+            <a:ext cx="9355320" cy="895320"/>
           </a:xfrm>
           <a:prstGeom prst="rect">
             <a:avLst/>
@@ -9739,7 +9186,7 @@
               </a:rPr>
               <a:t>Computer Vision &amp; Pattern Recognition Pipeline</a:t>
             </a:r>
-            <a:endParaRPr b="0" lang="pt-BR" sz="3200" spc="-1" strike="noStrike">
+            <a:endParaRPr b="0" lang="en-US" sz="3200" spc="-1" strike="noStrike">
               <a:latin typeface="Arial"/>
             </a:endParaRPr>
           </a:p>
@@ -9754,7 +9201,7 @@
         <p:spPr>
           <a:xfrm>
             <a:off x="897120" y="6886080"/>
-            <a:ext cx="6442920" cy="360720"/>
+            <a:ext cx="6442560" cy="360360"/>
           </a:xfrm>
           <a:prstGeom prst="rect">
             <a:avLst/>
@@ -9791,7 +9238,7 @@
               </a:rPr>
               <a:t>Computer Vision - Prof. André Hochuli</a:t>
             </a:r>
-            <a:endParaRPr b="0" lang="pt-BR" sz="1800" spc="-1" strike="noStrike">
+            <a:endParaRPr b="0" lang="en-US" sz="1800" spc="-1" strike="noStrike">
               <a:latin typeface="Arial"/>
             </a:endParaRPr>
           </a:p>
@@ -9806,7 +9253,7 @@
         <p:spPr>
           <a:xfrm>
             <a:off x="7608600" y="6886080"/>
-            <a:ext cx="2280960" cy="360720"/>
+            <a:ext cx="2280600" cy="360360"/>
           </a:xfrm>
           <a:prstGeom prst="rect">
             <a:avLst/>
@@ -9853,7 +9300,7 @@
               </a:rPr>
               <a:t> 05</a:t>
             </a:r>
-            <a:endParaRPr b="0" lang="pt-BR" sz="1800" spc="-1" strike="noStrike">
+            <a:endParaRPr b="0" lang="en-US" sz="1800" spc="-1" strike="noStrike">
               <a:latin typeface="Arial"/>
             </a:endParaRPr>
           </a:p>
@@ -9872,7 +9319,7 @@
         <p:spPr>
           <a:xfrm>
             <a:off x="546480" y="2473560"/>
-            <a:ext cx="8982720" cy="2433960"/>
+            <a:ext cx="8982360" cy="2433600"/>
           </a:xfrm>
           <a:prstGeom prst="rect">
             <a:avLst/>
@@ -9891,7 +9338,7 @@
         <p:spPr>
           <a:xfrm>
             <a:off x="546480" y="3098880"/>
-            <a:ext cx="4319640" cy="1401480"/>
+            <a:ext cx="4319280" cy="1401120"/>
           </a:xfrm>
           <a:prstGeom prst="rect">
             <a:avLst/>
@@ -9962,7 +9409,7 @@
         <p:spPr>
           <a:xfrm>
             <a:off x="360000" y="360000"/>
-            <a:ext cx="9355680" cy="895680"/>
+            <a:ext cx="9355320" cy="895320"/>
           </a:xfrm>
           <a:prstGeom prst="rect">
             <a:avLst/>
@@ -9999,7 +9446,7 @@
               </a:rPr>
               <a:t>Feature Extraction</a:t>
             </a:r>
-            <a:endParaRPr b="0" lang="pt-BR" sz="3200" spc="-1" strike="noStrike">
+            <a:endParaRPr b="0" lang="en-US" sz="3200" spc="-1" strike="noStrike">
               <a:latin typeface="Arial"/>
             </a:endParaRPr>
           </a:p>
@@ -10014,7 +9461,7 @@
         <p:spPr>
           <a:xfrm>
             <a:off x="897120" y="6886080"/>
-            <a:ext cx="6442920" cy="360720"/>
+            <a:ext cx="6442560" cy="360360"/>
           </a:xfrm>
           <a:prstGeom prst="rect">
             <a:avLst/>
@@ -10051,7 +9498,7 @@
               </a:rPr>
               <a:t>Computer Vision - Prof. André Hochuli</a:t>
             </a:r>
-            <a:endParaRPr b="0" lang="pt-BR" sz="1800" spc="-1" strike="noStrike">
+            <a:endParaRPr b="0" lang="en-US" sz="1800" spc="-1" strike="noStrike">
               <a:latin typeface="Arial"/>
             </a:endParaRPr>
           </a:p>
@@ -10066,7 +9513,7 @@
         <p:spPr>
           <a:xfrm>
             <a:off x="7608600" y="6886080"/>
-            <a:ext cx="2280960" cy="360720"/>
+            <a:ext cx="2280600" cy="360360"/>
           </a:xfrm>
           <a:prstGeom prst="rect">
             <a:avLst/>
@@ -10113,7 +9560,7 @@
               </a:rPr>
               <a:t> 05</a:t>
             </a:r>
-            <a:endParaRPr b="0" lang="pt-BR" sz="1800" spc="-1" strike="noStrike">
+            <a:endParaRPr b="0" lang="en-US" sz="1800" spc="-1" strike="noStrike">
               <a:latin typeface="Arial"/>
             </a:endParaRPr>
           </a:p>
@@ -10128,7 +9575,7 @@
         <p:spPr>
           <a:xfrm>
             <a:off x="200160" y="1689840"/>
-            <a:ext cx="9515520" cy="2009880"/>
+            <a:ext cx="9515160" cy="2284200"/>
           </a:xfrm>
           <a:prstGeom prst="rect">
             <a:avLst/>
@@ -10167,9 +9614,9 @@
                 <a:latin typeface="Calibri"/>
                 <a:ea typeface="DejaVu Sans"/>
               </a:rPr>
-              <a:t>A feature descriptor translates high-dimensional data to a feature space</a:t>
+              <a:t>A feature descriptor translates high-dimensional data to a a low dimension feature space</a:t>
             </a:r>
-            <a:endParaRPr b="0" lang="pt-BR" sz="1800" spc="-1" strike="noStrike">
+            <a:endParaRPr b="0" lang="en-US" sz="1800" spc="-1" strike="noStrike">
               <a:latin typeface="Arial"/>
             </a:endParaRPr>
           </a:p>
@@ -10180,7 +9627,7 @@
               </a:lnSpc>
               <a:buNone/>
             </a:pPr>
-            <a:endParaRPr b="0" lang="pt-BR" sz="1800" spc="-1" strike="noStrike">
+            <a:endParaRPr b="0" lang="en-US" sz="1800" spc="-1" strike="noStrike">
               <a:latin typeface="Arial"/>
             </a:endParaRPr>
           </a:p>
@@ -10205,7 +9652,7 @@
               </a:rPr>
               <a:t>A feature vector represents the input data produced by the feature descriptor</a:t>
             </a:r>
-            <a:endParaRPr b="0" lang="pt-BR" sz="1800" spc="-1" strike="noStrike">
+            <a:endParaRPr b="0" lang="en-US" sz="1800" spc="-1" strike="noStrike">
               <a:latin typeface="Arial"/>
             </a:endParaRPr>
           </a:p>
@@ -10216,7 +9663,7 @@
               </a:lnSpc>
               <a:buNone/>
             </a:pPr>
-            <a:endParaRPr b="0" lang="pt-BR" sz="1800" spc="-1" strike="noStrike">
+            <a:endParaRPr b="0" lang="en-US" sz="1800" spc="-1" strike="noStrike">
               <a:latin typeface="Arial"/>
             </a:endParaRPr>
           </a:p>
@@ -10241,7 +9688,7 @@
               </a:rPr>
               <a:t>Later, a machine learning model will learn the representations</a:t>
             </a:r>
-            <a:endParaRPr b="0" lang="pt-BR" sz="1800" spc="-1" strike="noStrike">
+            <a:endParaRPr b="0" lang="en-US" sz="1800" spc="-1" strike="noStrike">
               <a:latin typeface="Arial"/>
             </a:endParaRPr>
           </a:p>
@@ -10252,7 +9699,7 @@
               </a:lnSpc>
               <a:buNone/>
             </a:pPr>
-            <a:endParaRPr b="0" lang="pt-BR" sz="1800" spc="-1" strike="noStrike">
+            <a:endParaRPr b="0" lang="en-US" sz="1800" spc="-1" strike="noStrike">
               <a:latin typeface="Arial"/>
             </a:endParaRPr>
           </a:p>
@@ -10263,7 +9710,7 @@
               </a:lnSpc>
               <a:buNone/>
             </a:pPr>
-            <a:endParaRPr b="0" lang="pt-BR" sz="1800" spc="-1" strike="noStrike">
+            <a:endParaRPr b="0" lang="en-US" sz="1800" spc="-1" strike="noStrike">
               <a:latin typeface="Arial"/>
             </a:endParaRPr>
           </a:p>
@@ -10282,7 +9729,7 @@
         <p:spPr>
           <a:xfrm>
             <a:off x="1738800" y="3416400"/>
-            <a:ext cx="6598440" cy="950040"/>
+            <a:ext cx="6598080" cy="949680"/>
           </a:xfrm>
           <a:prstGeom prst="rect">
             <a:avLst/>
@@ -10305,7 +9752,7 @@
         <p:spPr>
           <a:xfrm>
             <a:off x="464040" y="4828320"/>
-            <a:ext cx="3988440" cy="1588320"/>
+            <a:ext cx="3988080" cy="1587960"/>
           </a:xfrm>
           <a:prstGeom prst="rect">
             <a:avLst/>
@@ -10328,7 +9775,7 @@
         <p:spPr>
           <a:xfrm>
             <a:off x="5410800" y="5667120"/>
-            <a:ext cx="3119040" cy="929520"/>
+            <a:ext cx="3118680" cy="929160"/>
           </a:xfrm>
           <a:prstGeom prst="rect">
             <a:avLst/>
@@ -10351,7 +9798,7 @@
         <p:spPr>
           <a:xfrm>
             <a:off x="4836600" y="4413240"/>
-            <a:ext cx="4612680" cy="1026360"/>
+            <a:ext cx="4612320" cy="1026000"/>
           </a:xfrm>
           <a:prstGeom prst="rect">
             <a:avLst/>
@@ -10400,7 +9847,7 @@
         <p:spPr>
           <a:xfrm>
             <a:off x="360000" y="360000"/>
-            <a:ext cx="9355680" cy="895680"/>
+            <a:ext cx="9355320" cy="895320"/>
           </a:xfrm>
           <a:prstGeom prst="rect">
             <a:avLst/>
@@ -10437,7 +9884,7 @@
               </a:rPr>
               <a:t>Feature Extraction</a:t>
             </a:r>
-            <a:endParaRPr b="0" lang="pt-BR" sz="3200" spc="-1" strike="noStrike">
+            <a:endParaRPr b="0" lang="en-US" sz="3200" spc="-1" strike="noStrike">
               <a:latin typeface="Arial"/>
             </a:endParaRPr>
           </a:p>
@@ -10452,7 +9899,7 @@
         <p:spPr>
           <a:xfrm>
             <a:off x="897120" y="6886080"/>
-            <a:ext cx="6442920" cy="360720"/>
+            <a:ext cx="6442560" cy="360360"/>
           </a:xfrm>
           <a:prstGeom prst="rect">
             <a:avLst/>
@@ -10489,7 +9936,7 @@
               </a:rPr>
               <a:t>Computer Vision - Prof. André Hochuli</a:t>
             </a:r>
-            <a:endParaRPr b="0" lang="pt-BR" sz="1800" spc="-1" strike="noStrike">
+            <a:endParaRPr b="0" lang="en-US" sz="1800" spc="-1" strike="noStrike">
               <a:latin typeface="Arial"/>
             </a:endParaRPr>
           </a:p>
@@ -10504,7 +9951,7 @@
         <p:spPr>
           <a:xfrm>
             <a:off x="7608600" y="6886080"/>
-            <a:ext cx="2280960" cy="360720"/>
+            <a:ext cx="2280600" cy="360360"/>
           </a:xfrm>
           <a:prstGeom prst="rect">
             <a:avLst/>
@@ -10551,7 +9998,7 @@
               </a:rPr>
               <a:t> 05</a:t>
             </a:r>
-            <a:endParaRPr b="0" lang="pt-BR" sz="1800" spc="-1" strike="noStrike">
+            <a:endParaRPr b="0" lang="en-US" sz="1800" spc="-1" strike="noStrike">
               <a:latin typeface="Arial"/>
             </a:endParaRPr>
           </a:p>
@@ -10566,7 +10013,7 @@
         <p:spPr>
           <a:xfrm>
             <a:off x="200160" y="1689840"/>
-            <a:ext cx="9515520" cy="1461240"/>
+            <a:ext cx="9515160" cy="1461240"/>
           </a:xfrm>
           <a:prstGeom prst="rect">
             <a:avLst/>
@@ -10607,7 +10054,7 @@
               </a:rPr>
               <a:t>Let's represent our image by its size, so an image I that belongs to class X is represented by:</a:t>
             </a:r>
-            <a:endParaRPr b="0" lang="pt-BR" sz="1800" spc="-1" strike="noStrike">
+            <a:endParaRPr b="0" lang="en-US" sz="1800" spc="-1" strike="noStrike">
               <a:latin typeface="Arial"/>
             </a:endParaRPr>
           </a:p>
@@ -10632,7 +10079,7 @@
               </a:rPr>
               <a:t>f(I,X) = [I.width,I.heigth,X]</a:t>
             </a:r>
-            <a:endParaRPr b="0" lang="pt-BR" sz="1800" spc="-1" strike="noStrike">
+            <a:endParaRPr b="0" lang="en-US" sz="1800" spc="-1" strike="noStrike">
               <a:latin typeface="Arial"/>
             </a:endParaRPr>
           </a:p>
@@ -10643,7 +10090,7 @@
               </a:lnSpc>
               <a:buNone/>
             </a:pPr>
-            <a:endParaRPr b="0" lang="pt-BR" sz="1800" spc="-1" strike="noStrike">
+            <a:endParaRPr b="0" lang="en-US" sz="1800" spc="-1" strike="noStrike">
               <a:latin typeface="Arial"/>
             </a:endParaRPr>
           </a:p>
@@ -10654,7 +10101,7 @@
               </a:lnSpc>
               <a:buNone/>
             </a:pPr>
-            <a:endParaRPr b="0" lang="pt-BR" sz="1800" spc="-1" strike="noStrike">
+            <a:endParaRPr b="0" lang="en-US" sz="1800" spc="-1" strike="noStrike">
               <a:latin typeface="Arial"/>
             </a:endParaRPr>
           </a:p>
@@ -10673,7 +10120,7 @@
         <p:spPr>
           <a:xfrm>
             <a:off x="579240" y="2892240"/>
-            <a:ext cx="8645400" cy="1591920"/>
+            <a:ext cx="8645040" cy="1591560"/>
           </a:xfrm>
           <a:prstGeom prst="rect">
             <a:avLst/>
@@ -10696,7 +10143,7 @@
         <p:spPr>
           <a:xfrm>
             <a:off x="635400" y="5467680"/>
-            <a:ext cx="8645400" cy="272160"/>
+            <a:ext cx="8645040" cy="271800"/>
           </a:xfrm>
           <a:prstGeom prst="rect">
             <a:avLst/>
@@ -10715,7 +10162,7 @@
         <p:spPr>
           <a:xfrm>
             <a:off x="897120" y="4484880"/>
-            <a:ext cx="197280" cy="889200"/>
+            <a:ext cx="196920" cy="888840"/>
           </a:xfrm>
           <a:prstGeom prst="downArrow">
             <a:avLst>
@@ -10757,7 +10204,7 @@
         <p:spPr>
           <a:xfrm>
             <a:off x="1699920" y="4484880"/>
-            <a:ext cx="197280" cy="889200"/>
+            <a:ext cx="196920" cy="888840"/>
           </a:xfrm>
           <a:prstGeom prst="downArrow">
             <a:avLst>
@@ -10799,7 +10246,7 @@
         <p:spPr>
           <a:xfrm>
             <a:off x="2502360" y="4484880"/>
-            <a:ext cx="197280" cy="889200"/>
+            <a:ext cx="196920" cy="888840"/>
           </a:xfrm>
           <a:prstGeom prst="downArrow">
             <a:avLst>
@@ -10841,7 +10288,7 @@
         <p:spPr>
           <a:xfrm>
             <a:off x="3305160" y="4484880"/>
-            <a:ext cx="197280" cy="889200"/>
+            <a:ext cx="196920" cy="888840"/>
           </a:xfrm>
           <a:prstGeom prst="downArrow">
             <a:avLst>
@@ -10883,7 +10330,7 @@
         <p:spPr>
           <a:xfrm>
             <a:off x="4039560" y="4484880"/>
-            <a:ext cx="197280" cy="889200"/>
+            <a:ext cx="196920" cy="888840"/>
           </a:xfrm>
           <a:prstGeom prst="downArrow">
             <a:avLst>
@@ -10925,7 +10372,7 @@
         <p:spPr>
           <a:xfrm>
             <a:off x="4842360" y="4484880"/>
-            <a:ext cx="197280" cy="889200"/>
+            <a:ext cx="196920" cy="888840"/>
           </a:xfrm>
           <a:prstGeom prst="downArrow">
             <a:avLst>
@@ -10967,7 +10414,7 @@
         <p:spPr>
           <a:xfrm>
             <a:off x="5644800" y="4484880"/>
-            <a:ext cx="197280" cy="889200"/>
+            <a:ext cx="196920" cy="888840"/>
           </a:xfrm>
           <a:prstGeom prst="downArrow">
             <a:avLst>
@@ -11009,7 +10456,7 @@
         <p:spPr>
           <a:xfrm>
             <a:off x="6447600" y="4484880"/>
-            <a:ext cx="197280" cy="889200"/>
+            <a:ext cx="196920" cy="888840"/>
           </a:xfrm>
           <a:prstGeom prst="downArrow">
             <a:avLst>
@@ -11051,7 +10498,7 @@
         <p:spPr>
           <a:xfrm>
             <a:off x="7151040" y="4471920"/>
-            <a:ext cx="197280" cy="889200"/>
+            <a:ext cx="196920" cy="888840"/>
           </a:xfrm>
           <a:prstGeom prst="downArrow">
             <a:avLst>
@@ -11093,7 +10540,7 @@
         <p:spPr>
           <a:xfrm>
             <a:off x="7953840" y="4471920"/>
-            <a:ext cx="197280" cy="889200"/>
+            <a:ext cx="196920" cy="888840"/>
           </a:xfrm>
           <a:prstGeom prst="downArrow">
             <a:avLst>
@@ -11135,7 +10582,7 @@
         <p:spPr>
           <a:xfrm>
             <a:off x="8756280" y="4471920"/>
-            <a:ext cx="197280" cy="889200"/>
+            <a:ext cx="196920" cy="888840"/>
           </a:xfrm>
           <a:prstGeom prst="downArrow">
             <a:avLst>
@@ -11207,7 +10654,7 @@
         <p:spPr>
           <a:xfrm>
             <a:off x="360000" y="360000"/>
-            <a:ext cx="9355680" cy="895680"/>
+            <a:ext cx="9355320" cy="895320"/>
           </a:xfrm>
           <a:prstGeom prst="rect">
             <a:avLst/>
@@ -11244,7 +10691,7 @@
               </a:rPr>
               <a:t>Feature Vector</a:t>
             </a:r>
-            <a:endParaRPr b="0" lang="pt-BR" sz="3200" spc="-1" strike="noStrike">
+            <a:endParaRPr b="0" lang="en-US" sz="3200" spc="-1" strike="noStrike">
               <a:latin typeface="Arial"/>
             </a:endParaRPr>
           </a:p>
@@ -11259,7 +10706,7 @@
         <p:spPr>
           <a:xfrm>
             <a:off x="897120" y="6886080"/>
-            <a:ext cx="6442920" cy="360720"/>
+            <a:ext cx="6442560" cy="360360"/>
           </a:xfrm>
           <a:prstGeom prst="rect">
             <a:avLst/>
@@ -11296,7 +10743,7 @@
               </a:rPr>
               <a:t>Computer Vision - Prof. André Hochuli</a:t>
             </a:r>
-            <a:endParaRPr b="0" lang="pt-BR" sz="1800" spc="-1" strike="noStrike">
+            <a:endParaRPr b="0" lang="en-US" sz="1800" spc="-1" strike="noStrike">
               <a:latin typeface="Arial"/>
             </a:endParaRPr>
           </a:p>
@@ -11311,7 +10758,7 @@
         <p:spPr>
           <a:xfrm>
             <a:off x="7608600" y="6886080"/>
-            <a:ext cx="2280960" cy="360720"/>
+            <a:ext cx="2280600" cy="360360"/>
           </a:xfrm>
           <a:prstGeom prst="rect">
             <a:avLst/>
@@ -11358,7 +10805,7 @@
               </a:rPr>
               <a:t> 05</a:t>
             </a:r>
-            <a:endParaRPr b="0" lang="pt-BR" sz="1800" spc="-1" strike="noStrike">
+            <a:endParaRPr b="0" lang="en-US" sz="1800" spc="-1" strike="noStrike">
               <a:latin typeface="Arial"/>
             </a:endParaRPr>
           </a:p>
@@ -11373,7 +10820,7 @@
         <p:spPr>
           <a:xfrm>
             <a:off x="200160" y="1689840"/>
-            <a:ext cx="9515520" cy="363960"/>
+            <a:ext cx="9515160" cy="363960"/>
           </a:xfrm>
           <a:prstGeom prst="rect">
             <a:avLst/>
@@ -11414,7 +10861,7 @@
               </a:rPr>
               <a:t>Is the feature vector representative?</a:t>
             </a:r>
-            <a:endParaRPr b="0" lang="pt-BR" sz="1800" spc="-1" strike="noStrike">
+            <a:endParaRPr b="0" lang="en-US" sz="1800" spc="-1" strike="noStrike">
               <a:latin typeface="Arial"/>
             </a:endParaRPr>
           </a:p>
@@ -11433,7 +10880,7 @@
         <p:spPr>
           <a:xfrm>
             <a:off x="2245320" y="3596760"/>
-            <a:ext cx="5094720" cy="3494160"/>
+            <a:ext cx="5094360" cy="3493800"/>
           </a:xfrm>
           <a:prstGeom prst="rect">
             <a:avLst/>
@@ -11456,7 +10903,7 @@
         <p:spPr>
           <a:xfrm>
             <a:off x="707040" y="1867680"/>
-            <a:ext cx="8645400" cy="1591920"/>
+            <a:ext cx="8645040" cy="1591560"/>
           </a:xfrm>
           <a:prstGeom prst="rect">
             <a:avLst/>
@@ -11479,7 +10926,7 @@
         <p:spPr>
           <a:xfrm>
             <a:off x="727560" y="3323880"/>
-            <a:ext cx="8645400" cy="272160"/>
+            <a:ext cx="8645040" cy="271800"/>
           </a:xfrm>
           <a:prstGeom prst="rect">
             <a:avLst/>
@@ -11502,7 +10949,7 @@
         <p:spPr>
           <a:xfrm>
             <a:off x="6436800" y="3702960"/>
-            <a:ext cx="742320" cy="266040"/>
+            <a:ext cx="741960" cy="265680"/>
           </a:xfrm>
           <a:prstGeom prst="rect">
             <a:avLst/>
@@ -11525,7 +10972,7 @@
         <p:spPr>
           <a:xfrm>
             <a:off x="4691880" y="6028560"/>
-            <a:ext cx="675720" cy="256320"/>
+            <a:ext cx="675360" cy="255960"/>
           </a:xfrm>
           <a:prstGeom prst="rect">
             <a:avLst/>
@@ -11574,7 +11021,7 @@
         <p:spPr>
           <a:xfrm>
             <a:off x="360000" y="360000"/>
-            <a:ext cx="9355680" cy="895680"/>
+            <a:ext cx="9355320" cy="895320"/>
           </a:xfrm>
           <a:prstGeom prst="rect">
             <a:avLst/>
@@ -11611,7 +11058,7 @@
               </a:rPr>
               <a:t>Feature Vector</a:t>
             </a:r>
-            <a:endParaRPr b="0" lang="pt-BR" sz="3200" spc="-1" strike="noStrike">
+            <a:endParaRPr b="0" lang="en-US" sz="3200" spc="-1" strike="noStrike">
               <a:latin typeface="Arial"/>
             </a:endParaRPr>
           </a:p>
@@ -11626,7 +11073,7 @@
         <p:spPr>
           <a:xfrm>
             <a:off x="897120" y="6886080"/>
-            <a:ext cx="6442920" cy="360720"/>
+            <a:ext cx="6442560" cy="360360"/>
           </a:xfrm>
           <a:prstGeom prst="rect">
             <a:avLst/>
@@ -11663,7 +11110,7 @@
               </a:rPr>
               <a:t>Computer Vision - Prof. André Hochuli</a:t>
             </a:r>
-            <a:endParaRPr b="0" lang="pt-BR" sz="1800" spc="-1" strike="noStrike">
+            <a:endParaRPr b="0" lang="en-US" sz="1800" spc="-1" strike="noStrike">
               <a:latin typeface="Arial"/>
             </a:endParaRPr>
           </a:p>
@@ -11678,7 +11125,7 @@
         <p:spPr>
           <a:xfrm>
             <a:off x="7608600" y="6886080"/>
-            <a:ext cx="2280960" cy="360720"/>
+            <a:ext cx="2280600" cy="360360"/>
           </a:xfrm>
           <a:prstGeom prst="rect">
             <a:avLst/>
@@ -11725,7 +11172,7 @@
               </a:rPr>
               <a:t> 05</a:t>
             </a:r>
-            <a:endParaRPr b="0" lang="pt-BR" sz="1800" spc="-1" strike="noStrike">
+            <a:endParaRPr b="0" lang="en-US" sz="1800" spc="-1" strike="noStrike">
               <a:latin typeface="Arial"/>
             </a:endParaRPr>
           </a:p>
@@ -11740,7 +11187,7 @@
         <p:spPr>
           <a:xfrm>
             <a:off x="200160" y="1689840"/>
-            <a:ext cx="9515520" cy="363960"/>
+            <a:ext cx="9515160" cy="363960"/>
           </a:xfrm>
           <a:prstGeom prst="rect">
             <a:avLst/>
@@ -11781,7 +11228,7 @@
               </a:rPr>
               <a:t>Is the feature vector representative?</a:t>
             </a:r>
-            <a:endParaRPr b="0" lang="pt-BR" sz="1800" spc="-1" strike="noStrike">
+            <a:endParaRPr b="0" lang="en-US" sz="1800" spc="-1" strike="noStrike">
               <a:latin typeface="Arial"/>
             </a:endParaRPr>
           </a:p>
@@ -11800,7 +11247,7 @@
         <p:spPr>
           <a:xfrm>
             <a:off x="2245320" y="3596760"/>
-            <a:ext cx="5094720" cy="3494160"/>
+            <a:ext cx="5094360" cy="3493800"/>
           </a:xfrm>
           <a:prstGeom prst="rect">
             <a:avLst/>
@@ -11823,7 +11270,7 @@
         <p:spPr>
           <a:xfrm>
             <a:off x="707040" y="1867680"/>
-            <a:ext cx="8645400" cy="1591920"/>
+            <a:ext cx="8645040" cy="1591560"/>
           </a:xfrm>
           <a:prstGeom prst="rect">
             <a:avLst/>
@@ -11846,7 +11293,7 @@
         <p:spPr>
           <a:xfrm>
             <a:off x="727560" y="3323880"/>
-            <a:ext cx="8645400" cy="272160"/>
+            <a:ext cx="8645040" cy="271800"/>
           </a:xfrm>
           <a:prstGeom prst="rect">
             <a:avLst/>
@@ -11869,7 +11316,7 @@
         <p:spPr>
           <a:xfrm>
             <a:off x="6436800" y="3702960"/>
-            <a:ext cx="742320" cy="266040"/>
+            <a:ext cx="741960" cy="265680"/>
           </a:xfrm>
           <a:prstGeom prst="rect">
             <a:avLst/>
@@ -11892,7 +11339,7 @@
         <p:spPr>
           <a:xfrm>
             <a:off x="5932080" y="5432040"/>
-            <a:ext cx="694800" cy="275400"/>
+            <a:ext cx="694440" cy="275040"/>
           </a:xfrm>
           <a:prstGeom prst="rect">
             <a:avLst/>
@@ -11915,7 +11362,7 @@
         <p:spPr>
           <a:xfrm>
             <a:off x="4691880" y="6028560"/>
-            <a:ext cx="675720" cy="256320"/>
+            <a:ext cx="675360" cy="255960"/>
           </a:xfrm>
           <a:prstGeom prst="rect">
             <a:avLst/>
@@ -11964,7 +11411,7 @@
         <p:spPr>
           <a:xfrm>
             <a:off x="360000" y="360000"/>
-            <a:ext cx="9355680" cy="895680"/>
+            <a:ext cx="9355320" cy="895320"/>
           </a:xfrm>
           <a:prstGeom prst="rect">
             <a:avLst/>
@@ -12001,7 +11448,7 @@
               </a:rPr>
               <a:t>Feature Vector</a:t>
             </a:r>
-            <a:endParaRPr b="0" lang="pt-BR" sz="3200" spc="-1" strike="noStrike">
+            <a:endParaRPr b="0" lang="en-US" sz="3200" spc="-1" strike="noStrike">
               <a:latin typeface="Arial"/>
             </a:endParaRPr>
           </a:p>
@@ -12016,7 +11463,7 @@
         <p:spPr>
           <a:xfrm>
             <a:off x="897120" y="6886080"/>
-            <a:ext cx="6442920" cy="360720"/>
+            <a:ext cx="6442560" cy="360360"/>
           </a:xfrm>
           <a:prstGeom prst="rect">
             <a:avLst/>
@@ -12053,7 +11500,7 @@
               </a:rPr>
               <a:t>Computer Vision - Prof. André Hochuli</a:t>
             </a:r>
-            <a:endParaRPr b="0" lang="pt-BR" sz="1800" spc="-1" strike="noStrike">
+            <a:endParaRPr b="0" lang="en-US" sz="1800" spc="-1" strike="noStrike">
               <a:latin typeface="Arial"/>
             </a:endParaRPr>
           </a:p>
@@ -12068,7 +11515,7 @@
         <p:spPr>
           <a:xfrm>
             <a:off x="7608600" y="6886080"/>
-            <a:ext cx="2280960" cy="360720"/>
+            <a:ext cx="2280600" cy="360360"/>
           </a:xfrm>
           <a:prstGeom prst="rect">
             <a:avLst/>
@@ -12115,7 +11562,7 @@
               </a:rPr>
               <a:t> 05</a:t>
             </a:r>
-            <a:endParaRPr b="0" lang="pt-BR" sz="1800" spc="-1" strike="noStrike">
+            <a:endParaRPr b="0" lang="en-US" sz="1800" spc="-1" strike="noStrike">
               <a:latin typeface="Arial"/>
             </a:endParaRPr>
           </a:p>
@@ -12130,7 +11577,7 @@
         <p:spPr>
           <a:xfrm>
             <a:off x="200160" y="1689840"/>
-            <a:ext cx="9515520" cy="363960"/>
+            <a:ext cx="9515160" cy="363960"/>
           </a:xfrm>
           <a:prstGeom prst="rect">
             <a:avLst/>
@@ -12171,7 +11618,7 @@
               </a:rPr>
               <a:t>Is the feature vector representative?</a:t>
             </a:r>
-            <a:endParaRPr b="0" lang="pt-BR" sz="1800" spc="-1" strike="noStrike">
+            <a:endParaRPr b="0" lang="en-US" sz="1800" spc="-1" strike="noStrike">
               <a:latin typeface="Arial"/>
             </a:endParaRPr>
           </a:p>
@@ -12190,7 +11637,7 @@
         <p:spPr>
           <a:xfrm>
             <a:off x="2245320" y="3596760"/>
-            <a:ext cx="5094720" cy="3494160"/>
+            <a:ext cx="5094360" cy="3493800"/>
           </a:xfrm>
           <a:prstGeom prst="rect">
             <a:avLst/>
@@ -12213,7 +11660,7 @@
         <p:spPr>
           <a:xfrm>
             <a:off x="707040" y="1867680"/>
-            <a:ext cx="8645400" cy="1591920"/>
+            <a:ext cx="8645040" cy="1591560"/>
           </a:xfrm>
           <a:prstGeom prst="rect">
             <a:avLst/>
@@ -12236,7 +11683,7 @@
         <p:spPr>
           <a:xfrm>
             <a:off x="727560" y="3323880"/>
-            <a:ext cx="8645400" cy="272160"/>
+            <a:ext cx="8645040" cy="271800"/>
           </a:xfrm>
           <a:prstGeom prst="rect">
             <a:avLst/>
@@ -12259,7 +11706,7 @@
         <p:spPr>
           <a:xfrm>
             <a:off x="6436800" y="3702960"/>
-            <a:ext cx="742320" cy="266040"/>
+            <a:ext cx="741960" cy="265680"/>
           </a:xfrm>
           <a:prstGeom prst="rect">
             <a:avLst/>
@@ -12282,7 +11729,7 @@
         <p:spPr>
           <a:xfrm>
             <a:off x="5932080" y="5432040"/>
-            <a:ext cx="694800" cy="275400"/>
+            <a:ext cx="694440" cy="275040"/>
           </a:xfrm>
           <a:prstGeom prst="rect">
             <a:avLst/>
@@ -12305,7 +11752,7 @@
         <p:spPr>
           <a:xfrm>
             <a:off x="4691880" y="6028560"/>
-            <a:ext cx="675720" cy="256320"/>
+            <a:ext cx="675360" cy="255960"/>
           </a:xfrm>
           <a:prstGeom prst="rect">
             <a:avLst/>
@@ -12328,7 +11775,7 @@
         <p:spPr>
           <a:xfrm>
             <a:off x="5953320" y="5275800"/>
-            <a:ext cx="656640" cy="199440"/>
+            <a:ext cx="656280" cy="199080"/>
           </a:xfrm>
           <a:prstGeom prst="rect">
             <a:avLst/>
@@ -12377,7 +11824,7 @@
         <p:spPr>
           <a:xfrm>
             <a:off x="360000" y="360000"/>
-            <a:ext cx="9355680" cy="895680"/>
+            <a:ext cx="9355320" cy="895320"/>
           </a:xfrm>
           <a:prstGeom prst="rect">
             <a:avLst/>
@@ -12414,7 +11861,7 @@
               </a:rPr>
               <a:t>Feature Vector</a:t>
             </a:r>
-            <a:endParaRPr b="0" lang="pt-BR" sz="3200" spc="-1" strike="noStrike">
+            <a:endParaRPr b="0" lang="en-US" sz="3200" spc="-1" strike="noStrike">
               <a:latin typeface="Arial"/>
             </a:endParaRPr>
           </a:p>
@@ -12429,7 +11876,7 @@
         <p:spPr>
           <a:xfrm>
             <a:off x="897120" y="6886080"/>
-            <a:ext cx="6442920" cy="360720"/>
+            <a:ext cx="6442560" cy="360360"/>
           </a:xfrm>
           <a:prstGeom prst="rect">
             <a:avLst/>
@@ -12466,7 +11913,7 @@
               </a:rPr>
               <a:t>Computer Vision - Prof. André Hochuli</a:t>
             </a:r>
-            <a:endParaRPr b="0" lang="pt-BR" sz="1800" spc="-1" strike="noStrike">
+            <a:endParaRPr b="0" lang="en-US" sz="1800" spc="-1" strike="noStrike">
               <a:latin typeface="Arial"/>
             </a:endParaRPr>
           </a:p>
@@ -12481,7 +11928,7 @@
         <p:spPr>
           <a:xfrm>
             <a:off x="7608600" y="6886080"/>
-            <a:ext cx="2280960" cy="360720"/>
+            <a:ext cx="2280600" cy="360360"/>
           </a:xfrm>
           <a:prstGeom prst="rect">
             <a:avLst/>
@@ -12528,7 +11975,7 @@
               </a:rPr>
               <a:t> 05</a:t>
             </a:r>
-            <a:endParaRPr b="0" lang="pt-BR" sz="1800" spc="-1" strike="noStrike">
+            <a:endParaRPr b="0" lang="en-US" sz="1800" spc="-1" strike="noStrike">
               <a:latin typeface="Arial"/>
             </a:endParaRPr>
           </a:p>
@@ -12543,7 +11990,7 @@
         <p:spPr>
           <a:xfrm>
             <a:off x="200160" y="1689840"/>
-            <a:ext cx="9515520" cy="363960"/>
+            <a:ext cx="9515160" cy="363960"/>
           </a:xfrm>
           <a:prstGeom prst="rect">
             <a:avLst/>
@@ -12584,7 +12031,7 @@
               </a:rPr>
               <a:t>Is the feature vector representative?</a:t>
             </a:r>
-            <a:endParaRPr b="0" lang="pt-BR" sz="1800" spc="-1" strike="noStrike">
+            <a:endParaRPr b="0" lang="en-US" sz="1800" spc="-1" strike="noStrike">
               <a:latin typeface="Arial"/>
             </a:endParaRPr>
           </a:p>
@@ -12603,7 +12050,7 @@
         <p:spPr>
           <a:xfrm>
             <a:off x="2245320" y="3596760"/>
-            <a:ext cx="5094720" cy="3494160"/>
+            <a:ext cx="5094360" cy="3493800"/>
           </a:xfrm>
           <a:prstGeom prst="rect">
             <a:avLst/>
@@ -12626,7 +12073,7 @@
         <p:spPr>
           <a:xfrm>
             <a:off x="707040" y="1867680"/>
-            <a:ext cx="8645400" cy="1591920"/>
+            <a:ext cx="8645040" cy="1591560"/>
           </a:xfrm>
           <a:prstGeom prst="rect">
             <a:avLst/>
@@ -12649,7 +12096,7 @@
         <p:spPr>
           <a:xfrm>
             <a:off x="727560" y="3323880"/>
-            <a:ext cx="8645400" cy="272160"/>
+            <a:ext cx="8645040" cy="271800"/>
           </a:xfrm>
           <a:prstGeom prst="rect">
             <a:avLst/>
@@ -12672,7 +12119,7 @@
         <p:spPr>
           <a:xfrm>
             <a:off x="6436800" y="3702960"/>
-            <a:ext cx="742320" cy="266040"/>
+            <a:ext cx="741960" cy="265680"/>
           </a:xfrm>
           <a:prstGeom prst="rect">
             <a:avLst/>
@@ -12695,7 +12142,7 @@
         <p:spPr>
           <a:xfrm>
             <a:off x="5932080" y="5432040"/>
-            <a:ext cx="694800" cy="275400"/>
+            <a:ext cx="694440" cy="275040"/>
           </a:xfrm>
           <a:prstGeom prst="rect">
             <a:avLst/>
@@ -12718,7 +12165,7 @@
         <p:spPr>
           <a:xfrm>
             <a:off x="4691880" y="6028560"/>
-            <a:ext cx="675720" cy="256320"/>
+            <a:ext cx="675360" cy="255960"/>
           </a:xfrm>
           <a:prstGeom prst="rect">
             <a:avLst/>
@@ -12741,7 +12188,7 @@
         <p:spPr>
           <a:xfrm>
             <a:off x="5953320" y="5275800"/>
-            <a:ext cx="656640" cy="199440"/>
+            <a:ext cx="656280" cy="199080"/>
           </a:xfrm>
           <a:prstGeom prst="rect">
             <a:avLst/>
@@ -12764,7 +12211,7 @@
         <p:spPr>
           <a:xfrm>
             <a:off x="5933160" y="5075640"/>
-            <a:ext cx="685080" cy="199440"/>
+            <a:ext cx="684720" cy="199080"/>
           </a:xfrm>
           <a:prstGeom prst="rect">
             <a:avLst/>

--- a/ComputerVision/Lecture 05 - Feature Extraction/Lecture 05 - Feature Extraction.pptx
+++ b/ComputerVision/Lecture 05 - Feature Extraction/Lecture 05 - Feature Extraction.pptx
@@ -306,7 +306,7 @@
             <a:pPr algn="r">
               <a:buNone/>
             </a:pPr>
-            <a:fld id="{80E60BCB-6502-4F39-9678-E923DBFAC04A}" type="slidenum">
+            <a:fld id="{E25F5E77-01ED-4822-A809-9FB8F7B93D9E}" type="slidenum">
               <a:rPr b="0" lang="en-US" sz="1400" spc="-1" strike="noStrike">
                 <a:latin typeface="Times New Roman"/>
               </a:rPr>
@@ -354,7 +354,7 @@
         <p:spPr>
           <a:xfrm>
             <a:off x="1376280" y="1336680"/>
-            <a:ext cx="4802760" cy="3602520"/>
+            <a:ext cx="4802400" cy="3602160"/>
           </a:xfrm>
           <a:prstGeom prst="rect">
             <a:avLst/>
@@ -377,7 +377,7 @@
         <p:spPr>
           <a:xfrm>
             <a:off x="756000" y="5145120"/>
-            <a:ext cx="6042960" cy="4205160"/>
+            <a:ext cx="6042600" cy="4204800"/>
           </a:xfrm>
           <a:prstGeom prst="rect">
             <a:avLst/>
@@ -407,7 +407,7 @@
         <p:spPr>
           <a:xfrm>
             <a:off x="0" y="10155240"/>
-            <a:ext cx="3271320" cy="531720"/>
+            <a:ext cx="3270960" cy="531360"/>
           </a:xfrm>
           <a:prstGeom prst="rect">
             <a:avLst/>
@@ -485,7 +485,7 @@
         <p:spPr>
           <a:xfrm>
             <a:off x="1376280" y="1336680"/>
-            <a:ext cx="4802760" cy="3602520"/>
+            <a:ext cx="4802400" cy="3602160"/>
           </a:xfrm>
           <a:prstGeom prst="rect">
             <a:avLst/>
@@ -508,7 +508,7 @@
         <p:spPr>
           <a:xfrm>
             <a:off x="756000" y="5145120"/>
-            <a:ext cx="6042960" cy="4205160"/>
+            <a:ext cx="6042600" cy="4204800"/>
           </a:xfrm>
           <a:prstGeom prst="rect">
             <a:avLst/>
@@ -538,7 +538,7 @@
         <p:spPr>
           <a:xfrm>
             <a:off x="0" y="10155240"/>
-            <a:ext cx="3271320" cy="531720"/>
+            <a:ext cx="3270960" cy="531360"/>
           </a:xfrm>
           <a:prstGeom prst="rect">
             <a:avLst/>
@@ -616,7 +616,7 @@
         <p:spPr>
           <a:xfrm>
             <a:off x="1376280" y="1336680"/>
-            <a:ext cx="4802760" cy="3602520"/>
+            <a:ext cx="4802400" cy="3602160"/>
           </a:xfrm>
           <a:prstGeom prst="rect">
             <a:avLst/>
@@ -639,7 +639,7 @@
         <p:spPr>
           <a:xfrm>
             <a:off x="756000" y="5145120"/>
-            <a:ext cx="6042960" cy="4205160"/>
+            <a:ext cx="6042600" cy="4204800"/>
           </a:xfrm>
           <a:prstGeom prst="rect">
             <a:avLst/>
@@ -669,7 +669,7 @@
         <p:spPr>
           <a:xfrm>
             <a:off x="0" y="10155240"/>
-            <a:ext cx="3271320" cy="531720"/>
+            <a:ext cx="3270960" cy="531360"/>
           </a:xfrm>
           <a:prstGeom prst="rect">
             <a:avLst/>
@@ -747,7 +747,7 @@
         <p:spPr>
           <a:xfrm>
             <a:off x="1376280" y="1336680"/>
-            <a:ext cx="4802760" cy="3602520"/>
+            <a:ext cx="4802400" cy="3602160"/>
           </a:xfrm>
           <a:prstGeom prst="rect">
             <a:avLst/>
@@ -770,7 +770,7 @@
         <p:spPr>
           <a:xfrm>
             <a:off x="756000" y="5145120"/>
-            <a:ext cx="6042960" cy="4205160"/>
+            <a:ext cx="6042600" cy="4204800"/>
           </a:xfrm>
           <a:prstGeom prst="rect">
             <a:avLst/>
@@ -800,7 +800,7 @@
         <p:spPr>
           <a:xfrm>
             <a:off x="0" y="10155240"/>
-            <a:ext cx="3271320" cy="531720"/>
+            <a:ext cx="3270960" cy="531360"/>
           </a:xfrm>
           <a:prstGeom prst="rect">
             <a:avLst/>
@@ -878,7 +878,7 @@
         <p:spPr>
           <a:xfrm>
             <a:off x="1376280" y="1336680"/>
-            <a:ext cx="4802760" cy="3602520"/>
+            <a:ext cx="4802400" cy="3602160"/>
           </a:xfrm>
           <a:prstGeom prst="rect">
             <a:avLst/>
@@ -901,7 +901,7 @@
         <p:spPr>
           <a:xfrm>
             <a:off x="756000" y="5145120"/>
-            <a:ext cx="6042960" cy="4205160"/>
+            <a:ext cx="6042600" cy="4204800"/>
           </a:xfrm>
           <a:prstGeom prst="rect">
             <a:avLst/>
@@ -931,7 +931,7 @@
         <p:spPr>
           <a:xfrm>
             <a:off x="0" y="10155240"/>
-            <a:ext cx="3271320" cy="531720"/>
+            <a:ext cx="3270960" cy="531360"/>
           </a:xfrm>
           <a:prstGeom prst="rect">
             <a:avLst/>
@@ -1009,7 +1009,7 @@
         <p:spPr>
           <a:xfrm>
             <a:off x="1376280" y="1336680"/>
-            <a:ext cx="4802760" cy="3602520"/>
+            <a:ext cx="4802400" cy="3602160"/>
           </a:xfrm>
           <a:prstGeom prst="rect">
             <a:avLst/>
@@ -1032,7 +1032,7 @@
         <p:spPr>
           <a:xfrm>
             <a:off x="756000" y="5145120"/>
-            <a:ext cx="6042960" cy="4205160"/>
+            <a:ext cx="6042600" cy="4204800"/>
           </a:xfrm>
           <a:prstGeom prst="rect">
             <a:avLst/>
@@ -1062,7 +1062,7 @@
         <p:spPr>
           <a:xfrm>
             <a:off x="0" y="10155240"/>
-            <a:ext cx="3271320" cy="531720"/>
+            <a:ext cx="3270960" cy="531360"/>
           </a:xfrm>
           <a:prstGeom prst="rect">
             <a:avLst/>
@@ -1140,7 +1140,7 @@
         <p:spPr>
           <a:xfrm>
             <a:off x="1376280" y="1336680"/>
-            <a:ext cx="4802760" cy="3602520"/>
+            <a:ext cx="4802400" cy="3602160"/>
           </a:xfrm>
           <a:prstGeom prst="rect">
             <a:avLst/>
@@ -1163,7 +1163,7 @@
         <p:spPr>
           <a:xfrm>
             <a:off x="756000" y="5145120"/>
-            <a:ext cx="6042960" cy="4205160"/>
+            <a:ext cx="6042600" cy="4204800"/>
           </a:xfrm>
           <a:prstGeom prst="rect">
             <a:avLst/>
@@ -1193,7 +1193,7 @@
         <p:spPr>
           <a:xfrm>
             <a:off x="0" y="10155240"/>
-            <a:ext cx="3271320" cy="531720"/>
+            <a:ext cx="3270960" cy="531360"/>
           </a:xfrm>
           <a:prstGeom prst="rect">
             <a:avLst/>
@@ -1271,7 +1271,7 @@
         <p:spPr>
           <a:xfrm>
             <a:off x="1376280" y="1336680"/>
-            <a:ext cx="4802760" cy="3602520"/>
+            <a:ext cx="4802400" cy="3602160"/>
           </a:xfrm>
           <a:prstGeom prst="rect">
             <a:avLst/>
@@ -1294,7 +1294,7 @@
         <p:spPr>
           <a:xfrm>
             <a:off x="756000" y="5145120"/>
-            <a:ext cx="6042960" cy="4205160"/>
+            <a:ext cx="6042600" cy="4204800"/>
           </a:xfrm>
           <a:prstGeom prst="rect">
             <a:avLst/>
@@ -1324,7 +1324,7 @@
         <p:spPr>
           <a:xfrm>
             <a:off x="0" y="10155240"/>
-            <a:ext cx="3271320" cy="531720"/>
+            <a:ext cx="3270960" cy="531360"/>
           </a:xfrm>
           <a:prstGeom prst="rect">
             <a:avLst/>
@@ -1402,7 +1402,7 @@
         <p:spPr>
           <a:xfrm>
             <a:off x="1376280" y="1336680"/>
-            <a:ext cx="4802760" cy="3602520"/>
+            <a:ext cx="4802400" cy="3602160"/>
           </a:xfrm>
           <a:prstGeom prst="rect">
             <a:avLst/>
@@ -1425,7 +1425,7 @@
         <p:spPr>
           <a:xfrm>
             <a:off x="756000" y="5145120"/>
-            <a:ext cx="6042960" cy="4205160"/>
+            <a:ext cx="6042600" cy="4204800"/>
           </a:xfrm>
           <a:prstGeom prst="rect">
             <a:avLst/>
@@ -1455,7 +1455,7 @@
         <p:spPr>
           <a:xfrm>
             <a:off x="0" y="10155240"/>
-            <a:ext cx="3271320" cy="531720"/>
+            <a:ext cx="3270960" cy="531360"/>
           </a:xfrm>
           <a:prstGeom prst="rect">
             <a:avLst/>
@@ -1533,7 +1533,7 @@
         <p:spPr>
           <a:xfrm>
             <a:off x="1376280" y="1336680"/>
-            <a:ext cx="4802760" cy="3602520"/>
+            <a:ext cx="4802400" cy="3602160"/>
           </a:xfrm>
           <a:prstGeom prst="rect">
             <a:avLst/>
@@ -1556,7 +1556,7 @@
         <p:spPr>
           <a:xfrm>
             <a:off x="756000" y="5145120"/>
-            <a:ext cx="6042960" cy="4205160"/>
+            <a:ext cx="6042600" cy="4204800"/>
           </a:xfrm>
           <a:prstGeom prst="rect">
             <a:avLst/>
@@ -1586,7 +1586,7 @@
         <p:spPr>
           <a:xfrm>
             <a:off x="0" y="10155240"/>
-            <a:ext cx="3271320" cy="531720"/>
+            <a:ext cx="3270960" cy="531360"/>
           </a:xfrm>
           <a:prstGeom prst="rect">
             <a:avLst/>
@@ -1664,7 +1664,7 @@
         <p:spPr>
           <a:xfrm>
             <a:off x="1376280" y="1336680"/>
-            <a:ext cx="4802760" cy="3602520"/>
+            <a:ext cx="4802400" cy="3602160"/>
           </a:xfrm>
           <a:prstGeom prst="rect">
             <a:avLst/>
@@ -1687,7 +1687,7 @@
         <p:spPr>
           <a:xfrm>
             <a:off x="756000" y="5145120"/>
-            <a:ext cx="6042960" cy="4205160"/>
+            <a:ext cx="6042600" cy="4204800"/>
           </a:xfrm>
           <a:prstGeom prst="rect">
             <a:avLst/>
@@ -1717,7 +1717,7 @@
         <p:spPr>
           <a:xfrm>
             <a:off x="0" y="10155240"/>
-            <a:ext cx="3271320" cy="531720"/>
+            <a:ext cx="3270960" cy="531360"/>
           </a:xfrm>
           <a:prstGeom prst="rect">
             <a:avLst/>
@@ -1795,7 +1795,7 @@
         <p:spPr>
           <a:xfrm>
             <a:off x="1376280" y="1336680"/>
-            <a:ext cx="4802760" cy="3602520"/>
+            <a:ext cx="4802400" cy="3602160"/>
           </a:xfrm>
           <a:prstGeom prst="rect">
             <a:avLst/>
@@ -1818,7 +1818,7 @@
         <p:spPr>
           <a:xfrm>
             <a:off x="756000" y="5145120"/>
-            <a:ext cx="6042960" cy="4205160"/>
+            <a:ext cx="6042600" cy="4204800"/>
           </a:xfrm>
           <a:prstGeom prst="rect">
             <a:avLst/>
@@ -1848,7 +1848,7 @@
         <p:spPr>
           <a:xfrm>
             <a:off x="0" y="10155240"/>
-            <a:ext cx="3271320" cy="531720"/>
+            <a:ext cx="3270960" cy="531360"/>
           </a:xfrm>
           <a:prstGeom prst="rect">
             <a:avLst/>
@@ -1926,7 +1926,7 @@
         <p:spPr>
           <a:xfrm>
             <a:off x="1376280" y="1336680"/>
-            <a:ext cx="4802760" cy="3602520"/>
+            <a:ext cx="4802400" cy="3602160"/>
           </a:xfrm>
           <a:prstGeom prst="rect">
             <a:avLst/>
@@ -1949,7 +1949,7 @@
         <p:spPr>
           <a:xfrm>
             <a:off x="756000" y="5145120"/>
-            <a:ext cx="6042960" cy="4205160"/>
+            <a:ext cx="6042600" cy="4204800"/>
           </a:xfrm>
           <a:prstGeom prst="rect">
             <a:avLst/>
@@ -1979,7 +1979,7 @@
         <p:spPr>
           <a:xfrm>
             <a:off x="0" y="10155240"/>
-            <a:ext cx="3271320" cy="531720"/>
+            <a:ext cx="3270960" cy="531360"/>
           </a:xfrm>
           <a:prstGeom prst="rect">
             <a:avLst/>
@@ -2057,7 +2057,7 @@
         <p:spPr>
           <a:xfrm>
             <a:off x="1376280" y="1336680"/>
-            <a:ext cx="4802760" cy="3602520"/>
+            <a:ext cx="4802400" cy="3602160"/>
           </a:xfrm>
           <a:prstGeom prst="rect">
             <a:avLst/>
@@ -2080,7 +2080,7 @@
         <p:spPr>
           <a:xfrm>
             <a:off x="756000" y="5145120"/>
-            <a:ext cx="6042960" cy="4205160"/>
+            <a:ext cx="6042600" cy="4204800"/>
           </a:xfrm>
           <a:prstGeom prst="rect">
             <a:avLst/>
@@ -2110,7 +2110,7 @@
         <p:spPr>
           <a:xfrm>
             <a:off x="0" y="10155240"/>
-            <a:ext cx="3271320" cy="531720"/>
+            <a:ext cx="3270960" cy="531360"/>
           </a:xfrm>
           <a:prstGeom prst="rect">
             <a:avLst/>
@@ -5239,7 +5239,7 @@
         <p:spPr>
           <a:xfrm>
             <a:off x="0" y="3150000"/>
-            <a:ext cx="9715320" cy="1255320"/>
+            <a:ext cx="9714960" cy="1254960"/>
           </a:xfrm>
           <a:prstGeom prst="rect">
             <a:avLst/>
@@ -5537,7 +5537,7 @@
         <p:spPr>
           <a:xfrm>
             <a:off x="0" y="180000"/>
-            <a:ext cx="9715320" cy="1255320"/>
+            <a:ext cx="9714960" cy="1254960"/>
           </a:xfrm>
           <a:prstGeom prst="rect">
             <a:avLst/>
@@ -5565,7 +5565,7 @@
         <p:spPr>
           <a:xfrm>
             <a:off x="7560000" y="6840000"/>
-            <a:ext cx="2515320" cy="535320"/>
+            <a:ext cx="2514960" cy="534960"/>
           </a:xfrm>
           <a:prstGeom prst="rect">
             <a:avLst/>
@@ -5593,7 +5593,7 @@
         <p:spPr>
           <a:xfrm>
             <a:off x="900000" y="6840000"/>
-            <a:ext cx="6475320" cy="535320"/>
+            <a:ext cx="6474960" cy="534960"/>
           </a:xfrm>
           <a:prstGeom prst="rect">
             <a:avLst/>
@@ -5621,7 +5621,7 @@
         <p:spPr>
           <a:xfrm>
             <a:off x="180000" y="6840000"/>
-            <a:ext cx="535320" cy="535320"/>
+            <a:ext cx="534960" cy="534960"/>
           </a:xfrm>
           <a:prstGeom prst="rect">
             <a:avLst/>
@@ -5910,7 +5910,7 @@
         <p:spPr>
           <a:xfrm>
             <a:off x="360000" y="3330000"/>
-            <a:ext cx="9355320" cy="895320"/>
+            <a:ext cx="9354960" cy="894960"/>
           </a:xfrm>
           <a:prstGeom prst="rect">
             <a:avLst/>
@@ -5962,7 +5962,7 @@
         <p:spPr>
           <a:xfrm>
             <a:off x="540000" y="4680000"/>
-            <a:ext cx="9175320" cy="2515320"/>
+            <a:ext cx="9174960" cy="2514960"/>
           </a:xfrm>
           <a:prstGeom prst="rect">
             <a:avLst/>
@@ -6167,7 +6167,7 @@
         <p:spPr>
           <a:xfrm>
             <a:off x="360000" y="360000"/>
-            <a:ext cx="9355320" cy="895320"/>
+            <a:ext cx="9354960" cy="894960"/>
           </a:xfrm>
           <a:prstGeom prst="rect">
             <a:avLst/>
@@ -6219,7 +6219,7 @@
         <p:spPr>
           <a:xfrm>
             <a:off x="897120" y="6886080"/>
-            <a:ext cx="6442560" cy="360360"/>
+            <a:ext cx="6442200" cy="360000"/>
           </a:xfrm>
           <a:prstGeom prst="rect">
             <a:avLst/>
@@ -6271,7 +6271,7 @@
         <p:spPr>
           <a:xfrm>
             <a:off x="7608600" y="6886080"/>
-            <a:ext cx="2280600" cy="360360"/>
+            <a:ext cx="2280240" cy="360000"/>
           </a:xfrm>
           <a:prstGeom prst="rect">
             <a:avLst/>
@@ -6333,7 +6333,7 @@
         <p:spPr>
           <a:xfrm>
             <a:off x="200160" y="1689840"/>
-            <a:ext cx="9515160" cy="1186920"/>
+            <a:ext cx="9514800" cy="1186920"/>
           </a:xfrm>
           <a:prstGeom prst="rect">
             <a:avLst/>
@@ -6426,7 +6426,7 @@
         <p:spPr>
           <a:xfrm>
             <a:off x="2245320" y="3596760"/>
-            <a:ext cx="5094360" cy="3493800"/>
+            <a:ext cx="5094000" cy="3493440"/>
           </a:xfrm>
           <a:prstGeom prst="rect">
             <a:avLst/>
@@ -6449,7 +6449,7 @@
         <p:spPr>
           <a:xfrm>
             <a:off x="707040" y="1867680"/>
-            <a:ext cx="8645040" cy="1591560"/>
+            <a:ext cx="8644680" cy="1591200"/>
           </a:xfrm>
           <a:prstGeom prst="rect">
             <a:avLst/>
@@ -6472,7 +6472,7 @@
         <p:spPr>
           <a:xfrm>
             <a:off x="727560" y="3323880"/>
-            <a:ext cx="8645040" cy="271800"/>
+            <a:ext cx="8644680" cy="271440"/>
           </a:xfrm>
           <a:prstGeom prst="rect">
             <a:avLst/>
@@ -6491,7 +6491,7 @@
         <p:spPr>
           <a:xfrm>
             <a:off x="3891240" y="3240360"/>
-            <a:ext cx="750600" cy="385560"/>
+            <a:ext cx="750240" cy="385200"/>
           </a:xfrm>
           <a:prstGeom prst="rect">
             <a:avLst/>
@@ -6532,7 +6532,7 @@
         <p:spPr>
           <a:xfrm>
             <a:off x="7040880" y="3247200"/>
-            <a:ext cx="750600" cy="385560"/>
+            <a:ext cx="750240" cy="385200"/>
           </a:xfrm>
           <a:prstGeom prst="rect">
             <a:avLst/>
@@ -6573,7 +6573,7 @@
         <p:spPr>
           <a:xfrm>
             <a:off x="7848000" y="3247200"/>
-            <a:ext cx="750600" cy="385560"/>
+            <a:ext cx="750240" cy="385200"/>
           </a:xfrm>
           <a:prstGeom prst="rect">
             <a:avLst/>
@@ -6614,7 +6614,7 @@
         <p:spPr>
           <a:xfrm>
             <a:off x="8641800" y="3247200"/>
-            <a:ext cx="750600" cy="385560"/>
+            <a:ext cx="750240" cy="385200"/>
           </a:xfrm>
           <a:prstGeom prst="rect">
             <a:avLst/>
@@ -6655,7 +6655,7 @@
         <p:spPr>
           <a:xfrm>
             <a:off x="5594040" y="5676480"/>
-            <a:ext cx="750600" cy="385560"/>
+            <a:ext cx="750240" cy="385200"/>
           </a:xfrm>
           <a:prstGeom prst="rect">
             <a:avLst/>
@@ -6696,7 +6696,7 @@
         <p:spPr>
           <a:xfrm>
             <a:off x="4682520" y="3250800"/>
-            <a:ext cx="750600" cy="385560"/>
+            <a:ext cx="750240" cy="385200"/>
           </a:xfrm>
           <a:prstGeom prst="rect">
             <a:avLst/>
@@ -6737,7 +6737,7 @@
         <p:spPr>
           <a:xfrm>
             <a:off x="5466240" y="3250800"/>
-            <a:ext cx="750600" cy="385560"/>
+            <a:ext cx="750240" cy="385200"/>
           </a:xfrm>
           <a:prstGeom prst="rect">
             <a:avLst/>
@@ -6778,7 +6778,7 @@
         <p:spPr>
           <a:xfrm>
             <a:off x="5685480" y="6179760"/>
-            <a:ext cx="750600" cy="385560"/>
+            <a:ext cx="750240" cy="385200"/>
           </a:xfrm>
           <a:prstGeom prst="rect">
             <a:avLst/>
@@ -6819,7 +6819,7 @@
         <p:spPr>
           <a:xfrm>
             <a:off x="7323120" y="5525280"/>
-            <a:ext cx="2080800" cy="363960"/>
+            <a:ext cx="2080440" cy="363960"/>
           </a:xfrm>
           <a:prstGeom prst="rect">
             <a:avLst/>
@@ -6870,8 +6870,8 @@
         </p:nvSpPr>
         <p:spPr>
           <a:xfrm rot="10800000">
-            <a:off x="6773400" y="5870880"/>
-            <a:ext cx="1074600" cy="192240"/>
+            <a:off x="6773760" y="5871240"/>
+            <a:ext cx="1074240" cy="191880"/>
           </a:xfrm>
           <a:prstGeom prst="rightArrow">
             <a:avLst>
@@ -6943,7 +6943,7 @@
         <p:spPr>
           <a:xfrm>
             <a:off x="360000" y="360000"/>
-            <a:ext cx="9355320" cy="895320"/>
+            <a:ext cx="9354960" cy="894960"/>
           </a:xfrm>
           <a:prstGeom prst="rect">
             <a:avLst/>
@@ -6995,7 +6995,7 @@
         <p:spPr>
           <a:xfrm>
             <a:off x="897120" y="6886080"/>
-            <a:ext cx="6442560" cy="360360"/>
+            <a:ext cx="6442200" cy="360000"/>
           </a:xfrm>
           <a:prstGeom prst="rect">
             <a:avLst/>
@@ -7047,7 +7047,7 @@
         <p:spPr>
           <a:xfrm>
             <a:off x="7608600" y="6886080"/>
-            <a:ext cx="2280600" cy="360360"/>
+            <a:ext cx="2280240" cy="360000"/>
           </a:xfrm>
           <a:prstGeom prst="rect">
             <a:avLst/>
@@ -7109,7 +7109,7 @@
         <p:spPr>
           <a:xfrm>
             <a:off x="200160" y="1689840"/>
-            <a:ext cx="9515160" cy="2284200"/>
+            <a:ext cx="9514800" cy="2284200"/>
           </a:xfrm>
           <a:prstGeom prst="rect">
             <a:avLst/>
@@ -7249,7 +7249,7 @@
         <p:spPr>
           <a:xfrm>
             <a:off x="1500120" y="3444480"/>
-            <a:ext cx="7074720" cy="3031560"/>
+            <a:ext cx="7074360" cy="3031200"/>
           </a:xfrm>
           <a:prstGeom prst="rect">
             <a:avLst/>
@@ -7298,7 +7298,7 @@
         <p:spPr>
           <a:xfrm>
             <a:off x="360000" y="360000"/>
-            <a:ext cx="9355320" cy="895320"/>
+            <a:ext cx="9354960" cy="894960"/>
           </a:xfrm>
           <a:prstGeom prst="rect">
             <a:avLst/>
@@ -7350,7 +7350,7 @@
         <p:spPr>
           <a:xfrm>
             <a:off x="897120" y="6886080"/>
-            <a:ext cx="6442560" cy="360360"/>
+            <a:ext cx="6442200" cy="360000"/>
           </a:xfrm>
           <a:prstGeom prst="rect">
             <a:avLst/>
@@ -7402,7 +7402,7 @@
         <p:spPr>
           <a:xfrm>
             <a:off x="7608600" y="6886080"/>
-            <a:ext cx="2280600" cy="360360"/>
+            <a:ext cx="2280240" cy="360000"/>
           </a:xfrm>
           <a:prstGeom prst="rect">
             <a:avLst/>
@@ -7464,7 +7464,7 @@
         <p:spPr>
           <a:xfrm>
             <a:off x="200160" y="1689840"/>
-            <a:ext cx="9515160" cy="2284200"/>
+            <a:ext cx="9514800" cy="2284200"/>
           </a:xfrm>
           <a:prstGeom prst="rect">
             <a:avLst/>
@@ -7601,7 +7601,7 @@
         <p:spPr>
           <a:xfrm>
             <a:off x="512640" y="2760120"/>
-            <a:ext cx="4444560" cy="1329480"/>
+            <a:ext cx="4444200" cy="1329120"/>
           </a:xfrm>
           <a:prstGeom prst="rect">
             <a:avLst/>
@@ -7624,7 +7624,7 @@
         <p:spPr>
           <a:xfrm>
             <a:off x="5485320" y="2487600"/>
-            <a:ext cx="4081680" cy="2999520"/>
+            <a:ext cx="4081320" cy="2999160"/>
           </a:xfrm>
           <a:prstGeom prst="rect">
             <a:avLst/>
@@ -7643,7 +7643,7 @@
         <p:spPr>
           <a:xfrm>
             <a:off x="4888080" y="3627360"/>
-            <a:ext cx="303840" cy="303840"/>
+            <a:ext cx="303480" cy="303480"/>
           </a:xfrm>
           <a:prstGeom prst="rect">
             <a:avLst/>
@@ -7673,7 +7673,7 @@
         <p:spPr>
           <a:xfrm>
             <a:off x="789840" y="4894920"/>
-            <a:ext cx="3943440" cy="1211760"/>
+            <a:ext cx="3943080" cy="1211400"/>
           </a:xfrm>
           <a:prstGeom prst="rect">
             <a:avLst/>
@@ -7692,7 +7692,7 @@
         <p:spPr>
           <a:xfrm>
             <a:off x="1026000" y="4714200"/>
-            <a:ext cx="183600" cy="368280"/>
+            <a:ext cx="183240" cy="367920"/>
           </a:xfrm>
           <a:prstGeom prst="rect">
             <a:avLst/>
@@ -7748,7 +7748,7 @@
         <p:spPr>
           <a:xfrm>
             <a:off x="360000" y="360000"/>
-            <a:ext cx="9355320" cy="895320"/>
+            <a:ext cx="9354960" cy="894960"/>
           </a:xfrm>
           <a:prstGeom prst="rect">
             <a:avLst/>
@@ -7800,7 +7800,7 @@
         <p:spPr>
           <a:xfrm>
             <a:off x="897120" y="6886080"/>
-            <a:ext cx="6442560" cy="360360"/>
+            <a:ext cx="6442200" cy="360000"/>
           </a:xfrm>
           <a:prstGeom prst="rect">
             <a:avLst/>
@@ -7852,7 +7852,7 @@
         <p:spPr>
           <a:xfrm>
             <a:off x="7608600" y="6886080"/>
-            <a:ext cx="2280600" cy="360360"/>
+            <a:ext cx="2280240" cy="360000"/>
           </a:xfrm>
           <a:prstGeom prst="rect">
             <a:avLst/>
@@ -7914,7 +7914,7 @@
         <p:spPr>
           <a:xfrm>
             <a:off x="200160" y="1689840"/>
-            <a:ext cx="9515160" cy="2832840"/>
+            <a:ext cx="9514800" cy="2832840"/>
           </a:xfrm>
           <a:prstGeom prst="rect">
             <a:avLst/>
@@ -8069,7 +8069,7 @@
         <p:spPr>
           <a:xfrm>
             <a:off x="4888080" y="3627360"/>
-            <a:ext cx="303840" cy="303840"/>
+            <a:ext cx="303480" cy="303480"/>
           </a:xfrm>
           <a:prstGeom prst="rect">
             <a:avLst/>
@@ -8095,7 +8095,7 @@
         <p:spPr>
           <a:xfrm>
             <a:off x="1026000" y="4714200"/>
-            <a:ext cx="183600" cy="368280"/>
+            <a:ext cx="183240" cy="367920"/>
           </a:xfrm>
           <a:prstGeom prst="rect">
             <a:avLst/>
@@ -8125,7 +8125,7 @@
         <p:spPr>
           <a:xfrm>
             <a:off x="592920" y="3590280"/>
-            <a:ext cx="4447800" cy="3114360"/>
+            <a:ext cx="4447440" cy="3114000"/>
           </a:xfrm>
           <a:prstGeom prst="rect">
             <a:avLst/>
@@ -8148,7 +8148,7 @@
         <p:spPr>
           <a:xfrm>
             <a:off x="5267520" y="3627360"/>
-            <a:ext cx="4447800" cy="3089880"/>
+            <a:ext cx="4447440" cy="3089520"/>
           </a:xfrm>
           <a:prstGeom prst="rect">
             <a:avLst/>
@@ -8171,7 +8171,7 @@
         <p:spPr>
           <a:xfrm>
             <a:off x="3901320" y="808200"/>
-            <a:ext cx="4185360" cy="2870280"/>
+            <a:ext cx="4185000" cy="2869920"/>
           </a:xfrm>
           <a:prstGeom prst="rect">
             <a:avLst/>
@@ -8220,7 +8220,7 @@
         <p:spPr>
           <a:xfrm>
             <a:off x="360000" y="360000"/>
-            <a:ext cx="9355320" cy="895320"/>
+            <a:ext cx="9354960" cy="894960"/>
           </a:xfrm>
           <a:prstGeom prst="rect">
             <a:avLst/>
@@ -8272,7 +8272,7 @@
         <p:spPr>
           <a:xfrm>
             <a:off x="897120" y="6886080"/>
-            <a:ext cx="6442560" cy="360360"/>
+            <a:ext cx="6442200" cy="360000"/>
           </a:xfrm>
           <a:prstGeom prst="rect">
             <a:avLst/>
@@ -8324,7 +8324,7 @@
         <p:spPr>
           <a:xfrm>
             <a:off x="7608600" y="6886080"/>
-            <a:ext cx="2280600" cy="360360"/>
+            <a:ext cx="2280240" cy="360000"/>
           </a:xfrm>
           <a:prstGeom prst="rect">
             <a:avLst/>
@@ -8386,7 +8386,7 @@
         <p:spPr>
           <a:xfrm>
             <a:off x="200160" y="1689840"/>
-            <a:ext cx="9515160" cy="638280"/>
+            <a:ext cx="9514800" cy="638280"/>
           </a:xfrm>
           <a:prstGeom prst="rect">
             <a:avLst/>
@@ -8455,7 +8455,7 @@
         <p:spPr>
           <a:xfrm>
             <a:off x="4888080" y="3627360"/>
-            <a:ext cx="303840" cy="303840"/>
+            <a:ext cx="303480" cy="303480"/>
           </a:xfrm>
           <a:prstGeom prst="rect">
             <a:avLst/>
@@ -8481,7 +8481,7 @@
         <p:spPr>
           <a:xfrm>
             <a:off x="1026000" y="4714200"/>
-            <a:ext cx="183600" cy="368280"/>
+            <a:ext cx="183240" cy="367920"/>
           </a:xfrm>
           <a:prstGeom prst="rect">
             <a:avLst/>
@@ -8537,7 +8537,7 @@
         <p:spPr>
           <a:xfrm>
             <a:off x="360000" y="360000"/>
-            <a:ext cx="9355320" cy="895320"/>
+            <a:ext cx="9354960" cy="894960"/>
           </a:xfrm>
           <a:prstGeom prst="rect">
             <a:avLst/>
@@ -8589,7 +8589,7 @@
         <p:spPr>
           <a:xfrm>
             <a:off x="897120" y="6886080"/>
-            <a:ext cx="6442560" cy="360360"/>
+            <a:ext cx="6442200" cy="360000"/>
           </a:xfrm>
           <a:prstGeom prst="rect">
             <a:avLst/>
@@ -8641,7 +8641,7 @@
         <p:spPr>
           <a:xfrm>
             <a:off x="7608600" y="6886080"/>
-            <a:ext cx="2280600" cy="360360"/>
+            <a:ext cx="2280240" cy="360000"/>
           </a:xfrm>
           <a:prstGeom prst="rect">
             <a:avLst/>
@@ -8703,7 +8703,7 @@
         <p:spPr>
           <a:xfrm>
             <a:off x="360000" y="1980000"/>
-            <a:ext cx="9175320" cy="4675320"/>
+            <a:ext cx="9174960" cy="4674960"/>
           </a:xfrm>
           <a:prstGeom prst="rect">
             <a:avLst/>
@@ -8980,7 +8980,7 @@
         <p:spPr>
           <a:xfrm>
             <a:off x="2124000" y="4627440"/>
-            <a:ext cx="6219000" cy="2103840"/>
+            <a:ext cx="6218640" cy="2103480"/>
           </a:xfrm>
           <a:prstGeom prst="rect">
             <a:avLst/>
@@ -8999,7 +8999,7 @@
         <p:spPr>
           <a:xfrm>
             <a:off x="2124000" y="6444000"/>
-            <a:ext cx="233280" cy="233280"/>
+            <a:ext cx="232920" cy="232920"/>
           </a:xfrm>
           <a:prstGeom prst="ellipse">
             <a:avLst/>
@@ -9029,7 +9029,7 @@
         <p:spPr>
           <a:xfrm>
             <a:off x="2592360" y="6444360"/>
-            <a:ext cx="233280" cy="233280"/>
+            <a:ext cx="232920" cy="232920"/>
           </a:xfrm>
           <a:prstGeom prst="ellipse">
             <a:avLst/>
@@ -9059,7 +9059,7 @@
         <p:spPr>
           <a:xfrm>
             <a:off x="3024720" y="6444720"/>
-            <a:ext cx="233280" cy="233280"/>
+            <a:ext cx="232920" cy="232920"/>
           </a:xfrm>
           <a:prstGeom prst="ellipse">
             <a:avLst/>
@@ -9089,7 +9089,7 @@
         <p:spPr>
           <a:xfrm>
             <a:off x="3834000" y="6480000"/>
-            <a:ext cx="233280" cy="233280"/>
+            <a:ext cx="232920" cy="232920"/>
           </a:xfrm>
           <a:prstGeom prst="ellipse">
             <a:avLst/>
@@ -9149,7 +9149,7 @@
         <p:spPr>
           <a:xfrm>
             <a:off x="360000" y="360000"/>
-            <a:ext cx="9355320" cy="895320"/>
+            <a:ext cx="9354960" cy="894960"/>
           </a:xfrm>
           <a:prstGeom prst="rect">
             <a:avLst/>
@@ -9201,7 +9201,7 @@
         <p:spPr>
           <a:xfrm>
             <a:off x="897120" y="6886080"/>
-            <a:ext cx="6442560" cy="360360"/>
+            <a:ext cx="6442200" cy="360000"/>
           </a:xfrm>
           <a:prstGeom prst="rect">
             <a:avLst/>
@@ -9253,7 +9253,7 @@
         <p:spPr>
           <a:xfrm>
             <a:off x="7608600" y="6886080"/>
-            <a:ext cx="2280600" cy="360360"/>
+            <a:ext cx="2280240" cy="360000"/>
           </a:xfrm>
           <a:prstGeom prst="rect">
             <a:avLst/>
@@ -9319,7 +9319,7 @@
         <p:spPr>
           <a:xfrm>
             <a:off x="546480" y="2473560"/>
-            <a:ext cx="8982360" cy="2433600"/>
+            <a:ext cx="8982000" cy="2433240"/>
           </a:xfrm>
           <a:prstGeom prst="rect">
             <a:avLst/>
@@ -9338,7 +9338,7 @@
         <p:spPr>
           <a:xfrm>
             <a:off x="546480" y="3098880"/>
-            <a:ext cx="4319280" cy="1401120"/>
+            <a:ext cx="4318920" cy="1400760"/>
           </a:xfrm>
           <a:prstGeom prst="rect">
             <a:avLst/>
@@ -9409,7 +9409,7 @@
         <p:spPr>
           <a:xfrm>
             <a:off x="360000" y="360000"/>
-            <a:ext cx="9355320" cy="895320"/>
+            <a:ext cx="9354960" cy="894960"/>
           </a:xfrm>
           <a:prstGeom prst="rect">
             <a:avLst/>
@@ -9461,7 +9461,7 @@
         <p:spPr>
           <a:xfrm>
             <a:off x="897120" y="6886080"/>
-            <a:ext cx="6442560" cy="360360"/>
+            <a:ext cx="6442200" cy="360000"/>
           </a:xfrm>
           <a:prstGeom prst="rect">
             <a:avLst/>
@@ -9513,7 +9513,7 @@
         <p:spPr>
           <a:xfrm>
             <a:off x="7608600" y="6886080"/>
-            <a:ext cx="2280600" cy="360360"/>
+            <a:ext cx="2280240" cy="360000"/>
           </a:xfrm>
           <a:prstGeom prst="rect">
             <a:avLst/>
@@ -9575,7 +9575,7 @@
         <p:spPr>
           <a:xfrm>
             <a:off x="200160" y="1689840"/>
-            <a:ext cx="9515160" cy="2284200"/>
+            <a:ext cx="9514800" cy="2284200"/>
           </a:xfrm>
           <a:prstGeom prst="rect">
             <a:avLst/>
@@ -9729,7 +9729,7 @@
         <p:spPr>
           <a:xfrm>
             <a:off x="1738800" y="3416400"/>
-            <a:ext cx="6598080" cy="949680"/>
+            <a:ext cx="6597720" cy="949320"/>
           </a:xfrm>
           <a:prstGeom prst="rect">
             <a:avLst/>
@@ -9752,7 +9752,7 @@
         <p:spPr>
           <a:xfrm>
             <a:off x="464040" y="4828320"/>
-            <a:ext cx="3988080" cy="1587960"/>
+            <a:ext cx="3987720" cy="1587600"/>
           </a:xfrm>
           <a:prstGeom prst="rect">
             <a:avLst/>
@@ -9775,7 +9775,7 @@
         <p:spPr>
           <a:xfrm>
             <a:off x="5410800" y="5667120"/>
-            <a:ext cx="3118680" cy="929160"/>
+            <a:ext cx="3118320" cy="928800"/>
           </a:xfrm>
           <a:prstGeom prst="rect">
             <a:avLst/>
@@ -9798,7 +9798,7 @@
         <p:spPr>
           <a:xfrm>
             <a:off x="4836600" y="4413240"/>
-            <a:ext cx="4612320" cy="1026000"/>
+            <a:ext cx="4611960" cy="1025640"/>
           </a:xfrm>
           <a:prstGeom prst="rect">
             <a:avLst/>
@@ -9847,7 +9847,7 @@
         <p:spPr>
           <a:xfrm>
             <a:off x="360000" y="360000"/>
-            <a:ext cx="9355320" cy="895320"/>
+            <a:ext cx="9354960" cy="894960"/>
           </a:xfrm>
           <a:prstGeom prst="rect">
             <a:avLst/>
@@ -9899,7 +9899,7 @@
         <p:spPr>
           <a:xfrm>
             <a:off x="897120" y="6886080"/>
-            <a:ext cx="6442560" cy="360360"/>
+            <a:ext cx="6442200" cy="360000"/>
           </a:xfrm>
           <a:prstGeom prst="rect">
             <a:avLst/>
@@ -9951,7 +9951,7 @@
         <p:spPr>
           <a:xfrm>
             <a:off x="7608600" y="6886080"/>
-            <a:ext cx="2280600" cy="360360"/>
+            <a:ext cx="2280240" cy="360000"/>
           </a:xfrm>
           <a:prstGeom prst="rect">
             <a:avLst/>
@@ -10013,7 +10013,7 @@
         <p:spPr>
           <a:xfrm>
             <a:off x="200160" y="1689840"/>
-            <a:ext cx="9515160" cy="1461240"/>
+            <a:ext cx="9514800" cy="1461240"/>
           </a:xfrm>
           <a:prstGeom prst="rect">
             <a:avLst/>
@@ -10120,7 +10120,7 @@
         <p:spPr>
           <a:xfrm>
             <a:off x="579240" y="2892240"/>
-            <a:ext cx="8645040" cy="1591560"/>
+            <a:ext cx="8644680" cy="1591200"/>
           </a:xfrm>
           <a:prstGeom prst="rect">
             <a:avLst/>
@@ -10143,7 +10143,7 @@
         <p:spPr>
           <a:xfrm>
             <a:off x="635400" y="5467680"/>
-            <a:ext cx="8645040" cy="271800"/>
+            <a:ext cx="8644680" cy="271440"/>
           </a:xfrm>
           <a:prstGeom prst="rect">
             <a:avLst/>
@@ -10162,7 +10162,7 @@
         <p:spPr>
           <a:xfrm>
             <a:off x="897120" y="4484880"/>
-            <a:ext cx="196920" cy="888840"/>
+            <a:ext cx="196560" cy="888480"/>
           </a:xfrm>
           <a:prstGeom prst="downArrow">
             <a:avLst>
@@ -10204,7 +10204,7 @@
         <p:spPr>
           <a:xfrm>
             <a:off x="1699920" y="4484880"/>
-            <a:ext cx="196920" cy="888840"/>
+            <a:ext cx="196560" cy="888480"/>
           </a:xfrm>
           <a:prstGeom prst="downArrow">
             <a:avLst>
@@ -10246,7 +10246,7 @@
         <p:spPr>
           <a:xfrm>
             <a:off x="2502360" y="4484880"/>
-            <a:ext cx="196920" cy="888840"/>
+            <a:ext cx="196560" cy="888480"/>
           </a:xfrm>
           <a:prstGeom prst="downArrow">
             <a:avLst>
@@ -10288,7 +10288,7 @@
         <p:spPr>
           <a:xfrm>
             <a:off x="3305160" y="4484880"/>
-            <a:ext cx="196920" cy="888840"/>
+            <a:ext cx="196560" cy="888480"/>
           </a:xfrm>
           <a:prstGeom prst="downArrow">
             <a:avLst>
@@ -10330,7 +10330,7 @@
         <p:spPr>
           <a:xfrm>
             <a:off x="4039560" y="4484880"/>
-            <a:ext cx="196920" cy="888840"/>
+            <a:ext cx="196560" cy="888480"/>
           </a:xfrm>
           <a:prstGeom prst="downArrow">
             <a:avLst>
@@ -10372,7 +10372,7 @@
         <p:spPr>
           <a:xfrm>
             <a:off x="4842360" y="4484880"/>
-            <a:ext cx="196920" cy="888840"/>
+            <a:ext cx="196560" cy="888480"/>
           </a:xfrm>
           <a:prstGeom prst="downArrow">
             <a:avLst>
@@ -10414,7 +10414,7 @@
         <p:spPr>
           <a:xfrm>
             <a:off x="5644800" y="4484880"/>
-            <a:ext cx="196920" cy="888840"/>
+            <a:ext cx="196560" cy="888480"/>
           </a:xfrm>
           <a:prstGeom prst="downArrow">
             <a:avLst>
@@ -10456,7 +10456,7 @@
         <p:spPr>
           <a:xfrm>
             <a:off x="6447600" y="4484880"/>
-            <a:ext cx="196920" cy="888840"/>
+            <a:ext cx="196560" cy="888480"/>
           </a:xfrm>
           <a:prstGeom prst="downArrow">
             <a:avLst>
@@ -10498,7 +10498,7 @@
         <p:spPr>
           <a:xfrm>
             <a:off x="7151040" y="4471920"/>
-            <a:ext cx="196920" cy="888840"/>
+            <a:ext cx="196560" cy="888480"/>
           </a:xfrm>
           <a:prstGeom prst="downArrow">
             <a:avLst>
@@ -10540,7 +10540,7 @@
         <p:spPr>
           <a:xfrm>
             <a:off x="7953840" y="4471920"/>
-            <a:ext cx="196920" cy="888840"/>
+            <a:ext cx="196560" cy="888480"/>
           </a:xfrm>
           <a:prstGeom prst="downArrow">
             <a:avLst>
@@ -10582,7 +10582,7 @@
         <p:spPr>
           <a:xfrm>
             <a:off x="8756280" y="4471920"/>
-            <a:ext cx="196920" cy="888840"/>
+            <a:ext cx="196560" cy="888480"/>
           </a:xfrm>
           <a:prstGeom prst="downArrow">
             <a:avLst>
@@ -10654,7 +10654,7 @@
         <p:spPr>
           <a:xfrm>
             <a:off x="360000" y="360000"/>
-            <a:ext cx="9355320" cy="895320"/>
+            <a:ext cx="9354960" cy="894960"/>
           </a:xfrm>
           <a:prstGeom prst="rect">
             <a:avLst/>
@@ -10706,7 +10706,7 @@
         <p:spPr>
           <a:xfrm>
             <a:off x="897120" y="6886080"/>
-            <a:ext cx="6442560" cy="360360"/>
+            <a:ext cx="6442200" cy="360000"/>
           </a:xfrm>
           <a:prstGeom prst="rect">
             <a:avLst/>
@@ -10758,7 +10758,7 @@
         <p:spPr>
           <a:xfrm>
             <a:off x="7608600" y="6886080"/>
-            <a:ext cx="2280600" cy="360360"/>
+            <a:ext cx="2280240" cy="360000"/>
           </a:xfrm>
           <a:prstGeom prst="rect">
             <a:avLst/>
@@ -10820,7 +10820,7 @@
         <p:spPr>
           <a:xfrm>
             <a:off x="200160" y="1689840"/>
-            <a:ext cx="9515160" cy="363960"/>
+            <a:ext cx="9514800" cy="363960"/>
           </a:xfrm>
           <a:prstGeom prst="rect">
             <a:avLst/>
@@ -10880,7 +10880,7 @@
         <p:spPr>
           <a:xfrm>
             <a:off x="2245320" y="3596760"/>
-            <a:ext cx="5094360" cy="3493800"/>
+            <a:ext cx="5094000" cy="3493440"/>
           </a:xfrm>
           <a:prstGeom prst="rect">
             <a:avLst/>
@@ -10903,7 +10903,7 @@
         <p:spPr>
           <a:xfrm>
             <a:off x="707040" y="1867680"/>
-            <a:ext cx="8645040" cy="1591560"/>
+            <a:ext cx="8644680" cy="1591200"/>
           </a:xfrm>
           <a:prstGeom prst="rect">
             <a:avLst/>
@@ -10926,7 +10926,7 @@
         <p:spPr>
           <a:xfrm>
             <a:off x="727560" y="3323880"/>
-            <a:ext cx="8645040" cy="271800"/>
+            <a:ext cx="8644680" cy="271440"/>
           </a:xfrm>
           <a:prstGeom prst="rect">
             <a:avLst/>
@@ -10949,7 +10949,7 @@
         <p:spPr>
           <a:xfrm>
             <a:off x="6436800" y="3702960"/>
-            <a:ext cx="741960" cy="265680"/>
+            <a:ext cx="741600" cy="265320"/>
           </a:xfrm>
           <a:prstGeom prst="rect">
             <a:avLst/>
@@ -10972,7 +10972,7 @@
         <p:spPr>
           <a:xfrm>
             <a:off x="4691880" y="6028560"/>
-            <a:ext cx="675360" cy="255960"/>
+            <a:ext cx="675000" cy="255600"/>
           </a:xfrm>
           <a:prstGeom prst="rect">
             <a:avLst/>
@@ -11021,7 +11021,7 @@
         <p:spPr>
           <a:xfrm>
             <a:off x="360000" y="360000"/>
-            <a:ext cx="9355320" cy="895320"/>
+            <a:ext cx="9354960" cy="894960"/>
           </a:xfrm>
           <a:prstGeom prst="rect">
             <a:avLst/>
@@ -11073,7 +11073,7 @@
         <p:spPr>
           <a:xfrm>
             <a:off x="897120" y="6886080"/>
-            <a:ext cx="6442560" cy="360360"/>
+            <a:ext cx="6442200" cy="360000"/>
           </a:xfrm>
           <a:prstGeom prst="rect">
             <a:avLst/>
@@ -11125,7 +11125,7 @@
         <p:spPr>
           <a:xfrm>
             <a:off x="7608600" y="6886080"/>
-            <a:ext cx="2280600" cy="360360"/>
+            <a:ext cx="2280240" cy="360000"/>
           </a:xfrm>
           <a:prstGeom prst="rect">
             <a:avLst/>
@@ -11187,7 +11187,7 @@
         <p:spPr>
           <a:xfrm>
             <a:off x="200160" y="1689840"/>
-            <a:ext cx="9515160" cy="363960"/>
+            <a:ext cx="9514800" cy="363960"/>
           </a:xfrm>
           <a:prstGeom prst="rect">
             <a:avLst/>
@@ -11247,7 +11247,7 @@
         <p:spPr>
           <a:xfrm>
             <a:off x="2245320" y="3596760"/>
-            <a:ext cx="5094360" cy="3493800"/>
+            <a:ext cx="5094000" cy="3493440"/>
           </a:xfrm>
           <a:prstGeom prst="rect">
             <a:avLst/>
@@ -11270,7 +11270,7 @@
         <p:spPr>
           <a:xfrm>
             <a:off x="707040" y="1867680"/>
-            <a:ext cx="8645040" cy="1591560"/>
+            <a:ext cx="8644680" cy="1591200"/>
           </a:xfrm>
           <a:prstGeom prst="rect">
             <a:avLst/>
@@ -11293,7 +11293,7 @@
         <p:spPr>
           <a:xfrm>
             <a:off x="727560" y="3323880"/>
-            <a:ext cx="8645040" cy="271800"/>
+            <a:ext cx="8644680" cy="271440"/>
           </a:xfrm>
           <a:prstGeom prst="rect">
             <a:avLst/>
@@ -11316,7 +11316,7 @@
         <p:spPr>
           <a:xfrm>
             <a:off x="6436800" y="3702960"/>
-            <a:ext cx="741960" cy="265680"/>
+            <a:ext cx="741600" cy="265320"/>
           </a:xfrm>
           <a:prstGeom prst="rect">
             <a:avLst/>
@@ -11339,7 +11339,7 @@
         <p:spPr>
           <a:xfrm>
             <a:off x="5932080" y="5432040"/>
-            <a:ext cx="694440" cy="275040"/>
+            <a:ext cx="694080" cy="274680"/>
           </a:xfrm>
           <a:prstGeom prst="rect">
             <a:avLst/>
@@ -11362,7 +11362,7 @@
         <p:spPr>
           <a:xfrm>
             <a:off x="4691880" y="6028560"/>
-            <a:ext cx="675360" cy="255960"/>
+            <a:ext cx="675000" cy="255600"/>
           </a:xfrm>
           <a:prstGeom prst="rect">
             <a:avLst/>
@@ -11411,7 +11411,7 @@
         <p:spPr>
           <a:xfrm>
             <a:off x="360000" y="360000"/>
-            <a:ext cx="9355320" cy="895320"/>
+            <a:ext cx="9354960" cy="894960"/>
           </a:xfrm>
           <a:prstGeom prst="rect">
             <a:avLst/>
@@ -11463,7 +11463,7 @@
         <p:spPr>
           <a:xfrm>
             <a:off x="897120" y="6886080"/>
-            <a:ext cx="6442560" cy="360360"/>
+            <a:ext cx="6442200" cy="360000"/>
           </a:xfrm>
           <a:prstGeom prst="rect">
             <a:avLst/>
@@ -11515,7 +11515,7 @@
         <p:spPr>
           <a:xfrm>
             <a:off x="7608600" y="6886080"/>
-            <a:ext cx="2280600" cy="360360"/>
+            <a:ext cx="2280240" cy="360000"/>
           </a:xfrm>
           <a:prstGeom prst="rect">
             <a:avLst/>
@@ -11577,7 +11577,7 @@
         <p:spPr>
           <a:xfrm>
             <a:off x="200160" y="1689840"/>
-            <a:ext cx="9515160" cy="363960"/>
+            <a:ext cx="9514800" cy="363960"/>
           </a:xfrm>
           <a:prstGeom prst="rect">
             <a:avLst/>
@@ -11637,7 +11637,7 @@
         <p:spPr>
           <a:xfrm>
             <a:off x="2245320" y="3596760"/>
-            <a:ext cx="5094360" cy="3493800"/>
+            <a:ext cx="5094000" cy="3493440"/>
           </a:xfrm>
           <a:prstGeom prst="rect">
             <a:avLst/>
@@ -11660,7 +11660,7 @@
         <p:spPr>
           <a:xfrm>
             <a:off x="707040" y="1867680"/>
-            <a:ext cx="8645040" cy="1591560"/>
+            <a:ext cx="8644680" cy="1591200"/>
           </a:xfrm>
           <a:prstGeom prst="rect">
             <a:avLst/>
@@ -11683,7 +11683,7 @@
         <p:spPr>
           <a:xfrm>
             <a:off x="727560" y="3323880"/>
-            <a:ext cx="8645040" cy="271800"/>
+            <a:ext cx="8644680" cy="271440"/>
           </a:xfrm>
           <a:prstGeom prst="rect">
             <a:avLst/>
@@ -11706,7 +11706,7 @@
         <p:spPr>
           <a:xfrm>
             <a:off x="6436800" y="3702960"/>
-            <a:ext cx="741960" cy="265680"/>
+            <a:ext cx="741600" cy="265320"/>
           </a:xfrm>
           <a:prstGeom prst="rect">
             <a:avLst/>
@@ -11729,7 +11729,7 @@
         <p:spPr>
           <a:xfrm>
             <a:off x="5932080" y="5432040"/>
-            <a:ext cx="694440" cy="275040"/>
+            <a:ext cx="694080" cy="274680"/>
           </a:xfrm>
           <a:prstGeom prst="rect">
             <a:avLst/>
@@ -11752,7 +11752,7 @@
         <p:spPr>
           <a:xfrm>
             <a:off x="4691880" y="6028560"/>
-            <a:ext cx="675360" cy="255960"/>
+            <a:ext cx="675000" cy="255600"/>
           </a:xfrm>
           <a:prstGeom prst="rect">
             <a:avLst/>
@@ -11775,7 +11775,7 @@
         <p:spPr>
           <a:xfrm>
             <a:off x="5953320" y="5275800"/>
-            <a:ext cx="656280" cy="199080"/>
+            <a:ext cx="655920" cy="198720"/>
           </a:xfrm>
           <a:prstGeom prst="rect">
             <a:avLst/>
@@ -11824,7 +11824,7 @@
         <p:spPr>
           <a:xfrm>
             <a:off x="360000" y="360000"/>
-            <a:ext cx="9355320" cy="895320"/>
+            <a:ext cx="9354960" cy="894960"/>
           </a:xfrm>
           <a:prstGeom prst="rect">
             <a:avLst/>
@@ -11876,7 +11876,7 @@
         <p:spPr>
           <a:xfrm>
             <a:off x="897120" y="6886080"/>
-            <a:ext cx="6442560" cy="360360"/>
+            <a:ext cx="6442200" cy="360000"/>
           </a:xfrm>
           <a:prstGeom prst="rect">
             <a:avLst/>
@@ -11928,7 +11928,7 @@
         <p:spPr>
           <a:xfrm>
             <a:off x="7608600" y="6886080"/>
-            <a:ext cx="2280600" cy="360360"/>
+            <a:ext cx="2280240" cy="360000"/>
           </a:xfrm>
           <a:prstGeom prst="rect">
             <a:avLst/>
@@ -11990,7 +11990,7 @@
         <p:spPr>
           <a:xfrm>
             <a:off x="200160" y="1689840"/>
-            <a:ext cx="9515160" cy="363960"/>
+            <a:ext cx="9514800" cy="363960"/>
           </a:xfrm>
           <a:prstGeom prst="rect">
             <a:avLst/>
@@ -12050,7 +12050,7 @@
         <p:spPr>
           <a:xfrm>
             <a:off x="2245320" y="3596760"/>
-            <a:ext cx="5094360" cy="3493800"/>
+            <a:ext cx="5094000" cy="3493440"/>
           </a:xfrm>
           <a:prstGeom prst="rect">
             <a:avLst/>
@@ -12073,7 +12073,7 @@
         <p:spPr>
           <a:xfrm>
             <a:off x="707040" y="1867680"/>
-            <a:ext cx="8645040" cy="1591560"/>
+            <a:ext cx="8644680" cy="1591200"/>
           </a:xfrm>
           <a:prstGeom prst="rect">
             <a:avLst/>
@@ -12096,7 +12096,7 @@
         <p:spPr>
           <a:xfrm>
             <a:off x="727560" y="3323880"/>
-            <a:ext cx="8645040" cy="271800"/>
+            <a:ext cx="8644680" cy="271440"/>
           </a:xfrm>
           <a:prstGeom prst="rect">
             <a:avLst/>
@@ -12119,7 +12119,7 @@
         <p:spPr>
           <a:xfrm>
             <a:off x="6436800" y="3702960"/>
-            <a:ext cx="741960" cy="265680"/>
+            <a:ext cx="741600" cy="265320"/>
           </a:xfrm>
           <a:prstGeom prst="rect">
             <a:avLst/>
@@ -12142,7 +12142,7 @@
         <p:spPr>
           <a:xfrm>
             <a:off x="5932080" y="5432040"/>
-            <a:ext cx="694440" cy="275040"/>
+            <a:ext cx="694080" cy="274680"/>
           </a:xfrm>
           <a:prstGeom prst="rect">
             <a:avLst/>
@@ -12165,7 +12165,7 @@
         <p:spPr>
           <a:xfrm>
             <a:off x="4691880" y="6028560"/>
-            <a:ext cx="675360" cy="255960"/>
+            <a:ext cx="675000" cy="255600"/>
           </a:xfrm>
           <a:prstGeom prst="rect">
             <a:avLst/>
@@ -12188,7 +12188,7 @@
         <p:spPr>
           <a:xfrm>
             <a:off x="5953320" y="5275800"/>
-            <a:ext cx="656280" cy="199080"/>
+            <a:ext cx="655920" cy="198720"/>
           </a:xfrm>
           <a:prstGeom prst="rect">
             <a:avLst/>
@@ -12211,7 +12211,7 @@
         <p:spPr>
           <a:xfrm>
             <a:off x="5933160" y="5075640"/>
-            <a:ext cx="684720" cy="199080"/>
+            <a:ext cx="684360" cy="198720"/>
           </a:xfrm>
           <a:prstGeom prst="rect">
             <a:avLst/>

--- a/ComputerVision/Lecture 05 - Feature Extraction/Lecture 05 - Feature Extraction.pptx
+++ b/ComputerVision/Lecture 05 - Feature Extraction/Lecture 05 - Feature Extraction.pptx
@@ -306,7 +306,7 @@
             <a:pPr algn="r">
               <a:buNone/>
             </a:pPr>
-            <a:fld id="{E25F5E77-01ED-4822-A809-9FB8F7B93D9E}" type="slidenum">
+            <a:fld id="{4DC376E1-5B5D-414B-8454-BD2367169291}" type="slidenum">
               <a:rPr b="0" lang="en-US" sz="1400" spc="-1" strike="noStrike">
                 <a:latin typeface="Times New Roman"/>
               </a:rPr>
@@ -343,7 +343,7 @@
       </p:grpSpPr>
       <p:sp>
         <p:nvSpPr>
-          <p:cNvPr id="216" name="PlaceHolder 1"/>
+          <p:cNvPr id="214" name="PlaceHolder 1"/>
           <p:cNvSpPr>
             <a:spLocks noGrp="1"/>
           </p:cNvSpPr>
@@ -354,19 +354,19 @@
         <p:spPr>
           <a:xfrm>
             <a:off x="1376280" y="1336680"/>
-            <a:ext cx="4802400" cy="3602160"/>
-          </a:xfrm>
-          <a:prstGeom prst="rect">
-            <a:avLst/>
-          </a:prstGeom>
-          <a:ln w="0">
-            <a:noFill/>
-          </a:ln>
-        </p:spPr>
-      </p:sp>
-      <p:sp>
-        <p:nvSpPr>
-          <p:cNvPr id="217" name="PlaceHolder 2"/>
+            <a:ext cx="4802040" cy="3601800"/>
+          </a:xfrm>
+          <a:prstGeom prst="rect">
+            <a:avLst/>
+          </a:prstGeom>
+          <a:ln w="0">
+            <a:noFill/>
+          </a:ln>
+        </p:spPr>
+      </p:sp>
+      <p:sp>
+        <p:nvSpPr>
+          <p:cNvPr id="215" name="PlaceHolder 2"/>
           <p:cNvSpPr>
             <a:spLocks noGrp="1"/>
           </p:cNvSpPr>
@@ -377,7 +377,7 @@
         <p:spPr>
           <a:xfrm>
             <a:off x="756000" y="5145120"/>
-            <a:ext cx="6042600" cy="4204800"/>
+            <a:ext cx="6042240" cy="4204440"/>
           </a:xfrm>
           <a:prstGeom prst="rect">
             <a:avLst/>
@@ -400,14 +400,14 @@
       </p:sp>
       <p:sp>
         <p:nvSpPr>
-          <p:cNvPr id="218" name="CustomShape 3"/>
+          <p:cNvPr id="216" name="CustomShape 3"/>
           <p:cNvSpPr/>
           <p:nvPr/>
         </p:nvSpPr>
         <p:spPr>
           <a:xfrm>
             <a:off x="0" y="10155240"/>
-            <a:ext cx="3270960" cy="531360"/>
+            <a:ext cx="3270600" cy="531000"/>
           </a:xfrm>
           <a:prstGeom prst="rect">
             <a:avLst/>
@@ -474,7 +474,7 @@
       </p:grpSpPr>
       <p:sp>
         <p:nvSpPr>
-          <p:cNvPr id="243" name="PlaceHolder 1"/>
+          <p:cNvPr id="241" name="PlaceHolder 1"/>
           <p:cNvSpPr>
             <a:spLocks noGrp="1"/>
           </p:cNvSpPr>
@@ -485,19 +485,19 @@
         <p:spPr>
           <a:xfrm>
             <a:off x="1376280" y="1336680"/>
-            <a:ext cx="4802400" cy="3602160"/>
-          </a:xfrm>
-          <a:prstGeom prst="rect">
-            <a:avLst/>
-          </a:prstGeom>
-          <a:ln w="0">
-            <a:noFill/>
-          </a:ln>
-        </p:spPr>
-      </p:sp>
-      <p:sp>
-        <p:nvSpPr>
-          <p:cNvPr id="244" name="PlaceHolder 2"/>
+            <a:ext cx="4802040" cy="3601800"/>
+          </a:xfrm>
+          <a:prstGeom prst="rect">
+            <a:avLst/>
+          </a:prstGeom>
+          <a:ln w="0">
+            <a:noFill/>
+          </a:ln>
+        </p:spPr>
+      </p:sp>
+      <p:sp>
+        <p:nvSpPr>
+          <p:cNvPr id="242" name="PlaceHolder 2"/>
           <p:cNvSpPr>
             <a:spLocks noGrp="1"/>
           </p:cNvSpPr>
@@ -508,7 +508,7 @@
         <p:spPr>
           <a:xfrm>
             <a:off x="756000" y="5145120"/>
-            <a:ext cx="6042600" cy="4204800"/>
+            <a:ext cx="6042240" cy="4204440"/>
           </a:xfrm>
           <a:prstGeom prst="rect">
             <a:avLst/>
@@ -531,14 +531,14 @@
       </p:sp>
       <p:sp>
         <p:nvSpPr>
-          <p:cNvPr id="245" name="CustomShape 3"/>
+          <p:cNvPr id="243" name="CustomShape 3"/>
           <p:cNvSpPr/>
           <p:nvPr/>
         </p:nvSpPr>
         <p:spPr>
           <a:xfrm>
             <a:off x="0" y="10155240"/>
-            <a:ext cx="3270960" cy="531360"/>
+            <a:ext cx="3270600" cy="531000"/>
           </a:xfrm>
           <a:prstGeom prst="rect">
             <a:avLst/>
@@ -605,7 +605,7 @@
       </p:grpSpPr>
       <p:sp>
         <p:nvSpPr>
-          <p:cNvPr id="246" name="PlaceHolder 1"/>
+          <p:cNvPr id="244" name="PlaceHolder 1"/>
           <p:cNvSpPr>
             <a:spLocks noGrp="1"/>
           </p:cNvSpPr>
@@ -616,19 +616,19 @@
         <p:spPr>
           <a:xfrm>
             <a:off x="1376280" y="1336680"/>
-            <a:ext cx="4802400" cy="3602160"/>
-          </a:xfrm>
-          <a:prstGeom prst="rect">
-            <a:avLst/>
-          </a:prstGeom>
-          <a:ln w="0">
-            <a:noFill/>
-          </a:ln>
-        </p:spPr>
-      </p:sp>
-      <p:sp>
-        <p:nvSpPr>
-          <p:cNvPr id="247" name="PlaceHolder 2"/>
+            <a:ext cx="4802040" cy="3601800"/>
+          </a:xfrm>
+          <a:prstGeom prst="rect">
+            <a:avLst/>
+          </a:prstGeom>
+          <a:ln w="0">
+            <a:noFill/>
+          </a:ln>
+        </p:spPr>
+      </p:sp>
+      <p:sp>
+        <p:nvSpPr>
+          <p:cNvPr id="245" name="PlaceHolder 2"/>
           <p:cNvSpPr>
             <a:spLocks noGrp="1"/>
           </p:cNvSpPr>
@@ -639,7 +639,7 @@
         <p:spPr>
           <a:xfrm>
             <a:off x="756000" y="5145120"/>
-            <a:ext cx="6042600" cy="4204800"/>
+            <a:ext cx="6042240" cy="4204440"/>
           </a:xfrm>
           <a:prstGeom prst="rect">
             <a:avLst/>
@@ -662,14 +662,14 @@
       </p:sp>
       <p:sp>
         <p:nvSpPr>
-          <p:cNvPr id="248" name="CustomShape 3"/>
+          <p:cNvPr id="246" name="CustomShape 3"/>
           <p:cNvSpPr/>
           <p:nvPr/>
         </p:nvSpPr>
         <p:spPr>
           <a:xfrm>
             <a:off x="0" y="10155240"/>
-            <a:ext cx="3270960" cy="531360"/>
+            <a:ext cx="3270600" cy="531000"/>
           </a:xfrm>
           <a:prstGeom prst="rect">
             <a:avLst/>
@@ -736,7 +736,7 @@
       </p:grpSpPr>
       <p:sp>
         <p:nvSpPr>
-          <p:cNvPr id="249" name="PlaceHolder 1"/>
+          <p:cNvPr id="247" name="PlaceHolder 1"/>
           <p:cNvSpPr>
             <a:spLocks noGrp="1"/>
           </p:cNvSpPr>
@@ -747,19 +747,19 @@
         <p:spPr>
           <a:xfrm>
             <a:off x="1376280" y="1336680"/>
-            <a:ext cx="4802400" cy="3602160"/>
-          </a:xfrm>
-          <a:prstGeom prst="rect">
-            <a:avLst/>
-          </a:prstGeom>
-          <a:ln w="0">
-            <a:noFill/>
-          </a:ln>
-        </p:spPr>
-      </p:sp>
-      <p:sp>
-        <p:nvSpPr>
-          <p:cNvPr id="250" name="PlaceHolder 2"/>
+            <a:ext cx="4802040" cy="3601800"/>
+          </a:xfrm>
+          <a:prstGeom prst="rect">
+            <a:avLst/>
+          </a:prstGeom>
+          <a:ln w="0">
+            <a:noFill/>
+          </a:ln>
+        </p:spPr>
+      </p:sp>
+      <p:sp>
+        <p:nvSpPr>
+          <p:cNvPr id="248" name="PlaceHolder 2"/>
           <p:cNvSpPr>
             <a:spLocks noGrp="1"/>
           </p:cNvSpPr>
@@ -770,7 +770,7 @@
         <p:spPr>
           <a:xfrm>
             <a:off x="756000" y="5145120"/>
-            <a:ext cx="6042600" cy="4204800"/>
+            <a:ext cx="6042240" cy="4204440"/>
           </a:xfrm>
           <a:prstGeom prst="rect">
             <a:avLst/>
@@ -793,14 +793,14 @@
       </p:sp>
       <p:sp>
         <p:nvSpPr>
-          <p:cNvPr id="251" name="CustomShape 3"/>
+          <p:cNvPr id="249" name="CustomShape 3"/>
           <p:cNvSpPr/>
           <p:nvPr/>
         </p:nvSpPr>
         <p:spPr>
           <a:xfrm>
             <a:off x="0" y="10155240"/>
-            <a:ext cx="3270960" cy="531360"/>
+            <a:ext cx="3270600" cy="531000"/>
           </a:xfrm>
           <a:prstGeom prst="rect">
             <a:avLst/>
@@ -867,7 +867,7 @@
       </p:grpSpPr>
       <p:sp>
         <p:nvSpPr>
-          <p:cNvPr id="252" name="PlaceHolder 1"/>
+          <p:cNvPr id="250" name="PlaceHolder 1"/>
           <p:cNvSpPr>
             <a:spLocks noGrp="1"/>
           </p:cNvSpPr>
@@ -878,19 +878,19 @@
         <p:spPr>
           <a:xfrm>
             <a:off x="1376280" y="1336680"/>
-            <a:ext cx="4802400" cy="3602160"/>
-          </a:xfrm>
-          <a:prstGeom prst="rect">
-            <a:avLst/>
-          </a:prstGeom>
-          <a:ln w="0">
-            <a:noFill/>
-          </a:ln>
-        </p:spPr>
-      </p:sp>
-      <p:sp>
-        <p:nvSpPr>
-          <p:cNvPr id="253" name="PlaceHolder 2"/>
+            <a:ext cx="4802040" cy="3601800"/>
+          </a:xfrm>
+          <a:prstGeom prst="rect">
+            <a:avLst/>
+          </a:prstGeom>
+          <a:ln w="0">
+            <a:noFill/>
+          </a:ln>
+        </p:spPr>
+      </p:sp>
+      <p:sp>
+        <p:nvSpPr>
+          <p:cNvPr id="251" name="PlaceHolder 2"/>
           <p:cNvSpPr>
             <a:spLocks noGrp="1"/>
           </p:cNvSpPr>
@@ -901,7 +901,7 @@
         <p:spPr>
           <a:xfrm>
             <a:off x="756000" y="5145120"/>
-            <a:ext cx="6042600" cy="4204800"/>
+            <a:ext cx="6042240" cy="4204440"/>
           </a:xfrm>
           <a:prstGeom prst="rect">
             <a:avLst/>
@@ -924,14 +924,14 @@
       </p:sp>
       <p:sp>
         <p:nvSpPr>
-          <p:cNvPr id="254" name="CustomShape 3"/>
+          <p:cNvPr id="252" name="CustomShape 3"/>
           <p:cNvSpPr/>
           <p:nvPr/>
         </p:nvSpPr>
         <p:spPr>
           <a:xfrm>
             <a:off x="0" y="10155240"/>
-            <a:ext cx="3270960" cy="531360"/>
+            <a:ext cx="3270600" cy="531000"/>
           </a:xfrm>
           <a:prstGeom prst="rect">
             <a:avLst/>
@@ -998,7 +998,7 @@
       </p:grpSpPr>
       <p:sp>
         <p:nvSpPr>
-          <p:cNvPr id="255" name="PlaceHolder 1"/>
+          <p:cNvPr id="253" name="PlaceHolder 1"/>
           <p:cNvSpPr>
             <a:spLocks noGrp="1"/>
           </p:cNvSpPr>
@@ -1009,19 +1009,19 @@
         <p:spPr>
           <a:xfrm>
             <a:off x="1376280" y="1336680"/>
-            <a:ext cx="4802400" cy="3602160"/>
-          </a:xfrm>
-          <a:prstGeom prst="rect">
-            <a:avLst/>
-          </a:prstGeom>
-          <a:ln w="0">
-            <a:noFill/>
-          </a:ln>
-        </p:spPr>
-      </p:sp>
-      <p:sp>
-        <p:nvSpPr>
-          <p:cNvPr id="256" name="PlaceHolder 2"/>
+            <a:ext cx="4802040" cy="3601800"/>
+          </a:xfrm>
+          <a:prstGeom prst="rect">
+            <a:avLst/>
+          </a:prstGeom>
+          <a:ln w="0">
+            <a:noFill/>
+          </a:ln>
+        </p:spPr>
+      </p:sp>
+      <p:sp>
+        <p:nvSpPr>
+          <p:cNvPr id="254" name="PlaceHolder 2"/>
           <p:cNvSpPr>
             <a:spLocks noGrp="1"/>
           </p:cNvSpPr>
@@ -1032,7 +1032,7 @@
         <p:spPr>
           <a:xfrm>
             <a:off x="756000" y="5145120"/>
-            <a:ext cx="6042600" cy="4204800"/>
+            <a:ext cx="6042240" cy="4204440"/>
           </a:xfrm>
           <a:prstGeom prst="rect">
             <a:avLst/>
@@ -1055,14 +1055,14 @@
       </p:sp>
       <p:sp>
         <p:nvSpPr>
-          <p:cNvPr id="257" name="CustomShape 3"/>
+          <p:cNvPr id="255" name="CustomShape 3"/>
           <p:cNvSpPr/>
           <p:nvPr/>
         </p:nvSpPr>
         <p:spPr>
           <a:xfrm>
             <a:off x="0" y="10155240"/>
-            <a:ext cx="3270960" cy="531360"/>
+            <a:ext cx="3270600" cy="531000"/>
           </a:xfrm>
           <a:prstGeom prst="rect">
             <a:avLst/>
@@ -1129,7 +1129,7 @@
       </p:grpSpPr>
       <p:sp>
         <p:nvSpPr>
-          <p:cNvPr id="219" name="PlaceHolder 1"/>
+          <p:cNvPr id="217" name="PlaceHolder 1"/>
           <p:cNvSpPr>
             <a:spLocks noGrp="1"/>
           </p:cNvSpPr>
@@ -1140,19 +1140,19 @@
         <p:spPr>
           <a:xfrm>
             <a:off x="1376280" y="1336680"/>
-            <a:ext cx="4802400" cy="3602160"/>
-          </a:xfrm>
-          <a:prstGeom prst="rect">
-            <a:avLst/>
-          </a:prstGeom>
-          <a:ln w="0">
-            <a:noFill/>
-          </a:ln>
-        </p:spPr>
-      </p:sp>
-      <p:sp>
-        <p:nvSpPr>
-          <p:cNvPr id="220" name="PlaceHolder 2"/>
+            <a:ext cx="4802040" cy="3601800"/>
+          </a:xfrm>
+          <a:prstGeom prst="rect">
+            <a:avLst/>
+          </a:prstGeom>
+          <a:ln w="0">
+            <a:noFill/>
+          </a:ln>
+        </p:spPr>
+      </p:sp>
+      <p:sp>
+        <p:nvSpPr>
+          <p:cNvPr id="218" name="PlaceHolder 2"/>
           <p:cNvSpPr>
             <a:spLocks noGrp="1"/>
           </p:cNvSpPr>
@@ -1163,7 +1163,7 @@
         <p:spPr>
           <a:xfrm>
             <a:off x="756000" y="5145120"/>
-            <a:ext cx="6042600" cy="4204800"/>
+            <a:ext cx="6042240" cy="4204440"/>
           </a:xfrm>
           <a:prstGeom prst="rect">
             <a:avLst/>
@@ -1186,14 +1186,14 @@
       </p:sp>
       <p:sp>
         <p:nvSpPr>
-          <p:cNvPr id="221" name="CustomShape 3"/>
+          <p:cNvPr id="219" name="CustomShape 3"/>
           <p:cNvSpPr/>
           <p:nvPr/>
         </p:nvSpPr>
         <p:spPr>
           <a:xfrm>
             <a:off x="0" y="10155240"/>
-            <a:ext cx="3270960" cy="531360"/>
+            <a:ext cx="3270600" cy="531000"/>
           </a:xfrm>
           <a:prstGeom prst="rect">
             <a:avLst/>
@@ -1260,7 +1260,7 @@
       </p:grpSpPr>
       <p:sp>
         <p:nvSpPr>
-          <p:cNvPr id="222" name="PlaceHolder 1"/>
+          <p:cNvPr id="220" name="PlaceHolder 1"/>
           <p:cNvSpPr>
             <a:spLocks noGrp="1"/>
           </p:cNvSpPr>
@@ -1271,19 +1271,19 @@
         <p:spPr>
           <a:xfrm>
             <a:off x="1376280" y="1336680"/>
-            <a:ext cx="4802400" cy="3602160"/>
-          </a:xfrm>
-          <a:prstGeom prst="rect">
-            <a:avLst/>
-          </a:prstGeom>
-          <a:ln w="0">
-            <a:noFill/>
-          </a:ln>
-        </p:spPr>
-      </p:sp>
-      <p:sp>
-        <p:nvSpPr>
-          <p:cNvPr id="223" name="PlaceHolder 2"/>
+            <a:ext cx="4802040" cy="3601800"/>
+          </a:xfrm>
+          <a:prstGeom prst="rect">
+            <a:avLst/>
+          </a:prstGeom>
+          <a:ln w="0">
+            <a:noFill/>
+          </a:ln>
+        </p:spPr>
+      </p:sp>
+      <p:sp>
+        <p:nvSpPr>
+          <p:cNvPr id="221" name="PlaceHolder 2"/>
           <p:cNvSpPr>
             <a:spLocks noGrp="1"/>
           </p:cNvSpPr>
@@ -1294,7 +1294,7 @@
         <p:spPr>
           <a:xfrm>
             <a:off x="756000" y="5145120"/>
-            <a:ext cx="6042600" cy="4204800"/>
+            <a:ext cx="6042240" cy="4204440"/>
           </a:xfrm>
           <a:prstGeom prst="rect">
             <a:avLst/>
@@ -1317,14 +1317,14 @@
       </p:sp>
       <p:sp>
         <p:nvSpPr>
-          <p:cNvPr id="224" name="CustomShape 3"/>
+          <p:cNvPr id="222" name="CustomShape 3"/>
           <p:cNvSpPr/>
           <p:nvPr/>
         </p:nvSpPr>
         <p:spPr>
           <a:xfrm>
             <a:off x="0" y="10155240"/>
-            <a:ext cx="3270960" cy="531360"/>
+            <a:ext cx="3270600" cy="531000"/>
           </a:xfrm>
           <a:prstGeom prst="rect">
             <a:avLst/>
@@ -1391,7 +1391,7 @@
       </p:grpSpPr>
       <p:sp>
         <p:nvSpPr>
-          <p:cNvPr id="225" name="PlaceHolder 1"/>
+          <p:cNvPr id="223" name="PlaceHolder 1"/>
           <p:cNvSpPr>
             <a:spLocks noGrp="1"/>
           </p:cNvSpPr>
@@ -1402,19 +1402,19 @@
         <p:spPr>
           <a:xfrm>
             <a:off x="1376280" y="1336680"/>
-            <a:ext cx="4802400" cy="3602160"/>
-          </a:xfrm>
-          <a:prstGeom prst="rect">
-            <a:avLst/>
-          </a:prstGeom>
-          <a:ln w="0">
-            <a:noFill/>
-          </a:ln>
-        </p:spPr>
-      </p:sp>
-      <p:sp>
-        <p:nvSpPr>
-          <p:cNvPr id="226" name="PlaceHolder 2"/>
+            <a:ext cx="4802040" cy="3601800"/>
+          </a:xfrm>
+          <a:prstGeom prst="rect">
+            <a:avLst/>
+          </a:prstGeom>
+          <a:ln w="0">
+            <a:noFill/>
+          </a:ln>
+        </p:spPr>
+      </p:sp>
+      <p:sp>
+        <p:nvSpPr>
+          <p:cNvPr id="224" name="PlaceHolder 2"/>
           <p:cNvSpPr>
             <a:spLocks noGrp="1"/>
           </p:cNvSpPr>
@@ -1425,7 +1425,7 @@
         <p:spPr>
           <a:xfrm>
             <a:off x="756000" y="5145120"/>
-            <a:ext cx="6042600" cy="4204800"/>
+            <a:ext cx="6042240" cy="4204440"/>
           </a:xfrm>
           <a:prstGeom prst="rect">
             <a:avLst/>
@@ -1448,14 +1448,14 @@
       </p:sp>
       <p:sp>
         <p:nvSpPr>
-          <p:cNvPr id="227" name="CustomShape 3"/>
+          <p:cNvPr id="225" name="CustomShape 3"/>
           <p:cNvSpPr/>
           <p:nvPr/>
         </p:nvSpPr>
         <p:spPr>
           <a:xfrm>
             <a:off x="0" y="10155240"/>
-            <a:ext cx="3270960" cy="531360"/>
+            <a:ext cx="3270600" cy="531000"/>
           </a:xfrm>
           <a:prstGeom prst="rect">
             <a:avLst/>
@@ -1522,7 +1522,7 @@
       </p:grpSpPr>
       <p:sp>
         <p:nvSpPr>
-          <p:cNvPr id="228" name="PlaceHolder 1"/>
+          <p:cNvPr id="226" name="PlaceHolder 1"/>
           <p:cNvSpPr>
             <a:spLocks noGrp="1"/>
           </p:cNvSpPr>
@@ -1533,19 +1533,19 @@
         <p:spPr>
           <a:xfrm>
             <a:off x="1376280" y="1336680"/>
-            <a:ext cx="4802400" cy="3602160"/>
-          </a:xfrm>
-          <a:prstGeom prst="rect">
-            <a:avLst/>
-          </a:prstGeom>
-          <a:ln w="0">
-            <a:noFill/>
-          </a:ln>
-        </p:spPr>
-      </p:sp>
-      <p:sp>
-        <p:nvSpPr>
-          <p:cNvPr id="229" name="PlaceHolder 2"/>
+            <a:ext cx="4802040" cy="3601800"/>
+          </a:xfrm>
+          <a:prstGeom prst="rect">
+            <a:avLst/>
+          </a:prstGeom>
+          <a:ln w="0">
+            <a:noFill/>
+          </a:ln>
+        </p:spPr>
+      </p:sp>
+      <p:sp>
+        <p:nvSpPr>
+          <p:cNvPr id="227" name="PlaceHolder 2"/>
           <p:cNvSpPr>
             <a:spLocks noGrp="1"/>
           </p:cNvSpPr>
@@ -1556,7 +1556,7 @@
         <p:spPr>
           <a:xfrm>
             <a:off x="756000" y="5145120"/>
-            <a:ext cx="6042600" cy="4204800"/>
+            <a:ext cx="6042240" cy="4204440"/>
           </a:xfrm>
           <a:prstGeom prst="rect">
             <a:avLst/>
@@ -1579,14 +1579,14 @@
       </p:sp>
       <p:sp>
         <p:nvSpPr>
-          <p:cNvPr id="230" name="CustomShape 3"/>
+          <p:cNvPr id="228" name="CustomShape 3"/>
           <p:cNvSpPr/>
           <p:nvPr/>
         </p:nvSpPr>
         <p:spPr>
           <a:xfrm>
             <a:off x="0" y="10155240"/>
-            <a:ext cx="3270960" cy="531360"/>
+            <a:ext cx="3270600" cy="531000"/>
           </a:xfrm>
           <a:prstGeom prst="rect">
             <a:avLst/>
@@ -1653,7 +1653,7 @@
       </p:grpSpPr>
       <p:sp>
         <p:nvSpPr>
-          <p:cNvPr id="231" name="PlaceHolder 1"/>
+          <p:cNvPr id="229" name="PlaceHolder 1"/>
           <p:cNvSpPr>
             <a:spLocks noGrp="1"/>
           </p:cNvSpPr>
@@ -1664,19 +1664,19 @@
         <p:spPr>
           <a:xfrm>
             <a:off x="1376280" y="1336680"/>
-            <a:ext cx="4802400" cy="3602160"/>
-          </a:xfrm>
-          <a:prstGeom prst="rect">
-            <a:avLst/>
-          </a:prstGeom>
-          <a:ln w="0">
-            <a:noFill/>
-          </a:ln>
-        </p:spPr>
-      </p:sp>
-      <p:sp>
-        <p:nvSpPr>
-          <p:cNvPr id="232" name="PlaceHolder 2"/>
+            <a:ext cx="4802040" cy="3601800"/>
+          </a:xfrm>
+          <a:prstGeom prst="rect">
+            <a:avLst/>
+          </a:prstGeom>
+          <a:ln w="0">
+            <a:noFill/>
+          </a:ln>
+        </p:spPr>
+      </p:sp>
+      <p:sp>
+        <p:nvSpPr>
+          <p:cNvPr id="230" name="PlaceHolder 2"/>
           <p:cNvSpPr>
             <a:spLocks noGrp="1"/>
           </p:cNvSpPr>
@@ -1687,7 +1687,7 @@
         <p:spPr>
           <a:xfrm>
             <a:off x="756000" y="5145120"/>
-            <a:ext cx="6042600" cy="4204800"/>
+            <a:ext cx="6042240" cy="4204440"/>
           </a:xfrm>
           <a:prstGeom prst="rect">
             <a:avLst/>
@@ -1710,14 +1710,14 @@
       </p:sp>
       <p:sp>
         <p:nvSpPr>
-          <p:cNvPr id="233" name="CustomShape 3"/>
+          <p:cNvPr id="231" name="CustomShape 3"/>
           <p:cNvSpPr/>
           <p:nvPr/>
         </p:nvSpPr>
         <p:spPr>
           <a:xfrm>
             <a:off x="0" y="10155240"/>
-            <a:ext cx="3270960" cy="531360"/>
+            <a:ext cx="3270600" cy="531000"/>
           </a:xfrm>
           <a:prstGeom prst="rect">
             <a:avLst/>
@@ -1784,7 +1784,7 @@
       </p:grpSpPr>
       <p:sp>
         <p:nvSpPr>
-          <p:cNvPr id="234" name="PlaceHolder 1"/>
+          <p:cNvPr id="232" name="PlaceHolder 1"/>
           <p:cNvSpPr>
             <a:spLocks noGrp="1"/>
           </p:cNvSpPr>
@@ -1795,19 +1795,19 @@
         <p:spPr>
           <a:xfrm>
             <a:off x="1376280" y="1336680"/>
-            <a:ext cx="4802400" cy="3602160"/>
-          </a:xfrm>
-          <a:prstGeom prst="rect">
-            <a:avLst/>
-          </a:prstGeom>
-          <a:ln w="0">
-            <a:noFill/>
-          </a:ln>
-        </p:spPr>
-      </p:sp>
-      <p:sp>
-        <p:nvSpPr>
-          <p:cNvPr id="235" name="PlaceHolder 2"/>
+            <a:ext cx="4802040" cy="3601800"/>
+          </a:xfrm>
+          <a:prstGeom prst="rect">
+            <a:avLst/>
+          </a:prstGeom>
+          <a:ln w="0">
+            <a:noFill/>
+          </a:ln>
+        </p:spPr>
+      </p:sp>
+      <p:sp>
+        <p:nvSpPr>
+          <p:cNvPr id="233" name="PlaceHolder 2"/>
           <p:cNvSpPr>
             <a:spLocks noGrp="1"/>
           </p:cNvSpPr>
@@ -1818,7 +1818,7 @@
         <p:spPr>
           <a:xfrm>
             <a:off x="756000" y="5145120"/>
-            <a:ext cx="6042600" cy="4204800"/>
+            <a:ext cx="6042240" cy="4204440"/>
           </a:xfrm>
           <a:prstGeom prst="rect">
             <a:avLst/>
@@ -1841,14 +1841,14 @@
       </p:sp>
       <p:sp>
         <p:nvSpPr>
-          <p:cNvPr id="236" name="CustomShape 3"/>
+          <p:cNvPr id="234" name="CustomShape 3"/>
           <p:cNvSpPr/>
           <p:nvPr/>
         </p:nvSpPr>
         <p:spPr>
           <a:xfrm>
             <a:off x="0" y="10155240"/>
-            <a:ext cx="3270960" cy="531360"/>
+            <a:ext cx="3270600" cy="531000"/>
           </a:xfrm>
           <a:prstGeom prst="rect">
             <a:avLst/>
@@ -1915,7 +1915,7 @@
       </p:grpSpPr>
       <p:sp>
         <p:nvSpPr>
-          <p:cNvPr id="237" name="PlaceHolder 1"/>
+          <p:cNvPr id="235" name="PlaceHolder 1"/>
           <p:cNvSpPr>
             <a:spLocks noGrp="1"/>
           </p:cNvSpPr>
@@ -1926,19 +1926,19 @@
         <p:spPr>
           <a:xfrm>
             <a:off x="1376280" y="1336680"/>
-            <a:ext cx="4802400" cy="3602160"/>
-          </a:xfrm>
-          <a:prstGeom prst="rect">
-            <a:avLst/>
-          </a:prstGeom>
-          <a:ln w="0">
-            <a:noFill/>
-          </a:ln>
-        </p:spPr>
-      </p:sp>
-      <p:sp>
-        <p:nvSpPr>
-          <p:cNvPr id="238" name="PlaceHolder 2"/>
+            <a:ext cx="4802040" cy="3601800"/>
+          </a:xfrm>
+          <a:prstGeom prst="rect">
+            <a:avLst/>
+          </a:prstGeom>
+          <a:ln w="0">
+            <a:noFill/>
+          </a:ln>
+        </p:spPr>
+      </p:sp>
+      <p:sp>
+        <p:nvSpPr>
+          <p:cNvPr id="236" name="PlaceHolder 2"/>
           <p:cNvSpPr>
             <a:spLocks noGrp="1"/>
           </p:cNvSpPr>
@@ -1949,7 +1949,7 @@
         <p:spPr>
           <a:xfrm>
             <a:off x="756000" y="5145120"/>
-            <a:ext cx="6042600" cy="4204800"/>
+            <a:ext cx="6042240" cy="4204440"/>
           </a:xfrm>
           <a:prstGeom prst="rect">
             <a:avLst/>
@@ -1972,14 +1972,14 @@
       </p:sp>
       <p:sp>
         <p:nvSpPr>
-          <p:cNvPr id="239" name="CustomShape 3"/>
+          <p:cNvPr id="237" name="CustomShape 3"/>
           <p:cNvSpPr/>
           <p:nvPr/>
         </p:nvSpPr>
         <p:spPr>
           <a:xfrm>
             <a:off x="0" y="10155240"/>
-            <a:ext cx="3270960" cy="531360"/>
+            <a:ext cx="3270600" cy="531000"/>
           </a:xfrm>
           <a:prstGeom prst="rect">
             <a:avLst/>
@@ -2046,7 +2046,7 @@
       </p:grpSpPr>
       <p:sp>
         <p:nvSpPr>
-          <p:cNvPr id="240" name="PlaceHolder 1"/>
+          <p:cNvPr id="238" name="PlaceHolder 1"/>
           <p:cNvSpPr>
             <a:spLocks noGrp="1"/>
           </p:cNvSpPr>
@@ -2057,19 +2057,19 @@
         <p:spPr>
           <a:xfrm>
             <a:off x="1376280" y="1336680"/>
-            <a:ext cx="4802400" cy="3602160"/>
-          </a:xfrm>
-          <a:prstGeom prst="rect">
-            <a:avLst/>
-          </a:prstGeom>
-          <a:ln w="0">
-            <a:noFill/>
-          </a:ln>
-        </p:spPr>
-      </p:sp>
-      <p:sp>
-        <p:nvSpPr>
-          <p:cNvPr id="241" name="PlaceHolder 2"/>
+            <a:ext cx="4802040" cy="3601800"/>
+          </a:xfrm>
+          <a:prstGeom prst="rect">
+            <a:avLst/>
+          </a:prstGeom>
+          <a:ln w="0">
+            <a:noFill/>
+          </a:ln>
+        </p:spPr>
+      </p:sp>
+      <p:sp>
+        <p:nvSpPr>
+          <p:cNvPr id="239" name="PlaceHolder 2"/>
           <p:cNvSpPr>
             <a:spLocks noGrp="1"/>
           </p:cNvSpPr>
@@ -2080,7 +2080,7 @@
         <p:spPr>
           <a:xfrm>
             <a:off x="756000" y="5145120"/>
-            <a:ext cx="6042600" cy="4204800"/>
+            <a:ext cx="6042240" cy="4204440"/>
           </a:xfrm>
           <a:prstGeom prst="rect">
             <a:avLst/>
@@ -2103,14 +2103,14 @@
       </p:sp>
       <p:sp>
         <p:nvSpPr>
-          <p:cNvPr id="242" name="CustomShape 3"/>
+          <p:cNvPr id="240" name="CustomShape 3"/>
           <p:cNvSpPr/>
           <p:nvPr/>
         </p:nvSpPr>
         <p:spPr>
           <a:xfrm>
             <a:off x="0" y="10155240"/>
-            <a:ext cx="3270960" cy="531360"/>
+            <a:ext cx="3270600" cy="531000"/>
           </a:xfrm>
           <a:prstGeom prst="rect">
             <a:avLst/>
@@ -5239,7 +5239,7 @@
         <p:spPr>
           <a:xfrm>
             <a:off x="0" y="3150000"/>
-            <a:ext cx="9714960" cy="1254960"/>
+            <a:ext cx="9714600" cy="1254600"/>
           </a:xfrm>
           <a:prstGeom prst="rect">
             <a:avLst/>
@@ -5537,7 +5537,7 @@
         <p:spPr>
           <a:xfrm>
             <a:off x="0" y="180000"/>
-            <a:ext cx="9714960" cy="1254960"/>
+            <a:ext cx="9714600" cy="1254600"/>
           </a:xfrm>
           <a:prstGeom prst="rect">
             <a:avLst/>
@@ -5565,7 +5565,7 @@
         <p:spPr>
           <a:xfrm>
             <a:off x="7560000" y="6840000"/>
-            <a:ext cx="2514960" cy="534960"/>
+            <a:ext cx="2514600" cy="534600"/>
           </a:xfrm>
           <a:prstGeom prst="rect">
             <a:avLst/>
@@ -5593,7 +5593,7 @@
         <p:spPr>
           <a:xfrm>
             <a:off x="900000" y="6840000"/>
-            <a:ext cx="6474960" cy="534960"/>
+            <a:ext cx="6474600" cy="534600"/>
           </a:xfrm>
           <a:prstGeom prst="rect">
             <a:avLst/>
@@ -5621,7 +5621,7 @@
         <p:spPr>
           <a:xfrm>
             <a:off x="180000" y="6840000"/>
-            <a:ext cx="534960" cy="534960"/>
+            <a:ext cx="534600" cy="534600"/>
           </a:xfrm>
           <a:prstGeom prst="rect">
             <a:avLst/>
@@ -5910,7 +5910,7 @@
         <p:spPr>
           <a:xfrm>
             <a:off x="360000" y="3330000"/>
-            <a:ext cx="9354960" cy="894960"/>
+            <a:ext cx="9354600" cy="894600"/>
           </a:xfrm>
           <a:prstGeom prst="rect">
             <a:avLst/>
@@ -5962,7 +5962,7 @@
         <p:spPr>
           <a:xfrm>
             <a:off x="540000" y="4680000"/>
-            <a:ext cx="9174960" cy="2514960"/>
+            <a:ext cx="9174600" cy="2514600"/>
           </a:xfrm>
           <a:prstGeom prst="rect">
             <a:avLst/>
@@ -6160,14 +6160,14 @@
       </p:grpSpPr>
       <p:sp>
         <p:nvSpPr>
-          <p:cNvPr id="170" name="CustomShape 1"/>
+          <p:cNvPr id="168" name="CustomShape 1"/>
           <p:cNvSpPr/>
           <p:nvPr/>
         </p:nvSpPr>
         <p:spPr>
           <a:xfrm>
             <a:off x="360000" y="360000"/>
-            <a:ext cx="9354960" cy="894960"/>
+            <a:ext cx="9354600" cy="894600"/>
           </a:xfrm>
           <a:prstGeom prst="rect">
             <a:avLst/>
@@ -6212,14 +6212,14 @@
       </p:sp>
       <p:sp>
         <p:nvSpPr>
-          <p:cNvPr id="171" name="CustomShape 2"/>
+          <p:cNvPr id="169" name="CustomShape 2"/>
           <p:cNvSpPr/>
           <p:nvPr/>
         </p:nvSpPr>
         <p:spPr>
           <a:xfrm>
             <a:off x="897120" y="6886080"/>
-            <a:ext cx="6442200" cy="360000"/>
+            <a:ext cx="6441840" cy="359640"/>
           </a:xfrm>
           <a:prstGeom prst="rect">
             <a:avLst/>
@@ -6264,14 +6264,14 @@
       </p:sp>
       <p:sp>
         <p:nvSpPr>
-          <p:cNvPr id="172" name="CustomShape 3"/>
+          <p:cNvPr id="170" name="CustomShape 3"/>
           <p:cNvSpPr/>
           <p:nvPr/>
         </p:nvSpPr>
         <p:spPr>
           <a:xfrm>
             <a:off x="7608600" y="6886080"/>
-            <a:ext cx="2280240" cy="360000"/>
+            <a:ext cx="2279880" cy="359640"/>
           </a:xfrm>
           <a:prstGeom prst="rect">
             <a:avLst/>
@@ -6326,14 +6326,14 @@
       </p:sp>
       <p:sp>
         <p:nvSpPr>
-          <p:cNvPr id="173" name="CaixaDeTexto 1"/>
+          <p:cNvPr id="171" name="CaixaDeTexto 1"/>
           <p:cNvSpPr/>
           <p:nvPr/>
         </p:nvSpPr>
         <p:spPr>
           <a:xfrm>
             <a:off x="200160" y="1689840"/>
-            <a:ext cx="9514800" cy="1186920"/>
+            <a:ext cx="9514440" cy="1186920"/>
           </a:xfrm>
           <a:prstGeom prst="rect">
             <a:avLst/>
@@ -6415,7 +6415,7 @@
       </p:sp>
       <p:pic>
         <p:nvPicPr>
-          <p:cNvPr id="174" name="Picture 6" descr=""/>
+          <p:cNvPr id="172" name="Picture 6" descr=""/>
           <p:cNvPicPr/>
           <p:nvPr/>
         </p:nvPicPr>
@@ -6426,7 +6426,7 @@
         <p:spPr>
           <a:xfrm>
             <a:off x="2245320" y="3596760"/>
-            <a:ext cx="5094000" cy="3493440"/>
+            <a:ext cx="5093640" cy="3493080"/>
           </a:xfrm>
           <a:prstGeom prst="rect">
             <a:avLst/>
@@ -6438,7 +6438,7 @@
       </p:pic>
       <p:pic>
         <p:nvPicPr>
-          <p:cNvPr id="175" name="Picture 2" descr=""/>
+          <p:cNvPr id="173" name="Picture 2" descr=""/>
           <p:cNvPicPr/>
           <p:nvPr/>
         </p:nvPicPr>
@@ -6449,7 +6449,7 @@
         <p:spPr>
           <a:xfrm>
             <a:off x="707040" y="1867680"/>
-            <a:ext cx="8644680" cy="1591200"/>
+            <a:ext cx="8644320" cy="1590840"/>
           </a:xfrm>
           <a:prstGeom prst="rect">
             <a:avLst/>
@@ -6461,7 +6461,7 @@
       </p:pic>
       <p:pic>
         <p:nvPicPr>
-          <p:cNvPr id="176" name="Imagem 11" descr=""/>
+          <p:cNvPr id="174" name="Imagem 11" descr=""/>
           <p:cNvPicPr/>
           <p:nvPr/>
         </p:nvPicPr>
@@ -6472,7 +6472,7 @@
         <p:spPr>
           <a:xfrm>
             <a:off x="727560" y="3323880"/>
-            <a:ext cx="8644680" cy="271440"/>
+            <a:ext cx="8644320" cy="271080"/>
           </a:xfrm>
           <a:prstGeom prst="rect">
             <a:avLst/>
@@ -6484,14 +6484,14 @@
       </p:pic>
       <p:sp>
         <p:nvSpPr>
-          <p:cNvPr id="177" name="Retângulo 2"/>
+          <p:cNvPr id="175" name="Retângulo 2"/>
           <p:cNvSpPr/>
           <p:nvPr/>
         </p:nvSpPr>
         <p:spPr>
           <a:xfrm>
             <a:off x="3891240" y="3240360"/>
-            <a:ext cx="750240" cy="385200"/>
+            <a:ext cx="749880" cy="384840"/>
           </a:xfrm>
           <a:prstGeom prst="rect">
             <a:avLst/>
@@ -6525,14 +6525,14 @@
       </p:sp>
       <p:sp>
         <p:nvSpPr>
-          <p:cNvPr id="178" name="Retângulo 12"/>
+          <p:cNvPr id="176" name="Retângulo 12"/>
           <p:cNvSpPr/>
           <p:nvPr/>
         </p:nvSpPr>
         <p:spPr>
           <a:xfrm>
             <a:off x="7040880" y="3247200"/>
-            <a:ext cx="750240" cy="385200"/>
+            <a:ext cx="749880" cy="384840"/>
           </a:xfrm>
           <a:prstGeom prst="rect">
             <a:avLst/>
@@ -6566,14 +6566,14 @@
       </p:sp>
       <p:sp>
         <p:nvSpPr>
-          <p:cNvPr id="179" name="Retângulo 13"/>
+          <p:cNvPr id="177" name="Retângulo 13"/>
           <p:cNvSpPr/>
           <p:nvPr/>
         </p:nvSpPr>
         <p:spPr>
           <a:xfrm>
             <a:off x="7848000" y="3247200"/>
-            <a:ext cx="750240" cy="385200"/>
+            <a:ext cx="749880" cy="384840"/>
           </a:xfrm>
           <a:prstGeom prst="rect">
             <a:avLst/>
@@ -6607,14 +6607,14 @@
       </p:sp>
       <p:sp>
         <p:nvSpPr>
-          <p:cNvPr id="180" name="Retângulo 14"/>
+          <p:cNvPr id="178" name="Retângulo 14"/>
           <p:cNvSpPr/>
           <p:nvPr/>
         </p:nvSpPr>
         <p:spPr>
           <a:xfrm>
             <a:off x="8641800" y="3247200"/>
-            <a:ext cx="750240" cy="385200"/>
+            <a:ext cx="749880" cy="384840"/>
           </a:xfrm>
           <a:prstGeom prst="rect">
             <a:avLst/>
@@ -6648,14 +6648,14 @@
       </p:sp>
       <p:sp>
         <p:nvSpPr>
-          <p:cNvPr id="181" name="Retângulo 15"/>
+          <p:cNvPr id="179" name="Retângulo 15"/>
           <p:cNvSpPr/>
           <p:nvPr/>
         </p:nvSpPr>
         <p:spPr>
           <a:xfrm>
             <a:off x="5594040" y="5676480"/>
-            <a:ext cx="750240" cy="385200"/>
+            <a:ext cx="749880" cy="384840"/>
           </a:xfrm>
           <a:prstGeom prst="rect">
             <a:avLst/>
@@ -6689,14 +6689,14 @@
       </p:sp>
       <p:sp>
         <p:nvSpPr>
-          <p:cNvPr id="182" name="Retângulo 16"/>
+          <p:cNvPr id="180" name="Retângulo 16"/>
           <p:cNvSpPr/>
           <p:nvPr/>
         </p:nvSpPr>
         <p:spPr>
           <a:xfrm>
             <a:off x="4682520" y="3250800"/>
-            <a:ext cx="750240" cy="385200"/>
+            <a:ext cx="749880" cy="384840"/>
           </a:xfrm>
           <a:prstGeom prst="rect">
             <a:avLst/>
@@ -6730,14 +6730,14 @@
       </p:sp>
       <p:sp>
         <p:nvSpPr>
-          <p:cNvPr id="183" name="Retângulo 17"/>
+          <p:cNvPr id="181" name="Retângulo 17"/>
           <p:cNvSpPr/>
           <p:nvPr/>
         </p:nvSpPr>
         <p:spPr>
           <a:xfrm>
             <a:off x="5466240" y="3250800"/>
-            <a:ext cx="750240" cy="385200"/>
+            <a:ext cx="749880" cy="384840"/>
           </a:xfrm>
           <a:prstGeom prst="rect">
             <a:avLst/>
@@ -6771,14 +6771,14 @@
       </p:sp>
       <p:sp>
         <p:nvSpPr>
-          <p:cNvPr id="184" name="Retângulo 18"/>
+          <p:cNvPr id="182" name="Retângulo 18"/>
           <p:cNvSpPr/>
           <p:nvPr/>
         </p:nvSpPr>
         <p:spPr>
           <a:xfrm>
             <a:off x="5685480" y="6179760"/>
-            <a:ext cx="750240" cy="385200"/>
+            <a:ext cx="749880" cy="384840"/>
           </a:xfrm>
           <a:prstGeom prst="rect">
             <a:avLst/>
@@ -6812,14 +6812,14 @@
       </p:sp>
       <p:sp>
         <p:nvSpPr>
-          <p:cNvPr id="185" name="CaixaDeTexto 3"/>
+          <p:cNvPr id="183" name="CaixaDeTexto 3"/>
           <p:cNvSpPr/>
           <p:nvPr/>
         </p:nvSpPr>
         <p:spPr>
           <a:xfrm>
             <a:off x="7323120" y="5525280"/>
-            <a:ext cx="2080440" cy="363960"/>
+            <a:ext cx="2080080" cy="363960"/>
           </a:xfrm>
           <a:prstGeom prst="rect">
             <a:avLst/>
@@ -6864,14 +6864,14 @@
       </p:sp>
       <p:sp>
         <p:nvSpPr>
-          <p:cNvPr id="186" name="Seta: para a Direita 4"/>
+          <p:cNvPr id="184" name="Seta: para a Direita 4"/>
           <p:cNvSpPr/>
           <p:nvPr/>
         </p:nvSpPr>
         <p:spPr>
           <a:xfrm rot="10800000">
-            <a:off x="6773760" y="5871240"/>
-            <a:ext cx="1074240" cy="191880"/>
+            <a:off x="6774120" y="5871600"/>
+            <a:ext cx="1073880" cy="191520"/>
           </a:xfrm>
           <a:prstGeom prst="rightArrow">
             <a:avLst>
@@ -6936,14 +6936,14 @@
       </p:grpSpPr>
       <p:sp>
         <p:nvSpPr>
-          <p:cNvPr id="187" name="CustomShape 1"/>
+          <p:cNvPr id="185" name="CustomShape 1"/>
           <p:cNvSpPr/>
           <p:nvPr/>
         </p:nvSpPr>
         <p:spPr>
           <a:xfrm>
             <a:off x="360000" y="360000"/>
-            <a:ext cx="9354960" cy="894960"/>
+            <a:ext cx="9354600" cy="894600"/>
           </a:xfrm>
           <a:prstGeom prst="rect">
             <a:avLst/>
@@ -6988,14 +6988,14 @@
       </p:sp>
       <p:sp>
         <p:nvSpPr>
-          <p:cNvPr id="188" name="CustomShape 2"/>
+          <p:cNvPr id="186" name="CustomShape 2"/>
           <p:cNvSpPr/>
           <p:nvPr/>
         </p:nvSpPr>
         <p:spPr>
           <a:xfrm>
             <a:off x="897120" y="6886080"/>
-            <a:ext cx="6442200" cy="360000"/>
+            <a:ext cx="6441840" cy="359640"/>
           </a:xfrm>
           <a:prstGeom prst="rect">
             <a:avLst/>
@@ -7040,14 +7040,14 @@
       </p:sp>
       <p:sp>
         <p:nvSpPr>
-          <p:cNvPr id="189" name="CustomShape 3"/>
+          <p:cNvPr id="187" name="CustomShape 3"/>
           <p:cNvSpPr/>
           <p:nvPr/>
         </p:nvSpPr>
         <p:spPr>
           <a:xfrm>
             <a:off x="7608600" y="6886080"/>
-            <a:ext cx="2280240" cy="360000"/>
+            <a:ext cx="2279880" cy="359640"/>
           </a:xfrm>
           <a:prstGeom prst="rect">
             <a:avLst/>
@@ -7102,14 +7102,14 @@
       </p:sp>
       <p:sp>
         <p:nvSpPr>
-          <p:cNvPr id="190" name="CaixaDeTexto 1"/>
+          <p:cNvPr id="188" name="CaixaDeTexto 1"/>
           <p:cNvSpPr/>
           <p:nvPr/>
         </p:nvSpPr>
         <p:spPr>
           <a:xfrm>
             <a:off x="200160" y="1689840"/>
-            <a:ext cx="9514800" cy="2284200"/>
+            <a:ext cx="9514440" cy="2284200"/>
           </a:xfrm>
           <a:prstGeom prst="rect">
             <a:avLst/>
@@ -7238,7 +7238,7 @@
       </p:sp>
       <p:pic>
         <p:nvPicPr>
-          <p:cNvPr id="191" name="Imagem 19" descr=""/>
+          <p:cNvPr id="189" name="Imagem 19" descr=""/>
           <p:cNvPicPr/>
           <p:nvPr/>
         </p:nvPicPr>
@@ -7249,7 +7249,7 @@
         <p:spPr>
           <a:xfrm>
             <a:off x="1500120" y="3444480"/>
-            <a:ext cx="7074360" cy="3031200"/>
+            <a:ext cx="7074000" cy="3030840"/>
           </a:xfrm>
           <a:prstGeom prst="rect">
             <a:avLst/>
@@ -7291,14 +7291,14 @@
       </p:grpSpPr>
       <p:sp>
         <p:nvSpPr>
-          <p:cNvPr id="192" name="CustomShape 1"/>
+          <p:cNvPr id="190" name="CustomShape 1"/>
           <p:cNvSpPr/>
           <p:nvPr/>
         </p:nvSpPr>
         <p:spPr>
           <a:xfrm>
             <a:off x="360000" y="360000"/>
-            <a:ext cx="9354960" cy="894960"/>
+            <a:ext cx="9354600" cy="894600"/>
           </a:xfrm>
           <a:prstGeom prst="rect">
             <a:avLst/>
@@ -7343,14 +7343,14 @@
       </p:sp>
       <p:sp>
         <p:nvSpPr>
-          <p:cNvPr id="193" name="CustomShape 2"/>
+          <p:cNvPr id="191" name="CustomShape 2"/>
           <p:cNvSpPr/>
           <p:nvPr/>
         </p:nvSpPr>
         <p:spPr>
           <a:xfrm>
             <a:off x="897120" y="6886080"/>
-            <a:ext cx="6442200" cy="360000"/>
+            <a:ext cx="6441840" cy="359640"/>
           </a:xfrm>
           <a:prstGeom prst="rect">
             <a:avLst/>
@@ -7395,14 +7395,14 @@
       </p:sp>
       <p:sp>
         <p:nvSpPr>
-          <p:cNvPr id="194" name="CustomShape 3"/>
+          <p:cNvPr id="192" name="CustomShape 3"/>
           <p:cNvSpPr/>
           <p:nvPr/>
         </p:nvSpPr>
         <p:spPr>
           <a:xfrm>
             <a:off x="7608600" y="6886080"/>
-            <a:ext cx="2280240" cy="360000"/>
+            <a:ext cx="2279880" cy="359640"/>
           </a:xfrm>
           <a:prstGeom prst="rect">
             <a:avLst/>
@@ -7457,14 +7457,14 @@
       </p:sp>
       <p:sp>
         <p:nvSpPr>
-          <p:cNvPr id="195" name="CaixaDeTexto 1"/>
+          <p:cNvPr id="193" name="CaixaDeTexto 1"/>
           <p:cNvSpPr/>
           <p:nvPr/>
         </p:nvSpPr>
         <p:spPr>
           <a:xfrm>
             <a:off x="200160" y="1689840"/>
-            <a:ext cx="9514800" cy="2284200"/>
+            <a:ext cx="9514440" cy="2284200"/>
           </a:xfrm>
           <a:prstGeom prst="rect">
             <a:avLst/>
@@ -7590,7 +7590,7 @@
       </p:sp>
       <p:pic>
         <p:nvPicPr>
-          <p:cNvPr id="196" name="Picture 2" descr="Projection Histogram of image using Python and Opencv | by Felipe Meganha |  Medium"/>
+          <p:cNvPr id="194" name="Picture 2" descr="Projection Histogram of image using Python and Opencv | by Felipe Meganha |  Medium"/>
           <p:cNvPicPr/>
           <p:nvPr/>
         </p:nvPicPr>
@@ -7601,7 +7601,7 @@
         <p:spPr>
           <a:xfrm>
             <a:off x="512640" y="2760120"/>
-            <a:ext cx="4444200" cy="1329120"/>
+            <a:ext cx="4443840" cy="1328760"/>
           </a:xfrm>
           <a:prstGeom prst="rect">
             <a:avLst/>
@@ -7613,7 +7613,7 @@
       </p:pic>
       <p:pic>
         <p:nvPicPr>
-          <p:cNvPr id="197" name="Picture 6" descr="computer vision - OpenCV Color Concentration Histogram - Stack Overflow"/>
+          <p:cNvPr id="195" name="Picture 6" descr="computer vision - OpenCV Color Concentration Histogram - Stack Overflow"/>
           <p:cNvPicPr/>
           <p:nvPr/>
         </p:nvPicPr>
@@ -7624,7 +7624,7 @@
         <p:spPr>
           <a:xfrm>
             <a:off x="5485320" y="2487600"/>
-            <a:ext cx="4081320" cy="2999160"/>
+            <a:ext cx="4080960" cy="2998800"/>
           </a:xfrm>
           <a:prstGeom prst="rect">
             <a:avLst/>
@@ -7636,14 +7636,14 @@
       </p:pic>
       <p:sp>
         <p:nvSpPr>
-          <p:cNvPr id="198" name="AutoShape 12"/>
+          <p:cNvPr id="196" name="AutoShape 12"/>
           <p:cNvSpPr/>
           <p:nvPr/>
         </p:nvSpPr>
         <p:spPr>
           <a:xfrm>
             <a:off x="4888080" y="3627360"/>
-            <a:ext cx="303480" cy="303480"/>
+            <a:ext cx="303120" cy="303120"/>
           </a:xfrm>
           <a:prstGeom prst="rect">
             <a:avLst/>
@@ -7662,7 +7662,7 @@
       </p:sp>
       <p:pic>
         <p:nvPicPr>
-          <p:cNvPr id="199" name="Imagem 12" descr=""/>
+          <p:cNvPr id="197" name="Imagem 12" descr=""/>
           <p:cNvPicPr/>
           <p:nvPr/>
         </p:nvPicPr>
@@ -7673,7 +7673,7 @@
         <p:spPr>
           <a:xfrm>
             <a:off x="789840" y="4894920"/>
-            <a:ext cx="3943080" cy="1211400"/>
+            <a:ext cx="3942720" cy="1211040"/>
           </a:xfrm>
           <a:prstGeom prst="rect">
             <a:avLst/>
@@ -7685,14 +7685,14 @@
       </p:pic>
       <p:sp>
         <p:nvSpPr>
-          <p:cNvPr id="200" name="CaixaDeTexto 13"/>
+          <p:cNvPr id="198" name="CaixaDeTexto 13"/>
           <p:cNvSpPr/>
           <p:nvPr/>
         </p:nvSpPr>
         <p:spPr>
           <a:xfrm>
             <a:off x="1026000" y="4714200"/>
-            <a:ext cx="183240" cy="367920"/>
+            <a:ext cx="182880" cy="367560"/>
           </a:xfrm>
           <a:prstGeom prst="rect">
             <a:avLst/>
@@ -7741,14 +7741,14 @@
       </p:grpSpPr>
       <p:sp>
         <p:nvSpPr>
-          <p:cNvPr id="201" name="CustomShape 1"/>
+          <p:cNvPr id="199" name="CustomShape 1"/>
           <p:cNvSpPr/>
           <p:nvPr/>
         </p:nvSpPr>
         <p:spPr>
           <a:xfrm>
             <a:off x="360000" y="360000"/>
-            <a:ext cx="9354960" cy="894960"/>
+            <a:ext cx="9354600" cy="894600"/>
           </a:xfrm>
           <a:prstGeom prst="rect">
             <a:avLst/>
@@ -7793,14 +7793,14 @@
       </p:sp>
       <p:sp>
         <p:nvSpPr>
-          <p:cNvPr id="202" name="CustomShape 2"/>
+          <p:cNvPr id="200" name="CustomShape 2"/>
           <p:cNvSpPr/>
           <p:nvPr/>
         </p:nvSpPr>
         <p:spPr>
           <a:xfrm>
             <a:off x="897120" y="6886080"/>
-            <a:ext cx="6442200" cy="360000"/>
+            <a:ext cx="6441840" cy="359640"/>
           </a:xfrm>
           <a:prstGeom prst="rect">
             <a:avLst/>
@@ -7845,14 +7845,14 @@
       </p:sp>
       <p:sp>
         <p:nvSpPr>
-          <p:cNvPr id="203" name="CustomShape 3"/>
+          <p:cNvPr id="201" name="CustomShape 3"/>
           <p:cNvSpPr/>
           <p:nvPr/>
         </p:nvSpPr>
         <p:spPr>
           <a:xfrm>
             <a:off x="7608600" y="6886080"/>
-            <a:ext cx="2280240" cy="360000"/>
+            <a:ext cx="2279880" cy="359640"/>
           </a:xfrm>
           <a:prstGeom prst="rect">
             <a:avLst/>
@@ -7907,14 +7907,14 @@
       </p:sp>
       <p:sp>
         <p:nvSpPr>
-          <p:cNvPr id="204" name="CaixaDeTexto 1"/>
+          <p:cNvPr id="202" name="CaixaDeTexto 1"/>
           <p:cNvSpPr/>
           <p:nvPr/>
         </p:nvSpPr>
         <p:spPr>
           <a:xfrm>
             <a:off x="200160" y="1689840"/>
-            <a:ext cx="9514800" cy="2832840"/>
+            <a:ext cx="9514440" cy="2832840"/>
           </a:xfrm>
           <a:prstGeom prst="rect">
             <a:avLst/>
@@ -8062,14 +8062,14 @@
       </p:sp>
       <p:sp>
         <p:nvSpPr>
-          <p:cNvPr id="205" name="AutoShape 12"/>
+          <p:cNvPr id="203" name="AutoShape 12"/>
           <p:cNvSpPr/>
           <p:nvPr/>
         </p:nvSpPr>
         <p:spPr>
           <a:xfrm>
             <a:off x="4888080" y="3627360"/>
-            <a:ext cx="303480" cy="303480"/>
+            <a:ext cx="303120" cy="303120"/>
           </a:xfrm>
           <a:prstGeom prst="rect">
             <a:avLst/>
@@ -8088,14 +8088,14 @@
       </p:sp>
       <p:sp>
         <p:nvSpPr>
-          <p:cNvPr id="206" name="CaixaDeTexto 13"/>
+          <p:cNvPr id="204" name="CaixaDeTexto 13"/>
           <p:cNvSpPr/>
           <p:nvPr/>
         </p:nvSpPr>
         <p:spPr>
           <a:xfrm>
             <a:off x="1026000" y="4714200"/>
-            <a:ext cx="183240" cy="367920"/>
+            <a:ext cx="182880" cy="367560"/>
           </a:xfrm>
           <a:prstGeom prst="rect">
             <a:avLst/>
@@ -8114,7 +8114,7 @@
       </p:sp>
       <p:pic>
         <p:nvPicPr>
-          <p:cNvPr id="207" name="Picture 6" descr=""/>
+          <p:cNvPr id="205" name="Picture 6" descr=""/>
           <p:cNvPicPr/>
           <p:nvPr/>
         </p:nvPicPr>
@@ -8125,7 +8125,7 @@
         <p:spPr>
           <a:xfrm>
             <a:off x="592920" y="3590280"/>
-            <a:ext cx="4447440" cy="3114000"/>
+            <a:ext cx="4447080" cy="3113640"/>
           </a:xfrm>
           <a:prstGeom prst="rect">
             <a:avLst/>
@@ -8137,7 +8137,7 @@
       </p:pic>
       <p:pic>
         <p:nvPicPr>
-          <p:cNvPr id="208" name="Picture 8" descr=""/>
+          <p:cNvPr id="206" name="Picture 8" descr=""/>
           <p:cNvPicPr/>
           <p:nvPr/>
         </p:nvPicPr>
@@ -8148,7 +8148,7 @@
         <p:spPr>
           <a:xfrm>
             <a:off x="5267520" y="3627360"/>
-            <a:ext cx="4447440" cy="3089520"/>
+            <a:ext cx="4447080" cy="3089160"/>
           </a:xfrm>
           <a:prstGeom prst="rect">
             <a:avLst/>
@@ -8160,7 +8160,7 @@
       </p:pic>
       <p:pic>
         <p:nvPicPr>
-          <p:cNvPr id="209" name="Picture 6" descr=""/>
+          <p:cNvPr id="207" name="Picture 6" descr=""/>
           <p:cNvPicPr/>
           <p:nvPr/>
         </p:nvPicPr>
@@ -8171,7 +8171,7 @@
         <p:spPr>
           <a:xfrm>
             <a:off x="3901320" y="808200"/>
-            <a:ext cx="4185000" cy="2869920"/>
+            <a:ext cx="4184640" cy="2869560"/>
           </a:xfrm>
           <a:prstGeom prst="rect">
             <a:avLst/>
@@ -8213,14 +8213,14 @@
       </p:grpSpPr>
       <p:sp>
         <p:nvSpPr>
-          <p:cNvPr id="210" name="CustomShape 1"/>
+          <p:cNvPr id="208" name="CustomShape 1"/>
           <p:cNvSpPr/>
           <p:nvPr/>
         </p:nvSpPr>
         <p:spPr>
           <a:xfrm>
             <a:off x="360000" y="360000"/>
-            <a:ext cx="9354960" cy="894960"/>
+            <a:ext cx="9354600" cy="894600"/>
           </a:xfrm>
           <a:prstGeom prst="rect">
             <a:avLst/>
@@ -8265,14 +8265,14 @@
       </p:sp>
       <p:sp>
         <p:nvSpPr>
-          <p:cNvPr id="211" name="CustomShape 2"/>
+          <p:cNvPr id="209" name="CustomShape 2"/>
           <p:cNvSpPr/>
           <p:nvPr/>
         </p:nvSpPr>
         <p:spPr>
           <a:xfrm>
             <a:off x="897120" y="6886080"/>
-            <a:ext cx="6442200" cy="360000"/>
+            <a:ext cx="6441840" cy="359640"/>
           </a:xfrm>
           <a:prstGeom prst="rect">
             <a:avLst/>
@@ -8317,14 +8317,14 @@
       </p:sp>
       <p:sp>
         <p:nvSpPr>
-          <p:cNvPr id="212" name="CustomShape 3"/>
+          <p:cNvPr id="210" name="CustomShape 3"/>
           <p:cNvSpPr/>
           <p:nvPr/>
         </p:nvSpPr>
         <p:spPr>
           <a:xfrm>
             <a:off x="7608600" y="6886080"/>
-            <a:ext cx="2280240" cy="360000"/>
+            <a:ext cx="2279880" cy="359640"/>
           </a:xfrm>
           <a:prstGeom prst="rect">
             <a:avLst/>
@@ -8379,14 +8379,14 @@
       </p:sp>
       <p:sp>
         <p:nvSpPr>
-          <p:cNvPr id="213" name="CaixaDeTexto 1"/>
+          <p:cNvPr id="211" name="CaixaDeTexto 1"/>
           <p:cNvSpPr/>
           <p:nvPr/>
         </p:nvSpPr>
         <p:spPr>
           <a:xfrm>
             <a:off x="200160" y="1689840"/>
-            <a:ext cx="9514800" cy="638280"/>
+            <a:ext cx="9514440" cy="638280"/>
           </a:xfrm>
           <a:prstGeom prst="rect">
             <a:avLst/>
@@ -8448,14 +8448,14 @@
       </p:sp>
       <p:sp>
         <p:nvSpPr>
-          <p:cNvPr id="214" name="AutoShape 12"/>
+          <p:cNvPr id="212" name="AutoShape 12"/>
           <p:cNvSpPr/>
           <p:nvPr/>
         </p:nvSpPr>
         <p:spPr>
           <a:xfrm>
             <a:off x="4888080" y="3627360"/>
-            <a:ext cx="303480" cy="303480"/>
+            <a:ext cx="303120" cy="303120"/>
           </a:xfrm>
           <a:prstGeom prst="rect">
             <a:avLst/>
@@ -8474,14 +8474,14 @@
       </p:sp>
       <p:sp>
         <p:nvSpPr>
-          <p:cNvPr id="215" name="CaixaDeTexto 13"/>
+          <p:cNvPr id="213" name="CaixaDeTexto 13"/>
           <p:cNvSpPr/>
           <p:nvPr/>
         </p:nvSpPr>
         <p:spPr>
           <a:xfrm>
             <a:off x="1026000" y="4714200"/>
-            <a:ext cx="183240" cy="367920"/>
+            <a:ext cx="182880" cy="367560"/>
           </a:xfrm>
           <a:prstGeom prst="rect">
             <a:avLst/>
@@ -8537,7 +8537,7 @@
         <p:spPr>
           <a:xfrm>
             <a:off x="360000" y="360000"/>
-            <a:ext cx="9354960" cy="894960"/>
+            <a:ext cx="9354600" cy="894600"/>
           </a:xfrm>
           <a:prstGeom prst="rect">
             <a:avLst/>
@@ -8589,7 +8589,7 @@
         <p:spPr>
           <a:xfrm>
             <a:off x="897120" y="6886080"/>
-            <a:ext cx="6442200" cy="360000"/>
+            <a:ext cx="6441840" cy="359640"/>
           </a:xfrm>
           <a:prstGeom prst="rect">
             <a:avLst/>
@@ -8641,7 +8641,7 @@
         <p:spPr>
           <a:xfrm>
             <a:off x="7608600" y="6886080"/>
-            <a:ext cx="2280240" cy="360000"/>
+            <a:ext cx="2279880" cy="359640"/>
           </a:xfrm>
           <a:prstGeom prst="rect">
             <a:avLst/>
@@ -8703,7 +8703,7 @@
         <p:spPr>
           <a:xfrm>
             <a:off x="360000" y="1980000"/>
-            <a:ext cx="9174960" cy="4674960"/>
+            <a:ext cx="9174600" cy="4674600"/>
           </a:xfrm>
           <a:prstGeom prst="rect">
             <a:avLst/>
@@ -8980,7 +8980,7 @@
         <p:spPr>
           <a:xfrm>
             <a:off x="2124000" y="4627440"/>
-            <a:ext cx="6218640" cy="2103480"/>
+            <a:ext cx="6218280" cy="2103120"/>
           </a:xfrm>
           <a:prstGeom prst="rect">
             <a:avLst/>
@@ -8999,7 +8999,7 @@
         <p:spPr>
           <a:xfrm>
             <a:off x="2124000" y="6444000"/>
-            <a:ext cx="232920" cy="232920"/>
+            <a:ext cx="232560" cy="232560"/>
           </a:xfrm>
           <a:prstGeom prst="ellipse">
             <a:avLst/>
@@ -9029,7 +9029,7 @@
         <p:spPr>
           <a:xfrm>
             <a:off x="2592360" y="6444360"/>
-            <a:ext cx="232920" cy="232920"/>
+            <a:ext cx="232560" cy="232560"/>
           </a:xfrm>
           <a:prstGeom prst="ellipse">
             <a:avLst/>
@@ -9059,7 +9059,7 @@
         <p:spPr>
           <a:xfrm>
             <a:off x="3024720" y="6444720"/>
-            <a:ext cx="232920" cy="232920"/>
+            <a:ext cx="232560" cy="232560"/>
           </a:xfrm>
           <a:prstGeom prst="ellipse">
             <a:avLst/>
@@ -9089,7 +9089,7 @@
         <p:spPr>
           <a:xfrm>
             <a:off x="3834000" y="6480000"/>
-            <a:ext cx="232920" cy="232920"/>
+            <a:ext cx="232560" cy="232560"/>
           </a:xfrm>
           <a:prstGeom prst="ellipse">
             <a:avLst/>
@@ -9149,7 +9149,7 @@
         <p:spPr>
           <a:xfrm>
             <a:off x="360000" y="360000"/>
-            <a:ext cx="9354960" cy="894960"/>
+            <a:ext cx="9354600" cy="894600"/>
           </a:xfrm>
           <a:prstGeom prst="rect">
             <a:avLst/>
@@ -9201,7 +9201,7 @@
         <p:spPr>
           <a:xfrm>
             <a:off x="897120" y="6886080"/>
-            <a:ext cx="6442200" cy="360000"/>
+            <a:ext cx="6441840" cy="359640"/>
           </a:xfrm>
           <a:prstGeom prst="rect">
             <a:avLst/>
@@ -9253,7 +9253,7 @@
         <p:spPr>
           <a:xfrm>
             <a:off x="7608600" y="6886080"/>
-            <a:ext cx="2280240" cy="360000"/>
+            <a:ext cx="2279880" cy="359640"/>
           </a:xfrm>
           <a:prstGeom prst="rect">
             <a:avLst/>
@@ -9319,7 +9319,7 @@
         <p:spPr>
           <a:xfrm>
             <a:off x="546480" y="2473560"/>
-            <a:ext cx="8982000" cy="2433240"/>
+            <a:ext cx="8981640" cy="2432880"/>
           </a:xfrm>
           <a:prstGeom prst="rect">
             <a:avLst/>
@@ -9338,7 +9338,7 @@
         <p:spPr>
           <a:xfrm>
             <a:off x="546480" y="3098880"/>
-            <a:ext cx="4318920" cy="1400760"/>
+            <a:ext cx="4318560" cy="1400400"/>
           </a:xfrm>
           <a:prstGeom prst="rect">
             <a:avLst/>
@@ -9409,7 +9409,7 @@
         <p:spPr>
           <a:xfrm>
             <a:off x="360000" y="360000"/>
-            <a:ext cx="9354960" cy="894960"/>
+            <a:ext cx="9354600" cy="894600"/>
           </a:xfrm>
           <a:prstGeom prst="rect">
             <a:avLst/>
@@ -9461,7 +9461,7 @@
         <p:spPr>
           <a:xfrm>
             <a:off x="897120" y="6886080"/>
-            <a:ext cx="6442200" cy="360000"/>
+            <a:ext cx="6441840" cy="359640"/>
           </a:xfrm>
           <a:prstGeom prst="rect">
             <a:avLst/>
@@ -9513,7 +9513,7 @@
         <p:spPr>
           <a:xfrm>
             <a:off x="7608600" y="6886080"/>
-            <a:ext cx="2280240" cy="360000"/>
+            <a:ext cx="2279880" cy="359640"/>
           </a:xfrm>
           <a:prstGeom prst="rect">
             <a:avLst/>
@@ -9575,7 +9575,7 @@
         <p:spPr>
           <a:xfrm>
             <a:off x="200160" y="1689840"/>
-            <a:ext cx="9514800" cy="2284200"/>
+            <a:ext cx="9514440" cy="2284200"/>
           </a:xfrm>
           <a:prstGeom prst="rect">
             <a:avLst/>
@@ -9729,7 +9729,7 @@
         <p:spPr>
           <a:xfrm>
             <a:off x="1738800" y="3416400"/>
-            <a:ext cx="6597720" cy="949320"/>
+            <a:ext cx="6597360" cy="948960"/>
           </a:xfrm>
           <a:prstGeom prst="rect">
             <a:avLst/>
@@ -9752,7 +9752,7 @@
         <p:spPr>
           <a:xfrm>
             <a:off x="464040" y="4828320"/>
-            <a:ext cx="3987720" cy="1587600"/>
+            <a:ext cx="3987360" cy="1587240"/>
           </a:xfrm>
           <a:prstGeom prst="rect">
             <a:avLst/>
@@ -9775,7 +9775,7 @@
         <p:spPr>
           <a:xfrm>
             <a:off x="5410800" y="5667120"/>
-            <a:ext cx="3118320" cy="928800"/>
+            <a:ext cx="3117960" cy="928440"/>
           </a:xfrm>
           <a:prstGeom prst="rect">
             <a:avLst/>
@@ -9798,7 +9798,7 @@
         <p:spPr>
           <a:xfrm>
             <a:off x="4836600" y="4413240"/>
-            <a:ext cx="4611960" cy="1025640"/>
+            <a:ext cx="4611600" cy="1025280"/>
           </a:xfrm>
           <a:prstGeom prst="rect">
             <a:avLst/>
@@ -9847,7 +9847,7 @@
         <p:spPr>
           <a:xfrm>
             <a:off x="360000" y="360000"/>
-            <a:ext cx="9354960" cy="894960"/>
+            <a:ext cx="9354600" cy="894600"/>
           </a:xfrm>
           <a:prstGeom prst="rect">
             <a:avLst/>
@@ -9899,7 +9899,7 @@
         <p:spPr>
           <a:xfrm>
             <a:off x="897120" y="6886080"/>
-            <a:ext cx="6442200" cy="360000"/>
+            <a:ext cx="6441840" cy="359640"/>
           </a:xfrm>
           <a:prstGeom prst="rect">
             <a:avLst/>
@@ -9951,7 +9951,7 @@
         <p:spPr>
           <a:xfrm>
             <a:off x="7608600" y="6886080"/>
-            <a:ext cx="2280240" cy="360000"/>
+            <a:ext cx="2279880" cy="359640"/>
           </a:xfrm>
           <a:prstGeom prst="rect">
             <a:avLst/>
@@ -10013,7 +10013,7 @@
         <p:spPr>
           <a:xfrm>
             <a:off x="200160" y="1689840"/>
-            <a:ext cx="9514800" cy="1461240"/>
+            <a:ext cx="9514440" cy="1461240"/>
           </a:xfrm>
           <a:prstGeom prst="rect">
             <a:avLst/>
@@ -10120,7 +10120,7 @@
         <p:spPr>
           <a:xfrm>
             <a:off x="579240" y="2892240"/>
-            <a:ext cx="8644680" cy="1591200"/>
+            <a:ext cx="8644320" cy="1590840"/>
           </a:xfrm>
           <a:prstGeom prst="rect">
             <a:avLst/>
@@ -10143,7 +10143,7 @@
         <p:spPr>
           <a:xfrm>
             <a:off x="635400" y="5467680"/>
-            <a:ext cx="8644680" cy="271440"/>
+            <a:ext cx="8644320" cy="271080"/>
           </a:xfrm>
           <a:prstGeom prst="rect">
             <a:avLst/>
@@ -10162,7 +10162,7 @@
         <p:spPr>
           <a:xfrm>
             <a:off x="897120" y="4484880"/>
-            <a:ext cx="196560" cy="888480"/>
+            <a:ext cx="196200" cy="888120"/>
           </a:xfrm>
           <a:prstGeom prst="downArrow">
             <a:avLst>
@@ -10204,7 +10204,7 @@
         <p:spPr>
           <a:xfrm>
             <a:off x="1699920" y="4484880"/>
-            <a:ext cx="196560" cy="888480"/>
+            <a:ext cx="196200" cy="888120"/>
           </a:xfrm>
           <a:prstGeom prst="downArrow">
             <a:avLst>
@@ -10246,7 +10246,7 @@
         <p:spPr>
           <a:xfrm>
             <a:off x="2502360" y="4484880"/>
-            <a:ext cx="196560" cy="888480"/>
+            <a:ext cx="196200" cy="888120"/>
           </a:xfrm>
           <a:prstGeom prst="downArrow">
             <a:avLst>
@@ -10288,7 +10288,7 @@
         <p:spPr>
           <a:xfrm>
             <a:off x="3305160" y="4484880"/>
-            <a:ext cx="196560" cy="888480"/>
+            <a:ext cx="196200" cy="888120"/>
           </a:xfrm>
           <a:prstGeom prst="downArrow">
             <a:avLst>
@@ -10330,7 +10330,7 @@
         <p:spPr>
           <a:xfrm>
             <a:off x="4039560" y="4484880"/>
-            <a:ext cx="196560" cy="888480"/>
+            <a:ext cx="196200" cy="888120"/>
           </a:xfrm>
           <a:prstGeom prst="downArrow">
             <a:avLst>
@@ -10372,7 +10372,7 @@
         <p:spPr>
           <a:xfrm>
             <a:off x="4842360" y="4484880"/>
-            <a:ext cx="196560" cy="888480"/>
+            <a:ext cx="196200" cy="888120"/>
           </a:xfrm>
           <a:prstGeom prst="downArrow">
             <a:avLst>
@@ -10414,7 +10414,7 @@
         <p:spPr>
           <a:xfrm>
             <a:off x="5644800" y="4484880"/>
-            <a:ext cx="196560" cy="888480"/>
+            <a:ext cx="196200" cy="888120"/>
           </a:xfrm>
           <a:prstGeom prst="downArrow">
             <a:avLst>
@@ -10456,7 +10456,7 @@
         <p:spPr>
           <a:xfrm>
             <a:off x="6447600" y="4484880"/>
-            <a:ext cx="196560" cy="888480"/>
+            <a:ext cx="196200" cy="888120"/>
           </a:xfrm>
           <a:prstGeom prst="downArrow">
             <a:avLst>
@@ -10498,7 +10498,7 @@
         <p:spPr>
           <a:xfrm>
             <a:off x="7151040" y="4471920"/>
-            <a:ext cx="196560" cy="888480"/>
+            <a:ext cx="196200" cy="888120"/>
           </a:xfrm>
           <a:prstGeom prst="downArrow">
             <a:avLst>
@@ -10540,7 +10540,7 @@
         <p:spPr>
           <a:xfrm>
             <a:off x="7953840" y="4471920"/>
-            <a:ext cx="196560" cy="888480"/>
+            <a:ext cx="196200" cy="888120"/>
           </a:xfrm>
           <a:prstGeom prst="downArrow">
             <a:avLst>
@@ -10582,7 +10582,7 @@
         <p:spPr>
           <a:xfrm>
             <a:off x="8756280" y="4471920"/>
-            <a:ext cx="196560" cy="888480"/>
+            <a:ext cx="196200" cy="888120"/>
           </a:xfrm>
           <a:prstGeom prst="downArrow">
             <a:avLst>
@@ -10654,7 +10654,7 @@
         <p:spPr>
           <a:xfrm>
             <a:off x="360000" y="360000"/>
-            <a:ext cx="9354960" cy="894960"/>
+            <a:ext cx="9354600" cy="894600"/>
           </a:xfrm>
           <a:prstGeom prst="rect">
             <a:avLst/>
@@ -10706,7 +10706,7 @@
         <p:spPr>
           <a:xfrm>
             <a:off x="897120" y="6886080"/>
-            <a:ext cx="6442200" cy="360000"/>
+            <a:ext cx="6441840" cy="359640"/>
           </a:xfrm>
           <a:prstGeom prst="rect">
             <a:avLst/>
@@ -10758,7 +10758,7 @@
         <p:spPr>
           <a:xfrm>
             <a:off x="7608600" y="6886080"/>
-            <a:ext cx="2280240" cy="360000"/>
+            <a:ext cx="2279880" cy="359640"/>
           </a:xfrm>
           <a:prstGeom prst="rect">
             <a:avLst/>
@@ -10820,7 +10820,7 @@
         <p:spPr>
           <a:xfrm>
             <a:off x="200160" y="1689840"/>
-            <a:ext cx="9514800" cy="363960"/>
+            <a:ext cx="9514440" cy="363960"/>
           </a:xfrm>
           <a:prstGeom prst="rect">
             <a:avLst/>
@@ -10880,7 +10880,7 @@
         <p:spPr>
           <a:xfrm>
             <a:off x="2245320" y="3596760"/>
-            <a:ext cx="5094000" cy="3493440"/>
+            <a:ext cx="5093640" cy="3493080"/>
           </a:xfrm>
           <a:prstGeom prst="rect">
             <a:avLst/>
@@ -10903,7 +10903,7 @@
         <p:spPr>
           <a:xfrm>
             <a:off x="707040" y="1867680"/>
-            <a:ext cx="8644680" cy="1591200"/>
+            <a:ext cx="8644320" cy="1590840"/>
           </a:xfrm>
           <a:prstGeom prst="rect">
             <a:avLst/>
@@ -10926,7 +10926,7 @@
         <p:spPr>
           <a:xfrm>
             <a:off x="727560" y="3323880"/>
-            <a:ext cx="8644680" cy="271440"/>
+            <a:ext cx="8644320" cy="271080"/>
           </a:xfrm>
           <a:prstGeom prst="rect">
             <a:avLst/>
@@ -10949,7 +10949,7 @@
         <p:spPr>
           <a:xfrm>
             <a:off x="6436800" y="3702960"/>
-            <a:ext cx="741600" cy="265320"/>
+            <a:ext cx="741240" cy="264960"/>
           </a:xfrm>
           <a:prstGeom prst="rect">
             <a:avLst/>
@@ -10972,7 +10972,7 @@
         <p:spPr>
           <a:xfrm>
             <a:off x="4691880" y="6028560"/>
-            <a:ext cx="675000" cy="255600"/>
+            <a:ext cx="674640" cy="255240"/>
           </a:xfrm>
           <a:prstGeom prst="rect">
             <a:avLst/>
@@ -11021,7 +11021,7 @@
         <p:spPr>
           <a:xfrm>
             <a:off x="360000" y="360000"/>
-            <a:ext cx="9354960" cy="894960"/>
+            <a:ext cx="9354600" cy="894600"/>
           </a:xfrm>
           <a:prstGeom prst="rect">
             <a:avLst/>
@@ -11073,7 +11073,7 @@
         <p:spPr>
           <a:xfrm>
             <a:off x="897120" y="6886080"/>
-            <a:ext cx="6442200" cy="360000"/>
+            <a:ext cx="6441840" cy="359640"/>
           </a:xfrm>
           <a:prstGeom prst="rect">
             <a:avLst/>
@@ -11125,7 +11125,7 @@
         <p:spPr>
           <a:xfrm>
             <a:off x="7608600" y="6886080"/>
-            <a:ext cx="2280240" cy="360000"/>
+            <a:ext cx="2279880" cy="359640"/>
           </a:xfrm>
           <a:prstGeom prst="rect">
             <a:avLst/>
@@ -11187,7 +11187,7 @@
         <p:spPr>
           <a:xfrm>
             <a:off x="200160" y="1689840"/>
-            <a:ext cx="9514800" cy="363960"/>
+            <a:ext cx="9514440" cy="363960"/>
           </a:xfrm>
           <a:prstGeom prst="rect">
             <a:avLst/>
@@ -11247,7 +11247,7 @@
         <p:spPr>
           <a:xfrm>
             <a:off x="2245320" y="3596760"/>
-            <a:ext cx="5094000" cy="3493440"/>
+            <a:ext cx="5093640" cy="3493080"/>
           </a:xfrm>
           <a:prstGeom prst="rect">
             <a:avLst/>
@@ -11270,7 +11270,7 @@
         <p:spPr>
           <a:xfrm>
             <a:off x="707040" y="1867680"/>
-            <a:ext cx="8644680" cy="1591200"/>
+            <a:ext cx="8644320" cy="1590840"/>
           </a:xfrm>
           <a:prstGeom prst="rect">
             <a:avLst/>
@@ -11293,7 +11293,7 @@
         <p:spPr>
           <a:xfrm>
             <a:off x="727560" y="3323880"/>
-            <a:ext cx="8644680" cy="271440"/>
+            <a:ext cx="8644320" cy="271080"/>
           </a:xfrm>
           <a:prstGeom prst="rect">
             <a:avLst/>
@@ -11316,7 +11316,7 @@
         <p:spPr>
           <a:xfrm>
             <a:off x="6436800" y="3702960"/>
-            <a:ext cx="741600" cy="265320"/>
+            <a:ext cx="741240" cy="264960"/>
           </a:xfrm>
           <a:prstGeom prst="rect">
             <a:avLst/>
@@ -11339,7 +11339,7 @@
         <p:spPr>
           <a:xfrm>
             <a:off x="5932080" y="5432040"/>
-            <a:ext cx="694080" cy="274680"/>
+            <a:ext cx="693720" cy="274320"/>
           </a:xfrm>
           <a:prstGeom prst="rect">
             <a:avLst/>
@@ -11362,7 +11362,7 @@
         <p:spPr>
           <a:xfrm>
             <a:off x="4691880" y="6028560"/>
-            <a:ext cx="675000" cy="255600"/>
+            <a:ext cx="674640" cy="255240"/>
           </a:xfrm>
           <a:prstGeom prst="rect">
             <a:avLst/>
@@ -11411,7 +11411,7 @@
         <p:spPr>
           <a:xfrm>
             <a:off x="360000" y="360000"/>
-            <a:ext cx="9354960" cy="894960"/>
+            <a:ext cx="9354600" cy="894600"/>
           </a:xfrm>
           <a:prstGeom prst="rect">
             <a:avLst/>
@@ -11463,7 +11463,7 @@
         <p:spPr>
           <a:xfrm>
             <a:off x="897120" y="6886080"/>
-            <a:ext cx="6442200" cy="360000"/>
+            <a:ext cx="6441840" cy="359640"/>
           </a:xfrm>
           <a:prstGeom prst="rect">
             <a:avLst/>
@@ -11515,7 +11515,7 @@
         <p:spPr>
           <a:xfrm>
             <a:off x="7608600" y="6886080"/>
-            <a:ext cx="2280240" cy="360000"/>
+            <a:ext cx="2279880" cy="359640"/>
           </a:xfrm>
           <a:prstGeom prst="rect">
             <a:avLst/>
@@ -11577,7 +11577,7 @@
         <p:spPr>
           <a:xfrm>
             <a:off x="200160" y="1689840"/>
-            <a:ext cx="9514800" cy="363960"/>
+            <a:ext cx="9514440" cy="363960"/>
           </a:xfrm>
           <a:prstGeom prst="rect">
             <a:avLst/>
@@ -11637,7 +11637,7 @@
         <p:spPr>
           <a:xfrm>
             <a:off x="2245320" y="3596760"/>
-            <a:ext cx="5094000" cy="3493440"/>
+            <a:ext cx="5093640" cy="3493080"/>
           </a:xfrm>
           <a:prstGeom prst="rect">
             <a:avLst/>
@@ -11660,7 +11660,7 @@
         <p:spPr>
           <a:xfrm>
             <a:off x="707040" y="1867680"/>
-            <a:ext cx="8644680" cy="1591200"/>
+            <a:ext cx="8644320" cy="1590840"/>
           </a:xfrm>
           <a:prstGeom prst="rect">
             <a:avLst/>
@@ -11683,7 +11683,7 @@
         <p:spPr>
           <a:xfrm>
             <a:off x="727560" y="3323880"/>
-            <a:ext cx="8644680" cy="271440"/>
+            <a:ext cx="8644320" cy="271080"/>
           </a:xfrm>
           <a:prstGeom prst="rect">
             <a:avLst/>
@@ -11706,7 +11706,7 @@
         <p:spPr>
           <a:xfrm>
             <a:off x="6436800" y="3702960"/>
-            <a:ext cx="741600" cy="265320"/>
+            <a:ext cx="741240" cy="264960"/>
           </a:xfrm>
           <a:prstGeom prst="rect">
             <a:avLst/>
@@ -11718,7 +11718,7 @@
       </p:pic>
       <p:pic>
         <p:nvPicPr>
-          <p:cNvPr id="155" name="Imagem 6" descr=""/>
+          <p:cNvPr id="155" name="Imagem 12" descr=""/>
           <p:cNvPicPr/>
           <p:nvPr/>
         </p:nvPicPr>
@@ -11728,8 +11728,8 @@
         </p:blipFill>
         <p:spPr>
           <a:xfrm>
-            <a:off x="5932080" y="5432040"/>
-            <a:ext cx="694080" cy="274680"/>
+            <a:off x="4691880" y="6028560"/>
+            <a:ext cx="674640" cy="255240"/>
           </a:xfrm>
           <a:prstGeom prst="rect">
             <a:avLst/>
@@ -11741,7 +11741,7 @@
       </p:pic>
       <p:pic>
         <p:nvPicPr>
-          <p:cNvPr id="156" name="Imagem 12" descr=""/>
+          <p:cNvPr id="156" name="" descr=""/>
           <p:cNvPicPr/>
           <p:nvPr/>
         </p:nvPicPr>
@@ -11751,31 +11751,8 @@
         </p:blipFill>
         <p:spPr>
           <a:xfrm>
-            <a:off x="4691880" y="6028560"/>
-            <a:ext cx="675000" cy="255600"/>
-          </a:xfrm>
-          <a:prstGeom prst="rect">
-            <a:avLst/>
-          </a:prstGeom>
-          <a:ln w="0">
-            <a:noFill/>
-          </a:ln>
-        </p:spPr>
-      </p:pic>
-      <p:pic>
-        <p:nvPicPr>
-          <p:cNvPr id="157" name="Imagem 4" descr=""/>
-          <p:cNvPicPr/>
-          <p:nvPr/>
-        </p:nvPicPr>
-        <p:blipFill>
-          <a:blip r:embed="rId7"/>
-          <a:stretch/>
-        </p:blipFill>
-        <p:spPr>
-          <a:xfrm>
-            <a:off x="5953320" y="5275800"/>
-            <a:ext cx="655920" cy="198720"/>
+            <a:off x="5934600" y="5286960"/>
+            <a:ext cx="694800" cy="428040"/>
           </a:xfrm>
           <a:prstGeom prst="rect">
             <a:avLst/>
@@ -11817,14 +11794,14 @@
       </p:grpSpPr>
       <p:sp>
         <p:nvSpPr>
-          <p:cNvPr id="158" name="CustomShape 1"/>
+          <p:cNvPr id="157" name="CustomShape 1"/>
           <p:cNvSpPr/>
           <p:nvPr/>
         </p:nvSpPr>
         <p:spPr>
           <a:xfrm>
             <a:off x="360000" y="360000"/>
-            <a:ext cx="9354960" cy="894960"/>
+            <a:ext cx="9354600" cy="894600"/>
           </a:xfrm>
           <a:prstGeom prst="rect">
             <a:avLst/>
@@ -11869,14 +11846,14 @@
       </p:sp>
       <p:sp>
         <p:nvSpPr>
-          <p:cNvPr id="159" name="CustomShape 2"/>
+          <p:cNvPr id="158" name="CustomShape 2"/>
           <p:cNvSpPr/>
           <p:nvPr/>
         </p:nvSpPr>
         <p:spPr>
           <a:xfrm>
             <a:off x="897120" y="6886080"/>
-            <a:ext cx="6442200" cy="360000"/>
+            <a:ext cx="6441840" cy="359640"/>
           </a:xfrm>
           <a:prstGeom prst="rect">
             <a:avLst/>
@@ -11921,14 +11898,14 @@
       </p:sp>
       <p:sp>
         <p:nvSpPr>
-          <p:cNvPr id="160" name="CustomShape 3"/>
+          <p:cNvPr id="159" name="CustomShape 3"/>
           <p:cNvSpPr/>
           <p:nvPr/>
         </p:nvSpPr>
         <p:spPr>
           <a:xfrm>
             <a:off x="7608600" y="6886080"/>
-            <a:ext cx="2280240" cy="360000"/>
+            <a:ext cx="2279880" cy="359640"/>
           </a:xfrm>
           <a:prstGeom prst="rect">
             <a:avLst/>
@@ -11983,14 +11960,14 @@
       </p:sp>
       <p:sp>
         <p:nvSpPr>
-          <p:cNvPr id="161" name="CaixaDeTexto 1"/>
+          <p:cNvPr id="160" name="CaixaDeTexto 1"/>
           <p:cNvSpPr/>
           <p:nvPr/>
         </p:nvSpPr>
         <p:spPr>
           <a:xfrm>
             <a:off x="200160" y="1689840"/>
-            <a:ext cx="9514800" cy="363960"/>
+            <a:ext cx="9514440" cy="363960"/>
           </a:xfrm>
           <a:prstGeom prst="rect">
             <a:avLst/>
@@ -12039,7 +12016,7 @@
       </p:sp>
       <p:pic>
         <p:nvPicPr>
-          <p:cNvPr id="162" name="Picture 6" descr=""/>
+          <p:cNvPr id="161" name="Picture 6" descr=""/>
           <p:cNvPicPr/>
           <p:nvPr/>
         </p:nvPicPr>
@@ -12050,7 +12027,7 @@
         <p:spPr>
           <a:xfrm>
             <a:off x="2245320" y="3596760"/>
-            <a:ext cx="5094000" cy="3493440"/>
+            <a:ext cx="5093640" cy="3493080"/>
           </a:xfrm>
           <a:prstGeom prst="rect">
             <a:avLst/>
@@ -12062,7 +12039,7 @@
       </p:pic>
       <p:pic>
         <p:nvPicPr>
-          <p:cNvPr id="163" name="Picture 2" descr=""/>
+          <p:cNvPr id="162" name="Picture 2" descr=""/>
           <p:cNvPicPr/>
           <p:nvPr/>
         </p:nvPicPr>
@@ -12073,7 +12050,7 @@
         <p:spPr>
           <a:xfrm>
             <a:off x="707040" y="1867680"/>
-            <a:ext cx="8644680" cy="1591200"/>
+            <a:ext cx="8644320" cy="1590840"/>
           </a:xfrm>
           <a:prstGeom prst="rect">
             <a:avLst/>
@@ -12085,7 +12062,7 @@
       </p:pic>
       <p:pic>
         <p:nvPicPr>
-          <p:cNvPr id="164" name="Imagem 11" descr=""/>
+          <p:cNvPr id="163" name="Imagem 11" descr=""/>
           <p:cNvPicPr/>
           <p:nvPr/>
         </p:nvPicPr>
@@ -12096,7 +12073,7 @@
         <p:spPr>
           <a:xfrm>
             <a:off x="727560" y="3323880"/>
-            <a:ext cx="8644680" cy="271440"/>
+            <a:ext cx="8644320" cy="271080"/>
           </a:xfrm>
           <a:prstGeom prst="rect">
             <a:avLst/>
@@ -12108,7 +12085,7 @@
       </p:pic>
       <p:pic>
         <p:nvPicPr>
-          <p:cNvPr id="165" name="Imagem 3" descr=""/>
+          <p:cNvPr id="164" name="Imagem 3" descr=""/>
           <p:cNvPicPr/>
           <p:nvPr/>
         </p:nvPicPr>
@@ -12119,7 +12096,7 @@
         <p:spPr>
           <a:xfrm>
             <a:off x="6436800" y="3702960"/>
-            <a:ext cx="741600" cy="265320"/>
+            <a:ext cx="741240" cy="264960"/>
           </a:xfrm>
           <a:prstGeom prst="rect">
             <a:avLst/>
@@ -12131,7 +12108,7 @@
       </p:pic>
       <p:pic>
         <p:nvPicPr>
-          <p:cNvPr id="166" name="Imagem 6" descr=""/>
+          <p:cNvPr id="165" name="Imagem 12" descr=""/>
           <p:cNvPicPr/>
           <p:nvPr/>
         </p:nvPicPr>
@@ -12141,8 +12118,8 @@
         </p:blipFill>
         <p:spPr>
           <a:xfrm>
-            <a:off x="5932080" y="5432040"/>
-            <a:ext cx="694080" cy="274680"/>
+            <a:off x="4691880" y="6028560"/>
+            <a:ext cx="674640" cy="255240"/>
           </a:xfrm>
           <a:prstGeom prst="rect">
             <a:avLst/>
@@ -12154,7 +12131,7 @@
       </p:pic>
       <p:pic>
         <p:nvPicPr>
-          <p:cNvPr id="167" name="Imagem 12" descr=""/>
+          <p:cNvPr id="166" name="Imagem 5" descr=""/>
           <p:cNvPicPr/>
           <p:nvPr/>
         </p:nvPicPr>
@@ -12164,8 +12141,8 @@
         </p:blipFill>
         <p:spPr>
           <a:xfrm>
-            <a:off x="4691880" y="6028560"/>
-            <a:ext cx="675000" cy="255600"/>
+            <a:off x="5933160" y="5075640"/>
+            <a:ext cx="684000" cy="198360"/>
           </a:xfrm>
           <a:prstGeom prst="rect">
             <a:avLst/>
@@ -12177,7 +12154,7 @@
       </p:pic>
       <p:pic>
         <p:nvPicPr>
-          <p:cNvPr id="168" name="Imagem 4" descr=""/>
+          <p:cNvPr id="167" name="" descr=""/>
           <p:cNvPicPr/>
           <p:nvPr/>
         </p:nvPicPr>
@@ -12187,31 +12164,8 @@
         </p:blipFill>
         <p:spPr>
           <a:xfrm>
-            <a:off x="5953320" y="5275800"/>
-            <a:ext cx="655920" cy="198720"/>
-          </a:xfrm>
-          <a:prstGeom prst="rect">
-            <a:avLst/>
-          </a:prstGeom>
-          <a:ln w="0">
-            <a:noFill/>
-          </a:ln>
-        </p:spPr>
-      </p:pic>
-      <p:pic>
-        <p:nvPicPr>
-          <p:cNvPr id="169" name="Imagem 5" descr=""/>
-          <p:cNvPicPr/>
-          <p:nvPr/>
-        </p:nvPicPr>
-        <p:blipFill>
-          <a:blip r:embed="rId8"/>
-          <a:stretch/>
-        </p:blipFill>
-        <p:spPr>
-          <a:xfrm>
-            <a:off x="5933160" y="5075640"/>
-            <a:ext cx="684360" cy="198720"/>
+            <a:off x="5943600" y="5250960"/>
+            <a:ext cx="694800" cy="428040"/>
           </a:xfrm>
           <a:prstGeom prst="rect">
             <a:avLst/>

--- a/ComputerVision/Lecture 05 - Feature Extraction/Lecture 05 - Feature Extraction.pptx
+++ b/ComputerVision/Lecture 05 - Feature Extraction/Lecture 05 - Feature Extraction.pptx
@@ -29,7 +29,7 @@
     <p:sldMasterId id="2147483696" r:id="rId25"/>
   </p:sldMasterIdLst>
   <p:notesMasterIdLst>
-    <p:notesMasterId r:id="rId51"/>
+    <p:notesMasterId r:id="rId52"/>
   </p:notesMasterIdLst>
   <p:sldIdLst>
     <p:sldId id="256" r:id="rId26"/>
@@ -43,20 +43,21 @@
     <p:sldId id="264" r:id="rId34"/>
     <p:sldId id="265" r:id="rId35"/>
     <p:sldId id="266" r:id="rId36"/>
-    <p:sldId id="267" r:id="rId37"/>
-    <p:sldId id="268" r:id="rId38"/>
-    <p:sldId id="269" r:id="rId39"/>
-    <p:sldId id="270" r:id="rId40"/>
-    <p:sldId id="271" r:id="rId41"/>
-    <p:sldId id="272" r:id="rId42"/>
-    <p:sldId id="273" r:id="rId43"/>
-    <p:sldId id="274" r:id="rId44"/>
-    <p:sldId id="275" r:id="rId45"/>
-    <p:sldId id="276" r:id="rId46"/>
-    <p:sldId id="277" r:id="rId47"/>
-    <p:sldId id="278" r:id="rId48"/>
-    <p:sldId id="279" r:id="rId49"/>
-    <p:sldId id="280" r:id="rId50"/>
+    <p:sldId id="281" r:id="rId37"/>
+    <p:sldId id="267" r:id="rId38"/>
+    <p:sldId id="268" r:id="rId39"/>
+    <p:sldId id="269" r:id="rId40"/>
+    <p:sldId id="270" r:id="rId41"/>
+    <p:sldId id="271" r:id="rId42"/>
+    <p:sldId id="272" r:id="rId43"/>
+    <p:sldId id="273" r:id="rId44"/>
+    <p:sldId id="274" r:id="rId45"/>
+    <p:sldId id="275" r:id="rId46"/>
+    <p:sldId id="276" r:id="rId47"/>
+    <p:sldId id="277" r:id="rId48"/>
+    <p:sldId id="278" r:id="rId49"/>
+    <p:sldId id="279" r:id="rId50"/>
+    <p:sldId id="280" r:id="rId51"/>
   </p:sldIdLst>
   <p:sldSz cx="10080625" cy="7559675"/>
   <p:notesSz cx="7559675" cy="10691813"/>
@@ -155,6 +156,11 @@
       </a:defRPr>
     </a:lvl9pPr>
   </p:defaultTextStyle>
+  <p:extLst>
+    <p:ext uri="{EFAFB233-063F-42B5-8137-9DF3F51BA10A}">
+      <p15:sldGuideLst xmlns:p15="http://schemas.microsoft.com/office/powerpoint/2012/main"/>
+    </p:ext>
+  </p:extLst>
 </p:presentation>
 </file>
 
@@ -1045,7 +1051,7 @@
       </p:grpSpPr>
       <p:sp>
         <p:nvSpPr>
-          <p:cNvPr id="424" name="PlaceHolder 1"/>
+          <p:cNvPr id="275" name="PlaceHolder 1"/>
           <p:cNvSpPr>
             <a:spLocks noGrp="1" noRot="1" noChangeAspect="1"/>
           </p:cNvSpPr>
@@ -1056,7 +1062,7 @@
         <p:spPr>
           <a:xfrm>
             <a:off x="1376280" y="1336680"/>
-            <a:ext cx="4801680" cy="3601440"/>
+            <a:ext cx="4802400" cy="3602160"/>
           </a:xfrm>
           <a:prstGeom prst="rect">
             <a:avLst/>
@@ -1068,7 +1074,7 @@
       </p:sp>
       <p:sp>
         <p:nvSpPr>
-          <p:cNvPr id="425" name="PlaceHolder 2"/>
+          <p:cNvPr id="276" name="PlaceHolder 2"/>
           <p:cNvSpPr>
             <a:spLocks noGrp="1"/>
           </p:cNvSpPr>
@@ -1079,7 +1085,7 @@
         <p:spPr>
           <a:xfrm>
             <a:off x="756000" y="5145120"/>
-            <a:ext cx="6041880" cy="4204080"/>
+            <a:ext cx="6042600" cy="4204800"/>
           </a:xfrm>
           <a:prstGeom prst="rect">
             <a:avLst/>
@@ -1095,13 +1101,7 @@
           </a:bodyPr>
           <a:lstStyle/>
           <a:p>
-            <a:pPr marL="216000" indent="-216000">
-              <a:buNone/>
-            </a:pPr>
-            <a:endParaRPr lang="en-US" sz="1800" b="0" strike="noStrike" spc="-1">
-              <a:solidFill>
-                <a:srgbClr val="000000"/>
-              </a:solidFill>
+            <a:endParaRPr lang="pt-BR" sz="2000" b="0" strike="noStrike" spc="-1">
               <a:latin typeface="Arial"/>
             </a:endParaRPr>
           </a:p>
@@ -1109,14 +1109,14 @@
       </p:sp>
       <p:sp>
         <p:nvSpPr>
-          <p:cNvPr id="426" name="CustomShape 8"/>
+          <p:cNvPr id="277" name="CustomShape 3"/>
           <p:cNvSpPr/>
           <p:nvPr/>
         </p:nvSpPr>
         <p:spPr>
           <a:xfrm>
             <a:off x="0" y="10155240"/>
-            <a:ext cx="3270240" cy="530640"/>
+            <a:ext cx="3270960" cy="531360"/>
           </a:xfrm>
           <a:prstGeom prst="rect">
             <a:avLst/>
@@ -1144,10 +1144,11 @@
           </a:bodyPr>
           <a:lstStyle/>
           <a:p>
-            <a:pPr defTabSz="914400">
+            <a:pPr>
               <a:lnSpc>
                 <a:spcPct val="100000"/>
               </a:lnSpc>
+              <a:buNone/>
             </a:pPr>
             <a:r>
               <a:rPr lang="pt-BR" sz="1200" b="0" strike="noStrike" spc="-1">
@@ -1159,10 +1160,7 @@
               </a:rPr>
               <a:t>Prof. André Hochuli</a:t>
             </a:r>
-            <a:endParaRPr lang="en-US" sz="1200" b="0" strike="noStrike" spc="-1">
-              <a:solidFill>
-                <a:srgbClr val="000000"/>
-              </a:solidFill>
+            <a:endParaRPr lang="pt-BR" sz="1200" b="0" strike="noStrike" spc="-1">
               <a:latin typeface="Arial"/>
             </a:endParaRPr>
           </a:p>
@@ -1195,7 +1193,7 @@
       </p:grpSpPr>
       <p:sp>
         <p:nvSpPr>
-          <p:cNvPr id="427" name="PlaceHolder 1"/>
+          <p:cNvPr id="424" name="PlaceHolder 1"/>
           <p:cNvSpPr>
             <a:spLocks noGrp="1" noRot="1" noChangeAspect="1"/>
           </p:cNvSpPr>
@@ -1206,7 +1204,7 @@
         <p:spPr>
           <a:xfrm>
             <a:off x="1376280" y="1336680"/>
-            <a:ext cx="4801320" cy="3601080"/>
+            <a:ext cx="4801680" cy="3601440"/>
           </a:xfrm>
           <a:prstGeom prst="rect">
             <a:avLst/>
@@ -1218,7 +1216,7 @@
       </p:sp>
       <p:sp>
         <p:nvSpPr>
-          <p:cNvPr id="428" name="PlaceHolder 2"/>
+          <p:cNvPr id="425" name="PlaceHolder 2"/>
           <p:cNvSpPr>
             <a:spLocks noGrp="1"/>
           </p:cNvSpPr>
@@ -1229,7 +1227,7 @@
         <p:spPr>
           <a:xfrm>
             <a:off x="756000" y="5145120"/>
-            <a:ext cx="6041520" cy="4203720"/>
+            <a:ext cx="6041880" cy="4204080"/>
           </a:xfrm>
           <a:prstGeom prst="rect">
             <a:avLst/>
@@ -1259,14 +1257,14 @@
       </p:sp>
       <p:sp>
         <p:nvSpPr>
-          <p:cNvPr id="429" name="CustomShape 3"/>
+          <p:cNvPr id="426" name="CustomShape 8"/>
           <p:cNvSpPr/>
           <p:nvPr/>
         </p:nvSpPr>
         <p:spPr>
           <a:xfrm>
             <a:off x="0" y="10155240"/>
-            <a:ext cx="3269880" cy="530280"/>
+            <a:ext cx="3270240" cy="530640"/>
           </a:xfrm>
           <a:prstGeom prst="rect">
             <a:avLst/>
@@ -1345,7 +1343,7 @@
       </p:grpSpPr>
       <p:sp>
         <p:nvSpPr>
-          <p:cNvPr id="430" name="PlaceHolder 1"/>
+          <p:cNvPr id="427" name="PlaceHolder 1"/>
           <p:cNvSpPr>
             <a:spLocks noGrp="1" noRot="1" noChangeAspect="1"/>
           </p:cNvSpPr>
@@ -1356,7 +1354,7 @@
         <p:spPr>
           <a:xfrm>
             <a:off x="1376280" y="1336680"/>
-            <a:ext cx="4801680" cy="3601440"/>
+            <a:ext cx="4801320" cy="3601080"/>
           </a:xfrm>
           <a:prstGeom prst="rect">
             <a:avLst/>
@@ -1368,7 +1366,7 @@
       </p:sp>
       <p:sp>
         <p:nvSpPr>
-          <p:cNvPr id="431" name="PlaceHolder 2"/>
+          <p:cNvPr id="428" name="PlaceHolder 2"/>
           <p:cNvSpPr>
             <a:spLocks noGrp="1"/>
           </p:cNvSpPr>
@@ -1379,7 +1377,7 @@
         <p:spPr>
           <a:xfrm>
             <a:off x="756000" y="5145120"/>
-            <a:ext cx="6041880" cy="4204080"/>
+            <a:ext cx="6041520" cy="4203720"/>
           </a:xfrm>
           <a:prstGeom prst="rect">
             <a:avLst/>
@@ -1409,14 +1407,14 @@
       </p:sp>
       <p:sp>
         <p:nvSpPr>
-          <p:cNvPr id="432" name="CustomShape 12"/>
+          <p:cNvPr id="429" name="CustomShape 3"/>
           <p:cNvSpPr/>
           <p:nvPr/>
         </p:nvSpPr>
         <p:spPr>
           <a:xfrm>
             <a:off x="0" y="10155240"/>
-            <a:ext cx="3270240" cy="530640"/>
+            <a:ext cx="3269880" cy="530280"/>
           </a:xfrm>
           <a:prstGeom prst="rect">
             <a:avLst/>
@@ -1495,7 +1493,7 @@
       </p:grpSpPr>
       <p:sp>
         <p:nvSpPr>
-          <p:cNvPr id="433" name="PlaceHolder 1"/>
+          <p:cNvPr id="430" name="PlaceHolder 1"/>
           <p:cNvSpPr>
             <a:spLocks noGrp="1" noRot="1" noChangeAspect="1"/>
           </p:cNvSpPr>
@@ -1506,7 +1504,7 @@
         <p:spPr>
           <a:xfrm>
             <a:off x="1376280" y="1336680"/>
-            <a:ext cx="4801320" cy="3601080"/>
+            <a:ext cx="4801680" cy="3601440"/>
           </a:xfrm>
           <a:prstGeom prst="rect">
             <a:avLst/>
@@ -1518,7 +1516,7 @@
       </p:sp>
       <p:sp>
         <p:nvSpPr>
-          <p:cNvPr id="434" name="PlaceHolder 2"/>
+          <p:cNvPr id="431" name="PlaceHolder 2"/>
           <p:cNvSpPr>
             <a:spLocks noGrp="1"/>
           </p:cNvSpPr>
@@ -1529,7 +1527,7 @@
         <p:spPr>
           <a:xfrm>
             <a:off x="756000" y="5145120"/>
-            <a:ext cx="6041520" cy="4203720"/>
+            <a:ext cx="6041880" cy="4204080"/>
           </a:xfrm>
           <a:prstGeom prst="rect">
             <a:avLst/>
@@ -1559,14 +1557,14 @@
       </p:sp>
       <p:sp>
         <p:nvSpPr>
-          <p:cNvPr id="435" name="CustomShape 3"/>
+          <p:cNvPr id="432" name="CustomShape 12"/>
           <p:cNvSpPr/>
           <p:nvPr/>
         </p:nvSpPr>
         <p:spPr>
           <a:xfrm>
             <a:off x="0" y="10155240"/>
-            <a:ext cx="3269880" cy="530280"/>
+            <a:ext cx="3270240" cy="530640"/>
           </a:xfrm>
           <a:prstGeom prst="rect">
             <a:avLst/>
@@ -1645,7 +1643,7 @@
       </p:grpSpPr>
       <p:sp>
         <p:nvSpPr>
-          <p:cNvPr id="436" name="PlaceHolder 1"/>
+          <p:cNvPr id="433" name="PlaceHolder 1"/>
           <p:cNvSpPr>
             <a:spLocks noGrp="1" noRot="1" noChangeAspect="1"/>
           </p:cNvSpPr>
@@ -1656,7 +1654,7 @@
         <p:spPr>
           <a:xfrm>
             <a:off x="1376280" y="1336680"/>
-            <a:ext cx="4801680" cy="3601440"/>
+            <a:ext cx="4801320" cy="3601080"/>
           </a:xfrm>
           <a:prstGeom prst="rect">
             <a:avLst/>
@@ -1668,7 +1666,7 @@
       </p:sp>
       <p:sp>
         <p:nvSpPr>
-          <p:cNvPr id="437" name="PlaceHolder 2"/>
+          <p:cNvPr id="434" name="PlaceHolder 2"/>
           <p:cNvSpPr>
             <a:spLocks noGrp="1"/>
           </p:cNvSpPr>
@@ -1679,7 +1677,7 @@
         <p:spPr>
           <a:xfrm>
             <a:off x="756000" y="5145120"/>
-            <a:ext cx="6041880" cy="4204080"/>
+            <a:ext cx="6041520" cy="4203720"/>
           </a:xfrm>
           <a:prstGeom prst="rect">
             <a:avLst/>
@@ -1709,14 +1707,14 @@
       </p:sp>
       <p:sp>
         <p:nvSpPr>
-          <p:cNvPr id="438" name="CustomShape 16"/>
+          <p:cNvPr id="435" name="CustomShape 3"/>
           <p:cNvSpPr/>
           <p:nvPr/>
         </p:nvSpPr>
         <p:spPr>
           <a:xfrm>
             <a:off x="0" y="10155240"/>
-            <a:ext cx="3270240" cy="530640"/>
+            <a:ext cx="3269880" cy="530280"/>
           </a:xfrm>
           <a:prstGeom prst="rect">
             <a:avLst/>
@@ -1795,7 +1793,7 @@
       </p:grpSpPr>
       <p:sp>
         <p:nvSpPr>
-          <p:cNvPr id="439" name="PlaceHolder 1"/>
+          <p:cNvPr id="436" name="PlaceHolder 1"/>
           <p:cNvSpPr>
             <a:spLocks noGrp="1" noRot="1" noChangeAspect="1"/>
           </p:cNvSpPr>
@@ -1818,7 +1816,7 @@
       </p:sp>
       <p:sp>
         <p:nvSpPr>
-          <p:cNvPr id="440" name="PlaceHolder 2"/>
+          <p:cNvPr id="437" name="PlaceHolder 2"/>
           <p:cNvSpPr>
             <a:spLocks noGrp="1"/>
           </p:cNvSpPr>
@@ -1859,7 +1857,7 @@
       </p:sp>
       <p:sp>
         <p:nvSpPr>
-          <p:cNvPr id="441" name="CustomShape 20"/>
+          <p:cNvPr id="438" name="CustomShape 16"/>
           <p:cNvSpPr/>
           <p:nvPr/>
         </p:nvSpPr>
@@ -1945,7 +1943,7 @@
       </p:grpSpPr>
       <p:sp>
         <p:nvSpPr>
-          <p:cNvPr id="442" name="PlaceHolder 1"/>
+          <p:cNvPr id="439" name="PlaceHolder 1"/>
           <p:cNvSpPr>
             <a:spLocks noGrp="1" noRot="1" noChangeAspect="1"/>
           </p:cNvSpPr>
@@ -1968,7 +1966,7 @@
       </p:sp>
       <p:sp>
         <p:nvSpPr>
-          <p:cNvPr id="443" name="PlaceHolder 2"/>
+          <p:cNvPr id="440" name="PlaceHolder 2"/>
           <p:cNvSpPr>
             <a:spLocks noGrp="1"/>
           </p:cNvSpPr>
@@ -2009,7 +2007,7 @@
       </p:sp>
       <p:sp>
         <p:nvSpPr>
-          <p:cNvPr id="444" name="CustomShape 24"/>
+          <p:cNvPr id="441" name="CustomShape 20"/>
           <p:cNvSpPr/>
           <p:nvPr/>
         </p:nvSpPr>
@@ -2095,7 +2093,7 @@
       </p:grpSpPr>
       <p:sp>
         <p:nvSpPr>
-          <p:cNvPr id="445" name="PlaceHolder 1"/>
+          <p:cNvPr id="442" name="PlaceHolder 1"/>
           <p:cNvSpPr>
             <a:spLocks noGrp="1" noRot="1" noChangeAspect="1"/>
           </p:cNvSpPr>
@@ -2118,7 +2116,7 @@
       </p:sp>
       <p:sp>
         <p:nvSpPr>
-          <p:cNvPr id="446" name="PlaceHolder 2"/>
+          <p:cNvPr id="443" name="PlaceHolder 2"/>
           <p:cNvSpPr>
             <a:spLocks noGrp="1"/>
           </p:cNvSpPr>
@@ -2159,7 +2157,7 @@
       </p:sp>
       <p:sp>
         <p:nvSpPr>
-          <p:cNvPr id="447" name="CustomShape 28"/>
+          <p:cNvPr id="444" name="CustomShape 24"/>
           <p:cNvSpPr/>
           <p:nvPr/>
         </p:nvSpPr>
@@ -2298,7 +2296,7 @@
             <a:pPr marL="216000" indent="-216000">
               <a:buNone/>
             </a:pPr>
-            <a:endParaRPr lang="en-US" sz="1800" b="0" strike="noStrike" spc="-1">
+            <a:endParaRPr lang="en-US" sz="1800" b="0" strike="noStrike" spc="-1" dirty="0">
               <a:solidFill>
                 <a:srgbClr val="000000"/>
               </a:solidFill>
@@ -2395,7 +2393,7 @@
       </p:grpSpPr>
       <p:sp>
         <p:nvSpPr>
-          <p:cNvPr id="448" name="PlaceHolder 1"/>
+          <p:cNvPr id="445" name="PlaceHolder 1"/>
           <p:cNvSpPr>
             <a:spLocks noGrp="1" noRot="1" noChangeAspect="1"/>
           </p:cNvSpPr>
@@ -2418,7 +2416,7 @@
       </p:sp>
       <p:sp>
         <p:nvSpPr>
-          <p:cNvPr id="449" name="PlaceHolder 2"/>
+          <p:cNvPr id="446" name="PlaceHolder 2"/>
           <p:cNvSpPr>
             <a:spLocks noGrp="1"/>
           </p:cNvSpPr>
@@ -2459,7 +2457,7 @@
       </p:sp>
       <p:sp>
         <p:nvSpPr>
-          <p:cNvPr id="450" name="CustomShape 32"/>
+          <p:cNvPr id="447" name="CustomShape 28"/>
           <p:cNvSpPr/>
           <p:nvPr/>
         </p:nvSpPr>
@@ -2545,7 +2543,7 @@
       </p:grpSpPr>
       <p:sp>
         <p:nvSpPr>
-          <p:cNvPr id="451" name="PlaceHolder 1"/>
+          <p:cNvPr id="448" name="PlaceHolder 1"/>
           <p:cNvSpPr>
             <a:spLocks noGrp="1" noRot="1" noChangeAspect="1"/>
           </p:cNvSpPr>
@@ -2568,7 +2566,7 @@
       </p:sp>
       <p:sp>
         <p:nvSpPr>
-          <p:cNvPr id="452" name="PlaceHolder 2"/>
+          <p:cNvPr id="449" name="PlaceHolder 2"/>
           <p:cNvSpPr>
             <a:spLocks noGrp="1"/>
           </p:cNvSpPr>
@@ -2609,7 +2607,7 @@
       </p:sp>
       <p:sp>
         <p:nvSpPr>
-          <p:cNvPr id="453" name="CustomShape 36"/>
+          <p:cNvPr id="450" name="CustomShape 32"/>
           <p:cNvSpPr/>
           <p:nvPr/>
         </p:nvSpPr>
@@ -2695,7 +2693,7 @@
       </p:grpSpPr>
       <p:sp>
         <p:nvSpPr>
-          <p:cNvPr id="454" name="PlaceHolder 1"/>
+          <p:cNvPr id="451" name="PlaceHolder 1"/>
           <p:cNvSpPr>
             <a:spLocks noGrp="1" noRot="1" noChangeAspect="1"/>
           </p:cNvSpPr>
@@ -2718,7 +2716,7 @@
       </p:sp>
       <p:sp>
         <p:nvSpPr>
-          <p:cNvPr id="455" name="PlaceHolder 2"/>
+          <p:cNvPr id="452" name="PlaceHolder 2"/>
           <p:cNvSpPr>
             <a:spLocks noGrp="1"/>
           </p:cNvSpPr>
@@ -2759,7 +2757,7 @@
       </p:sp>
       <p:sp>
         <p:nvSpPr>
-          <p:cNvPr id="456" name="CustomShape 40"/>
+          <p:cNvPr id="453" name="CustomShape 36"/>
           <p:cNvSpPr/>
           <p:nvPr/>
         </p:nvSpPr>
@@ -2794,7 +2792,7 @@
           </a:bodyPr>
           <a:lstStyle/>
           <a:p>
-            <a:pPr>
+            <a:pPr defTabSz="914400">
               <a:lnSpc>
                 <a:spcPct val="100000"/>
               </a:lnSpc>
@@ -2845,7 +2843,7 @@
       </p:grpSpPr>
       <p:sp>
         <p:nvSpPr>
-          <p:cNvPr id="457" name="PlaceHolder 1"/>
+          <p:cNvPr id="454" name="PlaceHolder 1"/>
           <p:cNvSpPr>
             <a:spLocks noGrp="1" noRot="1" noChangeAspect="1"/>
           </p:cNvSpPr>
@@ -2868,7 +2866,7 @@
       </p:sp>
       <p:sp>
         <p:nvSpPr>
-          <p:cNvPr id="458" name="PlaceHolder 2"/>
+          <p:cNvPr id="455" name="PlaceHolder 2"/>
           <p:cNvSpPr>
             <a:spLocks noGrp="1"/>
           </p:cNvSpPr>
@@ -2909,7 +2907,7 @@
       </p:sp>
       <p:sp>
         <p:nvSpPr>
-          <p:cNvPr id="459" name="CustomShape 44"/>
+          <p:cNvPr id="456" name="CustomShape 40"/>
           <p:cNvSpPr/>
           <p:nvPr/>
         </p:nvSpPr>
@@ -2995,6 +2993,156 @@
       </p:grpSpPr>
       <p:sp>
         <p:nvSpPr>
+          <p:cNvPr id="457" name="PlaceHolder 1"/>
+          <p:cNvSpPr>
+            <a:spLocks noGrp="1" noRot="1" noChangeAspect="1"/>
+          </p:cNvSpPr>
+          <p:nvPr>
+            <p:ph type="sldImg"/>
+          </p:nvPr>
+        </p:nvSpPr>
+        <p:spPr>
+          <a:xfrm>
+            <a:off x="1376280" y="1336680"/>
+            <a:ext cx="4801680" cy="3601440"/>
+          </a:xfrm>
+          <a:prstGeom prst="rect">
+            <a:avLst/>
+          </a:prstGeom>
+          <a:ln w="0">
+            <a:noFill/>
+          </a:ln>
+        </p:spPr>
+      </p:sp>
+      <p:sp>
+        <p:nvSpPr>
+          <p:cNvPr id="458" name="PlaceHolder 2"/>
+          <p:cNvSpPr>
+            <a:spLocks noGrp="1"/>
+          </p:cNvSpPr>
+          <p:nvPr>
+            <p:ph type="body"/>
+          </p:nvPr>
+        </p:nvSpPr>
+        <p:spPr>
+          <a:xfrm>
+            <a:off x="756000" y="5145120"/>
+            <a:ext cx="6041880" cy="4204080"/>
+          </a:xfrm>
+          <a:prstGeom prst="rect">
+            <a:avLst/>
+          </a:prstGeom>
+          <a:noFill/>
+          <a:ln w="0">
+            <a:noFill/>
+          </a:ln>
+        </p:spPr>
+        <p:txBody>
+          <a:bodyPr lIns="0" tIns="0" rIns="0" bIns="0" anchor="t">
+            <a:noAutofit/>
+          </a:bodyPr>
+          <a:lstStyle/>
+          <a:p>
+            <a:pPr marL="216000" indent="-216000">
+              <a:buNone/>
+            </a:pPr>
+            <a:endParaRPr lang="en-US" sz="1800" b="0" strike="noStrike" spc="-1">
+              <a:solidFill>
+                <a:srgbClr val="000000"/>
+              </a:solidFill>
+              <a:latin typeface="Arial"/>
+            </a:endParaRPr>
+          </a:p>
+        </p:txBody>
+      </p:sp>
+      <p:sp>
+        <p:nvSpPr>
+          <p:cNvPr id="459" name="CustomShape 44"/>
+          <p:cNvSpPr/>
+          <p:nvPr/>
+        </p:nvSpPr>
+        <p:spPr>
+          <a:xfrm>
+            <a:off x="0" y="10155240"/>
+            <a:ext cx="3270240" cy="530640"/>
+          </a:xfrm>
+          <a:prstGeom prst="rect">
+            <a:avLst/>
+          </a:prstGeom>
+          <a:noFill/>
+          <a:ln w="0">
+            <a:noFill/>
+          </a:ln>
+        </p:spPr>
+        <p:style>
+          <a:lnRef idx="0">
+            <a:scrgbClr r="0" g="0" b="0"/>
+          </a:lnRef>
+          <a:fillRef idx="0">
+            <a:scrgbClr r="0" g="0" b="0"/>
+          </a:fillRef>
+          <a:effectRef idx="0">
+            <a:scrgbClr r="0" g="0" b="0"/>
+          </a:effectRef>
+          <a:fontRef idx="minor"/>
+        </p:style>
+        <p:txBody>
+          <a:bodyPr lIns="90000" tIns="45000" rIns="90000" bIns="45000" anchor="b">
+            <a:noAutofit/>
+          </a:bodyPr>
+          <a:lstStyle/>
+          <a:p>
+            <a:pPr>
+              <a:lnSpc>
+                <a:spcPct val="100000"/>
+              </a:lnSpc>
+            </a:pPr>
+            <a:r>
+              <a:rPr lang="pt-BR" sz="1200" b="0" strike="noStrike" spc="-1">
+                <a:solidFill>
+                  <a:srgbClr val="000000"/>
+                </a:solidFill>
+                <a:latin typeface="Times New Roman"/>
+                <a:ea typeface="+mn-ea"/>
+              </a:rPr>
+              <a:t>Prof. André Hochuli</a:t>
+            </a:r>
+            <a:endParaRPr lang="en-US" sz="1200" b="0" strike="noStrike" spc="-1">
+              <a:solidFill>
+                <a:srgbClr val="000000"/>
+              </a:solidFill>
+              <a:latin typeface="Arial"/>
+            </a:endParaRPr>
+          </a:p>
+        </p:txBody>
+      </p:sp>
+    </p:spTree>
+  </p:cSld>
+  <p:clrMapOvr>
+    <a:masterClrMapping/>
+  </p:clrMapOvr>
+</p:notes>
+</file>
+
+<file path=ppt/notesSlides/notesSlide25.xml><?xml version="1.0" encoding="utf-8"?>
+<p:notes xmlns:a="http://schemas.openxmlformats.org/drawingml/2006/main" xmlns:r="http://schemas.openxmlformats.org/officeDocument/2006/relationships" xmlns:p="http://schemas.openxmlformats.org/presentationml/2006/main">
+  <p:cSld>
+    <p:spTree>
+      <p:nvGrpSpPr>
+        <p:cNvPr id="1" name=""/>
+        <p:cNvGrpSpPr/>
+        <p:nvPr/>
+      </p:nvGrpSpPr>
+      <p:grpSpPr>
+        <a:xfrm>
+          <a:off x="0" y="0"/>
+          <a:ext cx="0" cy="0"/>
+          <a:chOff x="0" y="0"/>
+          <a:chExt cx="0" cy="0"/>
+        </a:xfrm>
+      </p:grpSpPr>
+      <p:sp>
+        <p:nvSpPr>
           <p:cNvPr id="460" name="PlaceHolder 1"/>
           <p:cNvSpPr>
             <a:spLocks noGrp="1" noRot="1" noChangeAspect="1"/>
@@ -3126,7 +3274,7 @@
 </p:notes>
 </file>
 
-<file path=ppt/notesSlides/notesSlide25.xml><?xml version="1.0" encoding="utf-8"?>
+<file path=ppt/notesSlides/notesSlide26.xml><?xml version="1.0" encoding="utf-8"?>
 <p:notes xmlns:a="http://schemas.openxmlformats.org/drawingml/2006/main" xmlns:r="http://schemas.openxmlformats.org/officeDocument/2006/relationships" xmlns:p="http://schemas.openxmlformats.org/presentationml/2006/main">
   <p:cSld>
     <p:spTree>
@@ -28823,16 +28971,62 @@
           <a:chExt cx="0" cy="0"/>
         </a:xfrm>
       </p:grpSpPr>
+      <p:pic>
+        <p:nvPicPr>
+          <p:cNvPr id="105" name="Imagem 5"/>
+          <p:cNvPicPr/>
+          <p:nvPr/>
+        </p:nvPicPr>
+        <p:blipFill>
+          <a:blip r:embed="rId3"/>
+          <a:stretch/>
+        </p:blipFill>
+        <p:spPr>
+          <a:xfrm>
+            <a:off x="3674160" y="4583880"/>
+            <a:ext cx="2966400" cy="2251800"/>
+          </a:xfrm>
+          <a:prstGeom prst="rect">
+            <a:avLst/>
+          </a:prstGeom>
+          <a:ln w="0">
+            <a:noFill/>
+          </a:ln>
+        </p:spPr>
+      </p:pic>
+      <p:pic>
+        <p:nvPicPr>
+          <p:cNvPr id="106" name="Imagem 3"/>
+          <p:cNvPicPr/>
+          <p:nvPr/>
+        </p:nvPicPr>
+        <p:blipFill>
+          <a:blip r:embed="rId4"/>
+          <a:stretch/>
+        </p:blipFill>
+        <p:spPr>
+          <a:xfrm>
+            <a:off x="3555720" y="1864080"/>
+            <a:ext cx="3084840" cy="2212200"/>
+          </a:xfrm>
+          <a:prstGeom prst="rect">
+            <a:avLst/>
+          </a:prstGeom>
+          <a:ln w="0">
+            <a:noFill/>
+          </a:ln>
+        </p:spPr>
+      </p:pic>
       <p:sp>
         <p:nvSpPr>
-          <p:cNvPr id="292" name="CustomShape 6"/>
+          <p:cNvPr id="107" name="CustomShape 1"/>
           <p:cNvSpPr/>
           <p:nvPr/>
         </p:nvSpPr>
         <p:spPr>
           <a:xfrm>
             <a:off x="360000" y="360000"/>
-            <a:ext cx="9354240" cy="894240"/>
+            <a:ext cx="9354960" cy="894960"/>
           </a:xfrm>
           <a:prstGeom prst="rect">
             <a:avLst/>
@@ -28860,10 +29054,11 @@
           </a:bodyPr>
           <a:lstStyle/>
           <a:p>
-            <a:pPr defTabSz="914400">
+            <a:pPr>
               <a:lnSpc>
                 <a:spcPct val="100000"/>
               </a:lnSpc>
+              <a:buNone/>
             </a:pPr>
             <a:r>
               <a:rPr lang="en-US" sz="3200" b="1" strike="noStrike" spc="-1">
@@ -28873,12 +29068,9 @@
                 <a:latin typeface="Latin Modern Sans"/>
                 <a:ea typeface="DejaVu Sans"/>
               </a:rPr>
-              <a:t>Image Descriptors – Shape/Edges</a:t>
-            </a:r>
-            <a:endParaRPr lang="en-US" sz="3200" b="0" strike="noStrike" spc="-1">
-              <a:solidFill>
-                <a:srgbClr val="000000"/>
-              </a:solidFill>
+              <a:t>Problem </a:t>
+            </a:r>
+            <a:endParaRPr lang="pt-BR" sz="3200" b="0" strike="noStrike" spc="-1">
               <a:latin typeface="Arial"/>
             </a:endParaRPr>
           </a:p>
@@ -28886,14 +29078,14 @@
       </p:sp>
       <p:sp>
         <p:nvSpPr>
-          <p:cNvPr id="293" name="CustomShape 5"/>
+          <p:cNvPr id="108" name="CustomShape 2"/>
           <p:cNvSpPr/>
           <p:nvPr/>
         </p:nvSpPr>
         <p:spPr>
           <a:xfrm>
             <a:off x="897120" y="6886080"/>
-            <a:ext cx="6441480" cy="359280"/>
+            <a:ext cx="6442200" cy="360000"/>
           </a:xfrm>
           <a:prstGeom prst="rect">
             <a:avLst/>
@@ -28921,10 +29113,11 @@
           </a:bodyPr>
           <a:lstStyle/>
           <a:p>
-            <a:pPr defTabSz="914400">
+            <a:pPr>
               <a:lnSpc>
                 <a:spcPct val="100000"/>
               </a:lnSpc>
+              <a:buNone/>
             </a:pPr>
             <a:r>
               <a:rPr lang="pt-BR" sz="1800" b="0" strike="noStrike" spc="-1">
@@ -28936,10 +29129,7 @@
               </a:rPr>
               <a:t>Computer Vision - Prof. André Hochuli</a:t>
             </a:r>
-            <a:endParaRPr lang="en-US" sz="1800" b="0" strike="noStrike" spc="-1">
-              <a:solidFill>
-                <a:srgbClr val="000000"/>
-              </a:solidFill>
+            <a:endParaRPr lang="pt-BR" sz="1800" b="0" strike="noStrike" spc="-1">
               <a:latin typeface="Arial"/>
             </a:endParaRPr>
           </a:p>
@@ -28947,14 +29137,14 @@
       </p:sp>
       <p:sp>
         <p:nvSpPr>
-          <p:cNvPr id="294" name="CustomShape 7"/>
+          <p:cNvPr id="109" name="CustomShape 3"/>
           <p:cNvSpPr/>
           <p:nvPr/>
         </p:nvSpPr>
         <p:spPr>
           <a:xfrm>
             <a:off x="7608600" y="6886080"/>
-            <a:ext cx="2279520" cy="359280"/>
+            <a:ext cx="2280240" cy="360000"/>
           </a:xfrm>
           <a:prstGeom prst="rect">
             <a:avLst/>
@@ -28982,10 +29172,11 @@
           </a:bodyPr>
           <a:lstStyle/>
           <a:p>
-            <a:pPr defTabSz="914400">
+            <a:pPr>
               <a:lnSpc>
                 <a:spcPct val="100000"/>
               </a:lnSpc>
+              <a:buNone/>
             </a:pPr>
             <a:r>
               <a:rPr lang="en-US" sz="1800" b="0" strike="noStrike" spc="-1">
@@ -29005,12 +29196,9 @@
                 <a:latin typeface="Arial"/>
                 <a:ea typeface="DejaVu Sans"/>
               </a:rPr>
-              <a:t> 06</a:t>
-            </a:r>
-            <a:endParaRPr lang="en-US" sz="1800" b="0" strike="noStrike" spc="-1">
-              <a:solidFill>
-                <a:srgbClr val="000000"/>
-              </a:solidFill>
+              <a:t> 08</a:t>
+            </a:r>
+            <a:endParaRPr lang="pt-BR" sz="1800" b="0" strike="noStrike" spc="-1">
               <a:latin typeface="Arial"/>
             </a:endParaRPr>
           </a:p>
@@ -29018,14 +29206,14 @@
       </p:sp>
       <p:sp>
         <p:nvSpPr>
-          <p:cNvPr id="295" name="CaixaDeTexto 4"/>
+          <p:cNvPr id="110" name="CaixaDeTexto 1"/>
           <p:cNvSpPr/>
           <p:nvPr/>
         </p:nvSpPr>
         <p:spPr>
           <a:xfrm>
-            <a:off x="200160" y="1689840"/>
-            <a:ext cx="9514080" cy="3655800"/>
+            <a:off x="200160" y="1677960"/>
+            <a:ext cx="9514800" cy="363960"/>
           </a:xfrm>
           <a:prstGeom prst="rect">
             <a:avLst/>
@@ -29053,7 +29241,7 @@
           </a:bodyPr>
           <a:lstStyle/>
           <a:p>
-            <a:pPr marL="285840" indent="-285840" defTabSz="914400">
+            <a:pPr marL="285840" indent="-285840">
               <a:lnSpc>
                 <a:spcPct val="100000"/>
               </a:lnSpc>
@@ -29071,198 +29259,9 @@
                 <a:latin typeface="Calibri"/>
                 <a:ea typeface="DejaVu Sans"/>
               </a:rPr>
-              <a:t>Gradient Based</a:t>
-            </a:r>
-            <a:endParaRPr lang="en-US" sz="1800" b="0" strike="noStrike" spc="-1">
-              <a:solidFill>
-                <a:srgbClr val="000000"/>
-              </a:solidFill>
-              <a:latin typeface="Arial"/>
-            </a:endParaRPr>
-          </a:p>
-          <a:p>
-            <a:pPr defTabSz="914400">
-              <a:lnSpc>
-                <a:spcPct val="100000"/>
-              </a:lnSpc>
-            </a:pPr>
-            <a:endParaRPr lang="en-US" sz="1800" b="0" strike="noStrike" spc="-1">
-              <a:solidFill>
-                <a:srgbClr val="000000"/>
-              </a:solidFill>
-              <a:latin typeface="Arial"/>
-            </a:endParaRPr>
-          </a:p>
-          <a:p>
-            <a:pPr marL="743040" lvl="1" indent="-285840" defTabSz="914400">
-              <a:lnSpc>
-                <a:spcPct val="100000"/>
-              </a:lnSpc>
-              <a:buClr>
-                <a:srgbClr val="000000"/>
-              </a:buClr>
-              <a:buFont typeface="Arial"/>
-              <a:buChar char="•"/>
-            </a:pPr>
-            <a:r>
-              <a:rPr lang="en-US" sz="1800" b="0" strike="noStrike" spc="-1">
-                <a:solidFill>
-                  <a:srgbClr val="000000"/>
-                </a:solidFill>
-                <a:latin typeface="Calibri"/>
-                <a:ea typeface="DejaVu Sans"/>
-              </a:rPr>
-              <a:t>Projections</a:t>
-            </a:r>
-            <a:endParaRPr lang="en-US" sz="1800" b="0" strike="noStrike" spc="-1">
-              <a:solidFill>
-                <a:srgbClr val="000000"/>
-              </a:solidFill>
-              <a:latin typeface="Arial"/>
-            </a:endParaRPr>
-          </a:p>
-          <a:p>
-            <a:pPr defTabSz="914400">
-              <a:lnSpc>
-                <a:spcPct val="100000"/>
-              </a:lnSpc>
-            </a:pPr>
-            <a:endParaRPr lang="en-US" sz="1800" b="0" strike="noStrike" spc="-1">
-              <a:solidFill>
-                <a:srgbClr val="000000"/>
-              </a:solidFill>
-              <a:latin typeface="Arial"/>
-            </a:endParaRPr>
-          </a:p>
-          <a:p>
-            <a:pPr defTabSz="914400">
-              <a:lnSpc>
-                <a:spcPct val="100000"/>
-              </a:lnSpc>
-            </a:pPr>
-            <a:endParaRPr lang="en-US" sz="1800" b="0" strike="noStrike" spc="-1">
-              <a:solidFill>
-                <a:srgbClr val="000000"/>
-              </a:solidFill>
-              <a:latin typeface="Arial"/>
-            </a:endParaRPr>
-          </a:p>
-          <a:p>
-            <a:pPr defTabSz="914400">
-              <a:lnSpc>
-                <a:spcPct val="100000"/>
-              </a:lnSpc>
-            </a:pPr>
-            <a:endParaRPr lang="en-US" sz="1800" b="0" strike="noStrike" spc="-1">
-              <a:solidFill>
-                <a:srgbClr val="000000"/>
-              </a:solidFill>
-              <a:latin typeface="Arial"/>
-            </a:endParaRPr>
-          </a:p>
-          <a:p>
-            <a:pPr defTabSz="914400">
-              <a:lnSpc>
-                <a:spcPct val="100000"/>
-              </a:lnSpc>
-            </a:pPr>
-            <a:endParaRPr lang="en-US" sz="1800" b="0" strike="noStrike" spc="-1">
-              <a:solidFill>
-                <a:srgbClr val="000000"/>
-              </a:solidFill>
-              <a:latin typeface="Arial"/>
-            </a:endParaRPr>
-          </a:p>
-          <a:p>
-            <a:pPr defTabSz="914400">
-              <a:lnSpc>
-                <a:spcPct val="100000"/>
-              </a:lnSpc>
-            </a:pPr>
-            <a:endParaRPr lang="en-US" sz="1800" b="0" strike="noStrike" spc="-1">
-              <a:solidFill>
-                <a:srgbClr val="000000"/>
-              </a:solidFill>
-              <a:latin typeface="Arial"/>
-            </a:endParaRPr>
-          </a:p>
-          <a:p>
-            <a:pPr defTabSz="914400">
-              <a:lnSpc>
-                <a:spcPct val="100000"/>
-              </a:lnSpc>
-            </a:pPr>
-            <a:endParaRPr lang="en-US" sz="1800" b="0" strike="noStrike" spc="-1">
-              <a:solidFill>
-                <a:srgbClr val="000000"/>
-              </a:solidFill>
-              <a:latin typeface="Arial"/>
-            </a:endParaRPr>
-          </a:p>
-          <a:p>
-            <a:pPr defTabSz="914400">
-              <a:lnSpc>
-                <a:spcPct val="100000"/>
-              </a:lnSpc>
-            </a:pPr>
-            <a:endParaRPr lang="en-US" sz="1800" b="0" strike="noStrike" spc="-1">
-              <a:solidFill>
-                <a:srgbClr val="000000"/>
-              </a:solidFill>
-              <a:latin typeface="Arial"/>
-            </a:endParaRPr>
-          </a:p>
-          <a:p>
-            <a:pPr marL="743040" lvl="1" indent="-285840" defTabSz="914400">
-              <a:lnSpc>
-                <a:spcPct val="100000"/>
-              </a:lnSpc>
-              <a:buClr>
-                <a:srgbClr val="000000"/>
-              </a:buClr>
-              <a:buFont typeface="Arial"/>
-              <a:buChar char="•"/>
-            </a:pPr>
-            <a:r>
-              <a:rPr lang="en-US" sz="1800" b="0" strike="noStrike" spc="-1">
-                <a:solidFill>
-                  <a:srgbClr val="000000"/>
-                </a:solidFill>
-                <a:latin typeface="Calibri"/>
-                <a:ea typeface="DejaVu Sans"/>
-              </a:rPr>
-              <a:t>Convolutional (Filters)</a:t>
-            </a:r>
-            <a:endParaRPr lang="en-US" sz="1800" b="0" strike="noStrike" spc="-1">
-              <a:solidFill>
-                <a:srgbClr val="000000"/>
-              </a:solidFill>
-              <a:latin typeface="Arial"/>
-            </a:endParaRPr>
-          </a:p>
-          <a:p>
-            <a:pPr defTabSz="914400">
-              <a:lnSpc>
-                <a:spcPct val="100000"/>
-              </a:lnSpc>
-            </a:pPr>
-            <a:endParaRPr lang="en-US" sz="1800" b="0" strike="noStrike" spc="-1">
-              <a:solidFill>
-                <a:srgbClr val="000000"/>
-              </a:solidFill>
-              <a:latin typeface="Arial"/>
-            </a:endParaRPr>
-          </a:p>
-          <a:p>
-            <a:pPr defTabSz="914400">
-              <a:lnSpc>
-                <a:spcPct val="100000"/>
-              </a:lnSpc>
-            </a:pPr>
-            <a:endParaRPr lang="en-US" sz="1800" b="0" strike="noStrike" spc="-1">
-              <a:solidFill>
-                <a:srgbClr val="000000"/>
-              </a:solidFill>
+              <a:t>How discriminating are features?</a:t>
+            </a:r>
+            <a:endParaRPr lang="pt-BR" sz="1800" b="0" strike="noStrike" spc="-1">
               <a:latin typeface="Arial"/>
             </a:endParaRPr>
           </a:p>
@@ -29270,18 +29269,18 @@
       </p:sp>
       <p:pic>
         <p:nvPicPr>
-          <p:cNvPr id="296" name="Imagem 7"/>
+          <p:cNvPr id="111" name="Imagem 14"/>
           <p:cNvPicPr/>
           <p:nvPr/>
         </p:nvPicPr>
         <p:blipFill>
-          <a:blip r:embed="rId3"/>
+          <a:blip r:embed="rId5"/>
           <a:stretch/>
         </p:blipFill>
         <p:spPr>
           <a:xfrm>
-            <a:off x="1671480" y="4975200"/>
-            <a:ext cx="6516360" cy="1681200"/>
+            <a:off x="360000" y="4531680"/>
+            <a:ext cx="3201120" cy="2152440"/>
           </a:xfrm>
           <a:prstGeom prst="rect">
             <a:avLst/>
@@ -29293,18 +29292,18 @@
       </p:pic>
       <p:pic>
         <p:nvPicPr>
-          <p:cNvPr id="297" name="Imagem 8"/>
+          <p:cNvPr id="112" name="Imagem 18"/>
           <p:cNvPicPr/>
           <p:nvPr/>
         </p:nvPicPr>
         <p:blipFill>
-          <a:blip r:embed="rId4"/>
+          <a:blip r:embed="rId6"/>
           <a:stretch/>
         </p:blipFill>
         <p:spPr>
           <a:xfrm>
-            <a:off x="1671480" y="2608920"/>
-            <a:ext cx="6477480" cy="1749960"/>
+            <a:off x="6795720" y="4609800"/>
+            <a:ext cx="3042360" cy="2121840"/>
           </a:xfrm>
           <a:prstGeom prst="rect">
             <a:avLst/>
@@ -29314,6 +29313,283 @@
           </a:ln>
         </p:spPr>
       </p:pic>
+      <p:sp>
+        <p:nvSpPr>
+          <p:cNvPr id="113" name="CaixaDeTexto 21"/>
+          <p:cNvSpPr/>
+          <p:nvPr/>
+        </p:nvSpPr>
+        <p:spPr>
+          <a:xfrm>
+            <a:off x="2085840" y="2667600"/>
+            <a:ext cx="1393920" cy="638280"/>
+          </a:xfrm>
+          <a:prstGeom prst="rect">
+            <a:avLst/>
+          </a:prstGeom>
+          <a:noFill/>
+          <a:ln w="0">
+            <a:noFill/>
+          </a:ln>
+        </p:spPr>
+        <p:style>
+          <a:lnRef idx="0">
+            <a:scrgbClr r="0" g="0" b="0"/>
+          </a:lnRef>
+          <a:fillRef idx="0">
+            <a:scrgbClr r="0" g="0" b="0"/>
+          </a:fillRef>
+          <a:effectRef idx="0">
+            <a:scrgbClr r="0" g="0" b="0"/>
+          </a:effectRef>
+          <a:fontRef idx="minor"/>
+        </p:style>
+        <p:txBody>
+          <a:bodyPr lIns="90000" tIns="45000" rIns="90000" bIns="45000" anchor="t">
+            <a:spAutoFit/>
+          </a:bodyPr>
+          <a:lstStyle/>
+          <a:p>
+            <a:pPr>
+              <a:lnSpc>
+                <a:spcPct val="100000"/>
+              </a:lnSpc>
+              <a:buNone/>
+            </a:pPr>
+            <a:r>
+              <a:rPr lang="en-US" sz="1800" b="0" strike="noStrike" spc="-1">
+                <a:solidFill>
+                  <a:srgbClr val="000000"/>
+                </a:solidFill>
+                <a:latin typeface="Calibri"/>
+                <a:ea typeface="DejaVu Sans"/>
+              </a:rPr>
+              <a:t>Input Space</a:t>
+            </a:r>
+            <a:endParaRPr lang="pt-BR" sz="1800" b="0" strike="noStrike" spc="-1">
+              <a:latin typeface="Arial"/>
+            </a:endParaRPr>
+          </a:p>
+        </p:txBody>
+      </p:sp>
+      <p:sp>
+        <p:nvSpPr>
+          <p:cNvPr id="114" name="CaixaDeTexto 22"/>
+          <p:cNvSpPr/>
+          <p:nvPr/>
+        </p:nvSpPr>
+        <p:spPr>
+          <a:xfrm>
+            <a:off x="199440" y="4264560"/>
+            <a:ext cx="1828080" cy="638280"/>
+          </a:xfrm>
+          <a:prstGeom prst="rect">
+            <a:avLst/>
+          </a:prstGeom>
+          <a:noFill/>
+          <a:ln w="0">
+            <a:noFill/>
+          </a:ln>
+        </p:spPr>
+        <p:style>
+          <a:lnRef idx="0">
+            <a:scrgbClr r="0" g="0" b="0"/>
+          </a:lnRef>
+          <a:fillRef idx="0">
+            <a:scrgbClr r="0" g="0" b="0"/>
+          </a:fillRef>
+          <a:effectRef idx="0">
+            <a:scrgbClr r="0" g="0" b="0"/>
+          </a:effectRef>
+          <a:fontRef idx="minor"/>
+        </p:style>
+        <p:txBody>
+          <a:bodyPr lIns="90000" tIns="45000" rIns="90000" bIns="45000" anchor="t">
+            <a:spAutoFit/>
+          </a:bodyPr>
+          <a:lstStyle/>
+          <a:p>
+            <a:pPr>
+              <a:lnSpc>
+                <a:spcPct val="100000"/>
+              </a:lnSpc>
+              <a:buNone/>
+            </a:pPr>
+            <a:r>
+              <a:rPr lang="en-US" sz="1800" b="0" strike="noStrike" spc="-1">
+                <a:solidFill>
+                  <a:srgbClr val="000000"/>
+                </a:solidFill>
+                <a:latin typeface="Calibri"/>
+                <a:ea typeface="DejaVu Sans"/>
+              </a:rPr>
+              <a:t>Feature Space’</a:t>
+            </a:r>
+            <a:endParaRPr lang="pt-BR" sz="1800" b="0" strike="noStrike" spc="-1">
+              <a:latin typeface="Arial"/>
+            </a:endParaRPr>
+          </a:p>
+        </p:txBody>
+      </p:sp>
+      <p:sp>
+        <p:nvSpPr>
+          <p:cNvPr id="115" name="CaixaDeTexto 25"/>
+          <p:cNvSpPr/>
+          <p:nvPr/>
+        </p:nvSpPr>
+        <p:spPr>
+          <a:xfrm>
+            <a:off x="3481560" y="4290120"/>
+            <a:ext cx="5037120" cy="363960"/>
+          </a:xfrm>
+          <a:prstGeom prst="rect">
+            <a:avLst/>
+          </a:prstGeom>
+          <a:noFill/>
+          <a:ln w="0">
+            <a:noFill/>
+          </a:ln>
+        </p:spPr>
+        <p:style>
+          <a:lnRef idx="0">
+            <a:scrgbClr r="0" g="0" b="0"/>
+          </a:lnRef>
+          <a:fillRef idx="0">
+            <a:scrgbClr r="0" g="0" b="0"/>
+          </a:fillRef>
+          <a:effectRef idx="0">
+            <a:scrgbClr r="0" g="0" b="0"/>
+          </a:effectRef>
+          <a:fontRef idx="minor"/>
+        </p:style>
+        <p:txBody>
+          <a:bodyPr lIns="90000" tIns="45000" rIns="90000" bIns="45000" anchor="t">
+            <a:spAutoFit/>
+          </a:bodyPr>
+          <a:lstStyle/>
+          <a:p>
+            <a:pPr>
+              <a:lnSpc>
+                <a:spcPct val="100000"/>
+              </a:lnSpc>
+              <a:buNone/>
+            </a:pPr>
+            <a:r>
+              <a:rPr lang="en-US" sz="1800" b="0" strike="noStrike" spc="-1">
+                <a:solidFill>
+                  <a:srgbClr val="000000"/>
+                </a:solidFill>
+                <a:latin typeface="Calibri"/>
+                <a:ea typeface="DejaVu Sans"/>
+              </a:rPr>
+              <a:t>Feature Space’’</a:t>
+            </a:r>
+            <a:endParaRPr lang="pt-BR" sz="1800" b="0" strike="noStrike" spc="-1">
+              <a:latin typeface="Arial"/>
+            </a:endParaRPr>
+          </a:p>
+        </p:txBody>
+      </p:sp>
+      <p:sp>
+        <p:nvSpPr>
+          <p:cNvPr id="116" name="CaixaDeTexto 27"/>
+          <p:cNvSpPr/>
+          <p:nvPr/>
+        </p:nvSpPr>
+        <p:spPr>
+          <a:xfrm>
+            <a:off x="6641640" y="4273920"/>
+            <a:ext cx="5037120" cy="363960"/>
+          </a:xfrm>
+          <a:prstGeom prst="rect">
+            <a:avLst/>
+          </a:prstGeom>
+          <a:noFill/>
+          <a:ln w="0">
+            <a:noFill/>
+          </a:ln>
+        </p:spPr>
+        <p:style>
+          <a:lnRef idx="0">
+            <a:scrgbClr r="0" g="0" b="0"/>
+          </a:lnRef>
+          <a:fillRef idx="0">
+            <a:scrgbClr r="0" g="0" b="0"/>
+          </a:fillRef>
+          <a:effectRef idx="0">
+            <a:scrgbClr r="0" g="0" b="0"/>
+          </a:effectRef>
+          <a:fontRef idx="minor"/>
+        </p:style>
+        <p:txBody>
+          <a:bodyPr lIns="90000" tIns="45000" rIns="90000" bIns="45000" anchor="t">
+            <a:spAutoFit/>
+          </a:bodyPr>
+          <a:lstStyle/>
+          <a:p>
+            <a:pPr>
+              <a:lnSpc>
+                <a:spcPct val="100000"/>
+              </a:lnSpc>
+              <a:buNone/>
+            </a:pPr>
+            <a:r>
+              <a:rPr lang="en-US" sz="1800" b="0" strike="noStrike" spc="-1">
+                <a:solidFill>
+                  <a:srgbClr val="000000"/>
+                </a:solidFill>
+                <a:latin typeface="Calibri"/>
+                <a:ea typeface="DejaVu Sans"/>
+              </a:rPr>
+              <a:t>Feature Space ’’’</a:t>
+            </a:r>
+            <a:endParaRPr lang="pt-BR" sz="1800" b="0" strike="noStrike" spc="-1">
+              <a:latin typeface="Arial"/>
+            </a:endParaRPr>
+          </a:p>
+        </p:txBody>
+      </p:sp>
+      <p:sp>
+        <p:nvSpPr>
+          <p:cNvPr id="117" name="Conector reto 29"/>
+          <p:cNvSpPr/>
+          <p:nvPr/>
+        </p:nvSpPr>
+        <p:spPr>
+          <a:xfrm>
+            <a:off x="360000" y="4171680"/>
+            <a:ext cx="9356400" cy="360"/>
+          </a:xfrm>
+          <a:prstGeom prst="line">
+            <a:avLst/>
+          </a:prstGeom>
+          <a:ln w="28575">
+            <a:solidFill>
+              <a:srgbClr val="000000"/>
+            </a:solidFill>
+            <a:round/>
+          </a:ln>
+        </p:spPr>
+        <p:style>
+          <a:lnRef idx="1">
+            <a:schemeClr val="dk1"/>
+          </a:lnRef>
+          <a:fillRef idx="0">
+            <a:schemeClr val="dk1"/>
+          </a:fillRef>
+          <a:effectRef idx="0">
+            <a:schemeClr val="dk1"/>
+          </a:effectRef>
+          <a:fontRef idx="minor"/>
+        </p:style>
+        <p:txBody>
+          <a:bodyPr/>
+          <a:lstStyle/>
+          <a:p>
+            <a:endParaRPr lang="en-BR"/>
+          </a:p>
+        </p:txBody>
+      </p:sp>
     </p:spTree>
   </p:cSld>
   <p:clrMapOvr>
@@ -29341,14 +29617,14 @@
       </p:grpSpPr>
       <p:sp>
         <p:nvSpPr>
-          <p:cNvPr id="298" name="CustomShape 1"/>
+          <p:cNvPr id="292" name="CustomShape 6"/>
           <p:cNvSpPr/>
           <p:nvPr/>
         </p:nvSpPr>
         <p:spPr>
           <a:xfrm>
             <a:off x="360000" y="360000"/>
-            <a:ext cx="9353880" cy="893880"/>
+            <a:ext cx="9354240" cy="894240"/>
           </a:xfrm>
           <a:prstGeom prst="rect">
             <a:avLst/>
@@ -29389,7 +29665,7 @@
                 <a:latin typeface="Latin Modern Sans"/>
                 <a:ea typeface="DejaVu Sans"/>
               </a:rPr>
-              <a:t>Image Descriptors</a:t>
+              <a:t>Image Descriptors – Shape/Edges</a:t>
             </a:r>
             <a:endParaRPr lang="en-US" sz="3200" b="0" strike="noStrike" spc="-1">
               <a:solidFill>
@@ -29402,14 +29678,14 @@
       </p:sp>
       <p:sp>
         <p:nvSpPr>
-          <p:cNvPr id="299" name="CustomShape 2"/>
+          <p:cNvPr id="293" name="CustomShape 5"/>
           <p:cNvSpPr/>
           <p:nvPr/>
         </p:nvSpPr>
         <p:spPr>
           <a:xfrm>
             <a:off x="897120" y="6886080"/>
-            <a:ext cx="6441120" cy="358920"/>
+            <a:ext cx="6441480" cy="359280"/>
           </a:xfrm>
           <a:prstGeom prst="rect">
             <a:avLst/>
@@ -29463,14 +29739,14 @@
       </p:sp>
       <p:sp>
         <p:nvSpPr>
-          <p:cNvPr id="300" name="CustomShape 3"/>
+          <p:cNvPr id="294" name="CustomShape 7"/>
           <p:cNvSpPr/>
           <p:nvPr/>
         </p:nvSpPr>
         <p:spPr>
           <a:xfrm>
             <a:off x="7608600" y="6886080"/>
-            <a:ext cx="2279160" cy="358920"/>
+            <a:ext cx="2279520" cy="359280"/>
           </a:xfrm>
           <a:prstGeom prst="rect">
             <a:avLst/>
@@ -29521,7 +29797,7 @@
                 <a:latin typeface="Arial"/>
                 <a:ea typeface="DejaVu Sans"/>
               </a:rPr>
-              <a:t> 05</a:t>
+              <a:t> 06</a:t>
             </a:r>
             <a:endParaRPr lang="en-US" sz="1800" b="0" strike="noStrike" spc="-1">
               <a:solidFill>
@@ -29534,14 +29810,14 @@
       </p:sp>
       <p:sp>
         <p:nvSpPr>
-          <p:cNvPr id="301" name="CaixaDeTexto 1"/>
+          <p:cNvPr id="295" name="CaixaDeTexto 4"/>
           <p:cNvSpPr/>
           <p:nvPr/>
         </p:nvSpPr>
         <p:spPr>
           <a:xfrm>
             <a:off x="200160" y="1689840"/>
-            <a:ext cx="9513720" cy="2284200"/>
+            <a:ext cx="9514080" cy="3655800"/>
           </a:xfrm>
           <a:prstGeom prst="rect">
             <a:avLst/>
@@ -29587,7 +29863,7 @@
                 <a:latin typeface="Calibri"/>
                 <a:ea typeface="DejaVu Sans"/>
               </a:rPr>
-              <a:t>Vertical and Horizontal Projection</a:t>
+              <a:t>Gradient Based</a:t>
             </a:r>
             <a:endParaRPr lang="en-US" sz="1800" b="0" strike="noStrike" spc="-1">
               <a:solidFill>
@@ -29610,11 +29886,26 @@
             </a:endParaRPr>
           </a:p>
           <a:p>
-            <a:pPr marL="457200" defTabSz="914400">
+            <a:pPr marL="743040" lvl="1" indent="-285840" defTabSz="914400">
               <a:lnSpc>
                 <a:spcPct val="100000"/>
               </a:lnSpc>
-            </a:pPr>
+              <a:buClr>
+                <a:srgbClr val="000000"/>
+              </a:buClr>
+              <a:buFont typeface="Arial"/>
+              <a:buChar char="•"/>
+            </a:pPr>
+            <a:r>
+              <a:rPr lang="en-US" sz="1800" b="0" strike="noStrike" spc="-1">
+                <a:solidFill>
+                  <a:srgbClr val="000000"/>
+                </a:solidFill>
+                <a:latin typeface="Calibri"/>
+                <a:ea typeface="DejaVu Sans"/>
+              </a:rPr>
+              <a:t>Projections</a:t>
+            </a:r>
             <a:endParaRPr lang="en-US" sz="1800" b="0" strike="noStrike" spc="-1">
               <a:solidFill>
                 <a:srgbClr val="000000"/>
@@ -29623,7 +29914,7 @@
             </a:endParaRPr>
           </a:p>
           <a:p>
-            <a:pPr marL="457200" defTabSz="914400">
+            <a:pPr defTabSz="914400">
               <a:lnSpc>
                 <a:spcPct val="100000"/>
               </a:lnSpc>
@@ -29636,7 +29927,7 @@
             </a:endParaRPr>
           </a:p>
           <a:p>
-            <a:pPr marL="457200" defTabSz="914400">
+            <a:pPr defTabSz="914400">
               <a:lnSpc>
                 <a:spcPct val="100000"/>
               </a:lnSpc>
@@ -29649,7 +29940,7 @@
             </a:endParaRPr>
           </a:p>
           <a:p>
-            <a:pPr marL="457200" defTabSz="914400">
+            <a:pPr defTabSz="914400">
               <a:lnSpc>
                 <a:spcPct val="100000"/>
               </a:lnSpc>
@@ -29662,7 +29953,7 @@
             </a:endParaRPr>
           </a:p>
           <a:p>
-            <a:pPr marL="457200" defTabSz="914400">
+            <a:pPr defTabSz="914400">
               <a:lnSpc>
                 <a:spcPct val="100000"/>
               </a:lnSpc>
@@ -29675,7 +29966,87 @@
             </a:endParaRPr>
           </a:p>
           <a:p>
-            <a:pPr marL="457200" defTabSz="914400">
+            <a:pPr defTabSz="914400">
+              <a:lnSpc>
+                <a:spcPct val="100000"/>
+              </a:lnSpc>
+            </a:pPr>
+            <a:endParaRPr lang="en-US" sz="1800" b="0" strike="noStrike" spc="-1">
+              <a:solidFill>
+                <a:srgbClr val="000000"/>
+              </a:solidFill>
+              <a:latin typeface="Arial"/>
+            </a:endParaRPr>
+          </a:p>
+          <a:p>
+            <a:pPr defTabSz="914400">
+              <a:lnSpc>
+                <a:spcPct val="100000"/>
+              </a:lnSpc>
+            </a:pPr>
+            <a:endParaRPr lang="en-US" sz="1800" b="0" strike="noStrike" spc="-1">
+              <a:solidFill>
+                <a:srgbClr val="000000"/>
+              </a:solidFill>
+              <a:latin typeface="Arial"/>
+            </a:endParaRPr>
+          </a:p>
+          <a:p>
+            <a:pPr defTabSz="914400">
+              <a:lnSpc>
+                <a:spcPct val="100000"/>
+              </a:lnSpc>
+            </a:pPr>
+            <a:endParaRPr lang="en-US" sz="1800" b="0" strike="noStrike" spc="-1">
+              <a:solidFill>
+                <a:srgbClr val="000000"/>
+              </a:solidFill>
+              <a:latin typeface="Arial"/>
+            </a:endParaRPr>
+          </a:p>
+          <a:p>
+            <a:pPr marL="743040" lvl="1" indent="-285840" defTabSz="914400">
+              <a:lnSpc>
+                <a:spcPct val="100000"/>
+              </a:lnSpc>
+              <a:buClr>
+                <a:srgbClr val="000000"/>
+              </a:buClr>
+              <a:buFont typeface="Arial"/>
+              <a:buChar char="•"/>
+            </a:pPr>
+            <a:r>
+              <a:rPr lang="en-US" sz="1800" b="0" strike="noStrike" spc="-1">
+                <a:solidFill>
+                  <a:srgbClr val="000000"/>
+                </a:solidFill>
+                <a:latin typeface="Calibri"/>
+                <a:ea typeface="DejaVu Sans"/>
+              </a:rPr>
+              <a:t>Convolutional (Filters)</a:t>
+            </a:r>
+            <a:endParaRPr lang="en-US" sz="1800" b="0" strike="noStrike" spc="-1">
+              <a:solidFill>
+                <a:srgbClr val="000000"/>
+              </a:solidFill>
+              <a:latin typeface="Arial"/>
+            </a:endParaRPr>
+          </a:p>
+          <a:p>
+            <a:pPr defTabSz="914400">
+              <a:lnSpc>
+                <a:spcPct val="100000"/>
+              </a:lnSpc>
+            </a:pPr>
+            <a:endParaRPr lang="en-US" sz="1800" b="0" strike="noStrike" spc="-1">
+              <a:solidFill>
+                <a:srgbClr val="000000"/>
+              </a:solidFill>
+              <a:latin typeface="Arial"/>
+            </a:endParaRPr>
+          </a:p>
+          <a:p>
+            <a:pPr defTabSz="914400">
               <a:lnSpc>
                 <a:spcPct val="100000"/>
               </a:lnSpc>
@@ -29691,7 +30062,7 @@
       </p:sp>
       <p:pic>
         <p:nvPicPr>
-          <p:cNvPr id="302" name="Picture 2" descr="Projection Histogram of image using Python and Opencv | by Felipe Meganha |  Medium"/>
+          <p:cNvPr id="296" name="Imagem 7"/>
           <p:cNvPicPr/>
           <p:nvPr/>
         </p:nvPicPr>
@@ -29701,8 +30072,8 @@
         </p:blipFill>
         <p:spPr>
           <a:xfrm>
-            <a:off x="512640" y="2760120"/>
-            <a:ext cx="4443120" cy="1328040"/>
+            <a:off x="1671480" y="4975200"/>
+            <a:ext cx="6516360" cy="1681200"/>
           </a:xfrm>
           <a:prstGeom prst="rect">
             <a:avLst/>
@@ -29714,7 +30085,7 @@
       </p:pic>
       <p:pic>
         <p:nvPicPr>
-          <p:cNvPr id="303" name="Picture 6" descr="computer vision - OpenCV Color Concentration Histogram - Stack Overflow"/>
+          <p:cNvPr id="297" name="Imagem 8"/>
           <p:cNvPicPr/>
           <p:nvPr/>
         </p:nvPicPr>
@@ -29724,8 +30095,8 @@
         </p:blipFill>
         <p:spPr>
           <a:xfrm>
-            <a:off x="5485320" y="2487600"/>
-            <a:ext cx="4080240" cy="2998080"/>
+            <a:off x="1671480" y="2608920"/>
+            <a:ext cx="6477480" cy="1749960"/>
           </a:xfrm>
           <a:prstGeom prst="rect">
             <a:avLst/>
@@ -29735,186 +30106,6 @@
           </a:ln>
         </p:spPr>
       </p:pic>
-      <p:sp>
-        <p:nvSpPr>
-          <p:cNvPr id="304" name="AutoShape 12"/>
-          <p:cNvSpPr/>
-          <p:nvPr/>
-        </p:nvSpPr>
-        <p:spPr>
-          <a:xfrm>
-            <a:off x="4888080" y="3627360"/>
-            <a:ext cx="302400" cy="302400"/>
-          </a:xfrm>
-          <a:prstGeom prst="rect">
-            <a:avLst/>
-          </a:prstGeom>
-          <a:noFill/>
-          <a:ln w="0">
-            <a:noFill/>
-          </a:ln>
-        </p:spPr>
-        <p:style>
-          <a:lnRef idx="0">
-            <a:scrgbClr r="0" g="0" b="0"/>
-          </a:lnRef>
-          <a:fillRef idx="0">
-            <a:scrgbClr r="0" g="0" b="0"/>
-          </a:fillRef>
-          <a:effectRef idx="0">
-            <a:scrgbClr r="0" g="0" b="0"/>
-          </a:effectRef>
-          <a:fontRef idx="minor"/>
-        </p:style>
-        <p:txBody>
-          <a:bodyPr lIns="90000" tIns="45000" rIns="90000" bIns="45000" anchor="t">
-            <a:noAutofit/>
-          </a:bodyPr>
-          <a:lstStyle/>
-          <a:p>
-            <a:pPr defTabSz="914400">
-              <a:lnSpc>
-                <a:spcPct val="100000"/>
-              </a:lnSpc>
-            </a:pPr>
-            <a:endParaRPr lang="en-BR" sz="1800" b="0" strike="noStrike" spc="-1">
-              <a:solidFill>
-                <a:srgbClr val="000000"/>
-              </a:solidFill>
-              <a:latin typeface="Arial"/>
-              <a:ea typeface="DejaVu Sans"/>
-            </a:endParaRPr>
-          </a:p>
-        </p:txBody>
-      </p:sp>
-      <p:pic>
-        <p:nvPicPr>
-          <p:cNvPr id="305" name="Imagem 12"/>
-          <p:cNvPicPr/>
-          <p:nvPr/>
-        </p:nvPicPr>
-        <p:blipFill>
-          <a:blip r:embed="rId5"/>
-          <a:stretch/>
-        </p:blipFill>
-        <p:spPr>
-          <a:xfrm>
-            <a:off x="789840" y="4894920"/>
-            <a:ext cx="3942000" cy="1210320"/>
-          </a:xfrm>
-          <a:prstGeom prst="rect">
-            <a:avLst/>
-          </a:prstGeom>
-          <a:ln w="0">
-            <a:noFill/>
-          </a:ln>
-        </p:spPr>
-      </p:pic>
-      <p:sp>
-        <p:nvSpPr>
-          <p:cNvPr id="306" name="CaixaDeTexto 13"/>
-          <p:cNvSpPr/>
-          <p:nvPr/>
-        </p:nvSpPr>
-        <p:spPr>
-          <a:xfrm>
-            <a:off x="1026000" y="4714200"/>
-            <a:ext cx="182160" cy="366840"/>
-          </a:xfrm>
-          <a:prstGeom prst="rect">
-            <a:avLst/>
-          </a:prstGeom>
-          <a:noFill/>
-          <a:ln w="0">
-            <a:noFill/>
-          </a:ln>
-        </p:spPr>
-        <p:style>
-          <a:lnRef idx="0">
-            <a:scrgbClr r="0" g="0" b="0"/>
-          </a:lnRef>
-          <a:fillRef idx="0">
-            <a:scrgbClr r="0" g="0" b="0"/>
-          </a:fillRef>
-          <a:effectRef idx="0">
-            <a:scrgbClr r="0" g="0" b="0"/>
-          </a:effectRef>
-          <a:fontRef idx="minor"/>
-        </p:style>
-        <p:txBody>
-          <a:bodyPr lIns="90000" tIns="45000" rIns="90000" bIns="45000" anchor="t">
-            <a:noAutofit/>
-          </a:bodyPr>
-          <a:lstStyle/>
-          <a:p>
-            <a:pPr defTabSz="914400">
-              <a:lnSpc>
-                <a:spcPct val="100000"/>
-              </a:lnSpc>
-            </a:pPr>
-            <a:endParaRPr lang="en-BR" sz="1800" b="0" strike="noStrike" spc="-1">
-              <a:solidFill>
-                <a:srgbClr val="000000"/>
-              </a:solidFill>
-              <a:latin typeface="Arial"/>
-              <a:ea typeface="DejaVu Sans"/>
-            </a:endParaRPr>
-          </a:p>
-        </p:txBody>
-      </p:sp>
-      <p:sp>
-        <p:nvSpPr>
-          <p:cNvPr id="307" name="TextBox 306"/>
-          <p:cNvSpPr txBox="1"/>
-          <p:nvPr/>
-        </p:nvSpPr>
-        <p:spPr>
-          <a:xfrm>
-            <a:off x="1735200" y="6400800"/>
-            <a:ext cx="6723000" cy="346680"/>
-          </a:xfrm>
-          <a:prstGeom prst="rect">
-            <a:avLst/>
-          </a:prstGeom>
-          <a:noFill/>
-          <a:ln w="0">
-            <a:noFill/>
-          </a:ln>
-        </p:spPr>
-        <p:txBody>
-          <a:bodyPr lIns="90000" tIns="45000" rIns="90000" bIns="45000" anchor="t">
-            <a:noAutofit/>
-          </a:bodyPr>
-          <a:lstStyle/>
-          <a:p>
-            <a:r>
-              <a:rPr lang="en-US" sz="1800" b="0" strike="noStrike" spc="-1">
-                <a:solidFill>
-                  <a:srgbClr val="000000"/>
-                </a:solidFill>
-                <a:latin typeface="Arial"/>
-              </a:rPr>
-              <a:t>LET’S CODE: </a:t>
-            </a:r>
-            <a:r>
-              <a:rPr lang="en-US" sz="1800" b="0" strike="noStrike" spc="-1">
-                <a:solidFill>
-                  <a:srgbClr val="000000"/>
-                </a:solidFill>
-                <a:latin typeface="Arial"/>
-                <a:hlinkClick r:id="rId6"/>
-              </a:rPr>
-              <a:t>Lecture_05_Feature_Extraction_Projections.ipynb</a:t>
-            </a:r>
-            <a:endParaRPr lang="en-US" sz="1800" b="0" strike="noStrike" spc="-1">
-              <a:solidFill>
-                <a:srgbClr val="000000"/>
-              </a:solidFill>
-              <a:latin typeface="Arial"/>
-            </a:endParaRPr>
-          </a:p>
-        </p:txBody>
-      </p:sp>
     </p:spTree>
   </p:cSld>
   <p:clrMapOvr>
@@ -29942,14 +30133,14 @@
       </p:grpSpPr>
       <p:sp>
         <p:nvSpPr>
-          <p:cNvPr id="308" name="CustomShape 9"/>
+          <p:cNvPr id="298" name="CustomShape 1"/>
           <p:cNvSpPr/>
           <p:nvPr/>
         </p:nvSpPr>
         <p:spPr>
           <a:xfrm>
             <a:off x="360000" y="360000"/>
-            <a:ext cx="9354240" cy="894240"/>
+            <a:ext cx="9353880" cy="893880"/>
           </a:xfrm>
           <a:prstGeom prst="rect">
             <a:avLst/>
@@ -29990,7 +30181,7 @@
                 <a:latin typeface="Latin Modern Sans"/>
                 <a:ea typeface="DejaVu Sans"/>
               </a:rPr>
-              <a:t>Image Descriptors – Shape</a:t>
+              <a:t>Image Descriptors</a:t>
             </a:r>
             <a:endParaRPr lang="en-US" sz="3200" b="0" strike="noStrike" spc="-1">
               <a:solidFill>
@@ -30003,14 +30194,14 @@
       </p:sp>
       <p:sp>
         <p:nvSpPr>
-          <p:cNvPr id="309" name="CustomShape 10"/>
+          <p:cNvPr id="299" name="CustomShape 2"/>
           <p:cNvSpPr/>
           <p:nvPr/>
         </p:nvSpPr>
         <p:spPr>
           <a:xfrm>
             <a:off x="897120" y="6886080"/>
-            <a:ext cx="6441480" cy="359280"/>
+            <a:ext cx="6441120" cy="358920"/>
           </a:xfrm>
           <a:prstGeom prst="rect">
             <a:avLst/>
@@ -30064,14 +30255,14 @@
       </p:sp>
       <p:sp>
         <p:nvSpPr>
-          <p:cNvPr id="310" name="CustomShape 11"/>
+          <p:cNvPr id="300" name="CustomShape 3"/>
           <p:cNvSpPr/>
           <p:nvPr/>
         </p:nvSpPr>
         <p:spPr>
           <a:xfrm>
             <a:off x="7608600" y="6886080"/>
-            <a:ext cx="2279520" cy="359280"/>
+            <a:ext cx="2279160" cy="358920"/>
           </a:xfrm>
           <a:prstGeom prst="rect">
             <a:avLst/>
@@ -30122,8 +30313,165 @@
                 <a:latin typeface="Arial"/>
                 <a:ea typeface="DejaVu Sans"/>
               </a:rPr>
-              <a:t> 06</a:t>
-            </a:r>
+              <a:t> 05</a:t>
+            </a:r>
+            <a:endParaRPr lang="en-US" sz="1800" b="0" strike="noStrike" spc="-1">
+              <a:solidFill>
+                <a:srgbClr val="000000"/>
+              </a:solidFill>
+              <a:latin typeface="Arial"/>
+            </a:endParaRPr>
+          </a:p>
+        </p:txBody>
+      </p:sp>
+      <p:sp>
+        <p:nvSpPr>
+          <p:cNvPr id="301" name="CaixaDeTexto 1"/>
+          <p:cNvSpPr/>
+          <p:nvPr/>
+        </p:nvSpPr>
+        <p:spPr>
+          <a:xfrm>
+            <a:off x="200160" y="1689840"/>
+            <a:ext cx="9513720" cy="2284200"/>
+          </a:xfrm>
+          <a:prstGeom prst="rect">
+            <a:avLst/>
+          </a:prstGeom>
+          <a:noFill/>
+          <a:ln w="0">
+            <a:noFill/>
+          </a:ln>
+        </p:spPr>
+        <p:style>
+          <a:lnRef idx="0">
+            <a:scrgbClr r="0" g="0" b="0"/>
+          </a:lnRef>
+          <a:fillRef idx="0">
+            <a:scrgbClr r="0" g="0" b="0"/>
+          </a:fillRef>
+          <a:effectRef idx="0">
+            <a:scrgbClr r="0" g="0" b="0"/>
+          </a:effectRef>
+          <a:fontRef idx="minor"/>
+        </p:style>
+        <p:txBody>
+          <a:bodyPr lIns="90000" tIns="45000" rIns="90000" bIns="45000" anchor="t">
+            <a:spAutoFit/>
+          </a:bodyPr>
+          <a:lstStyle/>
+          <a:p>
+            <a:pPr marL="285840" indent="-285840" defTabSz="914400">
+              <a:lnSpc>
+                <a:spcPct val="100000"/>
+              </a:lnSpc>
+              <a:buClr>
+                <a:srgbClr val="000000"/>
+              </a:buClr>
+              <a:buFont typeface="Arial"/>
+              <a:buChar char="•"/>
+            </a:pPr>
+            <a:r>
+              <a:rPr lang="en-US" sz="1800" b="0" strike="noStrike" spc="-1">
+                <a:solidFill>
+                  <a:srgbClr val="000000"/>
+                </a:solidFill>
+                <a:latin typeface="Calibri"/>
+                <a:ea typeface="DejaVu Sans"/>
+              </a:rPr>
+              <a:t>Vertical and Horizontal Projection</a:t>
+            </a:r>
+            <a:endParaRPr lang="en-US" sz="1800" b="0" strike="noStrike" spc="-1">
+              <a:solidFill>
+                <a:srgbClr val="000000"/>
+              </a:solidFill>
+              <a:latin typeface="Arial"/>
+            </a:endParaRPr>
+          </a:p>
+          <a:p>
+            <a:pPr defTabSz="914400">
+              <a:lnSpc>
+                <a:spcPct val="100000"/>
+              </a:lnSpc>
+            </a:pPr>
+            <a:endParaRPr lang="en-US" sz="1800" b="0" strike="noStrike" spc="-1">
+              <a:solidFill>
+                <a:srgbClr val="000000"/>
+              </a:solidFill>
+              <a:latin typeface="Arial"/>
+            </a:endParaRPr>
+          </a:p>
+          <a:p>
+            <a:pPr marL="457200" defTabSz="914400">
+              <a:lnSpc>
+                <a:spcPct val="100000"/>
+              </a:lnSpc>
+            </a:pPr>
+            <a:endParaRPr lang="en-US" sz="1800" b="0" strike="noStrike" spc="-1">
+              <a:solidFill>
+                <a:srgbClr val="000000"/>
+              </a:solidFill>
+              <a:latin typeface="Arial"/>
+            </a:endParaRPr>
+          </a:p>
+          <a:p>
+            <a:pPr marL="457200" defTabSz="914400">
+              <a:lnSpc>
+                <a:spcPct val="100000"/>
+              </a:lnSpc>
+            </a:pPr>
+            <a:endParaRPr lang="en-US" sz="1800" b="0" strike="noStrike" spc="-1">
+              <a:solidFill>
+                <a:srgbClr val="000000"/>
+              </a:solidFill>
+              <a:latin typeface="Arial"/>
+            </a:endParaRPr>
+          </a:p>
+          <a:p>
+            <a:pPr marL="457200" defTabSz="914400">
+              <a:lnSpc>
+                <a:spcPct val="100000"/>
+              </a:lnSpc>
+            </a:pPr>
+            <a:endParaRPr lang="en-US" sz="1800" b="0" strike="noStrike" spc="-1">
+              <a:solidFill>
+                <a:srgbClr val="000000"/>
+              </a:solidFill>
+              <a:latin typeface="Arial"/>
+            </a:endParaRPr>
+          </a:p>
+          <a:p>
+            <a:pPr marL="457200" defTabSz="914400">
+              <a:lnSpc>
+                <a:spcPct val="100000"/>
+              </a:lnSpc>
+            </a:pPr>
+            <a:endParaRPr lang="en-US" sz="1800" b="0" strike="noStrike" spc="-1">
+              <a:solidFill>
+                <a:srgbClr val="000000"/>
+              </a:solidFill>
+              <a:latin typeface="Arial"/>
+            </a:endParaRPr>
+          </a:p>
+          <a:p>
+            <a:pPr marL="457200" defTabSz="914400">
+              <a:lnSpc>
+                <a:spcPct val="100000"/>
+              </a:lnSpc>
+            </a:pPr>
+            <a:endParaRPr lang="en-US" sz="1800" b="0" strike="noStrike" spc="-1">
+              <a:solidFill>
+                <a:srgbClr val="000000"/>
+              </a:solidFill>
+              <a:latin typeface="Arial"/>
+            </a:endParaRPr>
+          </a:p>
+          <a:p>
+            <a:pPr marL="457200" defTabSz="914400">
+              <a:lnSpc>
+                <a:spcPct val="100000"/>
+              </a:lnSpc>
+            </a:pPr>
             <a:endParaRPr lang="en-US" sz="1800" b="0" strike="noStrike" spc="-1">
               <a:solidFill>
                 <a:srgbClr val="000000"/>
@@ -30135,7 +30483,7 @@
       </p:sp>
       <p:pic>
         <p:nvPicPr>
-          <p:cNvPr id="311" name="Imagem 1"/>
+          <p:cNvPr id="302" name="Picture 2" descr="Projection Histogram of image using Python and Opencv | by Felipe Meganha |  Medium"/>
           <p:cNvPicPr/>
           <p:nvPr/>
         </p:nvPicPr>
@@ -30145,8 +30493,8 @@
         </p:blipFill>
         <p:spPr>
           <a:xfrm>
-            <a:off x="617760" y="1904400"/>
-            <a:ext cx="5133600" cy="1386360"/>
+            <a:off x="512640" y="2760120"/>
+            <a:ext cx="4443120" cy="1328040"/>
           </a:xfrm>
           <a:prstGeom prst="rect">
             <a:avLst/>
@@ -30158,7 +30506,7 @@
       </p:pic>
       <p:pic>
         <p:nvPicPr>
-          <p:cNvPr id="312" name="Picture 4" descr="The vertical and horizontal projection histograms for the letter “a”. |  Download Scientific Diagram"/>
+          <p:cNvPr id="303" name="Picture 6" descr="computer vision - OpenCV Color Concentration Histogram - Stack Overflow"/>
           <p:cNvPicPr/>
           <p:nvPr/>
         </p:nvPicPr>
@@ -30168,8 +30516,8 @@
         </p:blipFill>
         <p:spPr>
           <a:xfrm>
-            <a:off x="6910200" y="1640160"/>
-            <a:ext cx="2550600" cy="1788480"/>
+            <a:off x="5485320" y="2487600"/>
+            <a:ext cx="4080240" cy="2998080"/>
           </a:xfrm>
           <a:prstGeom prst="rect">
             <a:avLst/>
@@ -30179,9 +30527,61 @@
           </a:ln>
         </p:spPr>
       </p:pic>
+      <p:sp>
+        <p:nvSpPr>
+          <p:cNvPr id="304" name="AutoShape 12"/>
+          <p:cNvSpPr/>
+          <p:nvPr/>
+        </p:nvSpPr>
+        <p:spPr>
+          <a:xfrm>
+            <a:off x="4888080" y="3627360"/>
+            <a:ext cx="302400" cy="302400"/>
+          </a:xfrm>
+          <a:prstGeom prst="rect">
+            <a:avLst/>
+          </a:prstGeom>
+          <a:noFill/>
+          <a:ln w="0">
+            <a:noFill/>
+          </a:ln>
+        </p:spPr>
+        <p:style>
+          <a:lnRef idx="0">
+            <a:scrgbClr r="0" g="0" b="0"/>
+          </a:lnRef>
+          <a:fillRef idx="0">
+            <a:scrgbClr r="0" g="0" b="0"/>
+          </a:fillRef>
+          <a:effectRef idx="0">
+            <a:scrgbClr r="0" g="0" b="0"/>
+          </a:effectRef>
+          <a:fontRef idx="minor"/>
+        </p:style>
+        <p:txBody>
+          <a:bodyPr lIns="90000" tIns="45000" rIns="90000" bIns="45000" anchor="t">
+            <a:noAutofit/>
+          </a:bodyPr>
+          <a:lstStyle/>
+          <a:p>
+            <a:pPr defTabSz="914400">
+              <a:lnSpc>
+                <a:spcPct val="100000"/>
+              </a:lnSpc>
+            </a:pPr>
+            <a:endParaRPr lang="en-BR" sz="1800" b="0" strike="noStrike" spc="-1">
+              <a:solidFill>
+                <a:srgbClr val="000000"/>
+              </a:solidFill>
+              <a:latin typeface="Arial"/>
+              <a:ea typeface="DejaVu Sans"/>
+            </a:endParaRPr>
+          </a:p>
+        </p:txBody>
+      </p:sp>
       <p:pic>
         <p:nvPicPr>
-          <p:cNvPr id="313" name="Imagem 2"/>
+          <p:cNvPr id="305" name="Imagem 12"/>
           <p:cNvPicPr/>
           <p:nvPr/>
         </p:nvPicPr>
@@ -30191,8 +30591,8 @@
         </p:blipFill>
         <p:spPr>
           <a:xfrm>
-            <a:off x="2743200" y="3998520"/>
-            <a:ext cx="4114440" cy="2173320"/>
+            <a:off x="789840" y="4894920"/>
+            <a:ext cx="3942000" cy="1210320"/>
           </a:xfrm>
           <a:prstGeom prst="rect">
             <a:avLst/>
@@ -30202,6 +30602,111 @@
           </a:ln>
         </p:spPr>
       </p:pic>
+      <p:sp>
+        <p:nvSpPr>
+          <p:cNvPr id="306" name="CaixaDeTexto 13"/>
+          <p:cNvSpPr/>
+          <p:nvPr/>
+        </p:nvSpPr>
+        <p:spPr>
+          <a:xfrm>
+            <a:off x="1026000" y="4714200"/>
+            <a:ext cx="182160" cy="366840"/>
+          </a:xfrm>
+          <a:prstGeom prst="rect">
+            <a:avLst/>
+          </a:prstGeom>
+          <a:noFill/>
+          <a:ln w="0">
+            <a:noFill/>
+          </a:ln>
+        </p:spPr>
+        <p:style>
+          <a:lnRef idx="0">
+            <a:scrgbClr r="0" g="0" b="0"/>
+          </a:lnRef>
+          <a:fillRef idx="0">
+            <a:scrgbClr r="0" g="0" b="0"/>
+          </a:fillRef>
+          <a:effectRef idx="0">
+            <a:scrgbClr r="0" g="0" b="0"/>
+          </a:effectRef>
+          <a:fontRef idx="minor"/>
+        </p:style>
+        <p:txBody>
+          <a:bodyPr lIns="90000" tIns="45000" rIns="90000" bIns="45000" anchor="t">
+            <a:noAutofit/>
+          </a:bodyPr>
+          <a:lstStyle/>
+          <a:p>
+            <a:pPr defTabSz="914400">
+              <a:lnSpc>
+                <a:spcPct val="100000"/>
+              </a:lnSpc>
+            </a:pPr>
+            <a:endParaRPr lang="en-BR" sz="1800" b="0" strike="noStrike" spc="-1">
+              <a:solidFill>
+                <a:srgbClr val="000000"/>
+              </a:solidFill>
+              <a:latin typeface="Arial"/>
+              <a:ea typeface="DejaVu Sans"/>
+            </a:endParaRPr>
+          </a:p>
+        </p:txBody>
+      </p:sp>
+      <p:sp>
+        <p:nvSpPr>
+          <p:cNvPr id="307" name="TextBox 306"/>
+          <p:cNvSpPr txBox="1"/>
+          <p:nvPr/>
+        </p:nvSpPr>
+        <p:spPr>
+          <a:xfrm>
+            <a:off x="1735200" y="6400800"/>
+            <a:ext cx="6723000" cy="346680"/>
+          </a:xfrm>
+          <a:prstGeom prst="rect">
+            <a:avLst/>
+          </a:prstGeom>
+          <a:noFill/>
+          <a:ln w="0">
+            <a:noFill/>
+          </a:ln>
+        </p:spPr>
+        <p:txBody>
+          <a:bodyPr lIns="90000" tIns="45000" rIns="90000" bIns="45000" anchor="t">
+            <a:noAutofit/>
+          </a:bodyPr>
+          <a:lstStyle/>
+          <a:p>
+            <a:r>
+              <a:rPr lang="en-US" sz="1800" b="0" strike="noStrike" spc="-1">
+                <a:solidFill>
+                  <a:srgbClr val="000000"/>
+                </a:solidFill>
+                <a:latin typeface="Arial"/>
+              </a:rPr>
+              <a:t>LET’S CODE: </a:t>
+            </a:r>
+            <a:r>
+              <a:rPr lang="en-US" sz="1800" b="0" strike="noStrike" spc="-1">
+                <a:solidFill>
+                  <a:srgbClr val="000000"/>
+                </a:solidFill>
+                <a:latin typeface="Arial"/>
+                <a:hlinkClick r:id="rId6"/>
+              </a:rPr>
+              <a:t>Lecture_05_Feature_Extraction_Projections.ipynb</a:t>
+            </a:r>
+            <a:endParaRPr lang="en-US" sz="1800" b="0" strike="noStrike" spc="-1">
+              <a:solidFill>
+                <a:srgbClr val="000000"/>
+              </a:solidFill>
+              <a:latin typeface="Arial"/>
+            </a:endParaRPr>
+          </a:p>
+        </p:txBody>
+      </p:sp>
     </p:spTree>
   </p:cSld>
   <p:clrMapOvr>
@@ -30229,14 +30734,14 @@
       </p:grpSpPr>
       <p:sp>
         <p:nvSpPr>
-          <p:cNvPr id="314" name="CustomShape 1"/>
+          <p:cNvPr id="308" name="CustomShape 9"/>
           <p:cNvSpPr/>
           <p:nvPr/>
         </p:nvSpPr>
         <p:spPr>
           <a:xfrm>
             <a:off x="360000" y="360000"/>
-            <a:ext cx="9353880" cy="893880"/>
+            <a:ext cx="9354240" cy="894240"/>
           </a:xfrm>
           <a:prstGeom prst="rect">
             <a:avLst/>
@@ -30277,7 +30782,7 @@
                 <a:latin typeface="Latin Modern Sans"/>
                 <a:ea typeface="DejaVu Sans"/>
               </a:rPr>
-              <a:t>Image Descriptors</a:t>
+              <a:t>Image Descriptors – Shape</a:t>
             </a:r>
             <a:endParaRPr lang="en-US" sz="3200" b="0" strike="noStrike" spc="-1">
               <a:solidFill>
@@ -30290,14 +30795,14 @@
       </p:sp>
       <p:sp>
         <p:nvSpPr>
-          <p:cNvPr id="315" name="CustomShape 2"/>
+          <p:cNvPr id="309" name="CustomShape 10"/>
           <p:cNvSpPr/>
           <p:nvPr/>
         </p:nvSpPr>
         <p:spPr>
           <a:xfrm>
             <a:off x="897120" y="6886080"/>
-            <a:ext cx="6441120" cy="358920"/>
+            <a:ext cx="6441480" cy="359280"/>
           </a:xfrm>
           <a:prstGeom prst="rect">
             <a:avLst/>
@@ -30351,14 +30856,14 @@
       </p:sp>
       <p:sp>
         <p:nvSpPr>
-          <p:cNvPr id="316" name="CustomShape 3"/>
+          <p:cNvPr id="310" name="CustomShape 11"/>
           <p:cNvSpPr/>
           <p:nvPr/>
         </p:nvSpPr>
         <p:spPr>
           <a:xfrm>
             <a:off x="7608600" y="6886080"/>
-            <a:ext cx="2279160" cy="358920"/>
+            <a:ext cx="2279520" cy="359280"/>
           </a:xfrm>
           <a:prstGeom prst="rect">
             <a:avLst/>
@@ -30409,307 +30914,20 @@
                 <a:latin typeface="Arial"/>
                 <a:ea typeface="DejaVu Sans"/>
               </a:rPr>
-              <a:t> 05</a:t>
+              <a:t> 06</a:t>
             </a:r>
             <a:endParaRPr lang="en-US" sz="1800" b="0" strike="noStrike" spc="-1">
               <a:solidFill>
                 <a:srgbClr val="000000"/>
               </a:solidFill>
               <a:latin typeface="Arial"/>
-            </a:endParaRPr>
-          </a:p>
-        </p:txBody>
-      </p:sp>
-      <p:sp>
-        <p:nvSpPr>
-          <p:cNvPr id="317" name="CaixaDeTexto 1"/>
-          <p:cNvSpPr/>
-          <p:nvPr/>
-        </p:nvSpPr>
-        <p:spPr>
-          <a:xfrm>
-            <a:off x="200160" y="1689840"/>
-            <a:ext cx="9513720" cy="2832840"/>
-          </a:xfrm>
-          <a:prstGeom prst="rect">
-            <a:avLst/>
-          </a:prstGeom>
-          <a:noFill/>
-          <a:ln w="0">
-            <a:noFill/>
-          </a:ln>
-        </p:spPr>
-        <p:style>
-          <a:lnRef idx="0">
-            <a:scrgbClr r="0" g="0" b="0"/>
-          </a:lnRef>
-          <a:fillRef idx="0">
-            <a:scrgbClr r="0" g="0" b="0"/>
-          </a:fillRef>
-          <a:effectRef idx="0">
-            <a:scrgbClr r="0" g="0" b="0"/>
-          </a:effectRef>
-          <a:fontRef idx="minor"/>
-        </p:style>
-        <p:txBody>
-          <a:bodyPr lIns="90000" tIns="45000" rIns="90000" bIns="45000" anchor="t">
-            <a:spAutoFit/>
-          </a:bodyPr>
-          <a:lstStyle/>
-          <a:p>
-            <a:pPr marL="285840" indent="-285840" defTabSz="914400">
-              <a:lnSpc>
-                <a:spcPct val="100000"/>
-              </a:lnSpc>
-              <a:buClr>
-                <a:srgbClr val="000000"/>
-              </a:buClr>
-              <a:buFont typeface="Arial"/>
-              <a:buChar char="•"/>
-            </a:pPr>
-            <a:r>
-              <a:rPr lang="en-US" sz="1800" b="0" strike="noStrike" spc="-1">
-                <a:solidFill>
-                  <a:srgbClr val="000000"/>
-                </a:solidFill>
-                <a:latin typeface="Calibri"/>
-                <a:ea typeface="DejaVu Sans"/>
-              </a:rPr>
-              <a:t>Vertical and Horizontal Projection</a:t>
-            </a:r>
-            <a:endParaRPr lang="en-US" sz="1800" b="0" strike="noStrike" spc="-1">
-              <a:solidFill>
-                <a:srgbClr val="000000"/>
-              </a:solidFill>
-              <a:latin typeface="Arial"/>
-            </a:endParaRPr>
-          </a:p>
-          <a:p>
-            <a:pPr defTabSz="914400">
-              <a:lnSpc>
-                <a:spcPct val="100000"/>
-              </a:lnSpc>
-            </a:pPr>
-            <a:endParaRPr lang="en-US" sz="1800" b="0" strike="noStrike" spc="-1">
-              <a:solidFill>
-                <a:srgbClr val="000000"/>
-              </a:solidFill>
-              <a:latin typeface="Arial"/>
-            </a:endParaRPr>
-          </a:p>
-          <a:p>
-            <a:pPr marL="457200" defTabSz="914400">
-              <a:lnSpc>
-                <a:spcPct val="100000"/>
-              </a:lnSpc>
-            </a:pPr>
-            <a:endParaRPr lang="en-US" sz="1800" b="0" strike="noStrike" spc="-1">
-              <a:solidFill>
-                <a:srgbClr val="000000"/>
-              </a:solidFill>
-              <a:latin typeface="Arial"/>
-            </a:endParaRPr>
-          </a:p>
-          <a:p>
-            <a:pPr marL="457200" defTabSz="914400">
-              <a:lnSpc>
-                <a:spcPct val="100000"/>
-              </a:lnSpc>
-            </a:pPr>
-            <a:endParaRPr lang="en-US" sz="1800" b="0" strike="noStrike" spc="-1">
-              <a:solidFill>
-                <a:srgbClr val="000000"/>
-              </a:solidFill>
-              <a:latin typeface="Arial"/>
-            </a:endParaRPr>
-          </a:p>
-          <a:p>
-            <a:pPr marL="457200" defTabSz="914400">
-              <a:lnSpc>
-                <a:spcPct val="100000"/>
-              </a:lnSpc>
-            </a:pPr>
-            <a:endParaRPr lang="en-US" sz="1800" b="0" strike="noStrike" spc="-1">
-              <a:solidFill>
-                <a:srgbClr val="000000"/>
-              </a:solidFill>
-              <a:latin typeface="Arial"/>
-            </a:endParaRPr>
-          </a:p>
-          <a:p>
-            <a:pPr marL="457200" defTabSz="914400">
-              <a:lnSpc>
-                <a:spcPct val="100000"/>
-              </a:lnSpc>
-            </a:pPr>
-            <a:endParaRPr lang="en-US" sz="1800" b="0" strike="noStrike" spc="-1">
-              <a:solidFill>
-                <a:srgbClr val="000000"/>
-              </a:solidFill>
-              <a:latin typeface="Arial"/>
-            </a:endParaRPr>
-          </a:p>
-          <a:p>
-            <a:pPr marL="457200" defTabSz="914400">
-              <a:lnSpc>
-                <a:spcPct val="100000"/>
-              </a:lnSpc>
-            </a:pPr>
-            <a:endParaRPr lang="en-US" sz="1800" b="0" strike="noStrike" spc="-1">
-              <a:solidFill>
-                <a:srgbClr val="000000"/>
-              </a:solidFill>
-              <a:latin typeface="Arial"/>
-            </a:endParaRPr>
-          </a:p>
-          <a:p>
-            <a:pPr marL="457200" defTabSz="914400">
-              <a:lnSpc>
-                <a:spcPct val="100000"/>
-              </a:lnSpc>
-            </a:pPr>
-            <a:endParaRPr lang="en-US" sz="1800" b="0" strike="noStrike" spc="-1">
-              <a:solidFill>
-                <a:srgbClr val="000000"/>
-              </a:solidFill>
-              <a:latin typeface="Arial"/>
-            </a:endParaRPr>
-          </a:p>
-          <a:p>
-            <a:pPr marL="457200" defTabSz="914400">
-              <a:lnSpc>
-                <a:spcPct val="100000"/>
-              </a:lnSpc>
-            </a:pPr>
-            <a:endParaRPr lang="en-US" sz="1800" b="0" strike="noStrike" spc="-1">
-              <a:solidFill>
-                <a:srgbClr val="000000"/>
-              </a:solidFill>
-              <a:latin typeface="Arial"/>
-            </a:endParaRPr>
-          </a:p>
-          <a:p>
-            <a:pPr marL="457200" defTabSz="914400">
-              <a:lnSpc>
-                <a:spcPct val="100000"/>
-              </a:lnSpc>
-            </a:pPr>
-            <a:endParaRPr lang="en-US" sz="1800" b="0" strike="noStrike" spc="-1">
-              <a:solidFill>
-                <a:srgbClr val="000000"/>
-              </a:solidFill>
-              <a:latin typeface="Arial"/>
-            </a:endParaRPr>
-          </a:p>
-        </p:txBody>
-      </p:sp>
-      <p:sp>
-        <p:nvSpPr>
-          <p:cNvPr id="318" name="AutoShape 12"/>
-          <p:cNvSpPr/>
-          <p:nvPr/>
-        </p:nvSpPr>
-        <p:spPr>
-          <a:xfrm>
-            <a:off x="4888080" y="3627360"/>
-            <a:ext cx="302400" cy="302400"/>
-          </a:xfrm>
-          <a:prstGeom prst="rect">
-            <a:avLst/>
-          </a:prstGeom>
-          <a:noFill/>
-          <a:ln w="0">
-            <a:noFill/>
-          </a:ln>
-        </p:spPr>
-        <p:style>
-          <a:lnRef idx="0">
-            <a:scrgbClr r="0" g="0" b="0"/>
-          </a:lnRef>
-          <a:fillRef idx="0">
-            <a:scrgbClr r="0" g="0" b="0"/>
-          </a:fillRef>
-          <a:effectRef idx="0">
-            <a:scrgbClr r="0" g="0" b="0"/>
-          </a:effectRef>
-          <a:fontRef idx="minor"/>
-        </p:style>
-        <p:txBody>
-          <a:bodyPr lIns="90000" tIns="45000" rIns="90000" bIns="45000" anchor="t">
-            <a:noAutofit/>
-          </a:bodyPr>
-          <a:lstStyle/>
-          <a:p>
-            <a:pPr defTabSz="914400">
-              <a:lnSpc>
-                <a:spcPct val="100000"/>
-              </a:lnSpc>
-            </a:pPr>
-            <a:endParaRPr lang="en-BR" sz="1800" b="0" strike="noStrike" spc="-1">
-              <a:solidFill>
-                <a:srgbClr val="000000"/>
-              </a:solidFill>
-              <a:latin typeface="Arial"/>
-              <a:ea typeface="DejaVu Sans"/>
-            </a:endParaRPr>
-          </a:p>
-        </p:txBody>
-      </p:sp>
-      <p:sp>
-        <p:nvSpPr>
-          <p:cNvPr id="319" name="CaixaDeTexto 13"/>
-          <p:cNvSpPr/>
-          <p:nvPr/>
-        </p:nvSpPr>
-        <p:spPr>
-          <a:xfrm>
-            <a:off x="1026000" y="4714200"/>
-            <a:ext cx="182160" cy="366840"/>
-          </a:xfrm>
-          <a:prstGeom prst="rect">
-            <a:avLst/>
-          </a:prstGeom>
-          <a:noFill/>
-          <a:ln w="0">
-            <a:noFill/>
-          </a:ln>
-        </p:spPr>
-        <p:style>
-          <a:lnRef idx="0">
-            <a:scrgbClr r="0" g="0" b="0"/>
-          </a:lnRef>
-          <a:fillRef idx="0">
-            <a:scrgbClr r="0" g="0" b="0"/>
-          </a:fillRef>
-          <a:effectRef idx="0">
-            <a:scrgbClr r="0" g="0" b="0"/>
-          </a:effectRef>
-          <a:fontRef idx="minor"/>
-        </p:style>
-        <p:txBody>
-          <a:bodyPr lIns="90000" tIns="45000" rIns="90000" bIns="45000" anchor="t">
-            <a:noAutofit/>
-          </a:bodyPr>
-          <a:lstStyle/>
-          <a:p>
-            <a:pPr defTabSz="914400">
-              <a:lnSpc>
-                <a:spcPct val="100000"/>
-              </a:lnSpc>
-            </a:pPr>
-            <a:endParaRPr lang="en-BR" sz="1800" b="0" strike="noStrike" spc="-1">
-              <a:solidFill>
-                <a:srgbClr val="000000"/>
-              </a:solidFill>
-              <a:latin typeface="Arial"/>
-              <a:ea typeface="DejaVu Sans"/>
             </a:endParaRPr>
           </a:p>
         </p:txBody>
       </p:sp>
       <p:pic>
         <p:nvPicPr>
-          <p:cNvPr id="320" name="Picture 6"/>
+          <p:cNvPr id="311" name="Imagem 1"/>
           <p:cNvPicPr/>
           <p:nvPr/>
         </p:nvPicPr>
@@ -30719,8 +30937,8 @@
         </p:blipFill>
         <p:spPr>
           <a:xfrm>
-            <a:off x="592920" y="3590280"/>
-            <a:ext cx="4446360" cy="3112920"/>
+            <a:off x="617760" y="1904400"/>
+            <a:ext cx="5133600" cy="1386360"/>
           </a:xfrm>
           <a:prstGeom prst="rect">
             <a:avLst/>
@@ -30732,7 +30950,7 @@
       </p:pic>
       <p:pic>
         <p:nvPicPr>
-          <p:cNvPr id="321" name="Picture 8"/>
+          <p:cNvPr id="312" name="Picture 4" descr="The vertical and horizontal projection histograms for the letter “a”. |  Download Scientific Diagram"/>
           <p:cNvPicPr/>
           <p:nvPr/>
         </p:nvPicPr>
@@ -30742,8 +30960,8 @@
         </p:blipFill>
         <p:spPr>
           <a:xfrm>
-            <a:off x="5267520" y="3627360"/>
-            <a:ext cx="4446360" cy="3088440"/>
+            <a:off x="6910200" y="1640160"/>
+            <a:ext cx="2550600" cy="1788480"/>
           </a:xfrm>
           <a:prstGeom prst="rect">
             <a:avLst/>
@@ -30755,7 +30973,7 @@
       </p:pic>
       <p:pic>
         <p:nvPicPr>
-          <p:cNvPr id="322" name="Picture 6"/>
+          <p:cNvPr id="313" name="Imagem 2"/>
           <p:cNvPicPr/>
           <p:nvPr/>
         </p:nvPicPr>
@@ -30765,8 +30983,8 @@
         </p:blipFill>
         <p:spPr>
           <a:xfrm>
-            <a:off x="5486400" y="788400"/>
-            <a:ext cx="4183920" cy="2868840"/>
+            <a:off x="2743200" y="3998520"/>
+            <a:ext cx="4114440" cy="2173320"/>
           </a:xfrm>
           <a:prstGeom prst="rect">
             <a:avLst/>
@@ -30776,90 +30994,6 @@
           </a:ln>
         </p:spPr>
       </p:pic>
-      <p:pic>
-        <p:nvPicPr>
-          <p:cNvPr id="323" name="Picture 13"/>
-          <p:cNvPicPr/>
-          <p:nvPr/>
-        </p:nvPicPr>
-        <p:blipFill>
-          <a:blip r:embed="rId6"/>
-          <a:stretch/>
-        </p:blipFill>
-        <p:spPr>
-          <a:xfrm>
-            <a:off x="200160" y="2057400"/>
-            <a:ext cx="4969440" cy="914040"/>
-          </a:xfrm>
-          <a:prstGeom prst="rect">
-            <a:avLst/>
-          </a:prstGeom>
-          <a:ln w="0">
-            <a:noFill/>
-          </a:ln>
-        </p:spPr>
-      </p:pic>
-      <p:sp>
-        <p:nvSpPr>
-          <p:cNvPr id="324" name="Rectangle 323"/>
-          <p:cNvSpPr/>
-          <p:nvPr/>
-        </p:nvSpPr>
-        <p:spPr>
-          <a:xfrm>
-            <a:off x="5943600" y="788400"/>
-            <a:ext cx="2556360" cy="369360"/>
-          </a:xfrm>
-          <a:prstGeom prst="rect">
-            <a:avLst/>
-          </a:prstGeom>
-          <a:noFill/>
-          <a:ln w="0">
-            <a:noFill/>
-          </a:ln>
-        </p:spPr>
-        <p:style>
-          <a:lnRef idx="0">
-            <a:scrgbClr r="0" g="0" b="0"/>
-          </a:lnRef>
-          <a:fillRef idx="0">
-            <a:scrgbClr r="0" g="0" b="0"/>
-          </a:fillRef>
-          <a:effectRef idx="0">
-            <a:scrgbClr r="0" g="0" b="0"/>
-          </a:effectRef>
-          <a:fontRef idx="minor"/>
-        </p:style>
-        <p:txBody>
-          <a:bodyPr lIns="90000" tIns="45000" rIns="90000" bIns="45000" anchor="t">
-            <a:noAutofit/>
-          </a:bodyPr>
-          <a:lstStyle/>
-          <a:p>
-            <a:pPr>
-              <a:lnSpc>
-                <a:spcPct val="100000"/>
-              </a:lnSpc>
-            </a:pPr>
-            <a:r>
-              <a:rPr lang="en-US" sz="1800" b="0" strike="noStrike" spc="-1">
-                <a:solidFill>
-                  <a:srgbClr val="000000"/>
-                </a:solidFill>
-                <a:latin typeface="Calibri"/>
-                <a:ea typeface="DejaVu Sans"/>
-              </a:rPr>
-              <a:t>f(I,X) = [I.width,I.heigth,X]</a:t>
-            </a:r>
-            <a:endParaRPr lang="en-US" sz="1800" b="0" strike="noStrike" spc="-1">
-              <a:solidFill>
-                <a:srgbClr val="000000"/>
-              </a:solidFill>
-              <a:latin typeface="Arial"/>
-            </a:endParaRPr>
-          </a:p>
-        </p:txBody>
-      </p:sp>
     </p:spTree>
   </p:cSld>
   <p:clrMapOvr>
@@ -30887,14 +31021,14 @@
       </p:grpSpPr>
       <p:sp>
         <p:nvSpPr>
-          <p:cNvPr id="325" name="CustomShape 13"/>
+          <p:cNvPr id="314" name="CustomShape 1"/>
           <p:cNvSpPr/>
           <p:nvPr/>
         </p:nvSpPr>
         <p:spPr>
           <a:xfrm>
             <a:off x="360000" y="360000"/>
-            <a:ext cx="9354240" cy="894240"/>
+            <a:ext cx="9353880" cy="893880"/>
           </a:xfrm>
           <a:prstGeom prst="rect">
             <a:avLst/>
@@ -30935,7 +31069,7 @@
                 <a:latin typeface="Latin Modern Sans"/>
                 <a:ea typeface="DejaVu Sans"/>
               </a:rPr>
-              <a:t>Image Descriptors – Edges</a:t>
+              <a:t>Image Descriptors</a:t>
             </a:r>
             <a:endParaRPr lang="en-US" sz="3200" b="0" strike="noStrike" spc="-1">
               <a:solidFill>
@@ -30948,14 +31082,14 @@
       </p:sp>
       <p:sp>
         <p:nvSpPr>
-          <p:cNvPr id="326" name="CustomShape 14"/>
+          <p:cNvPr id="315" name="CustomShape 2"/>
           <p:cNvSpPr/>
           <p:nvPr/>
         </p:nvSpPr>
         <p:spPr>
           <a:xfrm>
             <a:off x="897120" y="6886080"/>
-            <a:ext cx="6441480" cy="359280"/>
+            <a:ext cx="6441120" cy="358920"/>
           </a:xfrm>
           <a:prstGeom prst="rect">
             <a:avLst/>
@@ -31009,14 +31143,14 @@
       </p:sp>
       <p:sp>
         <p:nvSpPr>
-          <p:cNvPr id="327" name="CustomShape 15"/>
+          <p:cNvPr id="316" name="CustomShape 3"/>
           <p:cNvSpPr/>
           <p:nvPr/>
         </p:nvSpPr>
         <p:spPr>
           <a:xfrm>
             <a:off x="7608600" y="6886080"/>
-            <a:ext cx="2279520" cy="359280"/>
+            <a:ext cx="2279160" cy="358920"/>
           </a:xfrm>
           <a:prstGeom prst="rect">
             <a:avLst/>
@@ -31067,7 +31201,7 @@
                 <a:latin typeface="Arial"/>
                 <a:ea typeface="DejaVu Sans"/>
               </a:rPr>
-              <a:t> 06</a:t>
+              <a:t> 05</a:t>
             </a:r>
             <a:endParaRPr lang="en-US" sz="1800" b="0" strike="noStrike" spc="-1">
               <a:solidFill>
@@ -31080,14 +31214,14 @@
       </p:sp>
       <p:sp>
         <p:nvSpPr>
-          <p:cNvPr id="328" name="CaixaDeTexto 5"/>
+          <p:cNvPr id="317" name="CaixaDeTexto 1"/>
           <p:cNvSpPr/>
           <p:nvPr/>
         </p:nvSpPr>
         <p:spPr>
           <a:xfrm>
             <a:off x="200160" y="1689840"/>
-            <a:ext cx="9514080" cy="3381480"/>
+            <a:ext cx="9513720" cy="2832840"/>
           </a:xfrm>
           <a:prstGeom prst="rect">
             <a:avLst/>
@@ -31133,7 +31267,7 @@
                 <a:latin typeface="Calibri"/>
                 <a:ea typeface="DejaVu Sans"/>
               </a:rPr>
-              <a:t>Sobel Filter</a:t>
+              <a:t>Vertical and Horizontal Projection</a:t>
             </a:r>
             <a:endParaRPr lang="en-US" sz="1800" b="0" strike="noStrike" spc="-1">
               <a:solidFill>
@@ -31156,140 +31290,218 @@
             </a:endParaRPr>
           </a:p>
           <a:p>
+            <a:pPr marL="457200" defTabSz="914400">
+              <a:lnSpc>
+                <a:spcPct val="100000"/>
+              </a:lnSpc>
+            </a:pPr>
+            <a:endParaRPr lang="en-US" sz="1800" b="0" strike="noStrike" spc="-1">
+              <a:solidFill>
+                <a:srgbClr val="000000"/>
+              </a:solidFill>
+              <a:latin typeface="Arial"/>
+            </a:endParaRPr>
+          </a:p>
+          <a:p>
+            <a:pPr marL="457200" defTabSz="914400">
+              <a:lnSpc>
+                <a:spcPct val="100000"/>
+              </a:lnSpc>
+            </a:pPr>
+            <a:endParaRPr lang="en-US" sz="1800" b="0" strike="noStrike" spc="-1">
+              <a:solidFill>
+                <a:srgbClr val="000000"/>
+              </a:solidFill>
+              <a:latin typeface="Arial"/>
+            </a:endParaRPr>
+          </a:p>
+          <a:p>
+            <a:pPr marL="457200" defTabSz="914400">
+              <a:lnSpc>
+                <a:spcPct val="100000"/>
+              </a:lnSpc>
+            </a:pPr>
+            <a:endParaRPr lang="en-US" sz="1800" b="0" strike="noStrike" spc="-1">
+              <a:solidFill>
+                <a:srgbClr val="000000"/>
+              </a:solidFill>
+              <a:latin typeface="Arial"/>
+            </a:endParaRPr>
+          </a:p>
+          <a:p>
+            <a:pPr marL="457200" defTabSz="914400">
+              <a:lnSpc>
+                <a:spcPct val="100000"/>
+              </a:lnSpc>
+            </a:pPr>
+            <a:endParaRPr lang="en-US" sz="1800" b="0" strike="noStrike" spc="-1">
+              <a:solidFill>
+                <a:srgbClr val="000000"/>
+              </a:solidFill>
+              <a:latin typeface="Arial"/>
+            </a:endParaRPr>
+          </a:p>
+          <a:p>
+            <a:pPr marL="457200" defTabSz="914400">
+              <a:lnSpc>
+                <a:spcPct val="100000"/>
+              </a:lnSpc>
+            </a:pPr>
+            <a:endParaRPr lang="en-US" sz="1800" b="0" strike="noStrike" spc="-1">
+              <a:solidFill>
+                <a:srgbClr val="000000"/>
+              </a:solidFill>
+              <a:latin typeface="Arial"/>
+            </a:endParaRPr>
+          </a:p>
+          <a:p>
+            <a:pPr marL="457200" defTabSz="914400">
+              <a:lnSpc>
+                <a:spcPct val="100000"/>
+              </a:lnSpc>
+            </a:pPr>
+            <a:endParaRPr lang="en-US" sz="1800" b="0" strike="noStrike" spc="-1">
+              <a:solidFill>
+                <a:srgbClr val="000000"/>
+              </a:solidFill>
+              <a:latin typeface="Arial"/>
+            </a:endParaRPr>
+          </a:p>
+          <a:p>
+            <a:pPr marL="457200" defTabSz="914400">
+              <a:lnSpc>
+                <a:spcPct val="100000"/>
+              </a:lnSpc>
+            </a:pPr>
+            <a:endParaRPr lang="en-US" sz="1800" b="0" strike="noStrike" spc="-1">
+              <a:solidFill>
+                <a:srgbClr val="000000"/>
+              </a:solidFill>
+              <a:latin typeface="Arial"/>
+            </a:endParaRPr>
+          </a:p>
+          <a:p>
+            <a:pPr marL="457200" defTabSz="914400">
+              <a:lnSpc>
+                <a:spcPct val="100000"/>
+              </a:lnSpc>
+            </a:pPr>
+            <a:endParaRPr lang="en-US" sz="1800" b="0" strike="noStrike" spc="-1">
+              <a:solidFill>
+                <a:srgbClr val="000000"/>
+              </a:solidFill>
+              <a:latin typeface="Arial"/>
+            </a:endParaRPr>
+          </a:p>
+        </p:txBody>
+      </p:sp>
+      <p:sp>
+        <p:nvSpPr>
+          <p:cNvPr id="318" name="AutoShape 12"/>
+          <p:cNvSpPr/>
+          <p:nvPr/>
+        </p:nvSpPr>
+        <p:spPr>
+          <a:xfrm>
+            <a:off x="4888080" y="3627360"/>
+            <a:ext cx="302400" cy="302400"/>
+          </a:xfrm>
+          <a:prstGeom prst="rect">
+            <a:avLst/>
+          </a:prstGeom>
+          <a:noFill/>
+          <a:ln w="0">
+            <a:noFill/>
+          </a:ln>
+        </p:spPr>
+        <p:style>
+          <a:lnRef idx="0">
+            <a:scrgbClr r="0" g="0" b="0"/>
+          </a:lnRef>
+          <a:fillRef idx="0">
+            <a:scrgbClr r="0" g="0" b="0"/>
+          </a:fillRef>
+          <a:effectRef idx="0">
+            <a:scrgbClr r="0" g="0" b="0"/>
+          </a:effectRef>
+          <a:fontRef idx="minor"/>
+        </p:style>
+        <p:txBody>
+          <a:bodyPr lIns="90000" tIns="45000" rIns="90000" bIns="45000" anchor="t">
+            <a:noAutofit/>
+          </a:bodyPr>
+          <a:lstStyle/>
+          <a:p>
             <a:pPr defTabSz="914400">
               <a:lnSpc>
                 <a:spcPct val="100000"/>
               </a:lnSpc>
             </a:pPr>
-            <a:endParaRPr lang="en-US" sz="1800" b="0" strike="noStrike" spc="-1">
+            <a:endParaRPr lang="en-BR" sz="1800" b="0" strike="noStrike" spc="-1">
               <a:solidFill>
                 <a:srgbClr val="000000"/>
               </a:solidFill>
               <a:latin typeface="Arial"/>
-            </a:endParaRPr>
-          </a:p>
+              <a:ea typeface="DejaVu Sans"/>
+            </a:endParaRPr>
+          </a:p>
+        </p:txBody>
+      </p:sp>
+      <p:sp>
+        <p:nvSpPr>
+          <p:cNvPr id="319" name="CaixaDeTexto 13"/>
+          <p:cNvSpPr/>
+          <p:nvPr/>
+        </p:nvSpPr>
+        <p:spPr>
+          <a:xfrm>
+            <a:off x="1026000" y="4714200"/>
+            <a:ext cx="182160" cy="366840"/>
+          </a:xfrm>
+          <a:prstGeom prst="rect">
+            <a:avLst/>
+          </a:prstGeom>
+          <a:noFill/>
+          <a:ln w="0">
+            <a:noFill/>
+          </a:ln>
+        </p:spPr>
+        <p:style>
+          <a:lnRef idx="0">
+            <a:scrgbClr r="0" g="0" b="0"/>
+          </a:lnRef>
+          <a:fillRef idx="0">
+            <a:scrgbClr r="0" g="0" b="0"/>
+          </a:fillRef>
+          <a:effectRef idx="0">
+            <a:scrgbClr r="0" g="0" b="0"/>
+          </a:effectRef>
+          <a:fontRef idx="minor"/>
+        </p:style>
+        <p:txBody>
+          <a:bodyPr lIns="90000" tIns="45000" rIns="90000" bIns="45000" anchor="t">
+            <a:noAutofit/>
+          </a:bodyPr>
+          <a:lstStyle/>
           <a:p>
             <a:pPr defTabSz="914400">
               <a:lnSpc>
                 <a:spcPct val="100000"/>
               </a:lnSpc>
             </a:pPr>
-            <a:endParaRPr lang="en-US" sz="1800" b="0" strike="noStrike" spc="-1">
+            <a:endParaRPr lang="en-BR" sz="1800" b="0" strike="noStrike" spc="-1">
               <a:solidFill>
                 <a:srgbClr val="000000"/>
               </a:solidFill>
               <a:latin typeface="Arial"/>
-            </a:endParaRPr>
-          </a:p>
-          <a:p>
-            <a:pPr defTabSz="914400">
-              <a:lnSpc>
-                <a:spcPct val="100000"/>
-              </a:lnSpc>
-            </a:pPr>
-            <a:endParaRPr lang="en-US" sz="1800" b="0" strike="noStrike" spc="-1">
-              <a:solidFill>
-                <a:srgbClr val="000000"/>
-              </a:solidFill>
-              <a:latin typeface="Arial"/>
-            </a:endParaRPr>
-          </a:p>
-          <a:p>
-            <a:pPr defTabSz="914400">
-              <a:lnSpc>
-                <a:spcPct val="100000"/>
-              </a:lnSpc>
-            </a:pPr>
-            <a:endParaRPr lang="en-US" sz="1800" b="0" strike="noStrike" spc="-1">
-              <a:solidFill>
-                <a:srgbClr val="000000"/>
-              </a:solidFill>
-              <a:latin typeface="Arial"/>
-            </a:endParaRPr>
-          </a:p>
-          <a:p>
-            <a:pPr defTabSz="914400">
-              <a:lnSpc>
-                <a:spcPct val="100000"/>
-              </a:lnSpc>
-            </a:pPr>
-            <a:endParaRPr lang="en-US" sz="1800" b="0" strike="noStrike" spc="-1">
-              <a:solidFill>
-                <a:srgbClr val="000000"/>
-              </a:solidFill>
-              <a:latin typeface="Arial"/>
-            </a:endParaRPr>
-          </a:p>
-          <a:p>
-            <a:pPr defTabSz="914400">
-              <a:lnSpc>
-                <a:spcPct val="100000"/>
-              </a:lnSpc>
-            </a:pPr>
-            <a:endParaRPr lang="en-US" sz="1800" b="0" strike="noStrike" spc="-1">
-              <a:solidFill>
-                <a:srgbClr val="000000"/>
-              </a:solidFill>
-              <a:latin typeface="Arial"/>
-            </a:endParaRPr>
-          </a:p>
-          <a:p>
-            <a:pPr defTabSz="914400">
-              <a:lnSpc>
-                <a:spcPct val="100000"/>
-              </a:lnSpc>
-            </a:pPr>
-            <a:endParaRPr lang="en-US" sz="1800" b="0" strike="noStrike" spc="-1">
-              <a:solidFill>
-                <a:srgbClr val="000000"/>
-              </a:solidFill>
-              <a:latin typeface="Arial"/>
-            </a:endParaRPr>
-          </a:p>
-          <a:p>
-            <a:pPr defTabSz="914400">
-              <a:lnSpc>
-                <a:spcPct val="100000"/>
-              </a:lnSpc>
-            </a:pPr>
-            <a:endParaRPr lang="en-US" sz="1800" b="0" strike="noStrike" spc="-1">
-              <a:solidFill>
-                <a:srgbClr val="000000"/>
-              </a:solidFill>
-              <a:latin typeface="Arial"/>
-            </a:endParaRPr>
-          </a:p>
-          <a:p>
-            <a:pPr defTabSz="914400">
-              <a:lnSpc>
-                <a:spcPct val="100000"/>
-              </a:lnSpc>
-            </a:pPr>
-            <a:endParaRPr lang="en-US" sz="1800" b="0" strike="noStrike" spc="-1">
-              <a:solidFill>
-                <a:srgbClr val="000000"/>
-              </a:solidFill>
-              <a:latin typeface="Arial"/>
-            </a:endParaRPr>
-          </a:p>
-          <a:p>
-            <a:pPr defTabSz="914400">
-              <a:lnSpc>
-                <a:spcPct val="100000"/>
-              </a:lnSpc>
-            </a:pPr>
-            <a:endParaRPr lang="en-US" sz="1800" b="0" strike="noStrike" spc="-1">
-              <a:solidFill>
-                <a:srgbClr val="000000"/>
-              </a:solidFill>
-              <a:latin typeface="Arial"/>
+              <a:ea typeface="DejaVu Sans"/>
             </a:endParaRPr>
           </a:p>
         </p:txBody>
       </p:sp>
       <p:pic>
         <p:nvPicPr>
-          <p:cNvPr id="329" name="Imagem 9"/>
+          <p:cNvPr id="320" name="Picture 6"/>
           <p:cNvPicPr/>
           <p:nvPr/>
         </p:nvPicPr>
@@ -31299,8 +31511,8 @@
         </p:blipFill>
         <p:spPr>
           <a:xfrm>
-            <a:off x="3362760" y="2154960"/>
-            <a:ext cx="3722400" cy="1760400"/>
+            <a:off x="592920" y="3590280"/>
+            <a:ext cx="4446360" cy="3112920"/>
           </a:xfrm>
           <a:prstGeom prst="rect">
             <a:avLst/>
@@ -31312,7 +31524,7 @@
       </p:pic>
       <p:pic>
         <p:nvPicPr>
-          <p:cNvPr id="330" name="Imagem 10"/>
+          <p:cNvPr id="321" name="Picture 8"/>
           <p:cNvPicPr/>
           <p:nvPr/>
         </p:nvPicPr>
@@ -31322,8 +31534,54 @@
         </p:blipFill>
         <p:spPr>
           <a:xfrm>
-            <a:off x="897120" y="4350960"/>
-            <a:ext cx="8654040" cy="2375640"/>
+            <a:off x="5267520" y="3627360"/>
+            <a:ext cx="4446360" cy="3088440"/>
+          </a:xfrm>
+          <a:prstGeom prst="rect">
+            <a:avLst/>
+          </a:prstGeom>
+          <a:ln w="0">
+            <a:noFill/>
+          </a:ln>
+        </p:spPr>
+      </p:pic>
+      <p:pic>
+        <p:nvPicPr>
+          <p:cNvPr id="322" name="Picture 6"/>
+          <p:cNvPicPr/>
+          <p:nvPr/>
+        </p:nvPicPr>
+        <p:blipFill>
+          <a:blip r:embed="rId5"/>
+          <a:stretch/>
+        </p:blipFill>
+        <p:spPr>
+          <a:xfrm>
+            <a:off x="5486400" y="788400"/>
+            <a:ext cx="4183920" cy="2868840"/>
+          </a:xfrm>
+          <a:prstGeom prst="rect">
+            <a:avLst/>
+          </a:prstGeom>
+          <a:ln w="0">
+            <a:noFill/>
+          </a:ln>
+        </p:spPr>
+      </p:pic>
+      <p:pic>
+        <p:nvPicPr>
+          <p:cNvPr id="323" name="Picture 13"/>
+          <p:cNvPicPr/>
+          <p:nvPr/>
+        </p:nvPicPr>
+        <p:blipFill>
+          <a:blip r:embed="rId6"/>
+          <a:stretch/>
+        </p:blipFill>
+        <p:spPr>
+          <a:xfrm>
+            <a:off x="200160" y="2057400"/>
+            <a:ext cx="4969440" cy="914040"/>
           </a:xfrm>
           <a:prstGeom prst="rect">
             <a:avLst/>
@@ -31335,14 +31593,14 @@
       </p:pic>
       <p:sp>
         <p:nvSpPr>
-          <p:cNvPr id="331" name="TextBox 330"/>
-          <p:cNvSpPr txBox="1"/>
+          <p:cNvPr id="324" name="Rectangle 323"/>
+          <p:cNvSpPr/>
           <p:nvPr/>
         </p:nvSpPr>
         <p:spPr>
           <a:xfrm>
-            <a:off x="3200400" y="1454760"/>
-            <a:ext cx="6172200" cy="602280"/>
+            <a:off x="5943600" y="788400"/>
+            <a:ext cx="2556360" cy="369360"/>
           </a:xfrm>
           <a:prstGeom prst="rect">
             <a:avLst/>
@@ -31352,39 +31610,39 @@
             <a:noFill/>
           </a:ln>
         </p:spPr>
+        <p:style>
+          <a:lnRef idx="0">
+            <a:scrgbClr r="0" g="0" b="0"/>
+          </a:lnRef>
+          <a:fillRef idx="0">
+            <a:scrgbClr r="0" g="0" b="0"/>
+          </a:fillRef>
+          <a:effectRef idx="0">
+            <a:scrgbClr r="0" g="0" b="0"/>
+          </a:effectRef>
+          <a:fontRef idx="minor"/>
+        </p:style>
         <p:txBody>
           <a:bodyPr lIns="90000" tIns="45000" rIns="90000" bIns="45000" anchor="t">
             <a:noAutofit/>
           </a:bodyPr>
           <a:lstStyle/>
           <a:p>
+            <a:pPr>
+              <a:lnSpc>
+                <a:spcPct val="100000"/>
+              </a:lnSpc>
+            </a:pPr>
             <a:r>
               <a:rPr lang="en-US" sz="1800" b="0" strike="noStrike" spc="-1">
                 <a:solidFill>
                   <a:srgbClr val="000000"/>
                 </a:solidFill>
-                <a:latin typeface="Arial"/>
-              </a:rPr>
-              <a:t>Let’s Code: </a:t>
-            </a:r>
-            <a:r>
-              <a:rPr lang="en-US" sz="1800" b="0" strike="noStrike" spc="-1">
-                <a:solidFill>
-                  <a:srgbClr val="000000"/>
-                </a:solidFill>
-                <a:latin typeface="Arial"/>
-                <a:hlinkClick r:id="rId5"/>
-              </a:rPr>
-              <a:t>Lecture_05_Image_Descriptors_Edges.ipynb</a:t>
-            </a:r>
-            <a:endParaRPr lang="en-US" sz="1800" b="0" strike="noStrike" spc="-1">
-              <a:solidFill>
-                <a:srgbClr val="000000"/>
-              </a:solidFill>
-              <a:latin typeface="Arial"/>
-            </a:endParaRPr>
-          </a:p>
-          <a:p>
+                <a:latin typeface="Calibri"/>
+                <a:ea typeface="DejaVu Sans"/>
+              </a:rPr>
+              <a:t>f(I,X) = [I.width,I.heigth,X]</a:t>
+            </a:r>
             <a:endParaRPr lang="en-US" sz="1800" b="0" strike="noStrike" spc="-1">
               <a:solidFill>
                 <a:srgbClr val="000000"/>
@@ -31421,7 +31679,7 @@
       </p:grpSpPr>
       <p:sp>
         <p:nvSpPr>
-          <p:cNvPr id="332" name="CustomShape 17"/>
+          <p:cNvPr id="325" name="CustomShape 13"/>
           <p:cNvSpPr/>
           <p:nvPr/>
         </p:nvSpPr>
@@ -31482,7 +31740,7 @@
       </p:sp>
       <p:sp>
         <p:nvSpPr>
-          <p:cNvPr id="333" name="CustomShape 18"/>
+          <p:cNvPr id="326" name="CustomShape 14"/>
           <p:cNvSpPr/>
           <p:nvPr/>
         </p:nvSpPr>
@@ -31543,7 +31801,78 @@
       </p:sp>
       <p:sp>
         <p:nvSpPr>
-          <p:cNvPr id="334" name="CaixaDeTexto 6"/>
+          <p:cNvPr id="327" name="CustomShape 15"/>
+          <p:cNvSpPr/>
+          <p:nvPr/>
+        </p:nvSpPr>
+        <p:spPr>
+          <a:xfrm>
+            <a:off x="7608600" y="6886080"/>
+            <a:ext cx="2279520" cy="359280"/>
+          </a:xfrm>
+          <a:prstGeom prst="rect">
+            <a:avLst/>
+          </a:prstGeom>
+          <a:noFill/>
+          <a:ln w="0">
+            <a:noFill/>
+          </a:ln>
+        </p:spPr>
+        <p:style>
+          <a:lnRef idx="0">
+            <a:scrgbClr r="0" g="0" b="0"/>
+          </a:lnRef>
+          <a:fillRef idx="0">
+            <a:scrgbClr r="0" g="0" b="0"/>
+          </a:fillRef>
+          <a:effectRef idx="0">
+            <a:scrgbClr r="0" g="0" b="0"/>
+          </a:effectRef>
+          <a:fontRef idx="minor"/>
+        </p:style>
+        <p:txBody>
+          <a:bodyPr lIns="90000" tIns="45000" rIns="90000" bIns="45000" anchor="t">
+            <a:noAutofit/>
+          </a:bodyPr>
+          <a:lstStyle/>
+          <a:p>
+            <a:pPr defTabSz="914400">
+              <a:lnSpc>
+                <a:spcPct val="100000"/>
+              </a:lnSpc>
+            </a:pPr>
+            <a:r>
+              <a:rPr lang="en-US" sz="1800" b="0" strike="noStrike" spc="-1">
+                <a:solidFill>
+                  <a:srgbClr val="000000"/>
+                </a:solidFill>
+                <a:latin typeface="Arial"/>
+                <a:ea typeface="DejaVu Sans"/>
+              </a:rPr>
+              <a:t>Lecture</a:t>
+            </a:r>
+            <a:r>
+              <a:rPr lang="pt-BR" sz="1800" b="0" strike="noStrike" spc="-1">
+                <a:solidFill>
+                  <a:srgbClr val="000000"/>
+                </a:solidFill>
+                <a:latin typeface="Arial"/>
+                <a:ea typeface="DejaVu Sans"/>
+              </a:rPr>
+              <a:t> 06</a:t>
+            </a:r>
+            <a:endParaRPr lang="en-US" sz="1800" b="0" strike="noStrike" spc="-1">
+              <a:solidFill>
+                <a:srgbClr val="000000"/>
+              </a:solidFill>
+              <a:latin typeface="Arial"/>
+            </a:endParaRPr>
+          </a:p>
+        </p:txBody>
+      </p:sp>
+      <p:sp>
+        <p:nvSpPr>
+          <p:cNvPr id="328" name="CaixaDeTexto 5"/>
           <p:cNvSpPr/>
           <p:nvPr/>
         </p:nvSpPr>
@@ -31752,7 +32081,7 @@
       </p:sp>
       <p:pic>
         <p:nvPicPr>
-          <p:cNvPr id="335" name="Imagem 13"/>
+          <p:cNvPr id="329" name="Imagem 9"/>
           <p:cNvPicPr/>
           <p:nvPr/>
         </p:nvPicPr>
@@ -31762,7 +32091,7 @@
         </p:blipFill>
         <p:spPr>
           <a:xfrm>
-            <a:off x="1148040" y="3036240"/>
+            <a:off x="3362760" y="2154960"/>
             <a:ext cx="3722400" cy="1760400"/>
           </a:xfrm>
           <a:prstGeom prst="rect">
@@ -31775,7 +32104,7 @@
       </p:pic>
       <p:pic>
         <p:nvPicPr>
-          <p:cNvPr id="336" name="Imagem 14"/>
+          <p:cNvPr id="330" name="Imagem 10"/>
           <p:cNvPicPr/>
           <p:nvPr/>
         </p:nvPicPr>
@@ -31785,8 +32114,8 @@
         </p:blipFill>
         <p:spPr>
           <a:xfrm>
-            <a:off x="6225480" y="1554480"/>
-            <a:ext cx="3042000" cy="5185800"/>
+            <a:off x="897120" y="4350960"/>
+            <a:ext cx="8654040" cy="2375640"/>
           </a:xfrm>
           <a:prstGeom prst="rect">
             <a:avLst/>
@@ -31798,14 +32127,14 @@
       </p:pic>
       <p:sp>
         <p:nvSpPr>
-          <p:cNvPr id="337" name="CustomShape 19"/>
-          <p:cNvSpPr/>
+          <p:cNvPr id="331" name="TextBox 330"/>
+          <p:cNvSpPr txBox="1"/>
           <p:nvPr/>
         </p:nvSpPr>
         <p:spPr>
           <a:xfrm>
-            <a:off x="7608600" y="6886080"/>
-            <a:ext cx="2279520" cy="359280"/>
+            <a:off x="3200400" y="1454760"/>
+            <a:ext cx="6172200" cy="602280"/>
           </a:xfrm>
           <a:prstGeom prst="rect">
             <a:avLst/>
@@ -31815,49 +32144,39 @@
             <a:noFill/>
           </a:ln>
         </p:spPr>
-        <p:style>
-          <a:lnRef idx="0">
-            <a:scrgbClr r="0" g="0" b="0"/>
-          </a:lnRef>
-          <a:fillRef idx="0">
-            <a:scrgbClr r="0" g="0" b="0"/>
-          </a:fillRef>
-          <a:effectRef idx="0">
-            <a:scrgbClr r="0" g="0" b="0"/>
-          </a:effectRef>
-          <a:fontRef idx="minor"/>
-        </p:style>
         <p:txBody>
           <a:bodyPr lIns="90000" tIns="45000" rIns="90000" bIns="45000" anchor="t">
             <a:noAutofit/>
           </a:bodyPr>
           <a:lstStyle/>
           <a:p>
-            <a:pPr defTabSz="914400">
-              <a:lnSpc>
-                <a:spcPct val="100000"/>
-              </a:lnSpc>
-            </a:pPr>
             <a:r>
               <a:rPr lang="en-US" sz="1800" b="0" strike="noStrike" spc="-1">
                 <a:solidFill>
                   <a:srgbClr val="000000"/>
                 </a:solidFill>
                 <a:latin typeface="Arial"/>
-                <a:ea typeface="DejaVu Sans"/>
-              </a:rPr>
-              <a:t>Lecture</a:t>
-            </a:r>
-            <a:r>
-              <a:rPr lang="pt-BR" sz="1800" b="0" strike="noStrike" spc="-1">
+              </a:rPr>
+              <a:t>Let’s Code: </a:t>
+            </a:r>
+            <a:r>
+              <a:rPr lang="en-US" sz="1800" b="0" strike="noStrike" spc="-1">
                 <a:solidFill>
                   <a:srgbClr val="000000"/>
                 </a:solidFill>
                 <a:latin typeface="Arial"/>
-                <a:ea typeface="DejaVu Sans"/>
-              </a:rPr>
-              <a:t> 06</a:t>
-            </a:r>
+                <a:hlinkClick r:id="rId5"/>
+              </a:rPr>
+              <a:t>Lecture_05_Image_Descriptors_Edges.ipynb</a:t>
+            </a:r>
+            <a:endParaRPr lang="en-US" sz="1800" b="0" strike="noStrike" spc="-1">
+              <a:solidFill>
+                <a:srgbClr val="000000"/>
+              </a:solidFill>
+              <a:latin typeface="Arial"/>
+            </a:endParaRPr>
+          </a:p>
+          <a:p>
             <a:endParaRPr lang="en-US" sz="1800" b="0" strike="noStrike" spc="-1">
               <a:solidFill>
                 <a:srgbClr val="000000"/>
@@ -31894,7 +32213,7 @@
       </p:grpSpPr>
       <p:sp>
         <p:nvSpPr>
-          <p:cNvPr id="338" name="CustomShape 21"/>
+          <p:cNvPr id="332" name="CustomShape 17"/>
           <p:cNvSpPr/>
           <p:nvPr/>
         </p:nvSpPr>
@@ -31955,7 +32274,7 @@
       </p:sp>
       <p:sp>
         <p:nvSpPr>
-          <p:cNvPr id="339" name="CustomShape 22"/>
+          <p:cNvPr id="333" name="CustomShape 18"/>
           <p:cNvSpPr/>
           <p:nvPr/>
         </p:nvSpPr>
@@ -32016,7 +32335,7 @@
       </p:sp>
       <p:sp>
         <p:nvSpPr>
-          <p:cNvPr id="340" name="CaixaDeTexto 7"/>
+          <p:cNvPr id="334" name="CaixaDeTexto 6"/>
           <p:cNvSpPr/>
           <p:nvPr/>
         </p:nvSpPr>
@@ -32069,7 +32388,7 @@
                 <a:latin typeface="Calibri"/>
                 <a:ea typeface="DejaVu Sans"/>
               </a:rPr>
-              <a:t>Laplace</a:t>
+              <a:t>Sobel Filter</a:t>
             </a:r>
             <a:endParaRPr lang="en-US" sz="1800" b="0" strike="noStrike" spc="-1">
               <a:solidFill>
@@ -32225,7 +32544,7 @@
       </p:sp>
       <p:pic>
         <p:nvPicPr>
-          <p:cNvPr id="341" name="Imagem 15"/>
+          <p:cNvPr id="335" name="Imagem 13"/>
           <p:cNvPicPr/>
           <p:nvPr/>
         </p:nvPicPr>
@@ -32235,8 +32554,8 @@
         </p:blipFill>
         <p:spPr>
           <a:xfrm>
-            <a:off x="614160" y="3474000"/>
-            <a:ext cx="1636200" cy="1274400"/>
+            <a:off x="1148040" y="3036240"/>
+            <a:ext cx="3722400" cy="1760400"/>
           </a:xfrm>
           <a:prstGeom prst="rect">
             <a:avLst/>
@@ -32248,7 +32567,7 @@
       </p:pic>
       <p:pic>
         <p:nvPicPr>
-          <p:cNvPr id="342" name="Imagem 16"/>
+          <p:cNvPr id="336" name="Imagem 14"/>
           <p:cNvPicPr/>
           <p:nvPr/>
         </p:nvPicPr>
@@ -32258,8 +32577,8 @@
         </p:blipFill>
         <p:spPr>
           <a:xfrm>
-            <a:off x="5639760" y="1523880"/>
-            <a:ext cx="3120120" cy="5174280"/>
+            <a:off x="6225480" y="1554480"/>
+            <a:ext cx="3042000" cy="5185800"/>
           </a:xfrm>
           <a:prstGeom prst="rect">
             <a:avLst/>
@@ -32271,7 +32590,7 @@
       </p:pic>
       <p:sp>
         <p:nvSpPr>
-          <p:cNvPr id="343" name="CustomShape 23"/>
+          <p:cNvPr id="337" name="CustomShape 19"/>
           <p:cNvSpPr/>
           <p:nvPr/>
         </p:nvSpPr>
@@ -32367,7 +32686,7 @@
       </p:grpSpPr>
       <p:sp>
         <p:nvSpPr>
-          <p:cNvPr id="344" name="CustomShape 25"/>
+          <p:cNvPr id="338" name="CustomShape 21"/>
           <p:cNvSpPr/>
           <p:nvPr/>
         </p:nvSpPr>
@@ -32428,7 +32747,7 @@
       </p:sp>
       <p:sp>
         <p:nvSpPr>
-          <p:cNvPr id="345" name="CustomShape 26"/>
+          <p:cNvPr id="339" name="CustomShape 22"/>
           <p:cNvSpPr/>
           <p:nvPr/>
         </p:nvSpPr>
@@ -32489,14 +32808,14 @@
       </p:sp>
       <p:sp>
         <p:nvSpPr>
-          <p:cNvPr id="346" name="CaixaDeTexto 8"/>
+          <p:cNvPr id="340" name="CaixaDeTexto 7"/>
           <p:cNvSpPr/>
           <p:nvPr/>
         </p:nvSpPr>
         <p:spPr>
           <a:xfrm>
             <a:off x="200160" y="1689840"/>
-            <a:ext cx="9514080" cy="4814280"/>
+            <a:ext cx="9514080" cy="3381480"/>
           </a:xfrm>
           <a:prstGeom prst="rect">
             <a:avLst/>
@@ -32535,26 +32854,16 @@
               <a:buChar char="•"/>
             </a:pPr>
             <a:r>
-              <a:rPr lang="en-US" sz="2000" b="0" strike="noStrike" spc="-1">
+              <a:rPr lang="en-US" sz="1800" b="0" strike="noStrike" spc="-1">
                 <a:solidFill>
                   <a:srgbClr val="000000"/>
                 </a:solidFill>
                 <a:latin typeface="Calibri"/>
                 <a:ea typeface="DejaVu Sans"/>
               </a:rPr>
-              <a:t>Canny </a:t>
-            </a:r>
-            <a:r>
-              <a:rPr lang="en-US" sz="2000" b="0" strike="noStrike" spc="-1">
-                <a:solidFill>
-                  <a:srgbClr val="000000"/>
-                </a:solidFill>
-                <a:latin typeface="-apple-system"/>
-                <a:ea typeface="DejaVu Sans"/>
-              </a:rPr>
-              <a:t>(John F. Canny 1986)</a:t>
-            </a:r>
-            <a:endParaRPr lang="en-US" sz="2000" b="0" strike="noStrike" spc="-1">
+              <a:t>Laplace</a:t>
+            </a:r>
+            <a:endParaRPr lang="en-US" sz="1800" b="0" strike="noStrike" spc="-1">
               <a:solidFill>
                 <a:srgbClr val="000000"/>
               </a:solidFill>
@@ -32567,90 +32876,6 @@
                 <a:spcPct val="100000"/>
               </a:lnSpc>
             </a:pPr>
-            <a:endParaRPr lang="en-US" sz="2000" b="0" strike="noStrike" spc="-1">
-              <a:solidFill>
-                <a:srgbClr val="000000"/>
-              </a:solidFill>
-              <a:latin typeface="Arial"/>
-            </a:endParaRPr>
-          </a:p>
-          <a:p>
-            <a:pPr marL="743040" lvl="1" indent="-285840" defTabSz="914400">
-              <a:lnSpc>
-                <a:spcPct val="100000"/>
-              </a:lnSpc>
-              <a:buClr>
-                <a:srgbClr val="000000"/>
-              </a:buClr>
-              <a:buFont typeface="Arial"/>
-              <a:buChar char="•"/>
-            </a:pPr>
-            <a:r>
-              <a:rPr lang="en-US" sz="1800" b="0" strike="noStrike" spc="-1">
-                <a:solidFill>
-                  <a:srgbClr val="000000"/>
-                </a:solidFill>
-                <a:latin typeface="-apple-system"/>
-                <a:ea typeface="DejaVu Sans"/>
-              </a:rPr>
-              <a:t>Gaussian Gradient Based Filter </a:t>
-            </a:r>
-            <a:endParaRPr lang="en-US" sz="1800" b="0" strike="noStrike" spc="-1">
-              <a:solidFill>
-                <a:srgbClr val="000000"/>
-              </a:solidFill>
-              <a:latin typeface="Arial"/>
-            </a:endParaRPr>
-          </a:p>
-          <a:p>
-            <a:pPr marL="743040" lvl="1" indent="-285840" defTabSz="914400">
-              <a:lnSpc>
-                <a:spcPct val="100000"/>
-              </a:lnSpc>
-              <a:buClr>
-                <a:srgbClr val="000000"/>
-              </a:buClr>
-              <a:buFont typeface="Arial"/>
-              <a:buChar char="•"/>
-            </a:pPr>
-            <a:r>
-              <a:rPr lang="en-US" sz="1800" b="0" strike="noStrike" spc="-1">
-                <a:solidFill>
-                  <a:srgbClr val="000000"/>
-                </a:solidFill>
-                <a:latin typeface="-apple-system"/>
-                <a:ea typeface="DejaVu Sans"/>
-              </a:rPr>
-              <a:t>Gaussian Blur </a:t>
-            </a:r>
-            <a:endParaRPr lang="en-US" sz="1800" b="0" strike="noStrike" spc="-1">
-              <a:solidFill>
-                <a:srgbClr val="000000"/>
-              </a:solidFill>
-              <a:latin typeface="Arial"/>
-            </a:endParaRPr>
-          </a:p>
-          <a:p>
-            <a:pPr marL="743040" lvl="1" indent="-285840" defTabSz="914400">
-              <a:lnSpc>
-                <a:spcPct val="100000"/>
-              </a:lnSpc>
-              <a:buClr>
-                <a:srgbClr val="000000"/>
-              </a:buClr>
-              <a:buFont typeface="Arial"/>
-              <a:buChar char="•"/>
-            </a:pPr>
-            <a:r>
-              <a:rPr lang="en-US" sz="1800" b="0" strike="noStrike" spc="-1">
-                <a:solidFill>
-                  <a:srgbClr val="000000"/>
-                </a:solidFill>
-                <a:latin typeface="-apple-system"/>
-                <a:ea typeface="DejaVu Sans"/>
-              </a:rPr>
-              <a:t>Gradient Detection</a:t>
-            </a:r>
             <a:endParaRPr lang="en-US" sz="1800" b="0" strike="noStrike" spc="-1">
               <a:solidFill>
                 <a:srgbClr val="000000"/>
@@ -32788,37 +33013,11 @@
               <a:latin typeface="Arial"/>
             </a:endParaRPr>
           </a:p>
-          <a:p>
-            <a:pPr defTabSz="914400">
-              <a:lnSpc>
-                <a:spcPct val="100000"/>
-              </a:lnSpc>
-            </a:pPr>
-            <a:endParaRPr lang="en-US" sz="1800" b="0" strike="noStrike" spc="-1">
-              <a:solidFill>
-                <a:srgbClr val="000000"/>
-              </a:solidFill>
-              <a:latin typeface="Arial"/>
-            </a:endParaRPr>
-          </a:p>
-          <a:p>
-            <a:pPr defTabSz="914400">
-              <a:lnSpc>
-                <a:spcPct val="100000"/>
-              </a:lnSpc>
-            </a:pPr>
-            <a:endParaRPr lang="en-US" sz="1800" b="0" strike="noStrike" spc="-1">
-              <a:solidFill>
-                <a:srgbClr val="000000"/>
-              </a:solidFill>
-              <a:latin typeface="Arial"/>
-            </a:endParaRPr>
-          </a:p>
         </p:txBody>
       </p:sp>
       <p:pic>
         <p:nvPicPr>
-          <p:cNvPr id="347" name="Imagem 17"/>
+          <p:cNvPr id="341" name="Imagem 15"/>
           <p:cNvPicPr/>
           <p:nvPr/>
         </p:nvPicPr>
@@ -32828,8 +33027,8 @@
         </p:blipFill>
         <p:spPr>
           <a:xfrm>
-            <a:off x="1143000" y="3886200"/>
-            <a:ext cx="4143240" cy="1990440"/>
+            <a:off x="614160" y="3474000"/>
+            <a:ext cx="1636200" cy="1274400"/>
           </a:xfrm>
           <a:prstGeom prst="rect">
             <a:avLst/>
@@ -32841,7 +33040,7 @@
       </p:pic>
       <p:pic>
         <p:nvPicPr>
-          <p:cNvPr id="348" name="Imagem 18"/>
+          <p:cNvPr id="342" name="Imagem 16"/>
           <p:cNvPicPr/>
           <p:nvPr/>
         </p:nvPicPr>
@@ -32851,8 +33050,8 @@
         </p:blipFill>
         <p:spPr>
           <a:xfrm>
-            <a:off x="6305760" y="1532880"/>
-            <a:ext cx="3161160" cy="5257440"/>
+            <a:off x="5639760" y="1523880"/>
+            <a:ext cx="3120120" cy="5174280"/>
           </a:xfrm>
           <a:prstGeom prst="rect">
             <a:avLst/>
@@ -32864,7 +33063,7 @@
       </p:pic>
       <p:sp>
         <p:nvSpPr>
-          <p:cNvPr id="349" name="CustomShape 27"/>
+          <p:cNvPr id="343" name="CustomShape 23"/>
           <p:cNvSpPr/>
           <p:nvPr/>
         </p:nvSpPr>
@@ -33151,203 +33350,6 @@
           </a:p>
         </p:txBody>
       </p:sp>
-      <p:pic>
-        <p:nvPicPr>
-          <p:cNvPr id="193" name="Picture 3"/>
-          <p:cNvPicPr/>
-          <p:nvPr/>
-        </p:nvPicPr>
-        <p:blipFill>
-          <a:blip r:embed="rId3"/>
-          <a:stretch/>
-        </p:blipFill>
-        <p:spPr>
-          <a:xfrm>
-            <a:off x="2897640" y="3872520"/>
-            <a:ext cx="5788800" cy="2756520"/>
-          </a:xfrm>
-          <a:prstGeom prst="rect">
-            <a:avLst/>
-          </a:prstGeom>
-          <a:ln w="0">
-            <a:noFill/>
-          </a:ln>
-        </p:spPr>
-      </p:pic>
-      <p:sp>
-        <p:nvSpPr>
-          <p:cNvPr id="194" name="Oval 4"/>
-          <p:cNvSpPr/>
-          <p:nvPr/>
-        </p:nvSpPr>
-        <p:spPr>
-          <a:xfrm>
-            <a:off x="3375287" y="6304592"/>
-            <a:ext cx="236160" cy="242640"/>
-          </a:xfrm>
-          <a:prstGeom prst="ellipse">
-            <a:avLst/>
-          </a:prstGeom>
-          <a:solidFill>
-            <a:srgbClr val="00B050"/>
-          </a:solidFill>
-          <a:ln>
-            <a:solidFill>
-              <a:srgbClr val="00B050"/>
-            </a:solidFill>
-          </a:ln>
-        </p:spPr>
-        <p:style>
-          <a:lnRef idx="2">
-            <a:schemeClr val="accent3">
-              <a:shade val="15000"/>
-            </a:schemeClr>
-          </a:lnRef>
-          <a:fillRef idx="1">
-            <a:schemeClr val="accent3"/>
-          </a:fillRef>
-          <a:effectRef idx="0">
-            <a:schemeClr val="accent3"/>
-          </a:effectRef>
-          <a:fontRef idx="minor"/>
-        </p:style>
-        <p:txBody>
-          <a:bodyPr lIns="90000" tIns="45000" rIns="90000" bIns="45000" anchor="ctr">
-            <a:noAutofit/>
-          </a:bodyPr>
-          <a:lstStyle/>
-          <a:p>
-            <a:pPr algn="ctr" defTabSz="914400">
-              <a:lnSpc>
-                <a:spcPct val="100000"/>
-              </a:lnSpc>
-            </a:pPr>
-            <a:endParaRPr lang="en-BR" sz="1800" b="0" strike="noStrike" spc="-1">
-              <a:solidFill>
-                <a:schemeClr val="lt1"/>
-              </a:solidFill>
-              <a:latin typeface="Arial"/>
-              <a:ea typeface="DejaVu Sans"/>
-            </a:endParaRPr>
-          </a:p>
-        </p:txBody>
-      </p:sp>
-      <p:sp>
-        <p:nvSpPr>
-          <p:cNvPr id="195" name="Oval 5"/>
-          <p:cNvSpPr/>
-          <p:nvPr/>
-        </p:nvSpPr>
-        <p:spPr>
-          <a:xfrm>
-            <a:off x="2977127" y="6296312"/>
-            <a:ext cx="236160" cy="242640"/>
-          </a:xfrm>
-          <a:prstGeom prst="ellipse">
-            <a:avLst/>
-          </a:prstGeom>
-          <a:solidFill>
-            <a:srgbClr val="00B050"/>
-          </a:solidFill>
-          <a:ln>
-            <a:solidFill>
-              <a:srgbClr val="00B050"/>
-            </a:solidFill>
-          </a:ln>
-        </p:spPr>
-        <p:style>
-          <a:lnRef idx="2">
-            <a:schemeClr val="accent3">
-              <a:shade val="15000"/>
-            </a:schemeClr>
-          </a:lnRef>
-          <a:fillRef idx="1">
-            <a:schemeClr val="accent3"/>
-          </a:fillRef>
-          <a:effectRef idx="0">
-            <a:schemeClr val="accent3"/>
-          </a:effectRef>
-          <a:fontRef idx="minor"/>
-        </p:style>
-        <p:txBody>
-          <a:bodyPr lIns="90000" tIns="45000" rIns="90000" bIns="45000" anchor="ctr">
-            <a:noAutofit/>
-          </a:bodyPr>
-          <a:lstStyle/>
-          <a:p>
-            <a:pPr algn="ctr" defTabSz="914400">
-              <a:lnSpc>
-                <a:spcPct val="100000"/>
-              </a:lnSpc>
-            </a:pPr>
-            <a:endParaRPr lang="en-BR" sz="1800" b="0" strike="noStrike" spc="-1">
-              <a:solidFill>
-                <a:schemeClr val="lt1"/>
-              </a:solidFill>
-              <a:latin typeface="Arial"/>
-              <a:ea typeface="DejaVu Sans"/>
-            </a:endParaRPr>
-          </a:p>
-        </p:txBody>
-      </p:sp>
-      <p:sp>
-        <p:nvSpPr>
-          <p:cNvPr id="196" name="Oval 6"/>
-          <p:cNvSpPr/>
-          <p:nvPr/>
-        </p:nvSpPr>
-        <p:spPr>
-          <a:xfrm>
-            <a:off x="3784967" y="6270032"/>
-            <a:ext cx="236160" cy="242640"/>
-          </a:xfrm>
-          <a:prstGeom prst="ellipse">
-            <a:avLst/>
-          </a:prstGeom>
-          <a:solidFill>
-            <a:srgbClr val="00B050"/>
-          </a:solidFill>
-          <a:ln>
-            <a:solidFill>
-              <a:srgbClr val="00B050"/>
-            </a:solidFill>
-          </a:ln>
-        </p:spPr>
-        <p:style>
-          <a:lnRef idx="2">
-            <a:schemeClr val="accent3">
-              <a:shade val="15000"/>
-            </a:schemeClr>
-          </a:lnRef>
-          <a:fillRef idx="1">
-            <a:schemeClr val="accent3"/>
-          </a:fillRef>
-          <a:effectRef idx="0">
-            <a:schemeClr val="accent3"/>
-          </a:effectRef>
-          <a:fontRef idx="minor"/>
-        </p:style>
-        <p:txBody>
-          <a:bodyPr lIns="90000" tIns="45000" rIns="90000" bIns="45000" anchor="ctr">
-            <a:noAutofit/>
-          </a:bodyPr>
-          <a:lstStyle/>
-          <a:p>
-            <a:pPr algn="ctr" defTabSz="914400">
-              <a:lnSpc>
-                <a:spcPct val="100000"/>
-              </a:lnSpc>
-            </a:pPr>
-            <a:endParaRPr lang="en-BR" sz="1800" b="0" strike="noStrike" spc="-1">
-              <a:solidFill>
-                <a:schemeClr val="lt1"/>
-              </a:solidFill>
-              <a:latin typeface="Arial"/>
-              <a:ea typeface="DejaVu Sans"/>
-            </a:endParaRPr>
-          </a:p>
-        </p:txBody>
-      </p:sp>
       <p:sp>
         <p:nvSpPr>
           <p:cNvPr id="197" name="CustomShape 4"/>
@@ -33610,16 +33612,52 @@
           </a:p>
         </p:txBody>
       </p:sp>
+      <p:pic>
+        <p:nvPicPr>
+          <p:cNvPr id="3" name="Picture 2">
+            <a:extLst>
+              <a:ext uri="{FF2B5EF4-FFF2-40B4-BE49-F238E27FC236}">
+                <a16:creationId xmlns:a16="http://schemas.microsoft.com/office/drawing/2014/main" id="{4D41CF52-8F09-972B-3AE3-BD53E4EF98C2}"/>
+              </a:ext>
+            </a:extLst>
+          </p:cNvPr>
+          <p:cNvPicPr>
+            <a:picLocks noChangeAspect="1"/>
+          </p:cNvPicPr>
+          <p:nvPr/>
+        </p:nvPicPr>
+        <p:blipFill>
+          <a:blip r:embed="rId3"/>
+          <a:stretch>
+            <a:fillRect/>
+          </a:stretch>
+        </p:blipFill>
+        <p:spPr>
+          <a:xfrm>
+            <a:off x="2622484" y="3779837"/>
+            <a:ext cx="6125696" cy="2841195"/>
+          </a:xfrm>
+          <a:prstGeom prst="rect">
+            <a:avLst/>
+          </a:prstGeom>
+        </p:spPr>
+      </p:pic>
       <p:sp>
         <p:nvSpPr>
-          <p:cNvPr id="198" name="Oval 7"/>
+          <p:cNvPr id="4" name="Oval 3">
+            <a:extLst>
+              <a:ext uri="{FF2B5EF4-FFF2-40B4-BE49-F238E27FC236}">
+                <a16:creationId xmlns:a16="http://schemas.microsoft.com/office/drawing/2014/main" id="{FA9F1FC4-8095-930F-F472-1CAF6F79F784}"/>
+              </a:ext>
+            </a:extLst>
+          </p:cNvPr>
           <p:cNvSpPr/>
           <p:nvPr/>
         </p:nvSpPr>
         <p:spPr>
           <a:xfrm>
-            <a:off x="4209047" y="6270032"/>
-            <a:ext cx="236160" cy="242640"/>
+            <a:off x="2729827" y="6274325"/>
+            <a:ext cx="274234" cy="230825"/>
           </a:xfrm>
           <a:prstGeom prst="ellipse">
             <a:avLst/>
@@ -33627,44 +33665,225 @@
           <a:solidFill>
             <a:srgbClr val="00B050"/>
           </a:solidFill>
-          <a:ln>
-            <a:solidFill>
-              <a:srgbClr val="00B050"/>
-            </a:solidFill>
-          </a:ln>
         </p:spPr>
         <p:style>
           <a:lnRef idx="2">
-            <a:schemeClr val="accent3">
+            <a:schemeClr val="accent1">
               <a:shade val="15000"/>
             </a:schemeClr>
           </a:lnRef>
           <a:fillRef idx="1">
-            <a:schemeClr val="accent3"/>
+            <a:schemeClr val="accent1"/>
           </a:fillRef>
           <a:effectRef idx="0">
-            <a:schemeClr val="accent3"/>
+            <a:schemeClr val="accent1"/>
           </a:effectRef>
-          <a:fontRef idx="minor"/>
+          <a:fontRef idx="minor">
+            <a:schemeClr val="lt1"/>
+          </a:fontRef>
         </p:style>
         <p:txBody>
-          <a:bodyPr lIns="90000" tIns="45000" rIns="90000" bIns="45000" anchor="ctr">
-            <a:noAutofit/>
-          </a:bodyPr>
+          <a:bodyPr rtlCol="0" anchor="ctr"/>
           <a:lstStyle/>
           <a:p>
-            <a:pPr algn="ctr" defTabSz="914400">
-              <a:lnSpc>
-                <a:spcPct val="100000"/>
-              </a:lnSpc>
-            </a:pPr>
-            <a:endParaRPr lang="en-BR" sz="1800" b="0" strike="noStrike" spc="-1">
-              <a:solidFill>
-                <a:schemeClr val="lt1"/>
-              </a:solidFill>
-              <a:latin typeface="Arial"/>
-              <a:ea typeface="DejaVu Sans"/>
-            </a:endParaRPr>
+            <a:pPr algn="ctr"/>
+            <a:endParaRPr lang="en-BR"/>
+          </a:p>
+        </p:txBody>
+      </p:sp>
+      <p:sp>
+        <p:nvSpPr>
+          <p:cNvPr id="5" name="Oval 4">
+            <a:extLst>
+              <a:ext uri="{FF2B5EF4-FFF2-40B4-BE49-F238E27FC236}">
+                <a16:creationId xmlns:a16="http://schemas.microsoft.com/office/drawing/2014/main" id="{A1EB64B0-A8FE-0BBA-6DF5-AF879CC1C3AF}"/>
+              </a:ext>
+            </a:extLst>
+          </p:cNvPr>
+          <p:cNvSpPr/>
+          <p:nvPr/>
+        </p:nvSpPr>
+        <p:spPr>
+          <a:xfrm>
+            <a:off x="3122677" y="6279082"/>
+            <a:ext cx="274234" cy="230825"/>
+          </a:xfrm>
+          <a:prstGeom prst="ellipse">
+            <a:avLst/>
+          </a:prstGeom>
+          <a:solidFill>
+            <a:srgbClr val="00B050"/>
+          </a:solidFill>
+        </p:spPr>
+        <p:style>
+          <a:lnRef idx="2">
+            <a:schemeClr val="accent1">
+              <a:shade val="15000"/>
+            </a:schemeClr>
+          </a:lnRef>
+          <a:fillRef idx="1">
+            <a:schemeClr val="accent1"/>
+          </a:fillRef>
+          <a:effectRef idx="0">
+            <a:schemeClr val="accent1"/>
+          </a:effectRef>
+          <a:fontRef idx="minor">
+            <a:schemeClr val="lt1"/>
+          </a:fontRef>
+        </p:style>
+        <p:txBody>
+          <a:bodyPr rtlCol="0" anchor="ctr"/>
+          <a:lstStyle/>
+          <a:p>
+            <a:pPr algn="ctr"/>
+            <a:endParaRPr lang="en-BR"/>
+          </a:p>
+        </p:txBody>
+      </p:sp>
+      <p:sp>
+        <p:nvSpPr>
+          <p:cNvPr id="6" name="Oval 5">
+            <a:extLst>
+              <a:ext uri="{FF2B5EF4-FFF2-40B4-BE49-F238E27FC236}">
+                <a16:creationId xmlns:a16="http://schemas.microsoft.com/office/drawing/2014/main" id="{D408919C-FFCA-929E-6FB8-719154CF15C2}"/>
+              </a:ext>
+            </a:extLst>
+          </p:cNvPr>
+          <p:cNvSpPr/>
+          <p:nvPr/>
+        </p:nvSpPr>
+        <p:spPr>
+          <a:xfrm>
+            <a:off x="3547915" y="6273899"/>
+            <a:ext cx="274234" cy="230825"/>
+          </a:xfrm>
+          <a:prstGeom prst="ellipse">
+            <a:avLst/>
+          </a:prstGeom>
+          <a:solidFill>
+            <a:srgbClr val="00B050"/>
+          </a:solidFill>
+        </p:spPr>
+        <p:style>
+          <a:lnRef idx="2">
+            <a:schemeClr val="accent1">
+              <a:shade val="15000"/>
+            </a:schemeClr>
+          </a:lnRef>
+          <a:fillRef idx="1">
+            <a:schemeClr val="accent1"/>
+          </a:fillRef>
+          <a:effectRef idx="0">
+            <a:schemeClr val="accent1"/>
+          </a:effectRef>
+          <a:fontRef idx="minor">
+            <a:schemeClr val="lt1"/>
+          </a:fontRef>
+        </p:style>
+        <p:txBody>
+          <a:bodyPr rtlCol="0" anchor="ctr"/>
+          <a:lstStyle/>
+          <a:p>
+            <a:pPr algn="ctr"/>
+            <a:endParaRPr lang="en-BR"/>
+          </a:p>
+        </p:txBody>
+      </p:sp>
+      <p:sp>
+        <p:nvSpPr>
+          <p:cNvPr id="7" name="Oval 6">
+            <a:extLst>
+              <a:ext uri="{FF2B5EF4-FFF2-40B4-BE49-F238E27FC236}">
+                <a16:creationId xmlns:a16="http://schemas.microsoft.com/office/drawing/2014/main" id="{0ADA2A9F-147B-3951-94BA-BB40F2AC97D1}"/>
+              </a:ext>
+            </a:extLst>
+          </p:cNvPr>
+          <p:cNvSpPr/>
+          <p:nvPr/>
+        </p:nvSpPr>
+        <p:spPr>
+          <a:xfrm>
+            <a:off x="3976360" y="6274325"/>
+            <a:ext cx="274234" cy="230825"/>
+          </a:xfrm>
+          <a:prstGeom prst="ellipse">
+            <a:avLst/>
+          </a:prstGeom>
+          <a:solidFill>
+            <a:srgbClr val="00B050"/>
+          </a:solidFill>
+        </p:spPr>
+        <p:style>
+          <a:lnRef idx="2">
+            <a:schemeClr val="accent1">
+              <a:shade val="15000"/>
+            </a:schemeClr>
+          </a:lnRef>
+          <a:fillRef idx="1">
+            <a:schemeClr val="accent1"/>
+          </a:fillRef>
+          <a:effectRef idx="0">
+            <a:schemeClr val="accent1"/>
+          </a:effectRef>
+          <a:fontRef idx="minor">
+            <a:schemeClr val="lt1"/>
+          </a:fontRef>
+        </p:style>
+        <p:txBody>
+          <a:bodyPr rtlCol="0" anchor="ctr"/>
+          <a:lstStyle/>
+          <a:p>
+            <a:pPr algn="ctr"/>
+            <a:endParaRPr lang="en-BR"/>
+          </a:p>
+        </p:txBody>
+      </p:sp>
+      <p:sp>
+        <p:nvSpPr>
+          <p:cNvPr id="8" name="Oval 7">
+            <a:extLst>
+              <a:ext uri="{FF2B5EF4-FFF2-40B4-BE49-F238E27FC236}">
+                <a16:creationId xmlns:a16="http://schemas.microsoft.com/office/drawing/2014/main" id="{0B0233F6-D11C-D4D8-81B9-D12929996C77}"/>
+              </a:ext>
+            </a:extLst>
+          </p:cNvPr>
+          <p:cNvSpPr/>
+          <p:nvPr/>
+        </p:nvSpPr>
+        <p:spPr>
+          <a:xfrm>
+            <a:off x="4369210" y="6279082"/>
+            <a:ext cx="274234" cy="230825"/>
+          </a:xfrm>
+          <a:prstGeom prst="ellipse">
+            <a:avLst/>
+          </a:prstGeom>
+          <a:solidFill>
+            <a:srgbClr val="00B050"/>
+          </a:solidFill>
+        </p:spPr>
+        <p:style>
+          <a:lnRef idx="2">
+            <a:schemeClr val="accent1">
+              <a:shade val="15000"/>
+            </a:schemeClr>
+          </a:lnRef>
+          <a:fillRef idx="1">
+            <a:schemeClr val="accent1"/>
+          </a:fillRef>
+          <a:effectRef idx="0">
+            <a:schemeClr val="accent1"/>
+          </a:effectRef>
+          <a:fontRef idx="minor">
+            <a:schemeClr val="lt1"/>
+          </a:fontRef>
+        </p:style>
+        <p:txBody>
+          <a:bodyPr rtlCol="0" anchor="ctr"/>
+          <a:lstStyle/>
+          <a:p>
+            <a:pPr algn="ctr"/>
+            <a:endParaRPr lang="en-BR"/>
           </a:p>
         </p:txBody>
       </p:sp>
@@ -33695,7 +33914,7 @@
       </p:grpSpPr>
       <p:sp>
         <p:nvSpPr>
-          <p:cNvPr id="350" name="CustomShape 29"/>
+          <p:cNvPr id="344" name="CustomShape 25"/>
           <p:cNvSpPr/>
           <p:nvPr/>
         </p:nvSpPr>
@@ -33756,7 +33975,7 @@
       </p:sp>
       <p:sp>
         <p:nvSpPr>
-          <p:cNvPr id="351" name="CustomShape 30"/>
+          <p:cNvPr id="345" name="CustomShape 26"/>
           <p:cNvSpPr/>
           <p:nvPr/>
         </p:nvSpPr>
@@ -33817,14 +34036,14 @@
       </p:sp>
       <p:sp>
         <p:nvSpPr>
-          <p:cNvPr id="352" name="CaixaDeTexto 9"/>
+          <p:cNvPr id="346" name="CaixaDeTexto 8"/>
           <p:cNvSpPr/>
           <p:nvPr/>
         </p:nvSpPr>
         <p:spPr>
           <a:xfrm>
             <a:off x="200160" y="1689840"/>
-            <a:ext cx="9514080" cy="3381480"/>
+            <a:ext cx="9514080" cy="4814280"/>
           </a:xfrm>
           <a:prstGeom prst="rect">
             <a:avLst/>
@@ -33852,11 +34071,133 @@
           </a:bodyPr>
           <a:lstStyle/>
           <a:p>
+            <a:pPr marL="285840" indent="-285840" defTabSz="914400">
+              <a:lnSpc>
+                <a:spcPct val="100000"/>
+              </a:lnSpc>
+              <a:buClr>
+                <a:srgbClr val="000000"/>
+              </a:buClr>
+              <a:buFont typeface="Arial"/>
+              <a:buChar char="•"/>
+            </a:pPr>
+            <a:r>
+              <a:rPr lang="en-US" sz="2000" b="0" strike="noStrike" spc="-1">
+                <a:solidFill>
+                  <a:srgbClr val="000000"/>
+                </a:solidFill>
+                <a:latin typeface="Calibri"/>
+                <a:ea typeface="DejaVu Sans"/>
+              </a:rPr>
+              <a:t>Canny </a:t>
+            </a:r>
+            <a:r>
+              <a:rPr lang="en-US" sz="2000" b="0" strike="noStrike" spc="-1">
+                <a:solidFill>
+                  <a:srgbClr val="000000"/>
+                </a:solidFill>
+                <a:latin typeface="-apple-system"/>
+                <a:ea typeface="DejaVu Sans"/>
+              </a:rPr>
+              <a:t>(John F. Canny 1986)</a:t>
+            </a:r>
+            <a:endParaRPr lang="en-US" sz="2000" b="0" strike="noStrike" spc="-1">
+              <a:solidFill>
+                <a:srgbClr val="000000"/>
+              </a:solidFill>
+              <a:latin typeface="Arial"/>
+            </a:endParaRPr>
+          </a:p>
+          <a:p>
             <a:pPr defTabSz="914400">
               <a:lnSpc>
                 <a:spcPct val="100000"/>
               </a:lnSpc>
             </a:pPr>
+            <a:endParaRPr lang="en-US" sz="2000" b="0" strike="noStrike" spc="-1">
+              <a:solidFill>
+                <a:srgbClr val="000000"/>
+              </a:solidFill>
+              <a:latin typeface="Arial"/>
+            </a:endParaRPr>
+          </a:p>
+          <a:p>
+            <a:pPr marL="743040" lvl="1" indent="-285840" defTabSz="914400">
+              <a:lnSpc>
+                <a:spcPct val="100000"/>
+              </a:lnSpc>
+              <a:buClr>
+                <a:srgbClr val="000000"/>
+              </a:buClr>
+              <a:buFont typeface="Arial"/>
+              <a:buChar char="•"/>
+            </a:pPr>
+            <a:r>
+              <a:rPr lang="en-US" sz="1800" b="0" strike="noStrike" spc="-1">
+                <a:solidFill>
+                  <a:srgbClr val="000000"/>
+                </a:solidFill>
+                <a:latin typeface="-apple-system"/>
+                <a:ea typeface="DejaVu Sans"/>
+              </a:rPr>
+              <a:t>Gaussian Gradient Based Filter </a:t>
+            </a:r>
+            <a:endParaRPr lang="en-US" sz="1800" b="0" strike="noStrike" spc="-1">
+              <a:solidFill>
+                <a:srgbClr val="000000"/>
+              </a:solidFill>
+              <a:latin typeface="Arial"/>
+            </a:endParaRPr>
+          </a:p>
+          <a:p>
+            <a:pPr marL="743040" lvl="1" indent="-285840" defTabSz="914400">
+              <a:lnSpc>
+                <a:spcPct val="100000"/>
+              </a:lnSpc>
+              <a:buClr>
+                <a:srgbClr val="000000"/>
+              </a:buClr>
+              <a:buFont typeface="Arial"/>
+              <a:buChar char="•"/>
+            </a:pPr>
+            <a:r>
+              <a:rPr lang="en-US" sz="1800" b="0" strike="noStrike" spc="-1">
+                <a:solidFill>
+                  <a:srgbClr val="000000"/>
+                </a:solidFill>
+                <a:latin typeface="-apple-system"/>
+                <a:ea typeface="DejaVu Sans"/>
+              </a:rPr>
+              <a:t>Gaussian Blur </a:t>
+            </a:r>
+            <a:endParaRPr lang="en-US" sz="1800" b="0" strike="noStrike" spc="-1">
+              <a:solidFill>
+                <a:srgbClr val="000000"/>
+              </a:solidFill>
+              <a:latin typeface="Arial"/>
+            </a:endParaRPr>
+          </a:p>
+          <a:p>
+            <a:pPr marL="743040" lvl="1" indent="-285840" defTabSz="914400">
+              <a:lnSpc>
+                <a:spcPct val="100000"/>
+              </a:lnSpc>
+              <a:buClr>
+                <a:srgbClr val="000000"/>
+              </a:buClr>
+              <a:buFont typeface="Arial"/>
+              <a:buChar char="•"/>
+            </a:pPr>
+            <a:r>
+              <a:rPr lang="en-US" sz="1800" b="0" strike="noStrike" spc="-1">
+                <a:solidFill>
+                  <a:srgbClr val="000000"/>
+                </a:solidFill>
+                <a:latin typeface="-apple-system"/>
+                <a:ea typeface="DejaVu Sans"/>
+              </a:rPr>
+              <a:t>Gradient Detection</a:t>
+            </a:r>
             <a:endParaRPr lang="en-US" sz="1800" b="0" strike="noStrike" spc="-1">
               <a:solidFill>
                 <a:srgbClr val="000000"/>
@@ -34007,11 +34348,24 @@
               <a:latin typeface="Arial"/>
             </a:endParaRPr>
           </a:p>
+          <a:p>
+            <a:pPr defTabSz="914400">
+              <a:lnSpc>
+                <a:spcPct val="100000"/>
+              </a:lnSpc>
+            </a:pPr>
+            <a:endParaRPr lang="en-US" sz="1800" b="0" strike="noStrike" spc="-1">
+              <a:solidFill>
+                <a:srgbClr val="000000"/>
+              </a:solidFill>
+              <a:latin typeface="Arial"/>
+            </a:endParaRPr>
+          </a:p>
         </p:txBody>
       </p:sp>
       <p:pic>
         <p:nvPicPr>
-          <p:cNvPr id="353" name="Imagem 20"/>
+          <p:cNvPr id="347" name="Imagem 17"/>
           <p:cNvPicPr/>
           <p:nvPr/>
         </p:nvPicPr>
@@ -34021,8 +34375,31 @@
         </p:blipFill>
         <p:spPr>
           <a:xfrm>
-            <a:off x="2001960" y="1542960"/>
-            <a:ext cx="6296400" cy="5054400"/>
+            <a:off x="1143000" y="3886200"/>
+            <a:ext cx="4143240" cy="1990440"/>
+          </a:xfrm>
+          <a:prstGeom prst="rect">
+            <a:avLst/>
+          </a:prstGeom>
+          <a:ln w="0">
+            <a:noFill/>
+          </a:ln>
+        </p:spPr>
+      </p:pic>
+      <p:pic>
+        <p:nvPicPr>
+          <p:cNvPr id="348" name="Imagem 18"/>
+          <p:cNvPicPr/>
+          <p:nvPr/>
+        </p:nvPicPr>
+        <p:blipFill>
+          <a:blip r:embed="rId4"/>
+          <a:stretch/>
+        </p:blipFill>
+        <p:spPr>
+          <a:xfrm>
+            <a:off x="6305760" y="1532880"/>
+            <a:ext cx="3161160" cy="5257440"/>
           </a:xfrm>
           <a:prstGeom prst="rect">
             <a:avLst/>
@@ -34034,7 +34411,7 @@
       </p:pic>
       <p:sp>
         <p:nvSpPr>
-          <p:cNvPr id="354" name="CustomShape 31"/>
+          <p:cNvPr id="349" name="CustomShape 27"/>
           <p:cNvSpPr/>
           <p:nvPr/>
         </p:nvSpPr>
@@ -34130,7 +34507,7 @@
       </p:grpSpPr>
       <p:sp>
         <p:nvSpPr>
-          <p:cNvPr id="355" name="CustomShape 33"/>
+          <p:cNvPr id="350" name="CustomShape 29"/>
           <p:cNvSpPr/>
           <p:nvPr/>
         </p:nvSpPr>
@@ -34191,7 +34568,7 @@
       </p:sp>
       <p:sp>
         <p:nvSpPr>
-          <p:cNvPr id="356" name="CustomShape 34"/>
+          <p:cNvPr id="351" name="CustomShape 30"/>
           <p:cNvSpPr/>
           <p:nvPr/>
         </p:nvSpPr>
@@ -34252,7 +34629,7 @@
       </p:sp>
       <p:sp>
         <p:nvSpPr>
-          <p:cNvPr id="357" name="CaixaDeTexto 10"/>
+          <p:cNvPr id="352" name="CaixaDeTexto 9"/>
           <p:cNvSpPr/>
           <p:nvPr/>
         </p:nvSpPr>
@@ -34446,7 +34823,7 @@
       </p:sp>
       <p:pic>
         <p:nvPicPr>
-          <p:cNvPr id="358" name="Imagem 21"/>
+          <p:cNvPr id="353" name="Imagem 20"/>
           <p:cNvPicPr/>
           <p:nvPr/>
         </p:nvPicPr>
@@ -34456,31 +34833,8 @@
         </p:blipFill>
         <p:spPr>
           <a:xfrm>
-            <a:off x="614880" y="1829160"/>
-            <a:ext cx="8684640" cy="2239920"/>
-          </a:xfrm>
-          <a:prstGeom prst="rect">
-            <a:avLst/>
-          </a:prstGeom>
-          <a:ln w="0">
-            <a:noFill/>
-          </a:ln>
-        </p:spPr>
-      </p:pic>
-      <p:pic>
-        <p:nvPicPr>
-          <p:cNvPr id="359" name="Imagem 22"/>
-          <p:cNvPicPr/>
-          <p:nvPr/>
-        </p:nvPicPr>
-        <p:blipFill>
-          <a:blip r:embed="rId4"/>
-          <a:stretch/>
-        </p:blipFill>
-        <p:spPr>
-          <a:xfrm>
-            <a:off x="614880" y="4563720"/>
-            <a:ext cx="8684640" cy="1164600"/>
+            <a:off x="2001960" y="1542960"/>
+            <a:ext cx="6296400" cy="5054400"/>
           </a:xfrm>
           <a:prstGeom prst="rect">
             <a:avLst/>
@@ -34492,7 +34846,7 @@
       </p:pic>
       <p:sp>
         <p:nvSpPr>
-          <p:cNvPr id="360" name="CustomShape 35"/>
+          <p:cNvPr id="354" name="CustomShape 31"/>
           <p:cNvSpPr/>
           <p:nvPr/>
         </p:nvSpPr>
@@ -34552,67 +34906,6 @@
               </a:rPr>
               <a:t> 06</a:t>
             </a:r>
-            <a:endParaRPr lang="en-US" sz="1800" b="0" strike="noStrike" spc="-1">
-              <a:solidFill>
-                <a:srgbClr val="000000"/>
-              </a:solidFill>
-              <a:latin typeface="Arial"/>
-            </a:endParaRPr>
-          </a:p>
-        </p:txBody>
-      </p:sp>
-      <p:sp>
-        <p:nvSpPr>
-          <p:cNvPr id="361" name="TextBox 360"/>
-          <p:cNvSpPr txBox="1"/>
-          <p:nvPr/>
-        </p:nvSpPr>
-        <p:spPr>
-          <a:xfrm>
-            <a:off x="2057400" y="5943600"/>
-            <a:ext cx="6172200" cy="602280"/>
-          </a:xfrm>
-          <a:prstGeom prst="rect">
-            <a:avLst/>
-          </a:prstGeom>
-          <a:noFill/>
-          <a:ln w="0">
-            <a:noFill/>
-          </a:ln>
-        </p:spPr>
-        <p:txBody>
-          <a:bodyPr lIns="90000" tIns="45000" rIns="90000" bIns="45000" anchor="t">
-            <a:noAutofit/>
-          </a:bodyPr>
-          <a:lstStyle/>
-          <a:p>
-            <a:r>
-              <a:rPr lang="en-US" sz="1800" b="0" strike="noStrike" spc="-1">
-                <a:solidFill>
-                  <a:srgbClr val="000000"/>
-                </a:solidFill>
-                <a:latin typeface="Arial"/>
-              </a:rPr>
-              <a:t>Let’s Code: </a:t>
-            </a:r>
-            <a:r>
-              <a:rPr lang="en-US" sz="1800" b="0" strike="noStrike" spc="-1">
-                <a:solidFill>
-                  <a:srgbClr val="000000"/>
-                </a:solidFill>
-                <a:latin typeface="Arial"/>
-                <a:hlinkClick r:id="rId5"/>
-              </a:rPr>
-              <a:t>Lecture_05_Image_Descriptors_Edges.ipynb</a:t>
-            </a:r>
-            <a:endParaRPr lang="en-US" sz="1800" b="0" strike="noStrike" spc="-1">
-              <a:solidFill>
-                <a:srgbClr val="000000"/>
-              </a:solidFill>
-              <a:latin typeface="Arial"/>
-            </a:endParaRPr>
-          </a:p>
-          <a:p>
             <a:endParaRPr lang="en-US" sz="1800" b="0" strike="noStrike" spc="-1">
               <a:solidFill>
                 <a:srgbClr val="000000"/>
@@ -34649,7 +34942,7 @@
       </p:grpSpPr>
       <p:sp>
         <p:nvSpPr>
-          <p:cNvPr id="362" name="CustomShape 37"/>
+          <p:cNvPr id="355" name="CustomShape 33"/>
           <p:cNvSpPr/>
           <p:nvPr/>
         </p:nvSpPr>
@@ -34684,7 +34977,7 @@
           </a:bodyPr>
           <a:lstStyle/>
           <a:p>
-            <a:pPr>
+            <a:pPr defTabSz="914400">
               <a:lnSpc>
                 <a:spcPct val="100000"/>
               </a:lnSpc>
@@ -34697,7 +34990,7 @@
                 <a:latin typeface="Latin Modern Sans"/>
                 <a:ea typeface="DejaVu Sans"/>
               </a:rPr>
-              <a:t>Image Descriptors – Shape </a:t>
+              <a:t>Image Descriptors – Edges</a:t>
             </a:r>
             <a:endParaRPr lang="en-US" sz="3200" b="0" strike="noStrike" spc="-1">
               <a:solidFill>
@@ -34710,7 +35003,7 @@
       </p:sp>
       <p:sp>
         <p:nvSpPr>
-          <p:cNvPr id="363" name="CustomShape 38"/>
+          <p:cNvPr id="356" name="CustomShape 34"/>
           <p:cNvSpPr/>
           <p:nvPr/>
         </p:nvSpPr>
@@ -34745,7 +35038,7 @@
           </a:bodyPr>
           <a:lstStyle/>
           <a:p>
-            <a:pPr>
+            <a:pPr defTabSz="914400">
               <a:lnSpc>
                 <a:spcPct val="100000"/>
               </a:lnSpc>
@@ -34771,7 +35064,247 @@
       </p:sp>
       <p:sp>
         <p:nvSpPr>
-          <p:cNvPr id="364" name="CustomShape 39"/>
+          <p:cNvPr id="357" name="CaixaDeTexto 10"/>
+          <p:cNvSpPr/>
+          <p:nvPr/>
+        </p:nvSpPr>
+        <p:spPr>
+          <a:xfrm>
+            <a:off x="200160" y="1689840"/>
+            <a:ext cx="9514080" cy="3381480"/>
+          </a:xfrm>
+          <a:prstGeom prst="rect">
+            <a:avLst/>
+          </a:prstGeom>
+          <a:noFill/>
+          <a:ln w="0">
+            <a:noFill/>
+          </a:ln>
+        </p:spPr>
+        <p:style>
+          <a:lnRef idx="0">
+            <a:scrgbClr r="0" g="0" b="0"/>
+          </a:lnRef>
+          <a:fillRef idx="0">
+            <a:scrgbClr r="0" g="0" b="0"/>
+          </a:fillRef>
+          <a:effectRef idx="0">
+            <a:scrgbClr r="0" g="0" b="0"/>
+          </a:effectRef>
+          <a:fontRef idx="minor"/>
+        </p:style>
+        <p:txBody>
+          <a:bodyPr lIns="90000" tIns="45000" rIns="90000" bIns="45000" anchor="t">
+            <a:spAutoFit/>
+          </a:bodyPr>
+          <a:lstStyle/>
+          <a:p>
+            <a:pPr defTabSz="914400">
+              <a:lnSpc>
+                <a:spcPct val="100000"/>
+              </a:lnSpc>
+            </a:pPr>
+            <a:endParaRPr lang="en-US" sz="1800" b="0" strike="noStrike" spc="-1">
+              <a:solidFill>
+                <a:srgbClr val="000000"/>
+              </a:solidFill>
+              <a:latin typeface="Arial"/>
+            </a:endParaRPr>
+          </a:p>
+          <a:p>
+            <a:pPr defTabSz="914400">
+              <a:lnSpc>
+                <a:spcPct val="100000"/>
+              </a:lnSpc>
+            </a:pPr>
+            <a:endParaRPr lang="en-US" sz="1800" b="0" strike="noStrike" spc="-1">
+              <a:solidFill>
+                <a:srgbClr val="000000"/>
+              </a:solidFill>
+              <a:latin typeface="Arial"/>
+            </a:endParaRPr>
+          </a:p>
+          <a:p>
+            <a:pPr defTabSz="914400">
+              <a:lnSpc>
+                <a:spcPct val="100000"/>
+              </a:lnSpc>
+            </a:pPr>
+            <a:endParaRPr lang="en-US" sz="1800" b="0" strike="noStrike" spc="-1">
+              <a:solidFill>
+                <a:srgbClr val="000000"/>
+              </a:solidFill>
+              <a:latin typeface="Arial"/>
+            </a:endParaRPr>
+          </a:p>
+          <a:p>
+            <a:pPr defTabSz="914400">
+              <a:lnSpc>
+                <a:spcPct val="100000"/>
+              </a:lnSpc>
+            </a:pPr>
+            <a:endParaRPr lang="en-US" sz="1800" b="0" strike="noStrike" spc="-1">
+              <a:solidFill>
+                <a:srgbClr val="000000"/>
+              </a:solidFill>
+              <a:latin typeface="Arial"/>
+            </a:endParaRPr>
+          </a:p>
+          <a:p>
+            <a:pPr defTabSz="914400">
+              <a:lnSpc>
+                <a:spcPct val="100000"/>
+              </a:lnSpc>
+            </a:pPr>
+            <a:endParaRPr lang="en-US" sz="1800" b="0" strike="noStrike" spc="-1">
+              <a:solidFill>
+                <a:srgbClr val="000000"/>
+              </a:solidFill>
+              <a:latin typeface="Arial"/>
+            </a:endParaRPr>
+          </a:p>
+          <a:p>
+            <a:pPr defTabSz="914400">
+              <a:lnSpc>
+                <a:spcPct val="100000"/>
+              </a:lnSpc>
+            </a:pPr>
+            <a:endParaRPr lang="en-US" sz="1800" b="0" strike="noStrike" spc="-1">
+              <a:solidFill>
+                <a:srgbClr val="000000"/>
+              </a:solidFill>
+              <a:latin typeface="Arial"/>
+            </a:endParaRPr>
+          </a:p>
+          <a:p>
+            <a:pPr defTabSz="914400">
+              <a:lnSpc>
+                <a:spcPct val="100000"/>
+              </a:lnSpc>
+            </a:pPr>
+            <a:endParaRPr lang="en-US" sz="1800" b="0" strike="noStrike" spc="-1">
+              <a:solidFill>
+                <a:srgbClr val="000000"/>
+              </a:solidFill>
+              <a:latin typeface="Arial"/>
+            </a:endParaRPr>
+          </a:p>
+          <a:p>
+            <a:pPr defTabSz="914400">
+              <a:lnSpc>
+                <a:spcPct val="100000"/>
+              </a:lnSpc>
+            </a:pPr>
+            <a:endParaRPr lang="en-US" sz="1800" b="0" strike="noStrike" spc="-1">
+              <a:solidFill>
+                <a:srgbClr val="000000"/>
+              </a:solidFill>
+              <a:latin typeface="Arial"/>
+            </a:endParaRPr>
+          </a:p>
+          <a:p>
+            <a:pPr defTabSz="914400">
+              <a:lnSpc>
+                <a:spcPct val="100000"/>
+              </a:lnSpc>
+            </a:pPr>
+            <a:endParaRPr lang="en-US" sz="1800" b="0" strike="noStrike" spc="-1">
+              <a:solidFill>
+                <a:srgbClr val="000000"/>
+              </a:solidFill>
+              <a:latin typeface="Arial"/>
+            </a:endParaRPr>
+          </a:p>
+          <a:p>
+            <a:pPr defTabSz="914400">
+              <a:lnSpc>
+                <a:spcPct val="100000"/>
+              </a:lnSpc>
+            </a:pPr>
+            <a:endParaRPr lang="en-US" sz="1800" b="0" strike="noStrike" spc="-1">
+              <a:solidFill>
+                <a:srgbClr val="000000"/>
+              </a:solidFill>
+              <a:latin typeface="Arial"/>
+            </a:endParaRPr>
+          </a:p>
+          <a:p>
+            <a:pPr defTabSz="914400">
+              <a:lnSpc>
+                <a:spcPct val="100000"/>
+              </a:lnSpc>
+            </a:pPr>
+            <a:endParaRPr lang="en-US" sz="1800" b="0" strike="noStrike" spc="-1">
+              <a:solidFill>
+                <a:srgbClr val="000000"/>
+              </a:solidFill>
+              <a:latin typeface="Arial"/>
+            </a:endParaRPr>
+          </a:p>
+          <a:p>
+            <a:pPr defTabSz="914400">
+              <a:lnSpc>
+                <a:spcPct val="100000"/>
+              </a:lnSpc>
+            </a:pPr>
+            <a:endParaRPr lang="en-US" sz="1800" b="0" strike="noStrike" spc="-1">
+              <a:solidFill>
+                <a:srgbClr val="000000"/>
+              </a:solidFill>
+              <a:latin typeface="Arial"/>
+            </a:endParaRPr>
+          </a:p>
+        </p:txBody>
+      </p:sp>
+      <p:pic>
+        <p:nvPicPr>
+          <p:cNvPr id="358" name="Imagem 21"/>
+          <p:cNvPicPr/>
+          <p:nvPr/>
+        </p:nvPicPr>
+        <p:blipFill>
+          <a:blip r:embed="rId3"/>
+          <a:stretch/>
+        </p:blipFill>
+        <p:spPr>
+          <a:xfrm>
+            <a:off x="614880" y="1829160"/>
+            <a:ext cx="8684640" cy="2239920"/>
+          </a:xfrm>
+          <a:prstGeom prst="rect">
+            <a:avLst/>
+          </a:prstGeom>
+          <a:ln w="0">
+            <a:noFill/>
+          </a:ln>
+        </p:spPr>
+      </p:pic>
+      <p:pic>
+        <p:nvPicPr>
+          <p:cNvPr id="359" name="Imagem 22"/>
+          <p:cNvPicPr/>
+          <p:nvPr/>
+        </p:nvPicPr>
+        <p:blipFill>
+          <a:blip r:embed="rId4"/>
+          <a:stretch/>
+        </p:blipFill>
+        <p:spPr>
+          <a:xfrm>
+            <a:off x="614880" y="4563720"/>
+            <a:ext cx="8684640" cy="1164600"/>
+          </a:xfrm>
+          <a:prstGeom prst="rect">
+            <a:avLst/>
+          </a:prstGeom>
+          <a:ln w="0">
+            <a:noFill/>
+          </a:ln>
+        </p:spPr>
+      </p:pic>
+      <p:sp>
+        <p:nvSpPr>
+          <p:cNvPr id="360" name="CustomShape 35"/>
           <p:cNvSpPr/>
           <p:nvPr/>
         </p:nvSpPr>
@@ -34806,7 +35339,7 @@
           </a:bodyPr>
           <a:lstStyle/>
           <a:p>
-            <a:pPr>
+            <a:pPr defTabSz="914400">
               <a:lnSpc>
                 <a:spcPct val="100000"/>
               </a:lnSpc>
@@ -34829,7 +35362,7 @@
                 <a:latin typeface="Arial"/>
                 <a:ea typeface="DejaVu Sans"/>
               </a:rPr>
-              <a:t> 07</a:t>
+              <a:t> 06</a:t>
             </a:r>
             <a:endParaRPr lang="en-US" sz="1800" b="0" strike="noStrike" spc="-1">
               <a:solidFill>
@@ -34842,380 +35375,14 @@
       </p:sp>
       <p:sp>
         <p:nvSpPr>
-          <p:cNvPr id="365" name="CaixaDeTexto 11"/>
-          <p:cNvSpPr/>
-          <p:nvPr/>
-        </p:nvSpPr>
-        <p:spPr>
-          <a:xfrm>
-            <a:off x="200160" y="1689840"/>
-            <a:ext cx="9514080" cy="2558520"/>
-          </a:xfrm>
-          <a:prstGeom prst="rect">
-            <a:avLst/>
-          </a:prstGeom>
-          <a:noFill/>
-          <a:ln w="0">
-            <a:noFill/>
-          </a:ln>
-        </p:spPr>
-        <p:style>
-          <a:lnRef idx="0">
-            <a:scrgbClr r="0" g="0" b="0"/>
-          </a:lnRef>
-          <a:fillRef idx="0">
-            <a:scrgbClr r="0" g="0" b="0"/>
-          </a:fillRef>
-          <a:effectRef idx="0">
-            <a:scrgbClr r="0" g="0" b="0"/>
-          </a:effectRef>
-          <a:fontRef idx="minor"/>
-        </p:style>
-        <p:txBody>
-          <a:bodyPr lIns="90000" tIns="45000" rIns="90000" bIns="45000" anchor="t">
-            <a:spAutoFit/>
-          </a:bodyPr>
-          <a:lstStyle/>
-          <a:p>
-            <a:pPr marL="285840" indent="-285840">
-              <a:lnSpc>
-                <a:spcPct val="100000"/>
-              </a:lnSpc>
-              <a:buClr>
-                <a:srgbClr val="000000"/>
-              </a:buClr>
-              <a:buFont typeface="Arial"/>
-              <a:buChar char="•"/>
-            </a:pPr>
-            <a:r>
-              <a:rPr lang="en-US" sz="1800" b="0" strike="noStrike" spc="-1">
-                <a:solidFill>
-                  <a:srgbClr val="000000"/>
-                </a:solidFill>
-                <a:latin typeface="Calibri"/>
-                <a:ea typeface="DejaVu Sans"/>
-              </a:rPr>
-              <a:t>Moments</a:t>
-            </a:r>
-            <a:endParaRPr lang="en-US" sz="1800" b="0" strike="noStrike" spc="-1">
-              <a:solidFill>
-                <a:srgbClr val="000000"/>
-              </a:solidFill>
-              <a:latin typeface="Arial"/>
-            </a:endParaRPr>
-          </a:p>
-          <a:p>
-            <a:pPr marL="743040" lvl="1" indent="-285840">
-              <a:lnSpc>
-                <a:spcPct val="100000"/>
-              </a:lnSpc>
-              <a:buClr>
-                <a:srgbClr val="000000"/>
-              </a:buClr>
-              <a:buFont typeface="Arial"/>
-              <a:buChar char="•"/>
-            </a:pPr>
-            <a:r>
-              <a:rPr lang="en-US" sz="1800" b="0" strike="noStrike" spc="-1">
-                <a:solidFill>
-                  <a:srgbClr val="000000"/>
-                </a:solidFill>
-                <a:latin typeface="Inter"/>
-                <a:ea typeface="DejaVu Sans"/>
-              </a:rPr>
-              <a:t>Values that carry both spatial and intensity information (shape)</a:t>
-            </a:r>
-            <a:endParaRPr lang="en-US" sz="1800" b="0" strike="noStrike" spc="-1">
-              <a:solidFill>
-                <a:srgbClr val="000000"/>
-              </a:solidFill>
-              <a:latin typeface="Arial"/>
-            </a:endParaRPr>
-          </a:p>
-          <a:p>
-            <a:pPr marL="1200240" lvl="2" indent="-285840">
-              <a:lnSpc>
-                <a:spcPct val="100000"/>
-              </a:lnSpc>
-              <a:buClr>
-                <a:srgbClr val="000000"/>
-              </a:buClr>
-              <a:buFont typeface="Arial"/>
-              <a:buChar char="•"/>
-            </a:pPr>
-            <a:r>
-              <a:rPr lang="en-US" sz="1800" b="0" strike="noStrike" spc="-1">
-                <a:solidFill>
-                  <a:srgbClr val="000000"/>
-                </a:solidFill>
-                <a:latin typeface="Calibri"/>
-                <a:ea typeface="DejaVu Sans"/>
-              </a:rPr>
-              <a:t>Weighted average of all pixel's intensities</a:t>
-            </a:r>
-            <a:endParaRPr lang="en-US" sz="1800" b="0" strike="noStrike" spc="-1">
-              <a:solidFill>
-                <a:srgbClr val="000000"/>
-              </a:solidFill>
-              <a:latin typeface="Arial"/>
-            </a:endParaRPr>
-          </a:p>
-          <a:p>
-            <a:pPr marL="1200240" lvl="2" indent="-285840">
-              <a:lnSpc>
-                <a:spcPct val="100000"/>
-              </a:lnSpc>
-              <a:buClr>
-                <a:srgbClr val="000000"/>
-              </a:buClr>
-              <a:buFont typeface="Arial"/>
-              <a:buChar char="•"/>
-            </a:pPr>
-            <a:r>
-              <a:rPr lang="en-US" sz="1800" b="0" strike="noStrike" spc="-1">
-                <a:solidFill>
-                  <a:srgbClr val="000000"/>
-                </a:solidFill>
-                <a:latin typeface="Calibri"/>
-                <a:ea typeface="DejaVu Sans"/>
-              </a:rPr>
-              <a:t>I(x,y) </a:t>
-            </a:r>
-            <a:r>
-              <a:rPr lang="en-US" sz="1800" b="0" strike="noStrike" spc="-1">
-                <a:solidFill>
-                  <a:srgbClr val="000000"/>
-                </a:solidFill>
-                <a:latin typeface="Wingdings"/>
-                <a:ea typeface="DejaVu Sans"/>
-              </a:rPr>
-              <a:t></a:t>
-            </a:r>
-            <a:r>
-              <a:rPr lang="en-US" sz="1800" b="0" strike="noStrike" spc="-1">
-                <a:solidFill>
-                  <a:srgbClr val="000000"/>
-                </a:solidFill>
-                <a:latin typeface="Calibri"/>
-                <a:ea typeface="DejaVu Sans"/>
-              </a:rPr>
-              <a:t> pixel coordinates of input</a:t>
-            </a:r>
-            <a:endParaRPr lang="en-US" sz="1800" b="0" strike="noStrike" spc="-1">
-              <a:solidFill>
-                <a:srgbClr val="000000"/>
-              </a:solidFill>
-              <a:latin typeface="Arial"/>
-            </a:endParaRPr>
-          </a:p>
-          <a:p>
-            <a:pPr marL="1200240" lvl="2" indent="-285840">
-              <a:lnSpc>
-                <a:spcPct val="100000"/>
-              </a:lnSpc>
-              <a:buClr>
-                <a:srgbClr val="000000"/>
-              </a:buClr>
-              <a:buFont typeface="Arial"/>
-              <a:buChar char="•"/>
-            </a:pPr>
-            <a:r>
-              <a:rPr lang="en-US" sz="1800" b="0" strike="noStrike" spc="-1">
-                <a:solidFill>
-                  <a:srgbClr val="000000"/>
-                </a:solidFill>
-                <a:latin typeface="Calibri"/>
-                <a:ea typeface="DejaVu Sans"/>
-              </a:rPr>
-              <a:t>Powers, </a:t>
-            </a:r>
-            <a:r>
-              <a:rPr lang="en-US" sz="1800" b="0" i="1" strike="noStrike" spc="-1">
-                <a:solidFill>
-                  <a:srgbClr val="000000"/>
-                </a:solidFill>
-                <a:latin typeface="Calibri"/>
-                <a:ea typeface="DejaVu Sans"/>
-              </a:rPr>
-              <a:t>p</a:t>
-            </a:r>
-            <a:r>
-              <a:rPr lang="en-US" sz="1800" b="0" strike="noStrike" spc="-1">
-                <a:solidFill>
-                  <a:srgbClr val="000000"/>
-                </a:solidFill>
-                <a:latin typeface="Calibri"/>
-                <a:ea typeface="DejaVu Sans"/>
-              </a:rPr>
-              <a:t> and </a:t>
-            </a:r>
-            <a:r>
-              <a:rPr lang="en-US" sz="1800" b="0" i="1" strike="noStrike" spc="-1">
-                <a:solidFill>
-                  <a:srgbClr val="000000"/>
-                </a:solidFill>
-                <a:latin typeface="Calibri"/>
-                <a:ea typeface="DejaVu Sans"/>
-              </a:rPr>
-              <a:t>q, </a:t>
-            </a:r>
-            <a:r>
-              <a:rPr lang="en-US" sz="1800" b="0" strike="noStrike" spc="-1">
-                <a:solidFill>
-                  <a:srgbClr val="000000"/>
-                </a:solidFill>
-                <a:latin typeface="Inter"/>
-                <a:ea typeface="DejaVu Sans"/>
-              </a:rPr>
-              <a:t>are the weights of the horizontal and vertical dimensions</a:t>
-            </a:r>
-            <a:endParaRPr lang="en-US" sz="1800" b="0" strike="noStrike" spc="-1">
-              <a:solidFill>
-                <a:srgbClr val="000000"/>
-              </a:solidFill>
-              <a:latin typeface="Arial"/>
-            </a:endParaRPr>
-          </a:p>
-          <a:p>
-            <a:pPr>
-              <a:lnSpc>
-                <a:spcPct val="100000"/>
-              </a:lnSpc>
-            </a:pPr>
-            <a:endParaRPr lang="en-US" sz="1800" b="0" strike="noStrike" spc="-1">
-              <a:solidFill>
-                <a:srgbClr val="000000"/>
-              </a:solidFill>
-              <a:latin typeface="Arial"/>
-            </a:endParaRPr>
-          </a:p>
-          <a:p>
-            <a:pPr marL="285840" indent="-285840">
-              <a:lnSpc>
-                <a:spcPct val="100000"/>
-              </a:lnSpc>
-              <a:buClr>
-                <a:srgbClr val="000000"/>
-              </a:buClr>
-              <a:buFont typeface="Arial"/>
-              <a:buChar char="•"/>
-            </a:pPr>
-            <a:r>
-              <a:rPr lang="en-US" sz="1800" b="0" strike="noStrike" spc="-1">
-                <a:solidFill>
-                  <a:srgbClr val="000000"/>
-                </a:solidFill>
-                <a:latin typeface="Calibri"/>
-                <a:ea typeface="DejaVu Sans"/>
-              </a:rPr>
-              <a:t>HuMoments (Hu 1962)</a:t>
-            </a:r>
-            <a:endParaRPr lang="en-US" sz="1800" b="0" strike="noStrike" spc="-1">
-              <a:solidFill>
-                <a:srgbClr val="000000"/>
-              </a:solidFill>
-              <a:latin typeface="Arial"/>
-            </a:endParaRPr>
-          </a:p>
-          <a:p>
-            <a:pPr marL="743040" lvl="1" indent="-285840">
-              <a:lnSpc>
-                <a:spcPct val="100000"/>
-              </a:lnSpc>
-              <a:buClr>
-                <a:srgbClr val="000000"/>
-              </a:buClr>
-              <a:buFont typeface="Arial"/>
-              <a:buChar char="•"/>
-            </a:pPr>
-            <a:r>
-              <a:rPr lang="en-US" sz="1800" b="0" strike="noStrike" spc="-1">
-                <a:solidFill>
-                  <a:srgbClr val="000000"/>
-                </a:solidFill>
-                <a:latin typeface="Calibri"/>
-                <a:ea typeface="DejaVu Sans"/>
-              </a:rPr>
-              <a:t>Translation and Scale Invariant</a:t>
-            </a:r>
-            <a:endParaRPr lang="en-US" sz="1800" b="0" strike="noStrike" spc="-1">
-              <a:solidFill>
-                <a:srgbClr val="000000"/>
-              </a:solidFill>
-              <a:latin typeface="Arial"/>
-            </a:endParaRPr>
-          </a:p>
-          <a:p>
-            <a:pPr>
-              <a:lnSpc>
-                <a:spcPct val="100000"/>
-              </a:lnSpc>
-            </a:pPr>
-            <a:endParaRPr lang="en-US" sz="1800" b="0" strike="noStrike" spc="-1">
-              <a:solidFill>
-                <a:srgbClr val="000000"/>
-              </a:solidFill>
-              <a:latin typeface="Arial"/>
-            </a:endParaRPr>
-          </a:p>
-        </p:txBody>
-      </p:sp>
-      <p:pic>
-        <p:nvPicPr>
-          <p:cNvPr id="366" name="Imagem 23"/>
-          <p:cNvPicPr/>
-          <p:nvPr/>
-        </p:nvPicPr>
-        <p:blipFill>
-          <a:blip r:embed="rId3"/>
-          <a:stretch/>
-        </p:blipFill>
-        <p:spPr>
-          <a:xfrm>
-            <a:off x="897120" y="4313520"/>
-            <a:ext cx="7722000" cy="2229120"/>
-          </a:xfrm>
-          <a:prstGeom prst="rect">
-            <a:avLst/>
-          </a:prstGeom>
-          <a:ln w="0">
-            <a:noFill/>
-          </a:ln>
-        </p:spPr>
-      </p:pic>
-      <p:pic>
-        <p:nvPicPr>
-          <p:cNvPr id="367" name="Imagem 24"/>
-          <p:cNvPicPr/>
-          <p:nvPr/>
-        </p:nvPicPr>
-        <p:blipFill>
-          <a:blip r:embed="rId4"/>
-          <a:stretch/>
-        </p:blipFill>
-        <p:spPr>
-          <a:xfrm>
-            <a:off x="6025680" y="4028400"/>
-            <a:ext cx="2447640" cy="636480"/>
-          </a:xfrm>
-          <a:prstGeom prst="rect">
-            <a:avLst/>
-          </a:prstGeom>
-          <a:ln w="0">
-            <a:noFill/>
-          </a:ln>
-        </p:spPr>
-      </p:pic>
-      <p:sp>
-        <p:nvSpPr>
-          <p:cNvPr id="368" name="TextBox 367"/>
+          <p:cNvPr id="361" name="TextBox 360"/>
           <p:cNvSpPr txBox="1"/>
           <p:nvPr/>
         </p:nvSpPr>
         <p:spPr>
           <a:xfrm>
-            <a:off x="503640" y="3487320"/>
-            <a:ext cx="9096120" cy="602640"/>
+            <a:off x="2057400" y="5943600"/>
+            <a:ext cx="6172200" cy="602280"/>
           </a:xfrm>
           <a:prstGeom prst="rect">
             <a:avLst/>
@@ -35238,43 +35405,6 @@
                 </a:solidFill>
                 <a:latin typeface="Arial"/>
               </a:rPr>
-              <a:t>https://github.com/andrehochuli/teaching/blob/main/ComputerVision/Lecture%2005%20-%20Feature%20Extraction/Lecture_05_Image_Descriptors_Texture_and_Others.ipynb</a:t>
-            </a:r>
-          </a:p>
-        </p:txBody>
-      </p:sp>
-      <p:sp>
-        <p:nvSpPr>
-          <p:cNvPr id="369" name="TextBox 368"/>
-          <p:cNvSpPr txBox="1"/>
-          <p:nvPr/>
-        </p:nvSpPr>
-        <p:spPr>
-          <a:xfrm>
-            <a:off x="2216880" y="1371600"/>
-            <a:ext cx="7497360" cy="602640"/>
-          </a:xfrm>
-          <a:prstGeom prst="rect">
-            <a:avLst/>
-          </a:prstGeom>
-          <a:noFill/>
-          <a:ln w="0">
-            <a:noFill/>
-          </a:ln>
-        </p:spPr>
-        <p:txBody>
-          <a:bodyPr lIns="90000" tIns="45000" rIns="90000" bIns="45000" anchor="t">
-            <a:noAutofit/>
-          </a:bodyPr>
-          <a:lstStyle/>
-          <a:p>
-            <a:r>
-              <a:rPr lang="en-US" sz="1800" b="0" strike="noStrike" spc="-1">
-                <a:solidFill>
-                  <a:srgbClr val="000000"/>
-                </a:solidFill>
-                <a:latin typeface="Arial"/>
-              </a:rPr>
               <a:t>Let’s Code: </a:t>
             </a:r>
             <a:r>
@@ -35285,7 +35415,7 @@
                 <a:latin typeface="Arial"/>
                 <a:hlinkClick r:id="rId5"/>
               </a:rPr>
-              <a:t>Lecture_05_Image_Descriptors_Texture_and_Others.ipynb</a:t>
+              <a:t>Lecture_05_Image_Descriptors_Edges.ipynb</a:t>
             </a:r>
             <a:endParaRPr lang="en-US" sz="1800" b="0" strike="noStrike" spc="-1">
               <a:solidFill>
@@ -35331,7 +35461,7 @@
       </p:grpSpPr>
       <p:sp>
         <p:nvSpPr>
-          <p:cNvPr id="370" name="CustomShape 41"/>
+          <p:cNvPr id="362" name="CustomShape 37"/>
           <p:cNvSpPr/>
           <p:nvPr/>
         </p:nvSpPr>
@@ -35392,7 +35522,7 @@
       </p:sp>
       <p:sp>
         <p:nvSpPr>
-          <p:cNvPr id="371" name="CustomShape 42"/>
+          <p:cNvPr id="363" name="CustomShape 38"/>
           <p:cNvSpPr/>
           <p:nvPr/>
         </p:nvSpPr>
@@ -35453,7 +35583,7 @@
       </p:sp>
       <p:sp>
         <p:nvSpPr>
-          <p:cNvPr id="372" name="CustomShape 43"/>
+          <p:cNvPr id="364" name="CustomShape 39"/>
           <p:cNvSpPr/>
           <p:nvPr/>
         </p:nvSpPr>
@@ -35524,14 +35654,14 @@
       </p:sp>
       <p:sp>
         <p:nvSpPr>
-          <p:cNvPr id="373" name="CaixaDeTexto 12"/>
+          <p:cNvPr id="365" name="CaixaDeTexto 11"/>
           <p:cNvSpPr/>
           <p:nvPr/>
         </p:nvSpPr>
         <p:spPr>
           <a:xfrm>
-            <a:off x="200160" y="1742760"/>
-            <a:ext cx="9514080" cy="1461240"/>
+            <a:off x="200160" y="1689840"/>
+            <a:ext cx="9514080" cy="2558520"/>
           </a:xfrm>
           <a:prstGeom prst="rect">
             <a:avLst/>
@@ -35577,7 +35707,7 @@
                 <a:latin typeface="Calibri"/>
                 <a:ea typeface="DejaVu Sans"/>
               </a:rPr>
-              <a:t>HoG – Histogram of Oriented Gradients</a:t>
+              <a:t>Moments</a:t>
             </a:r>
             <a:endParaRPr lang="en-US" sz="1800" b="0" strike="noStrike" spc="-1">
               <a:solidFill>
@@ -35605,7 +35735,192 @@
                 <a:latin typeface="Inter"/>
                 <a:ea typeface="DejaVu Sans"/>
               </a:rPr>
-              <a:t>Computes the gradient and orientation of edges</a:t>
+              <a:t>Values that carry both spatial and intensity information (shape)</a:t>
+            </a:r>
+            <a:endParaRPr lang="en-US" sz="1800" b="0" strike="noStrike" spc="-1">
+              <a:solidFill>
+                <a:srgbClr val="000000"/>
+              </a:solidFill>
+              <a:latin typeface="Arial"/>
+            </a:endParaRPr>
+          </a:p>
+          <a:p>
+            <a:pPr marL="1200240" lvl="2" indent="-285840">
+              <a:lnSpc>
+                <a:spcPct val="100000"/>
+              </a:lnSpc>
+              <a:buClr>
+                <a:srgbClr val="000000"/>
+              </a:buClr>
+              <a:buFont typeface="Arial"/>
+              <a:buChar char="•"/>
+            </a:pPr>
+            <a:r>
+              <a:rPr lang="en-US" sz="1800" b="0" strike="noStrike" spc="-1">
+                <a:solidFill>
+                  <a:srgbClr val="000000"/>
+                </a:solidFill>
+                <a:latin typeface="Calibri"/>
+                <a:ea typeface="DejaVu Sans"/>
+              </a:rPr>
+              <a:t>Weighted average of all pixel's intensities</a:t>
+            </a:r>
+            <a:endParaRPr lang="en-US" sz="1800" b="0" strike="noStrike" spc="-1">
+              <a:solidFill>
+                <a:srgbClr val="000000"/>
+              </a:solidFill>
+              <a:latin typeface="Arial"/>
+            </a:endParaRPr>
+          </a:p>
+          <a:p>
+            <a:pPr marL="1200240" lvl="2" indent="-285840">
+              <a:lnSpc>
+                <a:spcPct val="100000"/>
+              </a:lnSpc>
+              <a:buClr>
+                <a:srgbClr val="000000"/>
+              </a:buClr>
+              <a:buFont typeface="Arial"/>
+              <a:buChar char="•"/>
+            </a:pPr>
+            <a:r>
+              <a:rPr lang="en-US" sz="1800" b="0" strike="noStrike" spc="-1">
+                <a:solidFill>
+                  <a:srgbClr val="000000"/>
+                </a:solidFill>
+                <a:latin typeface="Calibri"/>
+                <a:ea typeface="DejaVu Sans"/>
+              </a:rPr>
+              <a:t>I(x,y) </a:t>
+            </a:r>
+            <a:r>
+              <a:rPr lang="en-US" sz="1800" b="0" strike="noStrike" spc="-1">
+                <a:solidFill>
+                  <a:srgbClr val="000000"/>
+                </a:solidFill>
+                <a:latin typeface="Wingdings"/>
+                <a:ea typeface="DejaVu Sans"/>
+              </a:rPr>
+              <a:t></a:t>
+            </a:r>
+            <a:r>
+              <a:rPr lang="en-US" sz="1800" b="0" strike="noStrike" spc="-1">
+                <a:solidFill>
+                  <a:srgbClr val="000000"/>
+                </a:solidFill>
+                <a:latin typeface="Calibri"/>
+                <a:ea typeface="DejaVu Sans"/>
+              </a:rPr>
+              <a:t> pixel coordinates of input</a:t>
+            </a:r>
+            <a:endParaRPr lang="en-US" sz="1800" b="0" strike="noStrike" spc="-1">
+              <a:solidFill>
+                <a:srgbClr val="000000"/>
+              </a:solidFill>
+              <a:latin typeface="Arial"/>
+            </a:endParaRPr>
+          </a:p>
+          <a:p>
+            <a:pPr marL="1200240" lvl="2" indent="-285840">
+              <a:lnSpc>
+                <a:spcPct val="100000"/>
+              </a:lnSpc>
+              <a:buClr>
+                <a:srgbClr val="000000"/>
+              </a:buClr>
+              <a:buFont typeface="Arial"/>
+              <a:buChar char="•"/>
+            </a:pPr>
+            <a:r>
+              <a:rPr lang="en-US" sz="1800" b="0" strike="noStrike" spc="-1">
+                <a:solidFill>
+                  <a:srgbClr val="000000"/>
+                </a:solidFill>
+                <a:latin typeface="Calibri"/>
+                <a:ea typeface="DejaVu Sans"/>
+              </a:rPr>
+              <a:t>Powers, </a:t>
+            </a:r>
+            <a:r>
+              <a:rPr lang="en-US" sz="1800" b="0" i="1" strike="noStrike" spc="-1">
+                <a:solidFill>
+                  <a:srgbClr val="000000"/>
+                </a:solidFill>
+                <a:latin typeface="Calibri"/>
+                <a:ea typeface="DejaVu Sans"/>
+              </a:rPr>
+              <a:t>p</a:t>
+            </a:r>
+            <a:r>
+              <a:rPr lang="en-US" sz="1800" b="0" strike="noStrike" spc="-1">
+                <a:solidFill>
+                  <a:srgbClr val="000000"/>
+                </a:solidFill>
+                <a:latin typeface="Calibri"/>
+                <a:ea typeface="DejaVu Sans"/>
+              </a:rPr>
+              <a:t> and </a:t>
+            </a:r>
+            <a:r>
+              <a:rPr lang="en-US" sz="1800" b="0" i="1" strike="noStrike" spc="-1">
+                <a:solidFill>
+                  <a:srgbClr val="000000"/>
+                </a:solidFill>
+                <a:latin typeface="Calibri"/>
+                <a:ea typeface="DejaVu Sans"/>
+              </a:rPr>
+              <a:t>q, </a:t>
+            </a:r>
+            <a:r>
+              <a:rPr lang="en-US" sz="1800" b="0" strike="noStrike" spc="-1">
+                <a:solidFill>
+                  <a:srgbClr val="000000"/>
+                </a:solidFill>
+                <a:latin typeface="Inter"/>
+                <a:ea typeface="DejaVu Sans"/>
+              </a:rPr>
+              <a:t>are the weights of the horizontal and vertical dimensions</a:t>
+            </a:r>
+            <a:endParaRPr lang="en-US" sz="1800" b="0" strike="noStrike" spc="-1">
+              <a:solidFill>
+                <a:srgbClr val="000000"/>
+              </a:solidFill>
+              <a:latin typeface="Arial"/>
+            </a:endParaRPr>
+          </a:p>
+          <a:p>
+            <a:pPr>
+              <a:lnSpc>
+                <a:spcPct val="100000"/>
+              </a:lnSpc>
+            </a:pPr>
+            <a:endParaRPr lang="en-US" sz="1800" b="0" strike="noStrike" spc="-1">
+              <a:solidFill>
+                <a:srgbClr val="000000"/>
+              </a:solidFill>
+              <a:latin typeface="Arial"/>
+            </a:endParaRPr>
+          </a:p>
+          <a:p>
+            <a:pPr marL="285840" indent="-285840">
+              <a:lnSpc>
+                <a:spcPct val="100000"/>
+              </a:lnSpc>
+              <a:buClr>
+                <a:srgbClr val="000000"/>
+              </a:buClr>
+              <a:buFont typeface="Arial"/>
+              <a:buChar char="•"/>
+            </a:pPr>
+            <a:r>
+              <a:rPr lang="en-US" sz="1800" b="0" strike="noStrike" spc="-1">
+                <a:solidFill>
+                  <a:srgbClr val="000000"/>
+                </a:solidFill>
+                <a:latin typeface="Calibri"/>
+                <a:ea typeface="DejaVu Sans"/>
+              </a:rPr>
+              <a:t>HuMoments (Hu 1962)</a:t>
             </a:r>
             <a:endParaRPr lang="en-US" sz="1800" b="0" strike="noStrike" spc="-1">
               <a:solidFill>
@@ -35630,38 +35945,10 @@
                 <a:solidFill>
                   <a:srgbClr val="000000"/>
                 </a:solidFill>
-                <a:latin typeface="Inter"/>
+                <a:latin typeface="Calibri"/>
                 <a:ea typeface="DejaVu Sans"/>
               </a:rPr>
-              <a:t>Use a kernel to compute the Gradients (i.e 9x1)</a:t>
-            </a:r>
-            <a:endParaRPr lang="en-US" sz="1800" b="0" strike="noStrike" spc="-1">
-              <a:solidFill>
-                <a:srgbClr val="000000"/>
-              </a:solidFill>
-              <a:latin typeface="Arial"/>
-            </a:endParaRPr>
-          </a:p>
-          <a:p>
-            <a:pPr marL="743040" lvl="1" indent="-285840">
-              <a:lnSpc>
-                <a:spcPct val="100000"/>
-              </a:lnSpc>
-              <a:buClr>
-                <a:srgbClr val="000000"/>
-              </a:buClr>
-              <a:buFont typeface="Arial"/>
-              <a:buChar char="•"/>
-            </a:pPr>
-            <a:r>
-              <a:rPr lang="en-US" sz="1800" b="0" strike="noStrike" spc="-1">
-                <a:solidFill>
-                  <a:srgbClr val="000000"/>
-                </a:solidFill>
-                <a:latin typeface="Inter"/>
-                <a:ea typeface="DejaVu Sans"/>
-              </a:rPr>
-              <a:t>Patch-Based Histogram (8x8, 16x16..)</a:t>
+              <a:t>Translation and Scale Invariant</a:t>
             </a:r>
             <a:endParaRPr lang="en-US" sz="1800" b="0" strike="noStrike" spc="-1">
               <a:solidFill>
@@ -35687,7 +35974,7 @@
       </p:sp>
       <p:pic>
         <p:nvPicPr>
-          <p:cNvPr id="374" name="Picture 5" descr="hog_feature"/>
+          <p:cNvPr id="366" name="Imagem 23"/>
           <p:cNvPicPr/>
           <p:nvPr/>
         </p:nvPicPr>
@@ -35697,8 +35984,8 @@
         </p:blipFill>
         <p:spPr>
           <a:xfrm>
-            <a:off x="1737720" y="3024360"/>
-            <a:ext cx="1977120" cy="3242160"/>
+            <a:off x="897120" y="4313520"/>
+            <a:ext cx="7722000" cy="2229120"/>
           </a:xfrm>
           <a:prstGeom prst="rect">
             <a:avLst/>
@@ -35710,7 +35997,7 @@
       </p:pic>
       <p:pic>
         <p:nvPicPr>
-          <p:cNvPr id="375" name="Imagem 25"/>
+          <p:cNvPr id="367" name="Imagem 24"/>
           <p:cNvPicPr/>
           <p:nvPr/>
         </p:nvPicPr>
@@ -35720,8 +36007,8 @@
         </p:blipFill>
         <p:spPr>
           <a:xfrm>
-            <a:off x="5707080" y="3112200"/>
-            <a:ext cx="1558440" cy="3066840"/>
+            <a:off x="6025680" y="4028400"/>
+            <a:ext cx="2447640" cy="636480"/>
           </a:xfrm>
           <a:prstGeom prst="rect">
             <a:avLst/>
@@ -35733,62 +36020,98 @@
       </p:pic>
       <p:sp>
         <p:nvSpPr>
-          <p:cNvPr id="376" name="Seta: para a Direita 2"/>
-          <p:cNvSpPr/>
+          <p:cNvPr id="368" name="TextBox 367"/>
+          <p:cNvSpPr txBox="1"/>
           <p:nvPr/>
         </p:nvSpPr>
         <p:spPr>
           <a:xfrm>
-            <a:off x="4119120" y="4339800"/>
-            <a:ext cx="1133640" cy="359280"/>
-          </a:xfrm>
-          <a:prstGeom prst="rightArrow">
-            <a:avLst>
-              <a:gd name="adj1" fmla="val 50000"/>
-              <a:gd name="adj2" fmla="val 50000"/>
-            </a:avLst>
-          </a:prstGeom>
-          <a:solidFill>
-            <a:srgbClr val="4F81BD"/>
-          </a:solidFill>
-          <a:ln>
-            <a:solidFill>
-              <a:srgbClr val="3A5F8B"/>
-            </a:solidFill>
-            <a:round/>
-          </a:ln>
-        </p:spPr>
-        <p:style>
-          <a:lnRef idx="2">
-            <a:schemeClr val="accent1">
-              <a:shade val="50000"/>
-            </a:schemeClr>
-          </a:lnRef>
-          <a:fillRef idx="1">
-            <a:schemeClr val="accent1"/>
-          </a:fillRef>
-          <a:effectRef idx="0">
-            <a:schemeClr val="accent1"/>
-          </a:effectRef>
-          <a:fontRef idx="minor"/>
-        </p:style>
+            <a:off x="503640" y="3487320"/>
+            <a:ext cx="9096120" cy="602640"/>
+          </a:xfrm>
+          <a:prstGeom prst="rect">
+            <a:avLst/>
+          </a:prstGeom>
+          <a:noFill/>
+          <a:ln w="0">
+            <a:noFill/>
+          </a:ln>
+        </p:spPr>
         <p:txBody>
           <a:bodyPr lIns="90000" tIns="45000" rIns="90000" bIns="45000" anchor="t">
             <a:noAutofit/>
           </a:bodyPr>
           <a:lstStyle/>
           <a:p>
-            <a:pPr>
-              <a:lnSpc>
-                <a:spcPct val="100000"/>
-              </a:lnSpc>
-            </a:pPr>
+            <a:r>
+              <a:rPr lang="en-US" sz="1800" b="0" strike="noStrike" spc="-1">
+                <a:solidFill>
+                  <a:srgbClr val="000000"/>
+                </a:solidFill>
+                <a:latin typeface="Arial"/>
+              </a:rPr>
+              <a:t>https://github.com/andrehochuli/teaching/blob/main/ComputerVision/Lecture%2005%20-%20Feature%20Extraction/Lecture_05_Image_Descriptors_Texture_and_Others.ipynb</a:t>
+            </a:r>
+          </a:p>
+        </p:txBody>
+      </p:sp>
+      <p:sp>
+        <p:nvSpPr>
+          <p:cNvPr id="369" name="TextBox 368"/>
+          <p:cNvSpPr txBox="1"/>
+          <p:nvPr/>
+        </p:nvSpPr>
+        <p:spPr>
+          <a:xfrm>
+            <a:off x="2216880" y="1371600"/>
+            <a:ext cx="7497360" cy="602640"/>
+          </a:xfrm>
+          <a:prstGeom prst="rect">
+            <a:avLst/>
+          </a:prstGeom>
+          <a:noFill/>
+          <a:ln w="0">
+            <a:noFill/>
+          </a:ln>
+        </p:spPr>
+        <p:txBody>
+          <a:bodyPr lIns="90000" tIns="45000" rIns="90000" bIns="45000" anchor="t">
+            <a:noAutofit/>
+          </a:bodyPr>
+          <a:lstStyle/>
+          <a:p>
+            <a:r>
+              <a:rPr lang="en-US" sz="1800" b="0" strike="noStrike" spc="-1">
+                <a:solidFill>
+                  <a:srgbClr val="000000"/>
+                </a:solidFill>
+                <a:latin typeface="Arial"/>
+              </a:rPr>
+              <a:t>Let’s Code: </a:t>
+            </a:r>
+            <a:r>
+              <a:rPr lang="en-US" sz="1800" b="0" strike="noStrike" spc="-1">
+                <a:solidFill>
+                  <a:srgbClr val="000000"/>
+                </a:solidFill>
+                <a:latin typeface="Arial"/>
+                <a:hlinkClick r:id="rId5"/>
+              </a:rPr>
+              <a:t>Lecture_05_Image_Descriptors_Texture_and_Others.ipynb</a:t>
+            </a:r>
             <a:endParaRPr lang="en-US" sz="1800" b="0" strike="noStrike" spc="-1">
               <a:solidFill>
-                <a:srgbClr val="FFFFFF"/>
+                <a:srgbClr val="000000"/>
               </a:solidFill>
               <a:latin typeface="Arial"/>
-              <a:ea typeface="DejaVu Sans"/>
+            </a:endParaRPr>
+          </a:p>
+          <a:p>
+            <a:endParaRPr lang="en-US" sz="1800" b="0" strike="noStrike" spc="-1">
+              <a:solidFill>
+                <a:srgbClr val="000000"/>
+              </a:solidFill>
+              <a:latin typeface="Arial"/>
             </a:endParaRPr>
           </a:p>
         </p:txBody>
@@ -35820,6 +36143,495 @@
       </p:grpSpPr>
       <p:sp>
         <p:nvSpPr>
+          <p:cNvPr id="370" name="CustomShape 41"/>
+          <p:cNvSpPr/>
+          <p:nvPr/>
+        </p:nvSpPr>
+        <p:spPr>
+          <a:xfrm>
+            <a:off x="360000" y="360000"/>
+            <a:ext cx="9354240" cy="894240"/>
+          </a:xfrm>
+          <a:prstGeom prst="rect">
+            <a:avLst/>
+          </a:prstGeom>
+          <a:noFill/>
+          <a:ln w="0">
+            <a:noFill/>
+          </a:ln>
+        </p:spPr>
+        <p:style>
+          <a:lnRef idx="0">
+            <a:scrgbClr r="0" g="0" b="0"/>
+          </a:lnRef>
+          <a:fillRef idx="0">
+            <a:scrgbClr r="0" g="0" b="0"/>
+          </a:fillRef>
+          <a:effectRef idx="0">
+            <a:scrgbClr r="0" g="0" b="0"/>
+          </a:effectRef>
+          <a:fontRef idx="minor"/>
+        </p:style>
+        <p:txBody>
+          <a:bodyPr lIns="0" tIns="0" rIns="0" bIns="0" anchor="b">
+            <a:noAutofit/>
+          </a:bodyPr>
+          <a:lstStyle/>
+          <a:p>
+            <a:pPr>
+              <a:lnSpc>
+                <a:spcPct val="100000"/>
+              </a:lnSpc>
+            </a:pPr>
+            <a:r>
+              <a:rPr lang="en-US" sz="3200" b="1" strike="noStrike" spc="-1">
+                <a:solidFill>
+                  <a:srgbClr val="FFFFFF"/>
+                </a:solidFill>
+                <a:latin typeface="Latin Modern Sans"/>
+                <a:ea typeface="DejaVu Sans"/>
+              </a:rPr>
+              <a:t>Image Descriptors – Shape </a:t>
+            </a:r>
+            <a:endParaRPr lang="en-US" sz="3200" b="0" strike="noStrike" spc="-1">
+              <a:solidFill>
+                <a:srgbClr val="000000"/>
+              </a:solidFill>
+              <a:latin typeface="Arial"/>
+            </a:endParaRPr>
+          </a:p>
+        </p:txBody>
+      </p:sp>
+      <p:sp>
+        <p:nvSpPr>
+          <p:cNvPr id="371" name="CustomShape 42"/>
+          <p:cNvSpPr/>
+          <p:nvPr/>
+        </p:nvSpPr>
+        <p:spPr>
+          <a:xfrm>
+            <a:off x="897120" y="6886080"/>
+            <a:ext cx="6441480" cy="359280"/>
+          </a:xfrm>
+          <a:prstGeom prst="rect">
+            <a:avLst/>
+          </a:prstGeom>
+          <a:noFill/>
+          <a:ln w="0">
+            <a:noFill/>
+          </a:ln>
+        </p:spPr>
+        <p:style>
+          <a:lnRef idx="0">
+            <a:scrgbClr r="0" g="0" b="0"/>
+          </a:lnRef>
+          <a:fillRef idx="0">
+            <a:scrgbClr r="0" g="0" b="0"/>
+          </a:fillRef>
+          <a:effectRef idx="0">
+            <a:scrgbClr r="0" g="0" b="0"/>
+          </a:effectRef>
+          <a:fontRef idx="minor"/>
+        </p:style>
+        <p:txBody>
+          <a:bodyPr lIns="90000" tIns="45000" rIns="90000" bIns="45000" anchor="t">
+            <a:noAutofit/>
+          </a:bodyPr>
+          <a:lstStyle/>
+          <a:p>
+            <a:pPr>
+              <a:lnSpc>
+                <a:spcPct val="100000"/>
+              </a:lnSpc>
+            </a:pPr>
+            <a:r>
+              <a:rPr lang="pt-BR" sz="1800" b="0" strike="noStrike" spc="-1">
+                <a:solidFill>
+                  <a:srgbClr val="000000"/>
+                </a:solidFill>
+                <a:latin typeface="Arial"/>
+                <a:ea typeface="DejaVu Sans"/>
+              </a:rPr>
+              <a:t>Computer Vision - Prof. André Hochuli</a:t>
+            </a:r>
+            <a:endParaRPr lang="en-US" sz="1800" b="0" strike="noStrike" spc="-1">
+              <a:solidFill>
+                <a:srgbClr val="000000"/>
+              </a:solidFill>
+              <a:latin typeface="Arial"/>
+            </a:endParaRPr>
+          </a:p>
+        </p:txBody>
+      </p:sp>
+      <p:sp>
+        <p:nvSpPr>
+          <p:cNvPr id="372" name="CustomShape 43"/>
+          <p:cNvSpPr/>
+          <p:nvPr/>
+        </p:nvSpPr>
+        <p:spPr>
+          <a:xfrm>
+            <a:off x="7608600" y="6886080"/>
+            <a:ext cx="2279520" cy="359280"/>
+          </a:xfrm>
+          <a:prstGeom prst="rect">
+            <a:avLst/>
+          </a:prstGeom>
+          <a:noFill/>
+          <a:ln w="0">
+            <a:noFill/>
+          </a:ln>
+        </p:spPr>
+        <p:style>
+          <a:lnRef idx="0">
+            <a:scrgbClr r="0" g="0" b="0"/>
+          </a:lnRef>
+          <a:fillRef idx="0">
+            <a:scrgbClr r="0" g="0" b="0"/>
+          </a:fillRef>
+          <a:effectRef idx="0">
+            <a:scrgbClr r="0" g="0" b="0"/>
+          </a:effectRef>
+          <a:fontRef idx="minor"/>
+        </p:style>
+        <p:txBody>
+          <a:bodyPr lIns="90000" tIns="45000" rIns="90000" bIns="45000" anchor="t">
+            <a:noAutofit/>
+          </a:bodyPr>
+          <a:lstStyle/>
+          <a:p>
+            <a:pPr>
+              <a:lnSpc>
+                <a:spcPct val="100000"/>
+              </a:lnSpc>
+            </a:pPr>
+            <a:r>
+              <a:rPr lang="en-US" sz="1800" b="0" strike="noStrike" spc="-1">
+                <a:solidFill>
+                  <a:srgbClr val="000000"/>
+                </a:solidFill>
+                <a:latin typeface="Arial"/>
+                <a:ea typeface="DejaVu Sans"/>
+              </a:rPr>
+              <a:t>Lecture</a:t>
+            </a:r>
+            <a:r>
+              <a:rPr lang="pt-BR" sz="1800" b="0" strike="noStrike" spc="-1">
+                <a:solidFill>
+                  <a:srgbClr val="000000"/>
+                </a:solidFill>
+                <a:latin typeface="Arial"/>
+                <a:ea typeface="DejaVu Sans"/>
+              </a:rPr>
+              <a:t> 07</a:t>
+            </a:r>
+            <a:endParaRPr lang="en-US" sz="1800" b="0" strike="noStrike" spc="-1">
+              <a:solidFill>
+                <a:srgbClr val="000000"/>
+              </a:solidFill>
+              <a:latin typeface="Arial"/>
+            </a:endParaRPr>
+          </a:p>
+        </p:txBody>
+      </p:sp>
+      <p:sp>
+        <p:nvSpPr>
+          <p:cNvPr id="373" name="CaixaDeTexto 12"/>
+          <p:cNvSpPr/>
+          <p:nvPr/>
+        </p:nvSpPr>
+        <p:spPr>
+          <a:xfrm>
+            <a:off x="200160" y="1742760"/>
+            <a:ext cx="9514080" cy="1461240"/>
+          </a:xfrm>
+          <a:prstGeom prst="rect">
+            <a:avLst/>
+          </a:prstGeom>
+          <a:noFill/>
+          <a:ln w="0">
+            <a:noFill/>
+          </a:ln>
+        </p:spPr>
+        <p:style>
+          <a:lnRef idx="0">
+            <a:scrgbClr r="0" g="0" b="0"/>
+          </a:lnRef>
+          <a:fillRef idx="0">
+            <a:scrgbClr r="0" g="0" b="0"/>
+          </a:fillRef>
+          <a:effectRef idx="0">
+            <a:scrgbClr r="0" g="0" b="0"/>
+          </a:effectRef>
+          <a:fontRef idx="minor"/>
+        </p:style>
+        <p:txBody>
+          <a:bodyPr lIns="90000" tIns="45000" rIns="90000" bIns="45000" anchor="t">
+            <a:spAutoFit/>
+          </a:bodyPr>
+          <a:lstStyle/>
+          <a:p>
+            <a:pPr marL="285840" indent="-285840">
+              <a:lnSpc>
+                <a:spcPct val="100000"/>
+              </a:lnSpc>
+              <a:buClr>
+                <a:srgbClr val="000000"/>
+              </a:buClr>
+              <a:buFont typeface="Arial"/>
+              <a:buChar char="•"/>
+            </a:pPr>
+            <a:r>
+              <a:rPr lang="en-US" sz="1800" b="0" strike="noStrike" spc="-1">
+                <a:solidFill>
+                  <a:srgbClr val="000000"/>
+                </a:solidFill>
+                <a:latin typeface="Calibri"/>
+                <a:ea typeface="DejaVu Sans"/>
+              </a:rPr>
+              <a:t>HoG – Histogram of Oriented Gradients</a:t>
+            </a:r>
+            <a:endParaRPr lang="en-US" sz="1800" b="0" strike="noStrike" spc="-1">
+              <a:solidFill>
+                <a:srgbClr val="000000"/>
+              </a:solidFill>
+              <a:latin typeface="Arial"/>
+            </a:endParaRPr>
+          </a:p>
+          <a:p>
+            <a:pPr marL="743040" lvl="1" indent="-285840">
+              <a:lnSpc>
+                <a:spcPct val="100000"/>
+              </a:lnSpc>
+              <a:buClr>
+                <a:srgbClr val="000000"/>
+              </a:buClr>
+              <a:buFont typeface="Arial"/>
+              <a:buChar char="•"/>
+            </a:pPr>
+            <a:r>
+              <a:rPr lang="en-US" sz="1800" b="0" strike="noStrike" spc="-1">
+                <a:solidFill>
+                  <a:srgbClr val="000000"/>
+                </a:solidFill>
+                <a:latin typeface="Inter"/>
+                <a:ea typeface="DejaVu Sans"/>
+              </a:rPr>
+              <a:t>Computes the gradient and orientation of edges</a:t>
+            </a:r>
+            <a:endParaRPr lang="en-US" sz="1800" b="0" strike="noStrike" spc="-1">
+              <a:solidFill>
+                <a:srgbClr val="000000"/>
+              </a:solidFill>
+              <a:latin typeface="Arial"/>
+            </a:endParaRPr>
+          </a:p>
+          <a:p>
+            <a:pPr marL="743040" lvl="1" indent="-285840">
+              <a:lnSpc>
+                <a:spcPct val="100000"/>
+              </a:lnSpc>
+              <a:buClr>
+                <a:srgbClr val="000000"/>
+              </a:buClr>
+              <a:buFont typeface="Arial"/>
+              <a:buChar char="•"/>
+            </a:pPr>
+            <a:r>
+              <a:rPr lang="en-US" sz="1800" b="0" strike="noStrike" spc="-1">
+                <a:solidFill>
+                  <a:srgbClr val="000000"/>
+                </a:solidFill>
+                <a:latin typeface="Inter"/>
+                <a:ea typeface="DejaVu Sans"/>
+              </a:rPr>
+              <a:t>Use a kernel to compute the Gradients (i.e 9x1)</a:t>
+            </a:r>
+            <a:endParaRPr lang="en-US" sz="1800" b="0" strike="noStrike" spc="-1">
+              <a:solidFill>
+                <a:srgbClr val="000000"/>
+              </a:solidFill>
+              <a:latin typeface="Arial"/>
+            </a:endParaRPr>
+          </a:p>
+          <a:p>
+            <a:pPr marL="743040" lvl="1" indent="-285840">
+              <a:lnSpc>
+                <a:spcPct val="100000"/>
+              </a:lnSpc>
+              <a:buClr>
+                <a:srgbClr val="000000"/>
+              </a:buClr>
+              <a:buFont typeface="Arial"/>
+              <a:buChar char="•"/>
+            </a:pPr>
+            <a:r>
+              <a:rPr lang="en-US" sz="1800" b="0" strike="noStrike" spc="-1">
+                <a:solidFill>
+                  <a:srgbClr val="000000"/>
+                </a:solidFill>
+                <a:latin typeface="Inter"/>
+                <a:ea typeface="DejaVu Sans"/>
+              </a:rPr>
+              <a:t>Patch-Based Histogram (8x8, 16x16..)</a:t>
+            </a:r>
+            <a:endParaRPr lang="en-US" sz="1800" b="0" strike="noStrike" spc="-1">
+              <a:solidFill>
+                <a:srgbClr val="000000"/>
+              </a:solidFill>
+              <a:latin typeface="Arial"/>
+            </a:endParaRPr>
+          </a:p>
+          <a:p>
+            <a:pPr>
+              <a:lnSpc>
+                <a:spcPct val="100000"/>
+              </a:lnSpc>
+            </a:pPr>
+            <a:endParaRPr lang="en-US" sz="1800" b="0" strike="noStrike" spc="-1">
+              <a:solidFill>
+                <a:srgbClr val="000000"/>
+              </a:solidFill>
+              <a:latin typeface="Arial"/>
+            </a:endParaRPr>
+          </a:p>
+        </p:txBody>
+      </p:sp>
+      <p:pic>
+        <p:nvPicPr>
+          <p:cNvPr id="374" name="Picture 5" descr="hog_feature"/>
+          <p:cNvPicPr/>
+          <p:nvPr/>
+        </p:nvPicPr>
+        <p:blipFill>
+          <a:blip r:embed="rId3"/>
+          <a:stretch/>
+        </p:blipFill>
+        <p:spPr>
+          <a:xfrm>
+            <a:off x="1737720" y="3024360"/>
+            <a:ext cx="1977120" cy="3242160"/>
+          </a:xfrm>
+          <a:prstGeom prst="rect">
+            <a:avLst/>
+          </a:prstGeom>
+          <a:ln w="0">
+            <a:noFill/>
+          </a:ln>
+        </p:spPr>
+      </p:pic>
+      <p:pic>
+        <p:nvPicPr>
+          <p:cNvPr id="375" name="Imagem 25"/>
+          <p:cNvPicPr/>
+          <p:nvPr/>
+        </p:nvPicPr>
+        <p:blipFill>
+          <a:blip r:embed="rId4"/>
+          <a:stretch/>
+        </p:blipFill>
+        <p:spPr>
+          <a:xfrm>
+            <a:off x="5707080" y="3112200"/>
+            <a:ext cx="1558440" cy="3066840"/>
+          </a:xfrm>
+          <a:prstGeom prst="rect">
+            <a:avLst/>
+          </a:prstGeom>
+          <a:ln w="0">
+            <a:noFill/>
+          </a:ln>
+        </p:spPr>
+      </p:pic>
+      <p:sp>
+        <p:nvSpPr>
+          <p:cNvPr id="376" name="Seta: para a Direita 2"/>
+          <p:cNvSpPr/>
+          <p:nvPr/>
+        </p:nvSpPr>
+        <p:spPr>
+          <a:xfrm>
+            <a:off x="4119120" y="4339800"/>
+            <a:ext cx="1133640" cy="359280"/>
+          </a:xfrm>
+          <a:prstGeom prst="rightArrow">
+            <a:avLst>
+              <a:gd name="adj1" fmla="val 50000"/>
+              <a:gd name="adj2" fmla="val 50000"/>
+            </a:avLst>
+          </a:prstGeom>
+          <a:solidFill>
+            <a:srgbClr val="4F81BD"/>
+          </a:solidFill>
+          <a:ln>
+            <a:solidFill>
+              <a:srgbClr val="3A5F8B"/>
+            </a:solidFill>
+            <a:round/>
+          </a:ln>
+        </p:spPr>
+        <p:style>
+          <a:lnRef idx="2">
+            <a:schemeClr val="accent1">
+              <a:shade val="50000"/>
+            </a:schemeClr>
+          </a:lnRef>
+          <a:fillRef idx="1">
+            <a:schemeClr val="accent1"/>
+          </a:fillRef>
+          <a:effectRef idx="0">
+            <a:schemeClr val="accent1"/>
+          </a:effectRef>
+          <a:fontRef idx="minor"/>
+        </p:style>
+        <p:txBody>
+          <a:bodyPr lIns="90000" tIns="45000" rIns="90000" bIns="45000" anchor="t">
+            <a:noAutofit/>
+          </a:bodyPr>
+          <a:lstStyle/>
+          <a:p>
+            <a:pPr>
+              <a:lnSpc>
+                <a:spcPct val="100000"/>
+              </a:lnSpc>
+            </a:pPr>
+            <a:endParaRPr lang="en-US" sz="1800" b="0" strike="noStrike" spc="-1">
+              <a:solidFill>
+                <a:srgbClr val="FFFFFF"/>
+              </a:solidFill>
+              <a:latin typeface="Arial"/>
+              <a:ea typeface="DejaVu Sans"/>
+            </a:endParaRPr>
+          </a:p>
+        </p:txBody>
+      </p:sp>
+    </p:spTree>
+  </p:cSld>
+  <p:clrMapOvr>
+    <a:masterClrMapping/>
+  </p:clrMapOvr>
+</p:sld>
+</file>
+
+<file path=ppt/slides/slide25.xml><?xml version="1.0" encoding="utf-8"?>
+<p:sld xmlns:a="http://schemas.openxmlformats.org/drawingml/2006/main" xmlns:r="http://schemas.openxmlformats.org/officeDocument/2006/relationships" xmlns:p="http://schemas.openxmlformats.org/presentationml/2006/main">
+  <p:cSld>
+    <p:spTree>
+      <p:nvGrpSpPr>
+        <p:cNvPr id="1" name=""/>
+        <p:cNvGrpSpPr/>
+        <p:nvPr/>
+      </p:nvGrpSpPr>
+      <p:grpSpPr>
+        <a:xfrm>
+          <a:off x="0" y="0"/>
+          <a:ext cx="0" cy="0"/>
+          <a:chOff x="0" y="0"/>
+          <a:chExt cx="0" cy="0"/>
+        </a:xfrm>
+      </p:grpSpPr>
+      <p:sp>
+        <p:nvSpPr>
           <p:cNvPr id="377" name="CustomShape 45"/>
           <p:cNvSpPr/>
           <p:nvPr/>
@@ -36195,7 +37007,7 @@
 </p:sld>
 </file>
 
-<file path=ppt/slides/slide25.xml><?xml version="1.0" encoding="utf-8"?>
+<file path=ppt/slides/slide26.xml><?xml version="1.0" encoding="utf-8"?>
 <p:sld xmlns:a="http://schemas.openxmlformats.org/drawingml/2006/main" xmlns:r="http://schemas.openxmlformats.org/officeDocument/2006/relationships" xmlns:p="http://schemas.openxmlformats.org/presentationml/2006/main">
   <p:cSld>
     <p:spTree>
